--- a/iris-study.pptx
+++ b/iris-study.pptx
@@ -104,6 +104,11 @@
       </a:defRPr>
     </a:lvl9pPr>
   </p:defaultTextStyle>
+  <p:extLst>
+    <p:ext uri="{EFAFB233-063F-42B5-8137-9DF3F51BA10A}">
+      <p15:sldGuideLst xmlns:p15="http://schemas.microsoft.com/office/powerpoint/2012/main"/>
+    </p:ext>
+  </p:extLst>
 </p:presentation>
 </file>
 
@@ -3986,8 +3991,8 @@
           </p:style>
         </p:cxnSp>
       </p:grpSp>
-      <mc:AlternateContent xmlns:mc="http://schemas.openxmlformats.org/markup-compatibility/2006">
-        <mc:Choice xmlns:a14="http://schemas.microsoft.com/office/drawing/2010/main" Requires="a14">
+      <mc:AlternateContent xmlns:mc="http://schemas.openxmlformats.org/markup-compatibility/2006" xmlns:a14="http://schemas.microsoft.com/office/drawing/2010/main">
+        <mc:Choice Requires="a14">
           <p:sp>
             <p:nvSpPr>
               <p:cNvPr id="70" name="TextBox 69"/>
@@ -4010,6 +4015,7 @@
               </a:bodyPr>
               <a:lstStyle/>
               <a:p>
+                <a:pPr/>
                 <a14:m>
                   <m:oMathPara xmlns:m="http://schemas.openxmlformats.org/officeDocument/2006/math">
                     <m:oMathParaPr>
@@ -4049,7 +4055,7 @@
             </p:txBody>
           </p:sp>
         </mc:Choice>
-        <mc:Fallback>
+        <mc:Fallback xmlns="">
           <p:sp>
             <p:nvSpPr>
               <p:cNvPr id="70" name="TextBox 69"/>
@@ -4088,8 +4094,8 @@
           </p:sp>
         </mc:Fallback>
       </mc:AlternateContent>
-      <mc:AlternateContent xmlns:mc="http://schemas.openxmlformats.org/markup-compatibility/2006">
-        <mc:Choice xmlns:a14="http://schemas.microsoft.com/office/drawing/2010/main" Requires="a14">
+      <mc:AlternateContent xmlns:mc="http://schemas.openxmlformats.org/markup-compatibility/2006" xmlns:a14="http://schemas.microsoft.com/office/drawing/2010/main">
+        <mc:Choice Requires="a14">
           <p:sp>
             <p:nvSpPr>
               <p:cNvPr id="71" name="TextBox 70"/>
@@ -4112,6 +4118,7 @@
               </a:bodyPr>
               <a:lstStyle/>
               <a:p>
+                <a:pPr/>
                 <a14:m>
                   <m:oMathPara xmlns:m="http://schemas.openxmlformats.org/officeDocument/2006/math">
                     <m:oMathParaPr>
@@ -4159,7 +4166,7 @@
             </p:txBody>
           </p:sp>
         </mc:Choice>
-        <mc:Fallback>
+        <mc:Fallback xmlns="">
           <p:sp>
             <p:nvSpPr>
               <p:cNvPr id="71" name="TextBox 70"/>
@@ -4198,8 +4205,8 @@
           </p:sp>
         </mc:Fallback>
       </mc:AlternateContent>
-      <mc:AlternateContent xmlns:mc="http://schemas.openxmlformats.org/markup-compatibility/2006">
-        <mc:Choice xmlns:a14="http://schemas.microsoft.com/office/drawing/2010/main" Requires="a14">
+      <mc:AlternateContent xmlns:mc="http://schemas.openxmlformats.org/markup-compatibility/2006" xmlns:a14="http://schemas.microsoft.com/office/drawing/2010/main">
+        <mc:Choice Requires="a14">
           <p:sp>
             <p:nvSpPr>
               <p:cNvPr id="76" name="TextBox 75"/>
@@ -4222,6 +4229,7 @@
               </a:bodyPr>
               <a:lstStyle/>
               <a:p>
+                <a:pPr/>
                 <a14:m>
                   <m:oMathPara xmlns:m="http://schemas.openxmlformats.org/officeDocument/2006/math">
                     <m:oMathParaPr>
@@ -4261,7 +4269,7 @@
             </p:txBody>
           </p:sp>
         </mc:Choice>
-        <mc:Fallback>
+        <mc:Fallback xmlns="">
           <p:sp>
             <p:nvSpPr>
               <p:cNvPr id="76" name="TextBox 75"/>
@@ -4300,8 +4308,8 @@
           </p:sp>
         </mc:Fallback>
       </mc:AlternateContent>
-      <mc:AlternateContent xmlns:mc="http://schemas.openxmlformats.org/markup-compatibility/2006">
-        <mc:Choice xmlns:a14="http://schemas.microsoft.com/office/drawing/2010/main" Requires="a14">
+      <mc:AlternateContent xmlns:mc="http://schemas.openxmlformats.org/markup-compatibility/2006" xmlns:a14="http://schemas.microsoft.com/office/drawing/2010/main">
+        <mc:Choice Requires="a14">
           <p:sp>
             <p:nvSpPr>
               <p:cNvPr id="79" name="TextBox 78"/>
@@ -4324,6 +4332,7 @@
               </a:bodyPr>
               <a:lstStyle/>
               <a:p>
+                <a:pPr/>
                 <a14:m>
                   <m:oMathPara xmlns:m="http://schemas.openxmlformats.org/officeDocument/2006/math">
                     <m:oMathParaPr>
@@ -4371,7 +4380,7 @@
             </p:txBody>
           </p:sp>
         </mc:Choice>
-        <mc:Fallback>
+        <mc:Fallback xmlns="">
           <p:sp>
             <p:nvSpPr>
               <p:cNvPr id="79" name="TextBox 78"/>
@@ -4410,8 +4419,8 @@
           </p:sp>
         </mc:Fallback>
       </mc:AlternateContent>
-      <mc:AlternateContent xmlns:mc="http://schemas.openxmlformats.org/markup-compatibility/2006">
-        <mc:Choice xmlns:a14="http://schemas.microsoft.com/office/drawing/2010/main" Requires="a14">
+      <mc:AlternateContent xmlns:mc="http://schemas.openxmlformats.org/markup-compatibility/2006" xmlns:a14="http://schemas.microsoft.com/office/drawing/2010/main">
+        <mc:Choice Requires="a14">
           <p:sp>
             <p:nvSpPr>
               <p:cNvPr id="81" name="TextBox 80"/>
@@ -4434,6 +4443,7 @@
               </a:bodyPr>
               <a:lstStyle/>
               <a:p>
+                <a:pPr/>
                 <a14:m>
                   <m:oMathPara xmlns:m="http://schemas.openxmlformats.org/officeDocument/2006/math">
                     <m:oMathParaPr>
@@ -4481,7 +4491,7 @@
             </p:txBody>
           </p:sp>
         </mc:Choice>
-        <mc:Fallback>
+        <mc:Fallback xmlns="">
           <p:sp>
             <p:nvSpPr>
               <p:cNvPr id="81" name="TextBox 80"/>
@@ -4628,8 +4638,8 @@
           </a:fontRef>
         </p:style>
       </p:cxnSp>
-      <mc:AlternateContent xmlns:mc="http://schemas.openxmlformats.org/markup-compatibility/2006">
-        <mc:Choice xmlns:a14="http://schemas.microsoft.com/office/drawing/2010/main" Requires="a14">
+      <mc:AlternateContent xmlns:mc="http://schemas.openxmlformats.org/markup-compatibility/2006" xmlns:a14="http://schemas.microsoft.com/office/drawing/2010/main">
+        <mc:Choice Requires="a14">
           <p:sp>
             <p:nvSpPr>
               <p:cNvPr id="91" name="TextBox 90"/>
@@ -4652,6 +4662,7 @@
               </a:bodyPr>
               <a:lstStyle/>
               <a:p>
+                <a:pPr/>
                 <a14:m>
                   <m:oMathPara xmlns:m="http://schemas.openxmlformats.org/officeDocument/2006/math">
                     <m:oMathParaPr>
@@ -4699,7 +4710,7 @@
             </p:txBody>
           </p:sp>
         </mc:Choice>
-        <mc:Fallback>
+        <mc:Fallback xmlns="">
           <p:sp>
             <p:nvSpPr>
               <p:cNvPr id="91" name="TextBox 90"/>
@@ -4738,8 +4749,8 @@
           </p:sp>
         </mc:Fallback>
       </mc:AlternateContent>
-      <mc:AlternateContent xmlns:mc="http://schemas.openxmlformats.org/markup-compatibility/2006">
-        <mc:Choice xmlns:a14="http://schemas.microsoft.com/office/drawing/2010/main" Requires="a14">
+      <mc:AlternateContent xmlns:mc="http://schemas.openxmlformats.org/markup-compatibility/2006" xmlns:a14="http://schemas.microsoft.com/office/drawing/2010/main">
+        <mc:Choice Requires="a14">
           <p:sp>
             <p:nvSpPr>
               <p:cNvPr id="92" name="TextBox 91"/>
@@ -4762,6 +4773,7 @@
               </a:bodyPr>
               <a:lstStyle/>
               <a:p>
+                <a:pPr/>
                 <a14:m>
                   <m:oMathPara xmlns:m="http://schemas.openxmlformats.org/officeDocument/2006/math">
                     <m:oMathParaPr>
@@ -4809,7 +4821,7 @@
             </p:txBody>
           </p:sp>
         </mc:Choice>
-        <mc:Fallback>
+        <mc:Fallback xmlns="">
           <p:sp>
             <p:nvSpPr>
               <p:cNvPr id="92" name="TextBox 91"/>
@@ -4848,8 +4860,8 @@
           </p:sp>
         </mc:Fallback>
       </mc:AlternateContent>
-      <mc:AlternateContent xmlns:mc="http://schemas.openxmlformats.org/markup-compatibility/2006">
-        <mc:Choice xmlns:a14="http://schemas.microsoft.com/office/drawing/2010/main" Requires="a14">
+      <mc:AlternateContent xmlns:mc="http://schemas.openxmlformats.org/markup-compatibility/2006" xmlns:a14="http://schemas.microsoft.com/office/drawing/2010/main">
+        <mc:Choice Requires="a14">
           <p:sp>
             <p:nvSpPr>
               <p:cNvPr id="93" name="TextBox 92"/>
@@ -4872,6 +4884,7 @@
               </a:bodyPr>
               <a:lstStyle/>
               <a:p>
+                <a:pPr/>
                 <a14:m>
                   <m:oMathPara xmlns:m="http://schemas.openxmlformats.org/officeDocument/2006/math">
                     <m:oMathParaPr>
@@ -4919,7 +4932,7 @@
             </p:txBody>
           </p:sp>
         </mc:Choice>
-        <mc:Fallback>
+        <mc:Fallback xmlns="">
           <p:sp>
             <p:nvSpPr>
               <p:cNvPr id="93" name="TextBox 92"/>
@@ -4996,8 +5009,8 @@
           </a:p>
         </p:txBody>
       </p:sp>
-      <mc:AlternateContent xmlns:mc="http://schemas.openxmlformats.org/markup-compatibility/2006">
-        <mc:Choice xmlns:a14="http://schemas.microsoft.com/office/drawing/2010/main" Requires="a14">
+      <mc:AlternateContent xmlns:mc="http://schemas.openxmlformats.org/markup-compatibility/2006" xmlns:a14="http://schemas.microsoft.com/office/drawing/2010/main">
+        <mc:Choice Requires="a14">
           <p:sp>
             <p:nvSpPr>
               <p:cNvPr id="95" name="TextBox 94"/>
@@ -5020,6 +5033,7 @@
               </a:bodyPr>
               <a:lstStyle/>
               <a:p>
+                <a:pPr/>
                 <a14:m>
                   <m:oMathPara xmlns:m="http://schemas.openxmlformats.org/officeDocument/2006/math">
                     <m:oMathParaPr>
@@ -5067,7 +5081,7 @@
             </p:txBody>
           </p:sp>
         </mc:Choice>
-        <mc:Fallback>
+        <mc:Fallback xmlns="">
           <p:sp>
             <p:nvSpPr>
               <p:cNvPr id="95" name="TextBox 94"/>
@@ -5106,8 +5120,8 @@
           </p:sp>
         </mc:Fallback>
       </mc:AlternateContent>
-      <mc:AlternateContent xmlns:mc="http://schemas.openxmlformats.org/markup-compatibility/2006">
-        <mc:Choice xmlns:a14="http://schemas.microsoft.com/office/drawing/2010/main" Requires="a14">
+      <mc:AlternateContent xmlns:mc="http://schemas.openxmlformats.org/markup-compatibility/2006" xmlns:a14="http://schemas.microsoft.com/office/drawing/2010/main">
+        <mc:Choice Requires="a14">
           <p:sp>
             <p:nvSpPr>
               <p:cNvPr id="96" name="TextBox 95"/>
@@ -5130,6 +5144,7 @@
               </a:bodyPr>
               <a:lstStyle/>
               <a:p>
+                <a:pPr/>
                 <a14:m>
                   <m:oMathPara xmlns:m="http://schemas.openxmlformats.org/officeDocument/2006/math">
                     <m:oMathParaPr>
@@ -5177,7 +5192,7 @@
             </p:txBody>
           </p:sp>
         </mc:Choice>
-        <mc:Fallback>
+        <mc:Fallback xmlns="">
           <p:sp>
             <p:nvSpPr>
               <p:cNvPr id="96" name="TextBox 95"/>
@@ -5216,8 +5231,8 @@
           </p:sp>
         </mc:Fallback>
       </mc:AlternateContent>
-      <mc:AlternateContent xmlns:mc="http://schemas.openxmlformats.org/markup-compatibility/2006">
-        <mc:Choice xmlns:a14="http://schemas.microsoft.com/office/drawing/2010/main" Requires="a14">
+      <mc:AlternateContent xmlns:mc="http://schemas.openxmlformats.org/markup-compatibility/2006" xmlns:a14="http://schemas.microsoft.com/office/drawing/2010/main">
+        <mc:Choice Requires="a14">
           <p:sp>
             <p:nvSpPr>
               <p:cNvPr id="97" name="TextBox 96"/>
@@ -5240,6 +5255,7 @@
               </a:bodyPr>
               <a:lstStyle/>
               <a:p>
+                <a:pPr/>
                 <a14:m>
                   <m:oMathPara xmlns:m="http://schemas.openxmlformats.org/officeDocument/2006/math">
                     <m:oMathParaPr>
@@ -5287,7 +5303,7 @@
             </p:txBody>
           </p:sp>
         </mc:Choice>
-        <mc:Fallback>
+        <mc:Fallback xmlns="">
           <p:sp>
             <p:nvSpPr>
               <p:cNvPr id="97" name="TextBox 96"/>
@@ -5427,8 +5443,8 @@
           </p:style>
         </p:cxnSp>
       </p:grpSp>
-      <mc:AlternateContent xmlns:mc="http://schemas.openxmlformats.org/markup-compatibility/2006">
-        <mc:Choice xmlns:a14="http://schemas.microsoft.com/office/drawing/2010/main" Requires="a14">
+      <mc:AlternateContent xmlns:mc="http://schemas.openxmlformats.org/markup-compatibility/2006" xmlns:a14="http://schemas.microsoft.com/office/drawing/2010/main">
+        <mc:Choice Requires="a14">
           <p:sp>
             <p:nvSpPr>
               <p:cNvPr id="102" name="TextBox 101"/>
@@ -5451,6 +5467,7 @@
               </a:bodyPr>
               <a:lstStyle/>
               <a:p>
+                <a:pPr/>
                 <a14:m>
                   <m:oMathPara xmlns:m="http://schemas.openxmlformats.org/officeDocument/2006/math">
                     <m:oMathParaPr>
@@ -5498,7 +5515,7 @@
             </p:txBody>
           </p:sp>
         </mc:Choice>
-        <mc:Fallback>
+        <mc:Fallback xmlns="">
           <p:sp>
             <p:nvSpPr>
               <p:cNvPr id="102" name="TextBox 101"/>
@@ -5537,8 +5554,8 @@
           </p:sp>
         </mc:Fallback>
       </mc:AlternateContent>
-      <mc:AlternateContent xmlns:mc="http://schemas.openxmlformats.org/markup-compatibility/2006">
-        <mc:Choice xmlns:a14="http://schemas.microsoft.com/office/drawing/2010/main" Requires="a14">
+      <mc:AlternateContent xmlns:mc="http://schemas.openxmlformats.org/markup-compatibility/2006" xmlns:a14="http://schemas.microsoft.com/office/drawing/2010/main">
+        <mc:Choice Requires="a14">
           <p:sp>
             <p:nvSpPr>
               <p:cNvPr id="103" name="TextBox 102"/>
@@ -5561,6 +5578,7 @@
               </a:bodyPr>
               <a:lstStyle/>
               <a:p>
+                <a:pPr/>
                 <a14:m>
                   <m:oMathPara xmlns:m="http://schemas.openxmlformats.org/officeDocument/2006/math">
                     <m:oMathParaPr>
@@ -5608,7 +5626,7 @@
             </p:txBody>
           </p:sp>
         </mc:Choice>
-        <mc:Fallback>
+        <mc:Fallback xmlns="">
           <p:sp>
             <p:nvSpPr>
               <p:cNvPr id="103" name="TextBox 102"/>
@@ -5748,8 +5766,8 @@
           </p:style>
         </p:cxnSp>
       </p:grpSp>
-      <mc:AlternateContent xmlns:mc="http://schemas.openxmlformats.org/markup-compatibility/2006">
-        <mc:Choice xmlns:a14="http://schemas.microsoft.com/office/drawing/2010/main" Requires="a14">
+      <mc:AlternateContent xmlns:mc="http://schemas.openxmlformats.org/markup-compatibility/2006" xmlns:a14="http://schemas.microsoft.com/office/drawing/2010/main">
+        <mc:Choice Requires="a14">
           <p:sp>
             <p:nvSpPr>
               <p:cNvPr id="107" name="TextBox 106"/>
@@ -5772,6 +5790,7 @@
               </a:bodyPr>
               <a:lstStyle/>
               <a:p>
+                <a:pPr/>
                 <a14:m>
                   <m:oMathPara xmlns:m="http://schemas.openxmlformats.org/officeDocument/2006/math">
                     <m:oMathParaPr>
@@ -5819,7 +5838,7 @@
             </p:txBody>
           </p:sp>
         </mc:Choice>
-        <mc:Fallback>
+        <mc:Fallback xmlns="">
           <p:sp>
             <p:nvSpPr>
               <p:cNvPr id="107" name="TextBox 106"/>
@@ -5858,8 +5877,8 @@
           </p:sp>
         </mc:Fallback>
       </mc:AlternateContent>
-      <mc:AlternateContent xmlns:mc="http://schemas.openxmlformats.org/markup-compatibility/2006">
-        <mc:Choice xmlns:a14="http://schemas.microsoft.com/office/drawing/2010/main" Requires="a14">
+      <mc:AlternateContent xmlns:mc="http://schemas.openxmlformats.org/markup-compatibility/2006" xmlns:a14="http://schemas.microsoft.com/office/drawing/2010/main">
+        <mc:Choice Requires="a14">
           <p:sp>
             <p:nvSpPr>
               <p:cNvPr id="108" name="TextBox 107"/>
@@ -5882,6 +5901,7 @@
               </a:bodyPr>
               <a:lstStyle/>
               <a:p>
+                <a:pPr/>
                 <a14:m>
                   <m:oMathPara xmlns:m="http://schemas.openxmlformats.org/officeDocument/2006/math">
                     <m:oMathParaPr>
@@ -5929,7 +5949,7 @@
             </p:txBody>
           </p:sp>
         </mc:Choice>
-        <mc:Fallback>
+        <mc:Fallback xmlns="">
           <p:sp>
             <p:nvSpPr>
               <p:cNvPr id="108" name="TextBox 107"/>
@@ -5968,8 +5988,8 @@
           </p:sp>
         </mc:Fallback>
       </mc:AlternateContent>
-      <mc:AlternateContent xmlns:mc="http://schemas.openxmlformats.org/markup-compatibility/2006">
-        <mc:Choice xmlns:a14="http://schemas.microsoft.com/office/drawing/2010/main" Requires="a14">
+      <mc:AlternateContent xmlns:mc="http://schemas.openxmlformats.org/markup-compatibility/2006" xmlns:a14="http://schemas.microsoft.com/office/drawing/2010/main">
+        <mc:Choice Requires="a14">
           <p:sp>
             <p:nvSpPr>
               <p:cNvPr id="109" name="TextBox 108"/>
@@ -5992,6 +6012,7 @@
               </a:bodyPr>
               <a:lstStyle/>
               <a:p>
+                <a:pPr/>
                 <a14:m>
                   <m:oMathPara xmlns:m="http://schemas.openxmlformats.org/officeDocument/2006/math">
                     <m:oMathParaPr>
@@ -6039,7 +6060,7 @@
             </p:txBody>
           </p:sp>
         </mc:Choice>
-        <mc:Fallback>
+        <mc:Fallback xmlns="">
           <p:sp>
             <p:nvSpPr>
               <p:cNvPr id="109" name="TextBox 108"/>
@@ -6078,8 +6099,8 @@
           </p:sp>
         </mc:Fallback>
       </mc:AlternateContent>
-      <mc:AlternateContent xmlns:mc="http://schemas.openxmlformats.org/markup-compatibility/2006">
-        <mc:Choice xmlns:a14="http://schemas.microsoft.com/office/drawing/2010/main" Requires="a14">
+      <mc:AlternateContent xmlns:mc="http://schemas.openxmlformats.org/markup-compatibility/2006" xmlns:a14="http://schemas.microsoft.com/office/drawing/2010/main">
+        <mc:Choice Requires="a14">
           <p:sp>
             <p:nvSpPr>
               <p:cNvPr id="110" name="TextBox 109"/>
@@ -6102,6 +6123,7 @@
               </a:bodyPr>
               <a:lstStyle/>
               <a:p>
+                <a:pPr/>
                 <a14:m>
                   <m:oMathPara xmlns:m="http://schemas.openxmlformats.org/officeDocument/2006/math">
                     <m:oMathParaPr>
@@ -6149,7 +6171,7 @@
             </p:txBody>
           </p:sp>
         </mc:Choice>
-        <mc:Fallback>
+        <mc:Fallback xmlns="">
           <p:sp>
             <p:nvSpPr>
               <p:cNvPr id="110" name="TextBox 109"/>
@@ -6188,8 +6210,8 @@
           </p:sp>
         </mc:Fallback>
       </mc:AlternateContent>
-      <mc:AlternateContent xmlns:mc="http://schemas.openxmlformats.org/markup-compatibility/2006">
-        <mc:Choice xmlns:a14="http://schemas.microsoft.com/office/drawing/2010/main" Requires="a14">
+      <mc:AlternateContent xmlns:mc="http://schemas.openxmlformats.org/markup-compatibility/2006" xmlns:a14="http://schemas.microsoft.com/office/drawing/2010/main">
+        <mc:Choice Requires="a14">
           <p:sp>
             <p:nvSpPr>
               <p:cNvPr id="111" name="TextBox 110"/>
@@ -6212,6 +6234,7 @@
               </a:bodyPr>
               <a:lstStyle/>
               <a:p>
+                <a:pPr/>
                 <a14:m>
                   <m:oMathPara xmlns:m="http://schemas.openxmlformats.org/officeDocument/2006/math">
                     <m:oMathParaPr>
@@ -6259,7 +6282,7 @@
             </p:txBody>
           </p:sp>
         </mc:Choice>
-        <mc:Fallback>
+        <mc:Fallback xmlns="">
           <p:sp>
             <p:nvSpPr>
               <p:cNvPr id="111" name="TextBox 110"/>
@@ -6298,8 +6321,8 @@
           </p:sp>
         </mc:Fallback>
       </mc:AlternateContent>
-      <mc:AlternateContent xmlns:mc="http://schemas.openxmlformats.org/markup-compatibility/2006">
-        <mc:Choice xmlns:a14="http://schemas.microsoft.com/office/drawing/2010/main" Requires="a14">
+      <mc:AlternateContent xmlns:mc="http://schemas.openxmlformats.org/markup-compatibility/2006" xmlns:a14="http://schemas.microsoft.com/office/drawing/2010/main">
+        <mc:Choice Requires="a14">
           <p:sp>
             <p:nvSpPr>
               <p:cNvPr id="112" name="TextBox 111"/>
@@ -6322,6 +6345,7 @@
               </a:bodyPr>
               <a:lstStyle/>
               <a:p>
+                <a:pPr/>
                 <a14:m>
                   <m:oMathPara xmlns:m="http://schemas.openxmlformats.org/officeDocument/2006/math">
                     <m:oMathParaPr>
@@ -6369,7 +6393,7 @@
             </p:txBody>
           </p:sp>
         </mc:Choice>
-        <mc:Fallback>
+        <mc:Fallback xmlns="">
           <p:sp>
             <p:nvSpPr>
               <p:cNvPr id="112" name="TextBox 111"/>
@@ -6408,8 +6432,8 @@
           </p:sp>
         </mc:Fallback>
       </mc:AlternateContent>
-      <mc:AlternateContent xmlns:mc="http://schemas.openxmlformats.org/markup-compatibility/2006">
-        <mc:Choice xmlns:a14="http://schemas.microsoft.com/office/drawing/2010/main" Requires="a14">
+      <mc:AlternateContent xmlns:mc="http://schemas.openxmlformats.org/markup-compatibility/2006" xmlns:a14="http://schemas.microsoft.com/office/drawing/2010/main">
+        <mc:Choice Requires="a14">
           <p:sp>
             <p:nvSpPr>
               <p:cNvPr id="113" name="TextBox 112"/>
@@ -6432,6 +6456,7 @@
               </a:bodyPr>
               <a:lstStyle/>
               <a:p>
+                <a:pPr/>
                 <a14:m>
                   <m:oMathPara xmlns:m="http://schemas.openxmlformats.org/officeDocument/2006/math">
                     <m:oMathParaPr>
@@ -6479,7 +6504,7 @@
             </p:txBody>
           </p:sp>
         </mc:Choice>
-        <mc:Fallback>
+        <mc:Fallback xmlns="">
           <p:sp>
             <p:nvSpPr>
               <p:cNvPr id="113" name="TextBox 112"/>
@@ -6518,8 +6543,8 @@
           </p:sp>
         </mc:Fallback>
       </mc:AlternateContent>
-      <mc:AlternateContent xmlns:mc="http://schemas.openxmlformats.org/markup-compatibility/2006">
-        <mc:Choice xmlns:a14="http://schemas.microsoft.com/office/drawing/2010/main" Requires="a14">
+      <mc:AlternateContent xmlns:mc="http://schemas.openxmlformats.org/markup-compatibility/2006" xmlns:a14="http://schemas.microsoft.com/office/drawing/2010/main">
+        <mc:Choice Requires="a14">
           <p:sp>
             <p:nvSpPr>
               <p:cNvPr id="114" name="TextBox 113"/>
@@ -6542,6 +6567,7 @@
               </a:bodyPr>
               <a:lstStyle/>
               <a:p>
+                <a:pPr/>
                 <a14:m>
                   <m:oMathPara xmlns:m="http://schemas.openxmlformats.org/officeDocument/2006/math">
                     <m:oMathParaPr>
@@ -6589,7 +6615,7 @@
             </p:txBody>
           </p:sp>
         </mc:Choice>
-        <mc:Fallback>
+        <mc:Fallback xmlns="">
           <p:sp>
             <p:nvSpPr>
               <p:cNvPr id="114" name="TextBox 113"/>
@@ -6628,8 +6654,8 @@
           </p:sp>
         </mc:Fallback>
       </mc:AlternateContent>
-      <mc:AlternateContent xmlns:mc="http://schemas.openxmlformats.org/markup-compatibility/2006">
-        <mc:Choice xmlns:a14="http://schemas.microsoft.com/office/drawing/2010/main" Requires="a14">
+      <mc:AlternateContent xmlns:mc="http://schemas.openxmlformats.org/markup-compatibility/2006" xmlns:a14="http://schemas.microsoft.com/office/drawing/2010/main">
+        <mc:Choice Requires="a14">
           <p:sp>
             <p:nvSpPr>
               <p:cNvPr id="115" name="TextBox 114"/>
@@ -6652,6 +6678,7 @@
               </a:bodyPr>
               <a:lstStyle/>
               <a:p>
+                <a:pPr/>
                 <a14:m>
                   <m:oMathPara xmlns:m="http://schemas.openxmlformats.org/officeDocument/2006/math">
                     <m:oMathParaPr>
@@ -6699,7 +6726,7 @@
             </p:txBody>
           </p:sp>
         </mc:Choice>
-        <mc:Fallback>
+        <mc:Fallback xmlns="">
           <p:sp>
             <p:nvSpPr>
               <p:cNvPr id="115" name="TextBox 114"/>
@@ -6738,8 +6765,8 @@
           </p:sp>
         </mc:Fallback>
       </mc:AlternateContent>
-      <mc:AlternateContent xmlns:mc="http://schemas.openxmlformats.org/markup-compatibility/2006">
-        <mc:Choice xmlns:a14="http://schemas.microsoft.com/office/drawing/2010/main" Requires="a14">
+      <mc:AlternateContent xmlns:mc="http://schemas.openxmlformats.org/markup-compatibility/2006" xmlns:a14="http://schemas.microsoft.com/office/drawing/2010/main">
+        <mc:Choice Requires="a14">
           <p:sp>
             <p:nvSpPr>
               <p:cNvPr id="116" name="TextBox 115"/>
@@ -6762,6 +6789,7 @@
               </a:bodyPr>
               <a:lstStyle/>
               <a:p>
+                <a:pPr/>
                 <a14:m>
                   <m:oMathPara xmlns:m="http://schemas.openxmlformats.org/officeDocument/2006/math">
                     <m:oMathParaPr>
@@ -6809,7 +6837,7 @@
             </p:txBody>
           </p:sp>
         </mc:Choice>
-        <mc:Fallback>
+        <mc:Fallback xmlns="">
           <p:sp>
             <p:nvSpPr>
               <p:cNvPr id="116" name="TextBox 115"/>
@@ -6848,8 +6876,8 @@
           </p:sp>
         </mc:Fallback>
       </mc:AlternateContent>
-      <mc:AlternateContent xmlns:mc="http://schemas.openxmlformats.org/markup-compatibility/2006">
-        <mc:Choice xmlns:a14="http://schemas.microsoft.com/office/drawing/2010/main" Requires="a14">
+      <mc:AlternateContent xmlns:mc="http://schemas.openxmlformats.org/markup-compatibility/2006" xmlns:a14="http://schemas.microsoft.com/office/drawing/2010/main">
+        <mc:Choice Requires="a14">
           <p:sp>
             <p:nvSpPr>
               <p:cNvPr id="117" name="TextBox 116"/>
@@ -6872,6 +6900,7 @@
               </a:bodyPr>
               <a:lstStyle/>
               <a:p>
+                <a:pPr/>
                 <a14:m>
                   <m:oMathPara xmlns:m="http://schemas.openxmlformats.org/officeDocument/2006/math">
                     <m:oMathParaPr>
@@ -6919,7 +6948,7 @@
             </p:txBody>
           </p:sp>
         </mc:Choice>
-        <mc:Fallback>
+        <mc:Fallback xmlns="">
           <p:sp>
             <p:nvSpPr>
               <p:cNvPr id="117" name="TextBox 116"/>
@@ -6958,8 +6987,8 @@
           </p:sp>
         </mc:Fallback>
       </mc:AlternateContent>
-      <mc:AlternateContent xmlns:mc="http://schemas.openxmlformats.org/markup-compatibility/2006">
-        <mc:Choice xmlns:a14="http://schemas.microsoft.com/office/drawing/2010/main" Requires="a14">
+      <mc:AlternateContent xmlns:mc="http://schemas.openxmlformats.org/markup-compatibility/2006" xmlns:a14="http://schemas.microsoft.com/office/drawing/2010/main">
+        <mc:Choice Requires="a14">
           <p:sp>
             <p:nvSpPr>
               <p:cNvPr id="118" name="TextBox 117"/>
@@ -6982,6 +7011,7 @@
               </a:bodyPr>
               <a:lstStyle/>
               <a:p>
+                <a:pPr/>
                 <a14:m>
                   <m:oMathPara xmlns:m="http://schemas.openxmlformats.org/officeDocument/2006/math">
                     <m:oMathParaPr>
@@ -7029,7 +7059,7 @@
             </p:txBody>
           </p:sp>
         </mc:Choice>
-        <mc:Fallback>
+        <mc:Fallback xmlns="">
           <p:sp>
             <p:nvSpPr>
               <p:cNvPr id="118" name="TextBox 117"/>
@@ -7068,8 +7098,8 @@
           </p:sp>
         </mc:Fallback>
       </mc:AlternateContent>
-      <mc:AlternateContent xmlns:mc="http://schemas.openxmlformats.org/markup-compatibility/2006">
-        <mc:Choice xmlns:a14="http://schemas.microsoft.com/office/drawing/2010/main" Requires="a14">
+      <mc:AlternateContent xmlns:mc="http://schemas.openxmlformats.org/markup-compatibility/2006" xmlns:a14="http://schemas.microsoft.com/office/drawing/2010/main">
+        <mc:Choice Requires="a14">
           <p:sp>
             <p:nvSpPr>
               <p:cNvPr id="119" name="TextBox 118"/>
@@ -7092,6 +7122,7 @@
               </a:bodyPr>
               <a:lstStyle/>
               <a:p>
+                <a:pPr/>
                 <a14:m>
                   <m:oMathPara xmlns:m="http://schemas.openxmlformats.org/officeDocument/2006/math">
                     <m:oMathParaPr>
@@ -7139,7 +7170,7 @@
             </p:txBody>
           </p:sp>
         </mc:Choice>
-        <mc:Fallback>
+        <mc:Fallback xmlns="">
           <p:sp>
             <p:nvSpPr>
               <p:cNvPr id="119" name="TextBox 118"/>
@@ -7178,8 +7209,8 @@
           </p:sp>
         </mc:Fallback>
       </mc:AlternateContent>
-      <mc:AlternateContent xmlns:mc="http://schemas.openxmlformats.org/markup-compatibility/2006">
-        <mc:Choice xmlns:a14="http://schemas.microsoft.com/office/drawing/2010/main" Requires="a14">
+      <mc:AlternateContent xmlns:mc="http://schemas.openxmlformats.org/markup-compatibility/2006" xmlns:a14="http://schemas.microsoft.com/office/drawing/2010/main">
+        <mc:Choice Requires="a14">
           <p:sp>
             <p:nvSpPr>
               <p:cNvPr id="120" name="TextBox 119"/>
@@ -7202,6 +7233,7 @@
               </a:bodyPr>
               <a:lstStyle/>
               <a:p>
+                <a:pPr/>
                 <a14:m>
                   <m:oMathPara xmlns:m="http://schemas.openxmlformats.org/officeDocument/2006/math">
                     <m:oMathParaPr>
@@ -7249,7 +7281,7 @@
             </p:txBody>
           </p:sp>
         </mc:Choice>
-        <mc:Fallback>
+        <mc:Fallback xmlns="">
           <p:sp>
             <p:nvSpPr>
               <p:cNvPr id="120" name="TextBox 119"/>
@@ -7288,8 +7320,8 @@
           </p:sp>
         </mc:Fallback>
       </mc:AlternateContent>
-      <mc:AlternateContent xmlns:mc="http://schemas.openxmlformats.org/markup-compatibility/2006">
-        <mc:Choice xmlns:a14="http://schemas.microsoft.com/office/drawing/2010/main" Requires="a14">
+      <mc:AlternateContent xmlns:mc="http://schemas.openxmlformats.org/markup-compatibility/2006" xmlns:a14="http://schemas.microsoft.com/office/drawing/2010/main">
+        <mc:Choice Requires="a14">
           <p:sp>
             <p:nvSpPr>
               <p:cNvPr id="121" name="TextBox 120"/>
@@ -7312,6 +7344,7 @@
               </a:bodyPr>
               <a:lstStyle/>
               <a:p>
+                <a:pPr/>
                 <a14:m>
                   <m:oMathPara xmlns:m="http://schemas.openxmlformats.org/officeDocument/2006/math">
                     <m:oMathParaPr>
@@ -7359,7 +7392,7 @@
             </p:txBody>
           </p:sp>
         </mc:Choice>
-        <mc:Fallback>
+        <mc:Fallback xmlns="">
           <p:sp>
             <p:nvSpPr>
               <p:cNvPr id="121" name="TextBox 120"/>
@@ -7398,8 +7431,8 @@
           </p:sp>
         </mc:Fallback>
       </mc:AlternateContent>
-      <mc:AlternateContent xmlns:mc="http://schemas.openxmlformats.org/markup-compatibility/2006">
-        <mc:Choice xmlns:a14="http://schemas.microsoft.com/office/drawing/2010/main" Requires="a14">
+      <mc:AlternateContent xmlns:mc="http://schemas.openxmlformats.org/markup-compatibility/2006" xmlns:a14="http://schemas.microsoft.com/office/drawing/2010/main">
+        <mc:Choice Requires="a14">
           <p:sp>
             <p:nvSpPr>
               <p:cNvPr id="122" name="TextBox 121"/>
@@ -7422,6 +7455,7 @@
               </a:bodyPr>
               <a:lstStyle/>
               <a:p>
+                <a:pPr/>
                 <a14:m>
                   <m:oMathPara xmlns:m="http://schemas.openxmlformats.org/officeDocument/2006/math">
                     <m:oMathParaPr>
@@ -7469,7 +7503,7 @@
             </p:txBody>
           </p:sp>
         </mc:Choice>
-        <mc:Fallback>
+        <mc:Fallback xmlns="">
           <p:sp>
             <p:nvSpPr>
               <p:cNvPr id="122" name="TextBox 121"/>
@@ -7508,8 +7542,8 @@
           </p:sp>
         </mc:Fallback>
       </mc:AlternateContent>
-      <mc:AlternateContent xmlns:mc="http://schemas.openxmlformats.org/markup-compatibility/2006">
-        <mc:Choice xmlns:a14="http://schemas.microsoft.com/office/drawing/2010/main" Requires="a14">
+      <mc:AlternateContent xmlns:mc="http://schemas.openxmlformats.org/markup-compatibility/2006" xmlns:a14="http://schemas.microsoft.com/office/drawing/2010/main">
+        <mc:Choice Requires="a14">
           <p:sp>
             <p:nvSpPr>
               <p:cNvPr id="123" name="TextBox 122"/>
@@ -7532,6 +7566,7 @@
               </a:bodyPr>
               <a:lstStyle/>
               <a:p>
+                <a:pPr/>
                 <a14:m>
                   <m:oMathPara xmlns:m="http://schemas.openxmlformats.org/officeDocument/2006/math">
                     <m:oMathParaPr>
@@ -7579,7 +7614,7 @@
             </p:txBody>
           </p:sp>
         </mc:Choice>
-        <mc:Fallback>
+        <mc:Fallback xmlns="">
           <p:sp>
             <p:nvSpPr>
               <p:cNvPr id="123" name="TextBox 122"/>
@@ -7804,8 +7839,8 @@
           </a:p>
         </p:txBody>
       </p:sp>
-      <mc:AlternateContent xmlns:mc="http://schemas.openxmlformats.org/markup-compatibility/2006">
-        <mc:Choice xmlns:a14="http://schemas.microsoft.com/office/drawing/2010/main" Requires="a14">
+      <mc:AlternateContent xmlns:mc="http://schemas.openxmlformats.org/markup-compatibility/2006" xmlns:a14="http://schemas.microsoft.com/office/drawing/2010/main">
+        <mc:Choice Requires="a14">
           <p:sp>
             <p:nvSpPr>
               <p:cNvPr id="135" name="TextBox 134"/>
@@ -7866,7 +7901,7 @@
             </p:txBody>
           </p:sp>
         </mc:Choice>
-        <mc:Fallback>
+        <mc:Fallback xmlns="">
           <p:sp>
             <p:nvSpPr>
               <p:cNvPr id="135" name="TextBox 134"/>
@@ -7905,8 +7940,8 @@
           </p:sp>
         </mc:Fallback>
       </mc:AlternateContent>
-      <mc:AlternateContent xmlns:mc="http://schemas.openxmlformats.org/markup-compatibility/2006">
-        <mc:Choice xmlns:a14="http://schemas.microsoft.com/office/drawing/2010/main" Requires="a14">
+      <mc:AlternateContent xmlns:mc="http://schemas.openxmlformats.org/markup-compatibility/2006" xmlns:a14="http://schemas.microsoft.com/office/drawing/2010/main">
+        <mc:Choice Requires="a14">
           <p:sp>
             <p:nvSpPr>
               <p:cNvPr id="137" name="TextBox 136"/>
@@ -7929,6 +7964,7 @@
               </a:bodyPr>
               <a:lstStyle/>
               <a:p>
+                <a:pPr/>
                 <a14:m>
                   <m:oMathPara xmlns:m="http://schemas.openxmlformats.org/officeDocument/2006/math">
                     <m:oMathParaPr>
@@ -7968,7 +8004,7 @@
             </p:txBody>
           </p:sp>
         </mc:Choice>
-        <mc:Fallback>
+        <mc:Fallback xmlns="">
           <p:sp>
             <p:nvSpPr>
               <p:cNvPr id="137" name="TextBox 136"/>
@@ -8007,8 +8043,8 @@
           </p:sp>
         </mc:Fallback>
       </mc:AlternateContent>
-      <mc:AlternateContent xmlns:mc="http://schemas.openxmlformats.org/markup-compatibility/2006">
-        <mc:Choice xmlns:a14="http://schemas.microsoft.com/office/drawing/2010/main" Requires="a14">
+      <mc:AlternateContent xmlns:mc="http://schemas.openxmlformats.org/markup-compatibility/2006" xmlns:a14="http://schemas.microsoft.com/office/drawing/2010/main">
+        <mc:Choice Requires="a14">
           <p:sp>
             <p:nvSpPr>
               <p:cNvPr id="138" name="TextBox 137"/>
@@ -8069,7 +8105,7 @@
             </p:txBody>
           </p:sp>
         </mc:Choice>
-        <mc:Fallback>
+        <mc:Fallback xmlns="">
           <p:sp>
             <p:nvSpPr>
               <p:cNvPr id="138" name="TextBox 137"/>
@@ -8108,8 +8144,8 @@
           </p:sp>
         </mc:Fallback>
       </mc:AlternateContent>
-      <mc:AlternateContent xmlns:mc="http://schemas.openxmlformats.org/markup-compatibility/2006">
-        <mc:Choice xmlns:a14="http://schemas.microsoft.com/office/drawing/2010/main" Requires="a14">
+      <mc:AlternateContent xmlns:mc="http://schemas.openxmlformats.org/markup-compatibility/2006" xmlns:a14="http://schemas.microsoft.com/office/drawing/2010/main">
+        <mc:Choice Requires="a14">
           <p:sp>
             <p:nvSpPr>
               <p:cNvPr id="139" name="TextBox 138"/>
@@ -8132,6 +8168,7 @@
               </a:bodyPr>
               <a:lstStyle/>
               <a:p>
+                <a:pPr/>
                 <a14:m>
                   <m:oMathPara xmlns:m="http://schemas.openxmlformats.org/officeDocument/2006/math">
                     <m:oMathParaPr>
@@ -8171,7 +8208,7 @@
             </p:txBody>
           </p:sp>
         </mc:Choice>
-        <mc:Fallback>
+        <mc:Fallback xmlns="">
           <p:sp>
             <p:nvSpPr>
               <p:cNvPr id="139" name="TextBox 138"/>
@@ -8210,8 +8247,8 @@
           </p:sp>
         </mc:Fallback>
       </mc:AlternateContent>
-      <mc:AlternateContent xmlns:mc="http://schemas.openxmlformats.org/markup-compatibility/2006">
-        <mc:Choice xmlns:a14="http://schemas.microsoft.com/office/drawing/2010/main" Requires="a14">
+      <mc:AlternateContent xmlns:mc="http://schemas.openxmlformats.org/markup-compatibility/2006" xmlns:a14="http://schemas.microsoft.com/office/drawing/2010/main">
+        <mc:Choice Requires="a14">
           <p:sp>
             <p:nvSpPr>
               <p:cNvPr id="142" name="TextBox 141"/>
@@ -8272,7 +8309,7 @@
             </p:txBody>
           </p:sp>
         </mc:Choice>
-        <mc:Fallback>
+        <mc:Fallback xmlns="">
           <p:sp>
             <p:nvSpPr>
               <p:cNvPr id="142" name="TextBox 141"/>
@@ -8311,8 +8348,8 @@
           </p:sp>
         </mc:Fallback>
       </mc:AlternateContent>
-      <mc:AlternateContent xmlns:mc="http://schemas.openxmlformats.org/markup-compatibility/2006">
-        <mc:Choice xmlns:a14="http://schemas.microsoft.com/office/drawing/2010/main" Requires="a14">
+      <mc:AlternateContent xmlns:mc="http://schemas.openxmlformats.org/markup-compatibility/2006" xmlns:a14="http://schemas.microsoft.com/office/drawing/2010/main">
+        <mc:Choice Requires="a14">
           <p:sp>
             <p:nvSpPr>
               <p:cNvPr id="143" name="TextBox 142"/>
@@ -8335,6 +8372,7 @@
               </a:bodyPr>
               <a:lstStyle/>
               <a:p>
+                <a:pPr/>
                 <a14:m>
                   <m:oMathPara xmlns:m="http://schemas.openxmlformats.org/officeDocument/2006/math">
                     <m:oMathParaPr>
@@ -8374,7 +8412,7 @@
             </p:txBody>
           </p:sp>
         </mc:Choice>
-        <mc:Fallback>
+        <mc:Fallback xmlns="">
           <p:sp>
             <p:nvSpPr>
               <p:cNvPr id="143" name="TextBox 142"/>
@@ -8413,8 +8451,8 @@
           </p:sp>
         </mc:Fallback>
       </mc:AlternateContent>
-      <mc:AlternateContent xmlns:mc="http://schemas.openxmlformats.org/markup-compatibility/2006">
-        <mc:Choice xmlns:a14="http://schemas.microsoft.com/office/drawing/2010/main" Requires="a14">
+      <mc:AlternateContent xmlns:mc="http://schemas.openxmlformats.org/markup-compatibility/2006" xmlns:a14="http://schemas.microsoft.com/office/drawing/2010/main">
+        <mc:Choice Requires="a14">
           <p:sp>
             <p:nvSpPr>
               <p:cNvPr id="144" name="TextBox 143"/>
@@ -8475,7 +8513,7 @@
             </p:txBody>
           </p:sp>
         </mc:Choice>
-        <mc:Fallback>
+        <mc:Fallback xmlns="">
           <p:sp>
             <p:nvSpPr>
               <p:cNvPr id="144" name="TextBox 143"/>
@@ -8514,8 +8552,8 @@
           </p:sp>
         </mc:Fallback>
       </mc:AlternateContent>
-      <mc:AlternateContent xmlns:mc="http://schemas.openxmlformats.org/markup-compatibility/2006">
-        <mc:Choice xmlns:a14="http://schemas.microsoft.com/office/drawing/2010/main" Requires="a14">
+      <mc:AlternateContent xmlns:mc="http://schemas.openxmlformats.org/markup-compatibility/2006" xmlns:a14="http://schemas.microsoft.com/office/drawing/2010/main">
+        <mc:Choice Requires="a14">
           <p:sp>
             <p:nvSpPr>
               <p:cNvPr id="145" name="TextBox 144"/>
@@ -8538,6 +8576,7 @@
               </a:bodyPr>
               <a:lstStyle/>
               <a:p>
+                <a:pPr/>
                 <a14:m>
                   <m:oMathPara xmlns:m="http://schemas.openxmlformats.org/officeDocument/2006/math">
                     <m:oMathParaPr>
@@ -8577,7 +8616,7 @@
             </p:txBody>
           </p:sp>
         </mc:Choice>
-        <mc:Fallback>
+        <mc:Fallback xmlns="">
           <p:sp>
             <p:nvSpPr>
               <p:cNvPr id="145" name="TextBox 144"/>
@@ -8616,8 +8655,8 @@
           </p:sp>
         </mc:Fallback>
       </mc:AlternateContent>
-      <mc:AlternateContent xmlns:mc="http://schemas.openxmlformats.org/markup-compatibility/2006">
-        <mc:Choice xmlns:a14="http://schemas.microsoft.com/office/drawing/2010/main" Requires="a14">
+      <mc:AlternateContent xmlns:mc="http://schemas.openxmlformats.org/markup-compatibility/2006" xmlns:a14="http://schemas.microsoft.com/office/drawing/2010/main">
+        <mc:Choice Requires="a14">
           <p:sp>
             <p:nvSpPr>
               <p:cNvPr id="146" name="TextBox 145"/>
@@ -8640,6 +8679,7 @@
               </a:bodyPr>
               <a:lstStyle/>
               <a:p>
+                <a:pPr/>
                 <a14:m>
                   <m:oMathPara xmlns:m="http://schemas.openxmlformats.org/officeDocument/2006/math">
                     <m:oMathParaPr>
@@ -8697,7 +8737,7 @@
             </p:txBody>
           </p:sp>
         </mc:Choice>
-        <mc:Fallback>
+        <mc:Fallback xmlns="">
           <p:sp>
             <p:nvSpPr>
               <p:cNvPr id="146" name="TextBox 145"/>
@@ -8736,8 +8776,8 @@
           </p:sp>
         </mc:Fallback>
       </mc:AlternateContent>
-      <mc:AlternateContent xmlns:mc="http://schemas.openxmlformats.org/markup-compatibility/2006">
-        <mc:Choice xmlns:a14="http://schemas.microsoft.com/office/drawing/2010/main" Requires="a14">
+      <mc:AlternateContent xmlns:mc="http://schemas.openxmlformats.org/markup-compatibility/2006" xmlns:a14="http://schemas.microsoft.com/office/drawing/2010/main">
+        <mc:Choice Requires="a14">
           <p:sp>
             <p:nvSpPr>
               <p:cNvPr id="149" name="TextBox 148"/>
@@ -8760,6 +8800,7 @@
               </a:bodyPr>
               <a:lstStyle/>
               <a:p>
+                <a:pPr/>
                 <a14:m>
                   <m:oMathPara xmlns:m="http://schemas.openxmlformats.org/officeDocument/2006/math">
                     <m:oMathParaPr>
@@ -8816,7 +8857,7 @@
             </p:txBody>
           </p:sp>
         </mc:Choice>
-        <mc:Fallback>
+        <mc:Fallback xmlns="">
           <p:sp>
             <p:nvSpPr>
               <p:cNvPr id="149" name="TextBox 148"/>
@@ -8855,8 +8896,8 @@
           </p:sp>
         </mc:Fallback>
       </mc:AlternateContent>
-      <mc:AlternateContent xmlns:mc="http://schemas.openxmlformats.org/markup-compatibility/2006">
-        <mc:Choice xmlns:a14="http://schemas.microsoft.com/office/drawing/2010/main" Requires="a14">
+      <mc:AlternateContent xmlns:mc="http://schemas.openxmlformats.org/markup-compatibility/2006" xmlns:a14="http://schemas.microsoft.com/office/drawing/2010/main">
+        <mc:Choice Requires="a14">
           <p:sp>
             <p:nvSpPr>
               <p:cNvPr id="150" name="TextBox 149"/>
@@ -8879,6 +8920,7 @@
               </a:bodyPr>
               <a:lstStyle/>
               <a:p>
+                <a:pPr/>
                 <a14:m>
                   <m:oMathPara xmlns:m="http://schemas.openxmlformats.org/officeDocument/2006/math">
                     <m:oMathParaPr>
@@ -8936,7 +8978,7 @@
             </p:txBody>
           </p:sp>
         </mc:Choice>
-        <mc:Fallback>
+        <mc:Fallback xmlns="">
           <p:sp>
             <p:nvSpPr>
               <p:cNvPr id="150" name="TextBox 149"/>
@@ -8975,8 +9017,8 @@
           </p:sp>
         </mc:Fallback>
       </mc:AlternateContent>
-      <mc:AlternateContent xmlns:mc="http://schemas.openxmlformats.org/markup-compatibility/2006">
-        <mc:Choice xmlns:a14="http://schemas.microsoft.com/office/drawing/2010/main" Requires="a14">
+      <mc:AlternateContent xmlns:mc="http://schemas.openxmlformats.org/markup-compatibility/2006" xmlns:a14="http://schemas.microsoft.com/office/drawing/2010/main">
+        <mc:Choice Requires="a14">
           <p:sp>
             <p:nvSpPr>
               <p:cNvPr id="151" name="TextBox 150"/>
@@ -8999,6 +9041,7 @@
               </a:bodyPr>
               <a:lstStyle/>
               <a:p>
+                <a:pPr/>
                 <a14:m>
                   <m:oMathPara xmlns:m="http://schemas.openxmlformats.org/officeDocument/2006/math">
                     <m:oMathParaPr>
@@ -9056,7 +9099,7 @@
             </p:txBody>
           </p:sp>
         </mc:Choice>
-        <mc:Fallback>
+        <mc:Fallback xmlns="">
           <p:sp>
             <p:nvSpPr>
               <p:cNvPr id="151" name="TextBox 150"/>
@@ -9103,7 +9146,7 @@
         </p:nvSpPr>
         <p:spPr>
           <a:xfrm>
-            <a:off x="3028380" y="326070"/>
+            <a:off x="3028380" y="322653"/>
             <a:ext cx="1034257" cy="369332"/>
           </a:xfrm>
           <a:prstGeom prst="rect">
@@ -9137,7 +9180,7 @@
         </p:nvSpPr>
         <p:spPr>
           <a:xfrm>
-            <a:off x="4617745" y="326070"/>
+            <a:off x="4617745" y="322653"/>
             <a:ext cx="1034257" cy="369332"/>
           </a:xfrm>
           <a:prstGeom prst="rect">
@@ -9171,7 +9214,7 @@
         </p:nvSpPr>
         <p:spPr>
           <a:xfrm>
-            <a:off x="6014279" y="326070"/>
+            <a:off x="6014279" y="322653"/>
             <a:ext cx="1034257" cy="369332"/>
           </a:xfrm>
           <a:prstGeom prst="rect">
@@ -9197,8 +9240,8 @@
           </a:p>
         </p:txBody>
       </p:sp>
-      <mc:AlternateContent xmlns:mc="http://schemas.openxmlformats.org/markup-compatibility/2006">
-        <mc:Choice xmlns:a14="http://schemas.microsoft.com/office/drawing/2010/main" Requires="a14">
+      <mc:AlternateContent xmlns:mc="http://schemas.openxmlformats.org/markup-compatibility/2006" xmlns:a14="http://schemas.microsoft.com/office/drawing/2010/main">
+        <mc:Choice Requires="a14">
           <p:sp>
             <p:nvSpPr>
               <p:cNvPr id="157" name="TextBox 156"/>
@@ -9221,6 +9264,7 @@
               </a:bodyPr>
               <a:lstStyle/>
               <a:p>
+                <a:pPr/>
                 <a14:m>
                   <m:oMathPara xmlns:m="http://schemas.openxmlformats.org/officeDocument/2006/math">
                     <m:oMathParaPr>
@@ -9241,7 +9285,7 @@
             </p:txBody>
           </p:sp>
         </mc:Choice>
-        <mc:Fallback>
+        <mc:Fallback xmlns="">
           <p:sp>
             <p:nvSpPr>
               <p:cNvPr id="157" name="TextBox 156"/>
@@ -9280,8 +9324,8 @@
           </p:sp>
         </mc:Fallback>
       </mc:AlternateContent>
-      <mc:AlternateContent xmlns:mc="http://schemas.openxmlformats.org/markup-compatibility/2006">
-        <mc:Choice xmlns:a14="http://schemas.microsoft.com/office/drawing/2010/main" Requires="a14">
+      <mc:AlternateContent xmlns:mc="http://schemas.openxmlformats.org/markup-compatibility/2006" xmlns:a14="http://schemas.microsoft.com/office/drawing/2010/main">
+        <mc:Choice Requires="a14">
           <p:sp>
             <p:nvSpPr>
               <p:cNvPr id="158" name="TextBox 157"/>
@@ -9304,6 +9348,7 @@
               </a:bodyPr>
               <a:lstStyle/>
               <a:p>
+                <a:pPr/>
                 <a14:m>
                   <m:oMathPara xmlns:m="http://schemas.openxmlformats.org/officeDocument/2006/math">
                     <m:oMathParaPr>
@@ -9324,7 +9369,7 @@
             </p:txBody>
           </p:sp>
         </mc:Choice>
-        <mc:Fallback>
+        <mc:Fallback xmlns="">
           <p:sp>
             <p:nvSpPr>
               <p:cNvPr id="158" name="TextBox 157"/>
@@ -9363,8 +9408,8 @@
           </p:sp>
         </mc:Fallback>
       </mc:AlternateContent>
-      <mc:AlternateContent xmlns:mc="http://schemas.openxmlformats.org/markup-compatibility/2006">
-        <mc:Choice xmlns:a14="http://schemas.microsoft.com/office/drawing/2010/main" Requires="a14">
+      <mc:AlternateContent xmlns:mc="http://schemas.openxmlformats.org/markup-compatibility/2006" xmlns:a14="http://schemas.microsoft.com/office/drawing/2010/main">
+        <mc:Choice Requires="a14">
           <p:sp>
             <p:nvSpPr>
               <p:cNvPr id="159" name="TextBox 158"/>
@@ -9387,6 +9432,7 @@
               </a:bodyPr>
               <a:lstStyle/>
               <a:p>
+                <a:pPr/>
                 <a14:m>
                   <m:oMathPara xmlns:m="http://schemas.openxmlformats.org/officeDocument/2006/math">
                     <m:oMathParaPr>
@@ -9407,7 +9453,7 @@
             </p:txBody>
           </p:sp>
         </mc:Choice>
-        <mc:Fallback>
+        <mc:Fallback xmlns="">
           <p:sp>
             <p:nvSpPr>
               <p:cNvPr id="159" name="TextBox 158"/>
@@ -9446,8 +9492,8 @@
           </p:sp>
         </mc:Fallback>
       </mc:AlternateContent>
-      <mc:AlternateContent xmlns:mc="http://schemas.openxmlformats.org/markup-compatibility/2006">
-        <mc:Choice xmlns:a14="http://schemas.microsoft.com/office/drawing/2010/main" Requires="a14">
+      <mc:AlternateContent xmlns:mc="http://schemas.openxmlformats.org/markup-compatibility/2006" xmlns:a14="http://schemas.microsoft.com/office/drawing/2010/main">
+        <mc:Choice Requires="a14">
           <p:sp>
             <p:nvSpPr>
               <p:cNvPr id="160" name="TextBox 159"/>
@@ -9470,6 +9516,7 @@
               </a:bodyPr>
               <a:lstStyle/>
               <a:p>
+                <a:pPr/>
                 <a14:m>
                   <m:oMathPara xmlns:m="http://schemas.openxmlformats.org/officeDocument/2006/math">
                     <m:oMathParaPr>
@@ -9517,7 +9564,7 @@
             </p:txBody>
           </p:sp>
         </mc:Choice>
-        <mc:Fallback>
+        <mc:Fallback xmlns="">
           <p:sp>
             <p:nvSpPr>
               <p:cNvPr id="160" name="TextBox 159"/>
@@ -9556,8 +9603,8 @@
           </p:sp>
         </mc:Fallback>
       </mc:AlternateContent>
-      <mc:AlternateContent xmlns:mc="http://schemas.openxmlformats.org/markup-compatibility/2006">
-        <mc:Choice xmlns:a14="http://schemas.microsoft.com/office/drawing/2010/main" Requires="a14">
+      <mc:AlternateContent xmlns:mc="http://schemas.openxmlformats.org/markup-compatibility/2006" xmlns:a14="http://schemas.microsoft.com/office/drawing/2010/main">
+        <mc:Choice Requires="a14">
           <p:sp>
             <p:nvSpPr>
               <p:cNvPr id="161" name="TextBox 160"/>
@@ -9580,6 +9627,7 @@
               </a:bodyPr>
               <a:lstStyle/>
               <a:p>
+                <a:pPr/>
                 <a14:m>
                   <m:oMathPara xmlns:m="http://schemas.openxmlformats.org/officeDocument/2006/math">
                     <m:oMathParaPr>
@@ -9627,7 +9675,7 @@
             </p:txBody>
           </p:sp>
         </mc:Choice>
-        <mc:Fallback>
+        <mc:Fallback xmlns="">
           <p:sp>
             <p:nvSpPr>
               <p:cNvPr id="161" name="TextBox 160"/>
@@ -9666,8 +9714,8 @@
           </p:sp>
         </mc:Fallback>
       </mc:AlternateContent>
-      <mc:AlternateContent xmlns:mc="http://schemas.openxmlformats.org/markup-compatibility/2006">
-        <mc:Choice xmlns:a14="http://schemas.microsoft.com/office/drawing/2010/main" Requires="a14">
+      <mc:AlternateContent xmlns:mc="http://schemas.openxmlformats.org/markup-compatibility/2006" xmlns:a14="http://schemas.microsoft.com/office/drawing/2010/main">
+        <mc:Choice Requires="a14">
           <p:sp>
             <p:nvSpPr>
               <p:cNvPr id="162" name="TextBox 161"/>
@@ -9690,6 +9738,7 @@
               </a:bodyPr>
               <a:lstStyle/>
               <a:p>
+                <a:pPr/>
                 <a14:m>
                   <m:oMathPara xmlns:m="http://schemas.openxmlformats.org/officeDocument/2006/math">
                     <m:oMathParaPr>
@@ -9737,7 +9786,7 @@
             </p:txBody>
           </p:sp>
         </mc:Choice>
-        <mc:Fallback>
+        <mc:Fallback xmlns="">
           <p:sp>
             <p:nvSpPr>
               <p:cNvPr id="162" name="TextBox 161"/>
@@ -9776,8 +9825,8 @@
           </p:sp>
         </mc:Fallback>
       </mc:AlternateContent>
-      <mc:AlternateContent xmlns:mc="http://schemas.openxmlformats.org/markup-compatibility/2006">
-        <mc:Choice xmlns:a14="http://schemas.microsoft.com/office/drawing/2010/main" Requires="a14">
+      <mc:AlternateContent xmlns:mc="http://schemas.openxmlformats.org/markup-compatibility/2006" xmlns:a14="http://schemas.microsoft.com/office/drawing/2010/main">
+        <mc:Choice Requires="a14">
           <p:sp>
             <p:nvSpPr>
               <p:cNvPr id="163" name="TextBox 162"/>
@@ -9800,6 +9849,7 @@
               </a:bodyPr>
               <a:lstStyle/>
               <a:p>
+                <a:pPr/>
                 <a14:m>
                   <m:oMathPara xmlns:m="http://schemas.openxmlformats.org/officeDocument/2006/math">
                     <m:oMathParaPr>
@@ -9847,7 +9897,7 @@
             </p:txBody>
           </p:sp>
         </mc:Choice>
-        <mc:Fallback>
+        <mc:Fallback xmlns="">
           <p:sp>
             <p:nvSpPr>
               <p:cNvPr id="163" name="TextBox 162"/>
@@ -9932,8 +9982,8 @@
           </a:p>
         </p:txBody>
       </p:sp>
-      <mc:AlternateContent xmlns:mc="http://schemas.openxmlformats.org/markup-compatibility/2006">
-        <mc:Choice xmlns:a14="http://schemas.microsoft.com/office/drawing/2010/main" Requires="a14">
+      <mc:AlternateContent xmlns:mc="http://schemas.openxmlformats.org/markup-compatibility/2006" xmlns:a14="http://schemas.microsoft.com/office/drawing/2010/main">
+        <mc:Choice Requires="a14">
           <p:sp>
             <p:nvSpPr>
               <p:cNvPr id="167" name="TextBox 166"/>
@@ -9956,6 +10006,7 @@
               </a:bodyPr>
               <a:lstStyle/>
               <a:p>
+                <a:pPr/>
                 <a14:m>
                   <m:oMathPara xmlns:m="http://schemas.openxmlformats.org/officeDocument/2006/math">
                     <m:oMathParaPr>
@@ -9995,7 +10046,7 @@
             </p:txBody>
           </p:sp>
         </mc:Choice>
-        <mc:Fallback>
+        <mc:Fallback xmlns="">
           <p:sp>
             <p:nvSpPr>
               <p:cNvPr id="167" name="TextBox 166"/>
@@ -10080,8 +10131,8 @@
           </a:p>
         </p:txBody>
       </p:sp>
-      <mc:AlternateContent xmlns:mc="http://schemas.openxmlformats.org/markup-compatibility/2006">
-        <mc:Choice xmlns:a14="http://schemas.microsoft.com/office/drawing/2010/main" Requires="a14">
+      <mc:AlternateContent xmlns:mc="http://schemas.openxmlformats.org/markup-compatibility/2006" xmlns:a14="http://schemas.microsoft.com/office/drawing/2010/main">
+        <mc:Choice Requires="a14">
           <p:sp>
             <p:nvSpPr>
               <p:cNvPr id="169" name="TextBox 168"/>
@@ -10104,6 +10155,7 @@
               </a:bodyPr>
               <a:lstStyle/>
               <a:p>
+                <a:pPr/>
                 <a14:m>
                   <m:oMathPara xmlns:m="http://schemas.openxmlformats.org/officeDocument/2006/math">
                     <m:oMathParaPr>
@@ -10143,7 +10195,7 @@
             </p:txBody>
           </p:sp>
         </mc:Choice>
-        <mc:Fallback>
+        <mc:Fallback xmlns="">
           <p:sp>
             <p:nvSpPr>
               <p:cNvPr id="169" name="TextBox 168"/>
@@ -10228,8 +10280,8 @@
           </a:p>
         </p:txBody>
       </p:sp>
-      <mc:AlternateContent xmlns:mc="http://schemas.openxmlformats.org/markup-compatibility/2006">
-        <mc:Choice xmlns:a14="http://schemas.microsoft.com/office/drawing/2010/main" Requires="a14">
+      <mc:AlternateContent xmlns:mc="http://schemas.openxmlformats.org/markup-compatibility/2006" xmlns:a14="http://schemas.microsoft.com/office/drawing/2010/main">
+        <mc:Choice Requires="a14">
           <p:sp>
             <p:nvSpPr>
               <p:cNvPr id="171" name="TextBox 170"/>
@@ -10252,6 +10304,7 @@
               </a:bodyPr>
               <a:lstStyle/>
               <a:p>
+                <a:pPr/>
                 <a14:m>
                   <m:oMathPara xmlns:m="http://schemas.openxmlformats.org/officeDocument/2006/math">
                     <m:oMathParaPr>
@@ -10291,7 +10344,7 @@
             </p:txBody>
           </p:sp>
         </mc:Choice>
-        <mc:Fallback>
+        <mc:Fallback xmlns="">
           <p:sp>
             <p:nvSpPr>
               <p:cNvPr id="171" name="TextBox 170"/>
@@ -12184,8 +12237,8 @@
           </a:p>
         </p:txBody>
       </p:sp>
-      <mc:AlternateContent xmlns:mc="http://schemas.openxmlformats.org/markup-compatibility/2006">
-        <mc:Choice xmlns:a14="http://schemas.microsoft.com/office/drawing/2010/main" Requires="a14">
+      <mc:AlternateContent xmlns:mc="http://schemas.openxmlformats.org/markup-compatibility/2006" xmlns:a14="http://schemas.microsoft.com/office/drawing/2010/main">
+        <mc:Choice Requires="a14">
           <p:sp>
             <p:nvSpPr>
               <p:cNvPr id="322" name="TextBox 321"/>
@@ -12208,6 +12261,7 @@
               </a:bodyPr>
               <a:lstStyle/>
               <a:p>
+                <a:pPr/>
                 <a14:m>
                   <m:oMathPara xmlns:m="http://schemas.openxmlformats.org/officeDocument/2006/math">
                     <m:oMathParaPr>
@@ -12265,7 +12319,7 @@
             </p:txBody>
           </p:sp>
         </mc:Choice>
-        <mc:Fallback>
+        <mc:Fallback xmlns="">
           <p:sp>
             <p:nvSpPr>
               <p:cNvPr id="322" name="TextBox 321"/>
@@ -12342,8 +12396,8 @@
           </a:p>
         </p:txBody>
       </p:sp>
-      <mc:AlternateContent xmlns:mc="http://schemas.openxmlformats.org/markup-compatibility/2006">
-        <mc:Choice xmlns:a14="http://schemas.microsoft.com/office/drawing/2010/main" Requires="a14">
+      <mc:AlternateContent xmlns:mc="http://schemas.openxmlformats.org/markup-compatibility/2006" xmlns:a14="http://schemas.microsoft.com/office/drawing/2010/main">
+        <mc:Choice Requires="a14">
           <p:sp>
             <p:nvSpPr>
               <p:cNvPr id="324" name="TextBox 323"/>
@@ -12366,6 +12420,7 @@
               </a:bodyPr>
               <a:lstStyle/>
               <a:p>
+                <a:pPr/>
                 <a14:m>
                   <m:oMathPara xmlns:m="http://schemas.openxmlformats.org/officeDocument/2006/math">
                     <m:oMathParaPr>
@@ -12405,7 +12460,7 @@
             </p:txBody>
           </p:sp>
         </mc:Choice>
-        <mc:Fallback>
+        <mc:Fallback xmlns="">
           <p:sp>
             <p:nvSpPr>
               <p:cNvPr id="324" name="TextBox 323"/>
@@ -12490,8 +12545,8 @@
           </a:p>
         </p:txBody>
       </p:sp>
-      <mc:AlternateContent xmlns:mc="http://schemas.openxmlformats.org/markup-compatibility/2006">
-        <mc:Choice xmlns:a14="http://schemas.microsoft.com/office/drawing/2010/main" Requires="a14">
+      <mc:AlternateContent xmlns:mc="http://schemas.openxmlformats.org/markup-compatibility/2006" xmlns:a14="http://schemas.microsoft.com/office/drawing/2010/main">
+        <mc:Choice Requires="a14">
           <p:sp>
             <p:nvSpPr>
               <p:cNvPr id="326" name="TextBox 325"/>
@@ -12514,6 +12569,7 @@
               </a:bodyPr>
               <a:lstStyle/>
               <a:p>
+                <a:pPr/>
                 <a14:m>
                   <m:oMathPara xmlns:m="http://schemas.openxmlformats.org/officeDocument/2006/math">
                     <m:oMathParaPr>
@@ -12565,7 +12621,7 @@
             </p:txBody>
           </p:sp>
         </mc:Choice>
-        <mc:Fallback>
+        <mc:Fallback xmlns="">
           <p:sp>
             <p:nvSpPr>
               <p:cNvPr id="326" name="TextBox 325"/>
@@ -12614,6 +12670,13 @@
   <p:clrMapOvr>
     <a:masterClrMapping/>
   </p:clrMapOvr>
+  <p:timing>
+    <p:tnLst>
+      <p:par>
+        <p:cTn id="1" dur="indefinite" restart="never" nodeType="tmRoot"/>
+      </p:par>
+    </p:tnLst>
+  </p:timing>
 </p:sld>
 </file>
 

--- a/iris-study.pptx
+++ b/iris-study.pptx
@@ -5,7 +5,8 @@
     <p:sldMasterId id="2147483648" r:id="rId1"/>
   </p:sldMasterIdLst>
   <p:sldIdLst>
-    <p:sldId id="256" r:id="rId2"/>
+    <p:sldId id="257" r:id="rId2"/>
+    <p:sldId id="256" r:id="rId3"/>
   </p:sldIdLst>
   <p:sldSz cx="12192000" cy="6858000"/>
   <p:notesSz cx="6858000" cy="9144000"/>
@@ -255,7 +256,7 @@
           <a:p>
             <a:fld id="{2A8BF2C4-93EA-4E78-BF6D-E88AE9E9D5FB}" type="datetimeFigureOut">
               <a:rPr lang="en-US" smtClean="0"/>
-              <a:t>8/20/2018</a:t>
+              <a:t>8/21/2018</a:t>
             </a:fld>
             <a:endParaRPr lang="en-US"/>
           </a:p>
@@ -425,7 +426,7 @@
           <a:p>
             <a:fld id="{2A8BF2C4-93EA-4E78-BF6D-E88AE9E9D5FB}" type="datetimeFigureOut">
               <a:rPr lang="en-US" smtClean="0"/>
-              <a:t>8/20/2018</a:t>
+              <a:t>8/21/2018</a:t>
             </a:fld>
             <a:endParaRPr lang="en-US"/>
           </a:p>
@@ -605,7 +606,7 @@
           <a:p>
             <a:fld id="{2A8BF2C4-93EA-4E78-BF6D-E88AE9E9D5FB}" type="datetimeFigureOut">
               <a:rPr lang="en-US" smtClean="0"/>
-              <a:t>8/20/2018</a:t>
+              <a:t>8/21/2018</a:t>
             </a:fld>
             <a:endParaRPr lang="en-US"/>
           </a:p>
@@ -775,7 +776,7 @@
           <a:p>
             <a:fld id="{2A8BF2C4-93EA-4E78-BF6D-E88AE9E9D5FB}" type="datetimeFigureOut">
               <a:rPr lang="en-US" smtClean="0"/>
-              <a:t>8/20/2018</a:t>
+              <a:t>8/21/2018</a:t>
             </a:fld>
             <a:endParaRPr lang="en-US"/>
           </a:p>
@@ -1021,7 +1022,7 @@
           <a:p>
             <a:fld id="{2A8BF2C4-93EA-4E78-BF6D-E88AE9E9D5FB}" type="datetimeFigureOut">
               <a:rPr lang="en-US" smtClean="0"/>
-              <a:t>8/20/2018</a:t>
+              <a:t>8/21/2018</a:t>
             </a:fld>
             <a:endParaRPr lang="en-US"/>
           </a:p>
@@ -1253,7 +1254,7 @@
           <a:p>
             <a:fld id="{2A8BF2C4-93EA-4E78-BF6D-E88AE9E9D5FB}" type="datetimeFigureOut">
               <a:rPr lang="en-US" smtClean="0"/>
-              <a:t>8/20/2018</a:t>
+              <a:t>8/21/2018</a:t>
             </a:fld>
             <a:endParaRPr lang="en-US"/>
           </a:p>
@@ -1620,7 +1621,7 @@
           <a:p>
             <a:fld id="{2A8BF2C4-93EA-4E78-BF6D-E88AE9E9D5FB}" type="datetimeFigureOut">
               <a:rPr lang="en-US" smtClean="0"/>
-              <a:t>8/20/2018</a:t>
+              <a:t>8/21/2018</a:t>
             </a:fld>
             <a:endParaRPr lang="en-US"/>
           </a:p>
@@ -1738,7 +1739,7 @@
           <a:p>
             <a:fld id="{2A8BF2C4-93EA-4E78-BF6D-E88AE9E9D5FB}" type="datetimeFigureOut">
               <a:rPr lang="en-US" smtClean="0"/>
-              <a:t>8/20/2018</a:t>
+              <a:t>8/21/2018</a:t>
             </a:fld>
             <a:endParaRPr lang="en-US"/>
           </a:p>
@@ -1833,7 +1834,7 @@
           <a:p>
             <a:fld id="{2A8BF2C4-93EA-4E78-BF6D-E88AE9E9D5FB}" type="datetimeFigureOut">
               <a:rPr lang="en-US" smtClean="0"/>
-              <a:t>8/20/2018</a:t>
+              <a:t>8/21/2018</a:t>
             </a:fld>
             <a:endParaRPr lang="en-US"/>
           </a:p>
@@ -2110,7 +2111,7 @@
           <a:p>
             <a:fld id="{2A8BF2C4-93EA-4E78-BF6D-E88AE9E9D5FB}" type="datetimeFigureOut">
               <a:rPr lang="en-US" smtClean="0"/>
-              <a:t>8/20/2018</a:t>
+              <a:t>8/21/2018</a:t>
             </a:fld>
             <a:endParaRPr lang="en-US"/>
           </a:p>
@@ -2363,7 +2364,7 @@
           <a:p>
             <a:fld id="{2A8BF2C4-93EA-4E78-BF6D-E88AE9E9D5FB}" type="datetimeFigureOut">
               <a:rPr lang="en-US" smtClean="0"/>
-              <a:t>8/20/2018</a:t>
+              <a:t>8/21/2018</a:t>
             </a:fld>
             <a:endParaRPr lang="en-US"/>
           </a:p>
@@ -2576,7 +2577,7 @@
           <a:p>
             <a:fld id="{2A8BF2C4-93EA-4E78-BF6D-E88AE9E9D5FB}" type="datetimeFigureOut">
               <a:rPr lang="en-US" smtClean="0"/>
-              <a:t>8/20/2018</a:t>
+              <a:t>8/21/2018</a:t>
             </a:fld>
             <a:endParaRPr lang="en-US"/>
           </a:p>
@@ -2981,6 +2982,4078 @@
           <a:chExt cx="0" cy="0"/>
         </a:xfrm>
       </p:grpSpPr>
+      <p:sp>
+        <p:nvSpPr>
+          <p:cNvPr id="2" name="TextBox 1"/>
+          <p:cNvSpPr txBox="1"/>
+          <p:nvPr/>
+        </p:nvSpPr>
+        <p:spPr>
+          <a:xfrm>
+            <a:off x="425302" y="265814"/>
+            <a:ext cx="2348720" cy="369332"/>
+          </a:xfrm>
+          <a:prstGeom prst="rect">
+            <a:avLst/>
+          </a:prstGeom>
+          <a:noFill/>
+        </p:spPr>
+        <p:txBody>
+          <a:bodyPr wrap="none" rtlCol="0">
+            <a:spAutoFit/>
+          </a:bodyPr>
+          <a:lstStyle/>
+          <a:p>
+            <a:r>
+              <a:rPr lang="en-US" dirty="0" smtClean="0">
+                <a:latin typeface="Arial" panose="020B0604020202020204" pitchFamily="34" charset="0"/>
+                <a:cs typeface="Arial" panose="020B0604020202020204" pitchFamily="34" charset="0"/>
+              </a:rPr>
+              <a:t>[</a:t>
+            </a:r>
+            <a:r>
+              <a:rPr lang="ja-JP" altLang="en-US" dirty="0" smtClean="0">
+                <a:latin typeface="Arial" panose="020B0604020202020204" pitchFamily="34" charset="0"/>
+                <a:cs typeface="Arial" panose="020B0604020202020204" pitchFamily="34" charset="0"/>
+              </a:rPr>
+              <a:t>事前に用意する情報</a:t>
+            </a:r>
+            <a:r>
+              <a:rPr lang="en-US" altLang="ja-JP" dirty="0" smtClean="0">
+                <a:latin typeface="Arial" panose="020B0604020202020204" pitchFamily="34" charset="0"/>
+                <a:cs typeface="Arial" panose="020B0604020202020204" pitchFamily="34" charset="0"/>
+              </a:rPr>
+              <a:t>]</a:t>
+            </a:r>
+            <a:endParaRPr lang="en-US" dirty="0">
+              <a:latin typeface="Arial" panose="020B0604020202020204" pitchFamily="34" charset="0"/>
+              <a:cs typeface="Arial" panose="020B0604020202020204" pitchFamily="34" charset="0"/>
+            </a:endParaRPr>
+          </a:p>
+        </p:txBody>
+      </p:sp>
+      <p:sp>
+        <p:nvSpPr>
+          <p:cNvPr id="3" name="TextBox 2"/>
+          <p:cNvSpPr txBox="1"/>
+          <p:nvPr/>
+        </p:nvSpPr>
+        <p:spPr>
+          <a:xfrm>
+            <a:off x="776176" y="776177"/>
+            <a:ext cx="1327608" cy="369332"/>
+          </a:xfrm>
+          <a:prstGeom prst="rect">
+            <a:avLst/>
+          </a:prstGeom>
+          <a:noFill/>
+        </p:spPr>
+        <p:txBody>
+          <a:bodyPr wrap="none" rtlCol="0">
+            <a:spAutoFit/>
+          </a:bodyPr>
+          <a:lstStyle/>
+          <a:p>
+            <a:r>
+              <a:rPr lang="ja-JP" altLang="en-US" dirty="0" smtClean="0">
+                <a:latin typeface="Arial" panose="020B0604020202020204" pitchFamily="34" charset="0"/>
+                <a:cs typeface="Arial" panose="020B0604020202020204" pitchFamily="34" charset="0"/>
+              </a:rPr>
+              <a:t>入力データ</a:t>
+            </a:r>
+            <a:r>
+              <a:rPr lang="en-US" altLang="ja-JP" dirty="0" smtClean="0">
+                <a:latin typeface="Arial" panose="020B0604020202020204" pitchFamily="34" charset="0"/>
+                <a:cs typeface="Arial" panose="020B0604020202020204" pitchFamily="34" charset="0"/>
+              </a:rPr>
+              <a:t>:</a:t>
+            </a:r>
+            <a:endParaRPr lang="en-US" dirty="0">
+              <a:latin typeface="Arial" panose="020B0604020202020204" pitchFamily="34" charset="0"/>
+              <a:cs typeface="Arial" panose="020B0604020202020204" pitchFamily="34" charset="0"/>
+            </a:endParaRPr>
+          </a:p>
+        </p:txBody>
+      </p:sp>
+      <p:sp>
+        <p:nvSpPr>
+          <p:cNvPr id="4" name="TextBox 3"/>
+          <p:cNvSpPr txBox="1"/>
+          <p:nvPr/>
+        </p:nvSpPr>
+        <p:spPr>
+          <a:xfrm>
+            <a:off x="776175" y="1158944"/>
+            <a:ext cx="1327608" cy="369332"/>
+          </a:xfrm>
+          <a:prstGeom prst="rect">
+            <a:avLst/>
+          </a:prstGeom>
+          <a:noFill/>
+        </p:spPr>
+        <p:txBody>
+          <a:bodyPr wrap="none" rtlCol="0">
+            <a:spAutoFit/>
+          </a:bodyPr>
+          <a:lstStyle/>
+          <a:p>
+            <a:r>
+              <a:rPr lang="ja-JP" altLang="en-US" dirty="0" smtClean="0">
+                <a:latin typeface="Arial" panose="020B0604020202020204" pitchFamily="34" charset="0"/>
+                <a:cs typeface="Arial" panose="020B0604020202020204" pitchFamily="34" charset="0"/>
+              </a:rPr>
+              <a:t>訓練データ</a:t>
+            </a:r>
+            <a:r>
+              <a:rPr lang="en-US" altLang="ja-JP" dirty="0" smtClean="0">
+                <a:latin typeface="Arial" panose="020B0604020202020204" pitchFamily="34" charset="0"/>
+                <a:cs typeface="Arial" panose="020B0604020202020204" pitchFamily="34" charset="0"/>
+              </a:rPr>
+              <a:t>:</a:t>
+            </a:r>
+            <a:endParaRPr lang="en-US" dirty="0">
+              <a:latin typeface="Arial" panose="020B0604020202020204" pitchFamily="34" charset="0"/>
+              <a:cs typeface="Arial" panose="020B0604020202020204" pitchFamily="34" charset="0"/>
+            </a:endParaRPr>
+          </a:p>
+        </p:txBody>
+      </p:sp>
+      <p:sp>
+        <p:nvSpPr>
+          <p:cNvPr id="5" name="TextBox 4"/>
+          <p:cNvSpPr txBox="1"/>
+          <p:nvPr/>
+        </p:nvSpPr>
+        <p:spPr>
+          <a:xfrm>
+            <a:off x="425302" y="1867408"/>
+            <a:ext cx="3254417" cy="369332"/>
+          </a:xfrm>
+          <a:prstGeom prst="rect">
+            <a:avLst/>
+          </a:prstGeom>
+          <a:noFill/>
+        </p:spPr>
+        <p:txBody>
+          <a:bodyPr wrap="none" rtlCol="0">
+            <a:spAutoFit/>
+          </a:bodyPr>
+          <a:lstStyle/>
+          <a:p>
+            <a:r>
+              <a:rPr lang="en-US" dirty="0" smtClean="0">
+                <a:latin typeface="Arial" panose="020B0604020202020204" pitchFamily="34" charset="0"/>
+                <a:cs typeface="Arial" panose="020B0604020202020204" pitchFamily="34" charset="0"/>
+              </a:rPr>
+              <a:t>[</a:t>
+            </a:r>
+            <a:r>
+              <a:rPr lang="ja-JP" altLang="en-US" dirty="0" smtClean="0">
+                <a:latin typeface="Arial" panose="020B0604020202020204" pitchFamily="34" charset="0"/>
+                <a:cs typeface="Arial" panose="020B0604020202020204" pitchFamily="34" charset="0"/>
+              </a:rPr>
+              <a:t>多重ネットワークのパラメータ</a:t>
+            </a:r>
+            <a:r>
+              <a:rPr lang="en-US" altLang="ja-JP" dirty="0" smtClean="0">
+                <a:latin typeface="Arial" panose="020B0604020202020204" pitchFamily="34" charset="0"/>
+                <a:cs typeface="Arial" panose="020B0604020202020204" pitchFamily="34" charset="0"/>
+              </a:rPr>
+              <a:t>]</a:t>
+            </a:r>
+            <a:endParaRPr lang="en-US" dirty="0">
+              <a:latin typeface="Arial" panose="020B0604020202020204" pitchFamily="34" charset="0"/>
+              <a:cs typeface="Arial" panose="020B0604020202020204" pitchFamily="34" charset="0"/>
+            </a:endParaRPr>
+          </a:p>
+        </p:txBody>
+      </p:sp>
+      <mc:AlternateContent xmlns:mc="http://schemas.openxmlformats.org/markup-compatibility/2006" xmlns:a14="http://schemas.microsoft.com/office/drawing/2010/main">
+        <mc:Choice Requires="a14">
+          <p:sp>
+            <p:nvSpPr>
+              <p:cNvPr id="6" name="TextBox 5"/>
+              <p:cNvSpPr txBox="1"/>
+              <p:nvPr/>
+            </p:nvSpPr>
+            <p:spPr>
+              <a:xfrm>
+                <a:off x="837845" y="2852315"/>
+                <a:ext cx="323615" cy="281937"/>
+              </a:xfrm>
+              <a:prstGeom prst="rect">
+                <a:avLst/>
+              </a:prstGeom>
+              <a:noFill/>
+            </p:spPr>
+            <p:txBody>
+              <a:bodyPr wrap="none" lIns="0" tIns="0" rIns="0" bIns="0" rtlCol="0">
+                <a:spAutoFit/>
+              </a:bodyPr>
+              <a:lstStyle/>
+              <a:p>
+                <a:pPr/>
+                <a14:m>
+                  <m:oMathPara xmlns:m="http://schemas.openxmlformats.org/officeDocument/2006/math">
+                    <m:oMathParaPr>
+                      <m:jc m:val="centerGroup"/>
+                    </m:oMathParaPr>
+                    <m:oMath xmlns:m="http://schemas.openxmlformats.org/officeDocument/2006/math">
+                      <m:sSup>
+                        <m:sSupPr>
+                          <m:ctrlPr>
+                            <a:rPr lang="en-US" b="0" i="1" smtClean="0">
+                              <a:latin typeface="Cambria Math" panose="02040503050406030204" pitchFamily="18" charset="0"/>
+                            </a:rPr>
+                          </m:ctrlPr>
+                        </m:sSupPr>
+                        <m:e>
+                          <m:r>
+                            <a:rPr lang="en-US" b="1" i="0" smtClean="0">
+                              <a:latin typeface="Cambria Math" panose="02040503050406030204" pitchFamily="18" charset="0"/>
+                            </a:rPr>
+                            <m:t>𝐰</m:t>
+                          </m:r>
+                        </m:e>
+                        <m:sup>
+                          <m:r>
+                            <a:rPr lang="en-US" b="0" i="1" smtClean="0">
+                              <a:latin typeface="Cambria Math" panose="02040503050406030204" pitchFamily="18" charset="0"/>
+                            </a:rPr>
+                            <m:t>𝑙</m:t>
+                          </m:r>
+                        </m:sup>
+                      </m:sSup>
+                    </m:oMath>
+                  </m:oMathPara>
+                </a14:m>
+                <a:endParaRPr lang="en-US" dirty="0"/>
+              </a:p>
+            </p:txBody>
+          </p:sp>
+        </mc:Choice>
+        <mc:Fallback xmlns="">
+          <p:sp>
+            <p:nvSpPr>
+              <p:cNvPr id="6" name="TextBox 5"/>
+              <p:cNvSpPr txBox="1">
+                <a:spLocks noRot="1" noChangeAspect="1" noMove="1" noResize="1" noEditPoints="1" noAdjustHandles="1" noChangeArrowheads="1" noChangeShapeType="1" noTextEdit="1"/>
+              </p:cNvSpPr>
+              <p:nvPr/>
+            </p:nvSpPr>
+            <p:spPr>
+              <a:xfrm>
+                <a:off x="837845" y="2852315"/>
+                <a:ext cx="323615" cy="281937"/>
+              </a:xfrm>
+              <a:prstGeom prst="rect">
+                <a:avLst/>
+              </a:prstGeom>
+              <a:blipFill rotWithShape="0">
+                <a:blip r:embed="rId2"/>
+                <a:stretch>
+                  <a:fillRect l="-11111" t="-4348" r="-5556"/>
+                </a:stretch>
+              </a:blipFill>
+            </p:spPr>
+            <p:txBody>
+              <a:bodyPr/>
+              <a:lstStyle/>
+              <a:p>
+                <a:r>
+                  <a:rPr lang="en-US">
+                    <a:noFill/>
+                  </a:rPr>
+                  <a:t> </a:t>
+                </a:r>
+              </a:p>
+            </p:txBody>
+          </p:sp>
+        </mc:Fallback>
+      </mc:AlternateContent>
+      <p:sp>
+        <p:nvSpPr>
+          <p:cNvPr id="7" name="Left Brace 6"/>
+          <p:cNvSpPr/>
+          <p:nvPr/>
+        </p:nvSpPr>
+        <p:spPr>
+          <a:xfrm>
+            <a:off x="1303114" y="2674357"/>
+            <a:ext cx="302401" cy="651283"/>
+          </a:xfrm>
+          <a:prstGeom prst="leftBrace">
+            <a:avLst/>
+          </a:prstGeom>
+          <a:ln>
+            <a:solidFill>
+              <a:schemeClr val="tx1"/>
+            </a:solidFill>
+          </a:ln>
+        </p:spPr>
+        <p:style>
+          <a:lnRef idx="1">
+            <a:schemeClr val="accent1"/>
+          </a:lnRef>
+          <a:fillRef idx="0">
+            <a:schemeClr val="accent1"/>
+          </a:fillRef>
+          <a:effectRef idx="0">
+            <a:schemeClr val="accent1"/>
+          </a:effectRef>
+          <a:fontRef idx="minor">
+            <a:schemeClr val="tx1"/>
+          </a:fontRef>
+        </p:style>
+        <p:txBody>
+          <a:bodyPr rtlCol="0" anchor="ctr"/>
+          <a:lstStyle/>
+          <a:p>
+            <a:pPr algn="ctr"/>
+            <a:endParaRPr lang="en-US"/>
+          </a:p>
+        </p:txBody>
+      </p:sp>
+      <p:sp>
+        <p:nvSpPr>
+          <p:cNvPr id="8" name="TextBox 7"/>
+          <p:cNvSpPr txBox="1"/>
+          <p:nvPr/>
+        </p:nvSpPr>
+        <p:spPr>
+          <a:xfrm>
+            <a:off x="1698086" y="2502712"/>
+            <a:ext cx="708848" cy="369332"/>
+          </a:xfrm>
+          <a:prstGeom prst="rect">
+            <a:avLst/>
+          </a:prstGeom>
+          <a:noFill/>
+        </p:spPr>
+        <p:txBody>
+          <a:bodyPr wrap="none" rtlCol="0">
+            <a:spAutoFit/>
+          </a:bodyPr>
+          <a:lstStyle/>
+          <a:p>
+            <a:r>
+              <a:rPr lang="ja-JP" altLang="en-US" dirty="0" smtClean="0"/>
+              <a:t>重み</a:t>
+            </a:r>
+            <a:r>
+              <a:rPr lang="en-US" altLang="ja-JP" dirty="0" smtClean="0"/>
+              <a:t>:</a:t>
+            </a:r>
+            <a:endParaRPr lang="en-US" dirty="0"/>
+          </a:p>
+        </p:txBody>
+      </p:sp>
+      <p:sp>
+        <p:nvSpPr>
+          <p:cNvPr id="9" name="TextBox 8"/>
+          <p:cNvSpPr txBox="1"/>
+          <p:nvPr/>
+        </p:nvSpPr>
+        <p:spPr>
+          <a:xfrm>
+            <a:off x="1720234" y="3265654"/>
+            <a:ext cx="1083951" cy="369332"/>
+          </a:xfrm>
+          <a:prstGeom prst="rect">
+            <a:avLst/>
+          </a:prstGeom>
+          <a:noFill/>
+        </p:spPr>
+        <p:txBody>
+          <a:bodyPr wrap="none" rtlCol="0">
+            <a:spAutoFit/>
+          </a:bodyPr>
+          <a:lstStyle/>
+          <a:p>
+            <a:r>
+              <a:rPr lang="ja-JP" altLang="en-US" dirty="0" smtClean="0"/>
+              <a:t>バイアス</a:t>
+            </a:r>
+            <a:r>
+              <a:rPr lang="en-US" altLang="ja-JP" dirty="0" smtClean="0"/>
+              <a:t>:</a:t>
+            </a:r>
+            <a:endParaRPr lang="en-US" i="1" dirty="0"/>
+          </a:p>
+        </p:txBody>
+      </p:sp>
+      <p:sp>
+        <p:nvSpPr>
+          <p:cNvPr id="10" name="TextBox 9"/>
+          <p:cNvSpPr txBox="1"/>
+          <p:nvPr/>
+        </p:nvSpPr>
+        <p:spPr>
+          <a:xfrm>
+            <a:off x="765542" y="3814644"/>
+            <a:ext cx="1401346" cy="369332"/>
+          </a:xfrm>
+          <a:prstGeom prst="rect">
+            <a:avLst/>
+          </a:prstGeom>
+          <a:noFill/>
+        </p:spPr>
+        <p:txBody>
+          <a:bodyPr wrap="none" rtlCol="0">
+            <a:spAutoFit/>
+          </a:bodyPr>
+          <a:lstStyle/>
+          <a:p>
+            <a:r>
+              <a:rPr lang="ja-JP" altLang="en-US" dirty="0">
+                <a:latin typeface="Arial" panose="020B0604020202020204" pitchFamily="34" charset="0"/>
+                <a:cs typeface="Arial" panose="020B0604020202020204" pitchFamily="34" charset="0"/>
+              </a:rPr>
+              <a:t>活性</a:t>
+            </a:r>
+            <a:r>
+              <a:rPr lang="ja-JP" altLang="en-US" dirty="0" smtClean="0">
+                <a:latin typeface="Arial" panose="020B0604020202020204" pitchFamily="34" charset="0"/>
+                <a:cs typeface="Arial" panose="020B0604020202020204" pitchFamily="34" charset="0"/>
+              </a:rPr>
+              <a:t>化関数</a:t>
+            </a:r>
+            <a:r>
+              <a:rPr lang="en-US" altLang="ja-JP" dirty="0" smtClean="0">
+                <a:latin typeface="Arial" panose="020B0604020202020204" pitchFamily="34" charset="0"/>
+                <a:cs typeface="Arial" panose="020B0604020202020204" pitchFamily="34" charset="0"/>
+              </a:rPr>
+              <a:t>:</a:t>
+            </a:r>
+            <a:endParaRPr lang="en-US" dirty="0">
+              <a:latin typeface="Arial" panose="020B0604020202020204" pitchFamily="34" charset="0"/>
+              <a:cs typeface="Arial" panose="020B0604020202020204" pitchFamily="34" charset="0"/>
+            </a:endParaRPr>
+          </a:p>
+        </p:txBody>
+      </p:sp>
+      <mc:AlternateContent xmlns:mc="http://schemas.openxmlformats.org/markup-compatibility/2006" xmlns:a14="http://schemas.microsoft.com/office/drawing/2010/main">
+        <mc:Choice Requires="a14">
+          <p:sp>
+            <p:nvSpPr>
+              <p:cNvPr id="11" name="TextBox 10"/>
+              <p:cNvSpPr txBox="1"/>
+              <p:nvPr/>
+            </p:nvSpPr>
+            <p:spPr>
+              <a:xfrm>
+                <a:off x="2761784" y="3792459"/>
+                <a:ext cx="2882519" cy="413703"/>
+              </a:xfrm>
+              <a:prstGeom prst="rect">
+                <a:avLst/>
+              </a:prstGeom>
+              <a:noFill/>
+            </p:spPr>
+            <p:txBody>
+              <a:bodyPr wrap="none" rtlCol="0">
+                <a:spAutoFit/>
+              </a:bodyPr>
+              <a:lstStyle/>
+              <a:p>
+                <a:pPr/>
+                <a14:m>
+                  <m:oMathPara xmlns:m="http://schemas.openxmlformats.org/officeDocument/2006/math">
+                    <m:oMathParaPr>
+                      <m:jc m:val="centerGroup"/>
+                    </m:oMathParaPr>
+                    <m:oMath xmlns:m="http://schemas.openxmlformats.org/officeDocument/2006/math">
+                      <m:sSubSup>
+                        <m:sSubSupPr>
+                          <m:ctrlPr>
+                            <a:rPr lang="en-US" altLang="ja-JP" b="0" i="1" smtClean="0">
+                              <a:latin typeface="Cambria Math" panose="02040503050406030204" pitchFamily="18" charset="0"/>
+                            </a:rPr>
+                          </m:ctrlPr>
+                        </m:sSubSupPr>
+                        <m:e>
+                          <m:r>
+                            <a:rPr lang="en-US" altLang="ja-JP" b="1" i="0" smtClean="0">
+                              <a:latin typeface="Cambria Math" panose="02040503050406030204" pitchFamily="18" charset="0"/>
+                            </a:rPr>
+                            <m:t>𝐟</m:t>
+                          </m:r>
+                        </m:e>
+                        <m:sub>
+                          <m:r>
+                            <a:rPr lang="en-US" altLang="ja-JP" b="0" i="1" smtClean="0">
+                              <a:latin typeface="Cambria Math" panose="02040503050406030204" pitchFamily="18" charset="0"/>
+                            </a:rPr>
+                            <m:t> </m:t>
+                          </m:r>
+                        </m:sub>
+                        <m:sup>
+                          <m:r>
+                            <a:rPr lang="en-US" altLang="ja-JP" b="0" i="1" smtClean="0">
+                              <a:latin typeface="Cambria Math" panose="02040503050406030204" pitchFamily="18" charset="0"/>
+                            </a:rPr>
+                            <m:t>𝑙</m:t>
+                          </m:r>
+                        </m:sup>
+                      </m:sSubSup>
+                      <m:d>
+                        <m:dPr>
+                          <m:ctrlPr>
+                            <a:rPr lang="en-US" altLang="ja-JP" b="0" i="1" smtClean="0">
+                              <a:latin typeface="Cambria Math" panose="02040503050406030204" pitchFamily="18" charset="0"/>
+                            </a:rPr>
+                          </m:ctrlPr>
+                        </m:dPr>
+                        <m:e>
+                          <m:sSup>
+                            <m:sSupPr>
+                              <m:ctrlPr>
+                                <a:rPr lang="en-US" altLang="ja-JP" b="0" i="1" smtClean="0">
+                                  <a:latin typeface="Cambria Math" panose="02040503050406030204" pitchFamily="18" charset="0"/>
+                                </a:rPr>
+                              </m:ctrlPr>
+                            </m:sSupPr>
+                            <m:e>
+                              <m:r>
+                                <a:rPr lang="en-US" altLang="ja-JP" b="1" i="0" smtClean="0">
+                                  <a:latin typeface="Cambria Math" panose="02040503050406030204" pitchFamily="18" charset="0"/>
+                                </a:rPr>
+                                <m:t>𝐮</m:t>
+                              </m:r>
+                            </m:e>
+                            <m:sup>
+                              <m:r>
+                                <a:rPr lang="en-US" altLang="ja-JP" b="0" i="1" smtClean="0">
+                                  <a:latin typeface="Cambria Math" panose="02040503050406030204" pitchFamily="18" charset="0"/>
+                                </a:rPr>
+                                <m:t>𝑙</m:t>
+                              </m:r>
+                            </m:sup>
+                          </m:sSup>
+                        </m:e>
+                      </m:d>
+                      <m:r>
+                        <a:rPr lang="en-US" altLang="ja-JP" b="0" i="1" smtClean="0">
+                          <a:latin typeface="Cambria Math" panose="02040503050406030204" pitchFamily="18" charset="0"/>
+                        </a:rPr>
+                        <m:t>=[</m:t>
+                      </m:r>
+                      <m:sSup>
+                        <m:sSupPr>
+                          <m:ctrlPr>
+                            <a:rPr lang="en-US" altLang="ja-JP" b="0" i="1" smtClean="0">
+                              <a:latin typeface="Cambria Math" panose="02040503050406030204" pitchFamily="18" charset="0"/>
+                            </a:rPr>
+                          </m:ctrlPr>
+                        </m:sSupPr>
+                        <m:e>
+                          <m:r>
+                            <a:rPr lang="en-US" altLang="ja-JP" b="0" i="1" smtClean="0">
+                              <a:latin typeface="Cambria Math" panose="02040503050406030204" pitchFamily="18" charset="0"/>
+                            </a:rPr>
+                            <m:t>𝑓</m:t>
+                          </m:r>
+                        </m:e>
+                        <m:sup>
+                          <m:r>
+                            <a:rPr lang="en-US" altLang="ja-JP" b="0" i="1" smtClean="0">
+                              <a:latin typeface="Cambria Math" panose="02040503050406030204" pitchFamily="18" charset="0"/>
+                            </a:rPr>
+                            <m:t>𝑙</m:t>
+                          </m:r>
+                        </m:sup>
+                      </m:sSup>
+                      <m:d>
+                        <m:dPr>
+                          <m:ctrlPr>
+                            <a:rPr lang="en-US" altLang="ja-JP" b="0" i="1" smtClean="0">
+                              <a:latin typeface="Cambria Math" panose="02040503050406030204" pitchFamily="18" charset="0"/>
+                            </a:rPr>
+                          </m:ctrlPr>
+                        </m:dPr>
+                        <m:e>
+                          <m:sSubSup>
+                            <m:sSubSupPr>
+                              <m:ctrlPr>
+                                <a:rPr lang="en-US" altLang="ja-JP" b="0" i="1" smtClean="0">
+                                  <a:latin typeface="Cambria Math" panose="02040503050406030204" pitchFamily="18" charset="0"/>
+                                </a:rPr>
+                              </m:ctrlPr>
+                            </m:sSubSupPr>
+                            <m:e>
+                              <m:r>
+                                <a:rPr lang="en-US" altLang="ja-JP" b="0" i="1" smtClean="0">
+                                  <a:latin typeface="Cambria Math" panose="02040503050406030204" pitchFamily="18" charset="0"/>
+                                </a:rPr>
+                                <m:t>𝑢</m:t>
+                              </m:r>
+                            </m:e>
+                            <m:sub>
+                              <m:r>
+                                <a:rPr lang="en-US" altLang="ja-JP" b="0" i="1" smtClean="0">
+                                  <a:latin typeface="Cambria Math" panose="02040503050406030204" pitchFamily="18" charset="0"/>
+                                </a:rPr>
+                                <m:t>1</m:t>
+                              </m:r>
+                            </m:sub>
+                            <m:sup>
+                              <m:r>
+                                <a:rPr lang="en-US" altLang="ja-JP" b="0" i="1" smtClean="0">
+                                  <a:latin typeface="Cambria Math" panose="02040503050406030204" pitchFamily="18" charset="0"/>
+                                </a:rPr>
+                                <m:t>𝑙</m:t>
+                              </m:r>
+                            </m:sup>
+                          </m:sSubSup>
+                        </m:e>
+                      </m:d>
+                      <m:r>
+                        <a:rPr lang="en-US" altLang="ja-JP" b="0" i="1" smtClean="0">
+                          <a:latin typeface="Cambria Math" panose="02040503050406030204" pitchFamily="18" charset="0"/>
+                        </a:rPr>
+                        <m:t>…</m:t>
+                      </m:r>
+                      <m:sSup>
+                        <m:sSupPr>
+                          <m:ctrlPr>
+                            <a:rPr lang="en-US" altLang="ja-JP" b="0" i="1" smtClean="0">
+                              <a:latin typeface="Cambria Math" panose="02040503050406030204" pitchFamily="18" charset="0"/>
+                            </a:rPr>
+                          </m:ctrlPr>
+                        </m:sSupPr>
+                        <m:e>
+                          <m:r>
+                            <a:rPr lang="en-US" altLang="ja-JP" b="0" i="1" smtClean="0">
+                              <a:latin typeface="Cambria Math" panose="02040503050406030204" pitchFamily="18" charset="0"/>
+                            </a:rPr>
+                            <m:t>𝑓</m:t>
+                          </m:r>
+                        </m:e>
+                        <m:sup>
+                          <m:r>
+                            <a:rPr lang="en-US" altLang="ja-JP" b="0" i="1" smtClean="0">
+                              <a:latin typeface="Cambria Math" panose="02040503050406030204" pitchFamily="18" charset="0"/>
+                            </a:rPr>
+                            <m:t>𝑙</m:t>
+                          </m:r>
+                        </m:sup>
+                      </m:sSup>
+                      <m:d>
+                        <m:dPr>
+                          <m:ctrlPr>
+                            <a:rPr lang="en-US" altLang="ja-JP" b="0" i="1" smtClean="0">
+                              <a:latin typeface="Cambria Math" panose="02040503050406030204" pitchFamily="18" charset="0"/>
+                            </a:rPr>
+                          </m:ctrlPr>
+                        </m:dPr>
+                        <m:e>
+                          <m:sSubSup>
+                            <m:sSubSupPr>
+                              <m:ctrlPr>
+                                <a:rPr lang="en-US" altLang="ja-JP" b="0" i="1" smtClean="0">
+                                  <a:latin typeface="Cambria Math" panose="02040503050406030204" pitchFamily="18" charset="0"/>
+                                </a:rPr>
+                              </m:ctrlPr>
+                            </m:sSubSupPr>
+                            <m:e>
+                              <m:r>
+                                <a:rPr lang="en-US" altLang="ja-JP" b="0" i="1" smtClean="0">
+                                  <a:latin typeface="Cambria Math" panose="02040503050406030204" pitchFamily="18" charset="0"/>
+                                </a:rPr>
+                                <m:t>𝑢</m:t>
+                              </m:r>
+                            </m:e>
+                            <m:sub>
+                              <m:r>
+                                <a:rPr lang="en-US" altLang="ja-JP" b="0" i="1" smtClean="0">
+                                  <a:latin typeface="Cambria Math" panose="02040503050406030204" pitchFamily="18" charset="0"/>
+                                </a:rPr>
+                                <m:t>𝐽</m:t>
+                              </m:r>
+                            </m:sub>
+                            <m:sup>
+                              <m:r>
+                                <a:rPr lang="en-US" altLang="ja-JP" b="0" i="1" smtClean="0">
+                                  <a:latin typeface="Cambria Math" panose="02040503050406030204" pitchFamily="18" charset="0"/>
+                                </a:rPr>
+                                <m:t>𝑙</m:t>
+                              </m:r>
+                            </m:sup>
+                          </m:sSubSup>
+                        </m:e>
+                      </m:d>
+                      <m:r>
+                        <a:rPr lang="en-US" altLang="ja-JP" b="0" i="1" smtClean="0">
+                          <a:latin typeface="Cambria Math" panose="02040503050406030204" pitchFamily="18" charset="0"/>
+                        </a:rPr>
+                        <m:t>]</m:t>
+                      </m:r>
+                    </m:oMath>
+                  </m:oMathPara>
+                </a14:m>
+                <a:endParaRPr lang="en-US" dirty="0"/>
+              </a:p>
+            </p:txBody>
+          </p:sp>
+        </mc:Choice>
+        <mc:Fallback xmlns="">
+          <p:sp>
+            <p:nvSpPr>
+              <p:cNvPr id="11" name="TextBox 10"/>
+              <p:cNvSpPr txBox="1">
+                <a:spLocks noRot="1" noChangeAspect="1" noMove="1" noResize="1" noEditPoints="1" noAdjustHandles="1" noChangeArrowheads="1" noChangeShapeType="1" noTextEdit="1"/>
+              </p:cNvSpPr>
+              <p:nvPr/>
+            </p:nvSpPr>
+            <p:spPr>
+              <a:xfrm>
+                <a:off x="2761784" y="3792459"/>
+                <a:ext cx="2882519" cy="413703"/>
+              </a:xfrm>
+              <a:prstGeom prst="rect">
+                <a:avLst/>
+              </a:prstGeom>
+              <a:blipFill rotWithShape="0">
+                <a:blip r:embed="rId3"/>
+                <a:stretch>
+                  <a:fillRect b="-8824"/>
+                </a:stretch>
+              </a:blipFill>
+            </p:spPr>
+            <p:txBody>
+              <a:bodyPr/>
+              <a:lstStyle/>
+              <a:p>
+                <a:r>
+                  <a:rPr lang="en-US">
+                    <a:noFill/>
+                  </a:rPr>
+                  <a:t> </a:t>
+                </a:r>
+              </a:p>
+            </p:txBody>
+          </p:sp>
+        </mc:Fallback>
+      </mc:AlternateContent>
+      <p:sp>
+        <p:nvSpPr>
+          <p:cNvPr id="12" name="TextBox 11"/>
+          <p:cNvSpPr txBox="1"/>
+          <p:nvPr/>
+        </p:nvSpPr>
+        <p:spPr>
+          <a:xfrm>
+            <a:off x="765542" y="4274460"/>
+            <a:ext cx="1401346" cy="369332"/>
+          </a:xfrm>
+          <a:prstGeom prst="rect">
+            <a:avLst/>
+          </a:prstGeom>
+          <a:noFill/>
+        </p:spPr>
+        <p:txBody>
+          <a:bodyPr wrap="none" rtlCol="0">
+            <a:spAutoFit/>
+          </a:bodyPr>
+          <a:lstStyle/>
+          <a:p>
+            <a:r>
+              <a:rPr lang="ja-JP" altLang="en-US" dirty="0" smtClean="0">
+                <a:latin typeface="Arial" panose="020B0604020202020204" pitchFamily="34" charset="0"/>
+                <a:cs typeface="Arial" panose="020B0604020202020204" pitchFamily="34" charset="0"/>
+              </a:rPr>
+              <a:t>中間層出力</a:t>
+            </a:r>
+            <a:r>
+              <a:rPr lang="en-US" altLang="ja-JP" dirty="0" smtClean="0">
+                <a:latin typeface="Arial" panose="020B0604020202020204" pitchFamily="34" charset="0"/>
+                <a:cs typeface="Arial" panose="020B0604020202020204" pitchFamily="34" charset="0"/>
+              </a:rPr>
+              <a:t>:</a:t>
+            </a:r>
+            <a:endParaRPr lang="en-US" dirty="0">
+              <a:latin typeface="Arial" panose="020B0604020202020204" pitchFamily="34" charset="0"/>
+              <a:cs typeface="Arial" panose="020B0604020202020204" pitchFamily="34" charset="0"/>
+            </a:endParaRPr>
+          </a:p>
+        </p:txBody>
+      </p:sp>
+      <mc:AlternateContent xmlns:mc="http://schemas.openxmlformats.org/markup-compatibility/2006" xmlns:a14="http://schemas.microsoft.com/office/drawing/2010/main">
+        <mc:Choice Requires="a14">
+          <p:sp>
+            <p:nvSpPr>
+              <p:cNvPr id="13" name="TextBox 12"/>
+              <p:cNvSpPr txBox="1"/>
+              <p:nvPr/>
+            </p:nvSpPr>
+            <p:spPr>
+              <a:xfrm>
+                <a:off x="2761784" y="4252275"/>
+                <a:ext cx="2639953" cy="404983"/>
+              </a:xfrm>
+              <a:prstGeom prst="rect">
+                <a:avLst/>
+              </a:prstGeom>
+              <a:noFill/>
+            </p:spPr>
+            <p:txBody>
+              <a:bodyPr wrap="none" rtlCol="0">
+                <a:spAutoFit/>
+              </a:bodyPr>
+              <a:lstStyle/>
+              <a:p>
+                <a:pPr/>
+                <a14:m>
+                  <m:oMathPara xmlns:m="http://schemas.openxmlformats.org/officeDocument/2006/math">
+                    <m:oMathParaPr>
+                      <m:jc m:val="centerGroup"/>
+                    </m:oMathParaPr>
+                    <m:oMath xmlns:m="http://schemas.openxmlformats.org/officeDocument/2006/math">
+                      <m:sSubSup>
+                        <m:sSubSupPr>
+                          <m:ctrlPr>
+                            <a:rPr lang="en-US" altLang="ja-JP" b="0" i="1" smtClean="0">
+                              <a:latin typeface="Cambria Math" panose="02040503050406030204" pitchFamily="18" charset="0"/>
+                            </a:rPr>
+                          </m:ctrlPr>
+                        </m:sSubSupPr>
+                        <m:e>
+                          <m:sSup>
+                            <m:sSupPr>
+                              <m:ctrlPr>
+                                <a:rPr lang="en-US" altLang="ja-JP" b="0" i="1" smtClean="0">
+                                  <a:latin typeface="Cambria Math" panose="02040503050406030204" pitchFamily="18" charset="0"/>
+                                </a:rPr>
+                              </m:ctrlPr>
+                            </m:sSupPr>
+                            <m:e>
+                              <m:r>
+                                <a:rPr lang="en-US" altLang="ja-JP" b="1" i="0" smtClean="0">
+                                  <a:latin typeface="Cambria Math" panose="02040503050406030204" pitchFamily="18" charset="0"/>
+                                </a:rPr>
+                                <m:t>𝐳</m:t>
+                              </m:r>
+                            </m:e>
+                            <m:sup>
+                              <m:r>
+                                <a:rPr lang="en-US" altLang="ja-JP" b="0" i="1" smtClean="0">
+                                  <a:latin typeface="Cambria Math" panose="02040503050406030204" pitchFamily="18" charset="0"/>
+                                </a:rPr>
+                                <m:t>𝑙</m:t>
+                              </m:r>
+                            </m:sup>
+                          </m:sSup>
+                          <m:r>
+                            <a:rPr lang="en-US" altLang="ja-JP" b="0" i="1" smtClean="0">
+                              <a:latin typeface="Cambria Math" panose="02040503050406030204" pitchFamily="18" charset="0"/>
+                            </a:rPr>
+                            <m:t>=</m:t>
+                          </m:r>
+                          <m:d>
+                            <m:dPr>
+                              <m:begChr m:val="["/>
+                              <m:endChr m:val="]"/>
+                              <m:ctrlPr>
+                                <a:rPr lang="en-US" altLang="ja-JP" b="0" i="1" smtClean="0">
+                                  <a:latin typeface="Cambria Math" panose="02040503050406030204" pitchFamily="18" charset="0"/>
+                                </a:rPr>
+                              </m:ctrlPr>
+                            </m:dPr>
+                            <m:e>
+                              <m:sSubSup>
+                                <m:sSubSupPr>
+                                  <m:ctrlPr>
+                                    <a:rPr lang="en-US" altLang="ja-JP" b="0" i="1" smtClean="0">
+                                      <a:latin typeface="Cambria Math" panose="02040503050406030204" pitchFamily="18" charset="0"/>
+                                    </a:rPr>
+                                  </m:ctrlPr>
+                                </m:sSubSupPr>
+                                <m:e>
+                                  <m:r>
+                                    <a:rPr lang="en-US" altLang="ja-JP" b="0" i="1" smtClean="0">
+                                      <a:latin typeface="Cambria Math" panose="02040503050406030204" pitchFamily="18" charset="0"/>
+                                    </a:rPr>
+                                    <m:t>𝑧</m:t>
+                                  </m:r>
+                                </m:e>
+                                <m:sub>
+                                  <m:r>
+                                    <a:rPr lang="en-US" altLang="ja-JP" b="0" i="1" smtClean="0">
+                                      <a:latin typeface="Cambria Math" panose="02040503050406030204" pitchFamily="18" charset="0"/>
+                                    </a:rPr>
+                                    <m:t>1</m:t>
+                                  </m:r>
+                                </m:sub>
+                                <m:sup>
+                                  <m:r>
+                                    <a:rPr lang="en-US" altLang="ja-JP" b="0" i="1" smtClean="0">
+                                      <a:latin typeface="Cambria Math" panose="02040503050406030204" pitchFamily="18" charset="0"/>
+                                    </a:rPr>
+                                    <m:t>1</m:t>
+                                  </m:r>
+                                </m:sup>
+                              </m:sSubSup>
+                              <m:r>
+                                <a:rPr lang="en-US" altLang="ja-JP" b="0" i="1" smtClean="0">
+                                  <a:latin typeface="Cambria Math" panose="02040503050406030204" pitchFamily="18" charset="0"/>
+                                </a:rPr>
+                                <m:t> …</m:t>
+                              </m:r>
+                              <m:sSubSup>
+                                <m:sSubSupPr>
+                                  <m:ctrlPr>
+                                    <a:rPr lang="en-US" altLang="ja-JP" b="0" i="1" smtClean="0">
+                                      <a:latin typeface="Cambria Math" panose="02040503050406030204" pitchFamily="18" charset="0"/>
+                                    </a:rPr>
+                                  </m:ctrlPr>
+                                </m:sSubSupPr>
+                                <m:e>
+                                  <m:r>
+                                    <a:rPr lang="en-US" altLang="ja-JP" b="0" i="1" smtClean="0">
+                                      <a:latin typeface="Cambria Math" panose="02040503050406030204" pitchFamily="18" charset="0"/>
+                                    </a:rPr>
+                                    <m:t>𝑧</m:t>
+                                  </m:r>
+                                </m:e>
+                                <m:sub>
+                                  <m:r>
+                                    <a:rPr lang="en-US" altLang="ja-JP" b="0" i="1" smtClean="0">
+                                      <a:latin typeface="Cambria Math" panose="02040503050406030204" pitchFamily="18" charset="0"/>
+                                    </a:rPr>
+                                    <m:t>𝐾</m:t>
+                                  </m:r>
+                                </m:sub>
+                                <m:sup>
+                                  <m:r>
+                                    <a:rPr lang="en-US" altLang="ja-JP" b="0" i="1" smtClean="0">
+                                      <a:latin typeface="Cambria Math" panose="02040503050406030204" pitchFamily="18" charset="0"/>
+                                    </a:rPr>
+                                    <m:t>𝑙</m:t>
+                                  </m:r>
+                                </m:sup>
+                              </m:sSubSup>
+                            </m:e>
+                          </m:d>
+                          <m:r>
+                            <a:rPr lang="en-US" altLang="ja-JP" b="0" i="1" smtClean="0">
+                              <a:latin typeface="Cambria Math" panose="02040503050406030204" pitchFamily="18" charset="0"/>
+                            </a:rPr>
+                            <m:t>=</m:t>
+                          </m:r>
+                          <m:sSup>
+                            <m:sSupPr>
+                              <m:ctrlPr>
+                                <a:rPr lang="en-US" altLang="ja-JP" b="0" i="1" smtClean="0">
+                                  <a:latin typeface="Cambria Math" panose="02040503050406030204" pitchFamily="18" charset="0"/>
+                                </a:rPr>
+                              </m:ctrlPr>
+                            </m:sSupPr>
+                            <m:e>
+                              <m:r>
+                                <a:rPr lang="en-US" altLang="ja-JP" b="1" i="0" smtClean="0">
+                                  <a:latin typeface="Cambria Math" panose="02040503050406030204" pitchFamily="18" charset="0"/>
+                                </a:rPr>
+                                <m:t>𝐟</m:t>
+                              </m:r>
+                            </m:e>
+                            <m:sup>
+                              <m:r>
+                                <a:rPr lang="en-US" altLang="ja-JP" b="0" i="1" smtClean="0">
+                                  <a:latin typeface="Cambria Math" panose="02040503050406030204" pitchFamily="18" charset="0"/>
+                                </a:rPr>
+                                <m:t>𝑙</m:t>
+                              </m:r>
+                            </m:sup>
+                          </m:sSup>
+                          <m:r>
+                            <a:rPr lang="en-US" altLang="ja-JP" b="0" i="1" smtClean="0">
+                              <a:latin typeface="Cambria Math" panose="02040503050406030204" pitchFamily="18" charset="0"/>
+                            </a:rPr>
+                            <m:t>(</m:t>
+                          </m:r>
+                          <m:sSup>
+                            <m:sSupPr>
+                              <m:ctrlPr>
+                                <a:rPr lang="en-US" altLang="ja-JP" b="0" i="1" smtClean="0">
+                                  <a:latin typeface="Cambria Math" panose="02040503050406030204" pitchFamily="18" charset="0"/>
+                                </a:rPr>
+                              </m:ctrlPr>
+                            </m:sSupPr>
+                            <m:e>
+                              <m:r>
+                                <a:rPr lang="en-US" altLang="ja-JP" b="1" i="0" smtClean="0">
+                                  <a:latin typeface="Cambria Math" panose="02040503050406030204" pitchFamily="18" charset="0"/>
+                                </a:rPr>
+                                <m:t>𝐮</m:t>
+                              </m:r>
+                            </m:e>
+                            <m:sup>
+                              <m:r>
+                                <a:rPr lang="en-US" altLang="ja-JP" b="0" i="1" smtClean="0">
+                                  <a:latin typeface="Cambria Math" panose="02040503050406030204" pitchFamily="18" charset="0"/>
+                                </a:rPr>
+                                <m:t>𝑙</m:t>
+                              </m:r>
+                            </m:sup>
+                          </m:sSup>
+                          <m:r>
+                            <a:rPr lang="en-US" altLang="ja-JP" b="0" i="1" smtClean="0">
+                              <a:latin typeface="Cambria Math" panose="02040503050406030204" pitchFamily="18" charset="0"/>
+                            </a:rPr>
+                            <m:t>)</m:t>
+                          </m:r>
+                        </m:e>
+                        <m:sub>
+                          <m:r>
+                            <a:rPr lang="en-US" altLang="ja-JP" b="0" i="1" smtClean="0">
+                              <a:latin typeface="Cambria Math" panose="02040503050406030204" pitchFamily="18" charset="0"/>
+                            </a:rPr>
+                            <m:t> </m:t>
+                          </m:r>
+                        </m:sub>
+                        <m:sup>
+                          <m:r>
+                            <a:rPr lang="en-US" altLang="ja-JP" b="0" i="1" smtClean="0">
+                              <a:latin typeface="Cambria Math" panose="02040503050406030204" pitchFamily="18" charset="0"/>
+                            </a:rPr>
+                            <m:t> </m:t>
+                          </m:r>
+                        </m:sup>
+                      </m:sSubSup>
+                    </m:oMath>
+                  </m:oMathPara>
+                </a14:m>
+                <a:endParaRPr lang="en-US" dirty="0"/>
+              </a:p>
+            </p:txBody>
+          </p:sp>
+        </mc:Choice>
+        <mc:Fallback xmlns="">
+          <p:sp>
+            <p:nvSpPr>
+              <p:cNvPr id="13" name="TextBox 12"/>
+              <p:cNvSpPr txBox="1">
+                <a:spLocks noRot="1" noChangeAspect="1" noMove="1" noResize="1" noEditPoints="1" noAdjustHandles="1" noChangeArrowheads="1" noChangeShapeType="1" noTextEdit="1"/>
+              </p:cNvSpPr>
+              <p:nvPr/>
+            </p:nvSpPr>
+            <p:spPr>
+              <a:xfrm>
+                <a:off x="2761784" y="4252275"/>
+                <a:ext cx="2639953" cy="404983"/>
+              </a:xfrm>
+              <a:prstGeom prst="rect">
+                <a:avLst/>
+              </a:prstGeom>
+              <a:blipFill rotWithShape="0">
+                <a:blip r:embed="rId4"/>
+                <a:stretch>
+                  <a:fillRect b="-9091"/>
+                </a:stretch>
+              </a:blipFill>
+            </p:spPr>
+            <p:txBody>
+              <a:bodyPr/>
+              <a:lstStyle/>
+              <a:p>
+                <a:r>
+                  <a:rPr lang="en-US">
+                    <a:noFill/>
+                  </a:rPr>
+                  <a:t> </a:t>
+                </a:r>
+              </a:p>
+            </p:txBody>
+          </p:sp>
+        </mc:Fallback>
+      </mc:AlternateContent>
+      <p:sp>
+        <p:nvSpPr>
+          <p:cNvPr id="14" name="TextBox 13"/>
+          <p:cNvSpPr txBox="1"/>
+          <p:nvPr/>
+        </p:nvSpPr>
+        <p:spPr>
+          <a:xfrm>
+            <a:off x="765542" y="4747742"/>
+            <a:ext cx="939681" cy="369332"/>
+          </a:xfrm>
+          <a:prstGeom prst="rect">
+            <a:avLst/>
+          </a:prstGeom>
+          <a:noFill/>
+        </p:spPr>
+        <p:txBody>
+          <a:bodyPr wrap="none" rtlCol="0">
+            <a:spAutoFit/>
+          </a:bodyPr>
+          <a:lstStyle/>
+          <a:p>
+            <a:r>
+              <a:rPr lang="ja-JP" altLang="en-US" dirty="0" smtClean="0">
+                <a:latin typeface="Arial" panose="020B0604020202020204" pitchFamily="34" charset="0"/>
+                <a:cs typeface="Arial" panose="020B0604020202020204" pitchFamily="34" charset="0"/>
+              </a:rPr>
+              <a:t>総入力</a:t>
+            </a:r>
+            <a:r>
+              <a:rPr lang="en-US" altLang="ja-JP" dirty="0" smtClean="0">
+                <a:latin typeface="Arial" panose="020B0604020202020204" pitchFamily="34" charset="0"/>
+                <a:cs typeface="Arial" panose="020B0604020202020204" pitchFamily="34" charset="0"/>
+              </a:rPr>
+              <a:t>:</a:t>
+            </a:r>
+            <a:endParaRPr lang="en-US" dirty="0">
+              <a:latin typeface="Arial" panose="020B0604020202020204" pitchFamily="34" charset="0"/>
+              <a:cs typeface="Arial" panose="020B0604020202020204" pitchFamily="34" charset="0"/>
+            </a:endParaRPr>
+          </a:p>
+        </p:txBody>
+      </p:sp>
+      <mc:AlternateContent xmlns:mc="http://schemas.openxmlformats.org/markup-compatibility/2006" xmlns:a14="http://schemas.microsoft.com/office/drawing/2010/main">
+        <mc:Choice Requires="a14">
+          <p:sp>
+            <p:nvSpPr>
+              <p:cNvPr id="15" name="TextBox 14"/>
+              <p:cNvSpPr txBox="1"/>
+              <p:nvPr/>
+            </p:nvSpPr>
+            <p:spPr>
+              <a:xfrm>
+                <a:off x="2761784" y="4725557"/>
+                <a:ext cx="2010166" cy="374270"/>
+              </a:xfrm>
+              <a:prstGeom prst="rect">
+                <a:avLst/>
+              </a:prstGeom>
+              <a:noFill/>
+            </p:spPr>
+            <p:txBody>
+              <a:bodyPr wrap="none" rtlCol="0">
+                <a:spAutoFit/>
+              </a:bodyPr>
+              <a:lstStyle/>
+              <a:p>
+                <a:pPr/>
+                <a14:m>
+                  <m:oMathPara xmlns:m="http://schemas.openxmlformats.org/officeDocument/2006/math">
+                    <m:oMathParaPr>
+                      <m:jc m:val="centerGroup"/>
+                    </m:oMathParaPr>
+                    <m:oMath xmlns:m="http://schemas.openxmlformats.org/officeDocument/2006/math">
+                      <m:sSubSup>
+                        <m:sSubSupPr>
+                          <m:ctrlPr>
+                            <a:rPr lang="en-US" altLang="ja-JP" b="0" i="1" smtClean="0">
+                              <a:latin typeface="Cambria Math" panose="02040503050406030204" pitchFamily="18" charset="0"/>
+                            </a:rPr>
+                          </m:ctrlPr>
+                        </m:sSubSupPr>
+                        <m:e>
+                          <m:sSup>
+                            <m:sSupPr>
+                              <m:ctrlPr>
+                                <a:rPr lang="en-US" altLang="ja-JP" b="0" i="1" smtClean="0">
+                                  <a:latin typeface="Cambria Math" panose="02040503050406030204" pitchFamily="18" charset="0"/>
+                                </a:rPr>
+                              </m:ctrlPr>
+                            </m:sSupPr>
+                            <m:e>
+                              <m:r>
+                                <a:rPr lang="en-US" altLang="ja-JP" b="1" i="0" smtClean="0">
+                                  <a:latin typeface="Cambria Math" panose="02040503050406030204" pitchFamily="18" charset="0"/>
+                                </a:rPr>
+                                <m:t>𝐮</m:t>
+                              </m:r>
+                            </m:e>
+                            <m:sup>
+                              <m:r>
+                                <a:rPr lang="en-US" altLang="ja-JP" b="0" i="1" smtClean="0">
+                                  <a:latin typeface="Cambria Math" panose="02040503050406030204" pitchFamily="18" charset="0"/>
+                                </a:rPr>
+                                <m:t>𝑙</m:t>
+                              </m:r>
+                            </m:sup>
+                          </m:sSup>
+                          <m:r>
+                            <a:rPr lang="en-US" altLang="ja-JP" b="0" i="1" smtClean="0">
+                              <a:latin typeface="Cambria Math" panose="02040503050406030204" pitchFamily="18" charset="0"/>
+                            </a:rPr>
+                            <m:t>=</m:t>
+                          </m:r>
+                          <m:sSup>
+                            <m:sSupPr>
+                              <m:ctrlPr>
+                                <a:rPr lang="en-US" altLang="ja-JP" b="0" i="1" smtClean="0">
+                                  <a:latin typeface="Cambria Math" panose="02040503050406030204" pitchFamily="18" charset="0"/>
+                                </a:rPr>
+                              </m:ctrlPr>
+                            </m:sSupPr>
+                            <m:e>
+                              <m:r>
+                                <a:rPr lang="en-US" altLang="ja-JP" b="1" i="0" smtClean="0">
+                                  <a:latin typeface="Cambria Math" panose="02040503050406030204" pitchFamily="18" charset="0"/>
+                                </a:rPr>
+                                <m:t>𝐖</m:t>
+                              </m:r>
+                            </m:e>
+                            <m:sup>
+                              <m:r>
+                                <a:rPr lang="en-US" altLang="ja-JP" b="0" i="1" smtClean="0">
+                                  <a:latin typeface="Cambria Math" panose="02040503050406030204" pitchFamily="18" charset="0"/>
+                                </a:rPr>
+                                <m:t>𝑙</m:t>
+                              </m:r>
+                            </m:sup>
+                          </m:sSup>
+                          <m:sSup>
+                            <m:sSupPr>
+                              <m:ctrlPr>
+                                <a:rPr lang="en-US" altLang="ja-JP" b="0" i="1" smtClean="0">
+                                  <a:latin typeface="Cambria Math" panose="02040503050406030204" pitchFamily="18" charset="0"/>
+                                </a:rPr>
+                              </m:ctrlPr>
+                            </m:sSupPr>
+                            <m:e>
+                              <m:r>
+                                <a:rPr lang="en-US" altLang="ja-JP" b="1" i="0" smtClean="0">
+                                  <a:latin typeface="Cambria Math" panose="02040503050406030204" pitchFamily="18" charset="0"/>
+                                </a:rPr>
+                                <m:t>𝐳</m:t>
+                              </m:r>
+                            </m:e>
+                            <m:sup>
+                              <m:r>
+                                <a:rPr lang="en-US" altLang="ja-JP" b="0" i="1" smtClean="0">
+                                  <a:latin typeface="Cambria Math" panose="02040503050406030204" pitchFamily="18" charset="0"/>
+                                </a:rPr>
+                                <m:t>𝑙</m:t>
+                              </m:r>
+                              <m:r>
+                                <a:rPr lang="en-US" altLang="ja-JP" b="0" i="1" smtClean="0">
+                                  <a:latin typeface="Cambria Math" panose="02040503050406030204" pitchFamily="18" charset="0"/>
+                                </a:rPr>
+                                <m:t>−1</m:t>
+                              </m:r>
+                            </m:sup>
+                          </m:sSup>
+                          <m:r>
+                            <a:rPr lang="en-US" altLang="ja-JP" b="0" i="1" smtClean="0">
+                              <a:latin typeface="Cambria Math" panose="02040503050406030204" pitchFamily="18" charset="0"/>
+                            </a:rPr>
+                            <m:t>+</m:t>
+                          </m:r>
+                          <m:sSup>
+                            <m:sSupPr>
+                              <m:ctrlPr>
+                                <a:rPr lang="en-US" altLang="ja-JP" b="0" i="1" smtClean="0">
+                                  <a:latin typeface="Cambria Math" panose="02040503050406030204" pitchFamily="18" charset="0"/>
+                                </a:rPr>
+                              </m:ctrlPr>
+                            </m:sSupPr>
+                            <m:e>
+                              <m:r>
+                                <a:rPr lang="en-US" altLang="ja-JP" b="1" i="0" smtClean="0">
+                                  <a:latin typeface="Cambria Math" panose="02040503050406030204" pitchFamily="18" charset="0"/>
+                                </a:rPr>
+                                <m:t>𝐛</m:t>
+                              </m:r>
+                            </m:e>
+                            <m:sup>
+                              <m:r>
+                                <a:rPr lang="en-US" altLang="ja-JP" b="0" i="1" smtClean="0">
+                                  <a:latin typeface="Cambria Math" panose="02040503050406030204" pitchFamily="18" charset="0"/>
+                                </a:rPr>
+                                <m:t>𝑙</m:t>
+                              </m:r>
+                            </m:sup>
+                          </m:sSup>
+                        </m:e>
+                        <m:sub>
+                          <m:r>
+                            <a:rPr lang="en-US" altLang="ja-JP" b="0" i="1" smtClean="0">
+                              <a:latin typeface="Cambria Math" panose="02040503050406030204" pitchFamily="18" charset="0"/>
+                            </a:rPr>
+                            <m:t> </m:t>
+                          </m:r>
+                        </m:sub>
+                        <m:sup>
+                          <m:r>
+                            <a:rPr lang="en-US" altLang="ja-JP" b="0" i="1" smtClean="0">
+                              <a:latin typeface="Cambria Math" panose="02040503050406030204" pitchFamily="18" charset="0"/>
+                            </a:rPr>
+                            <m:t> </m:t>
+                          </m:r>
+                        </m:sup>
+                      </m:sSubSup>
+                    </m:oMath>
+                  </m:oMathPara>
+                </a14:m>
+                <a:endParaRPr lang="en-US" dirty="0"/>
+              </a:p>
+            </p:txBody>
+          </p:sp>
+        </mc:Choice>
+        <mc:Fallback xmlns="">
+          <p:sp>
+            <p:nvSpPr>
+              <p:cNvPr id="15" name="TextBox 14"/>
+              <p:cNvSpPr txBox="1">
+                <a:spLocks noRot="1" noChangeAspect="1" noMove="1" noResize="1" noEditPoints="1" noAdjustHandles="1" noChangeArrowheads="1" noChangeShapeType="1" noTextEdit="1"/>
+              </p:cNvSpPr>
+              <p:nvPr/>
+            </p:nvSpPr>
+            <p:spPr>
+              <a:xfrm>
+                <a:off x="2761784" y="4725557"/>
+                <a:ext cx="2010166" cy="374270"/>
+              </a:xfrm>
+              <a:prstGeom prst="rect">
+                <a:avLst/>
+              </a:prstGeom>
+              <a:blipFill rotWithShape="0">
+                <a:blip r:embed="rId5"/>
+                <a:stretch>
+                  <a:fillRect/>
+                </a:stretch>
+              </a:blipFill>
+            </p:spPr>
+            <p:txBody>
+              <a:bodyPr/>
+              <a:lstStyle/>
+              <a:p>
+                <a:r>
+                  <a:rPr lang="en-US">
+                    <a:noFill/>
+                  </a:rPr>
+                  <a:t> </a:t>
+                </a:r>
+              </a:p>
+            </p:txBody>
+          </p:sp>
+        </mc:Fallback>
+      </mc:AlternateContent>
+      <p:sp>
+        <p:nvSpPr>
+          <p:cNvPr id="16" name="TextBox 15"/>
+          <p:cNvSpPr txBox="1"/>
+          <p:nvPr/>
+        </p:nvSpPr>
+        <p:spPr>
+          <a:xfrm>
+            <a:off x="765542" y="5243209"/>
+            <a:ext cx="708848" cy="369332"/>
+          </a:xfrm>
+          <a:prstGeom prst="rect">
+            <a:avLst/>
+          </a:prstGeom>
+          <a:noFill/>
+        </p:spPr>
+        <p:txBody>
+          <a:bodyPr wrap="none" rtlCol="0">
+            <a:spAutoFit/>
+          </a:bodyPr>
+          <a:lstStyle/>
+          <a:p>
+            <a:r>
+              <a:rPr lang="ja-JP" altLang="en-US" dirty="0">
+                <a:latin typeface="Arial" panose="020B0604020202020204" pitchFamily="34" charset="0"/>
+                <a:cs typeface="Arial" panose="020B0604020202020204" pitchFamily="34" charset="0"/>
+              </a:rPr>
+              <a:t>出</a:t>
+            </a:r>
+            <a:r>
+              <a:rPr lang="ja-JP" altLang="en-US" dirty="0" smtClean="0">
+                <a:latin typeface="Arial" panose="020B0604020202020204" pitchFamily="34" charset="0"/>
+                <a:cs typeface="Arial" panose="020B0604020202020204" pitchFamily="34" charset="0"/>
+              </a:rPr>
+              <a:t>力</a:t>
+            </a:r>
+            <a:r>
+              <a:rPr lang="en-US" altLang="ja-JP" dirty="0" smtClean="0">
+                <a:latin typeface="Arial" panose="020B0604020202020204" pitchFamily="34" charset="0"/>
+                <a:cs typeface="Arial" panose="020B0604020202020204" pitchFamily="34" charset="0"/>
+              </a:rPr>
+              <a:t>:</a:t>
+            </a:r>
+            <a:endParaRPr lang="en-US" dirty="0">
+              <a:latin typeface="Arial" panose="020B0604020202020204" pitchFamily="34" charset="0"/>
+              <a:cs typeface="Arial" panose="020B0604020202020204" pitchFamily="34" charset="0"/>
+            </a:endParaRPr>
+          </a:p>
+        </p:txBody>
+      </p:sp>
+      <mc:AlternateContent xmlns:mc="http://schemas.openxmlformats.org/markup-compatibility/2006" xmlns:a14="http://schemas.microsoft.com/office/drawing/2010/main">
+        <mc:Choice Requires="a14">
+          <p:sp>
+            <p:nvSpPr>
+              <p:cNvPr id="17" name="TextBox 16"/>
+              <p:cNvSpPr txBox="1"/>
+              <p:nvPr/>
+            </p:nvSpPr>
+            <p:spPr>
+              <a:xfrm>
+                <a:off x="2761784" y="5221024"/>
+                <a:ext cx="2470676" cy="408894"/>
+              </a:xfrm>
+              <a:prstGeom prst="rect">
+                <a:avLst/>
+              </a:prstGeom>
+              <a:noFill/>
+            </p:spPr>
+            <p:txBody>
+              <a:bodyPr wrap="none" rtlCol="0">
+                <a:spAutoFit/>
+              </a:bodyPr>
+              <a:lstStyle/>
+              <a:p>
+                <a:pPr/>
+                <a14:m>
+                  <m:oMathPara xmlns:m="http://schemas.openxmlformats.org/officeDocument/2006/math">
+                    <m:oMathParaPr>
+                      <m:jc m:val="centerGroup"/>
+                    </m:oMathParaPr>
+                    <m:oMath xmlns:m="http://schemas.openxmlformats.org/officeDocument/2006/math">
+                      <m:sSubSup>
+                        <m:sSubSupPr>
+                          <m:ctrlPr>
+                            <a:rPr lang="en-US" altLang="ja-JP" b="0" i="1" smtClean="0">
+                              <a:latin typeface="Cambria Math" panose="02040503050406030204" pitchFamily="18" charset="0"/>
+                            </a:rPr>
+                          </m:ctrlPr>
+                        </m:sSubSupPr>
+                        <m:e>
+                          <m:sSubSup>
+                            <m:sSubSupPr>
+                              <m:ctrlPr>
+                                <a:rPr lang="en-US" altLang="ja-JP" b="0" i="1" smtClean="0">
+                                  <a:latin typeface="Cambria Math" panose="02040503050406030204" pitchFamily="18" charset="0"/>
+                                </a:rPr>
+                              </m:ctrlPr>
+                            </m:sSubSupPr>
+                            <m:e>
+                              <m:r>
+                                <a:rPr lang="en-US" altLang="ja-JP" b="1" i="0" smtClean="0">
+                                  <a:latin typeface="Cambria Math" panose="02040503050406030204" pitchFamily="18" charset="0"/>
+                                </a:rPr>
+                                <m:t>𝐲</m:t>
+                              </m:r>
+                            </m:e>
+                            <m:sub>
+                              <m:r>
+                                <a:rPr lang="en-US" altLang="ja-JP" b="0" i="1" smtClean="0">
+                                  <a:latin typeface="Cambria Math" panose="02040503050406030204" pitchFamily="18" charset="0"/>
+                                </a:rPr>
+                                <m:t>𝑛</m:t>
+                              </m:r>
+                            </m:sub>
+                            <m:sup>
+                              <m:r>
+                                <a:rPr lang="en-US" altLang="ja-JP" b="0" i="1" smtClean="0">
+                                  <a:latin typeface="Cambria Math" panose="02040503050406030204" pitchFamily="18" charset="0"/>
+                                </a:rPr>
+                                <m:t>𝑡</m:t>
+                              </m:r>
+                            </m:sup>
+                          </m:sSubSup>
+                          <m:r>
+                            <a:rPr lang="en-US" altLang="ja-JP" b="0" i="1" smtClean="0">
+                              <a:latin typeface="Cambria Math" panose="02040503050406030204" pitchFamily="18" charset="0"/>
+                            </a:rPr>
+                            <m:t>=</m:t>
+                          </m:r>
+                          <m:d>
+                            <m:dPr>
+                              <m:begChr m:val="["/>
+                              <m:endChr m:val="]"/>
+                              <m:ctrlPr>
+                                <a:rPr lang="en-US" altLang="ja-JP" b="0" i="1" smtClean="0">
+                                  <a:latin typeface="Cambria Math" panose="02040503050406030204" pitchFamily="18" charset="0"/>
+                                </a:rPr>
+                              </m:ctrlPr>
+                            </m:dPr>
+                            <m:e>
+                              <m:sSubSup>
+                                <m:sSubSupPr>
+                                  <m:ctrlPr>
+                                    <a:rPr lang="en-US" altLang="ja-JP" b="0" i="1" smtClean="0">
+                                      <a:latin typeface="Cambria Math" panose="02040503050406030204" pitchFamily="18" charset="0"/>
+                                    </a:rPr>
+                                  </m:ctrlPr>
+                                </m:sSubSupPr>
+                                <m:e>
+                                  <m:r>
+                                    <a:rPr lang="en-US" altLang="ja-JP" b="0" i="1" smtClean="0">
+                                      <a:latin typeface="Cambria Math" panose="02040503050406030204" pitchFamily="18" charset="0"/>
+                                    </a:rPr>
+                                    <m:t>𝑦</m:t>
+                                  </m:r>
+                                </m:e>
+                                <m:sub>
+                                  <m:r>
+                                    <a:rPr lang="en-US" altLang="ja-JP" b="0" i="1" smtClean="0">
+                                      <a:latin typeface="Cambria Math" panose="02040503050406030204" pitchFamily="18" charset="0"/>
+                                    </a:rPr>
+                                    <m:t>𝑛</m:t>
+                                  </m:r>
+                                  <m:r>
+                                    <a:rPr lang="en-US" altLang="ja-JP" b="0" i="1" smtClean="0">
+                                      <a:latin typeface="Cambria Math" panose="02040503050406030204" pitchFamily="18" charset="0"/>
+                                    </a:rPr>
+                                    <m:t>1</m:t>
+                                  </m:r>
+                                </m:sub>
+                                <m:sup>
+                                  <m:r>
+                                    <a:rPr lang="en-US" altLang="ja-JP" b="0" i="1" smtClean="0">
+                                      <a:latin typeface="Cambria Math" panose="02040503050406030204" pitchFamily="18" charset="0"/>
+                                    </a:rPr>
+                                    <m:t>𝑡</m:t>
+                                  </m:r>
+                                </m:sup>
+                              </m:sSubSup>
+                              <m:r>
+                                <a:rPr lang="en-US" altLang="ja-JP" b="0" i="1" smtClean="0">
+                                  <a:latin typeface="Cambria Math" panose="02040503050406030204" pitchFamily="18" charset="0"/>
+                                </a:rPr>
+                                <m:t>…</m:t>
+                              </m:r>
+                              <m:sSubSup>
+                                <m:sSubSupPr>
+                                  <m:ctrlPr>
+                                    <a:rPr lang="en-US" altLang="ja-JP" b="0" i="1" smtClean="0">
+                                      <a:latin typeface="Cambria Math" panose="02040503050406030204" pitchFamily="18" charset="0"/>
+                                    </a:rPr>
+                                  </m:ctrlPr>
+                                </m:sSubSupPr>
+                                <m:e>
+                                  <m:r>
+                                    <a:rPr lang="en-US" altLang="ja-JP" b="0" i="1" smtClean="0">
+                                      <a:latin typeface="Cambria Math" panose="02040503050406030204" pitchFamily="18" charset="0"/>
+                                    </a:rPr>
+                                    <m:t>𝑦</m:t>
+                                  </m:r>
+                                </m:e>
+                                <m:sub>
+                                  <m:r>
+                                    <a:rPr lang="en-US" altLang="ja-JP" b="0" i="1" smtClean="0">
+                                      <a:latin typeface="Cambria Math" panose="02040503050406030204" pitchFamily="18" charset="0"/>
+                                    </a:rPr>
+                                    <m:t>𝑛𝐾</m:t>
+                                  </m:r>
+                                </m:sub>
+                                <m:sup>
+                                  <m:r>
+                                    <a:rPr lang="en-US" altLang="ja-JP" b="0" i="1" smtClean="0">
+                                      <a:latin typeface="Cambria Math" panose="02040503050406030204" pitchFamily="18" charset="0"/>
+                                    </a:rPr>
+                                    <m:t>𝑡</m:t>
+                                  </m:r>
+                                </m:sup>
+                              </m:sSubSup>
+                            </m:e>
+                          </m:d>
+                          <m:r>
+                            <a:rPr lang="en-US" altLang="ja-JP" b="0" i="1" smtClean="0">
+                              <a:latin typeface="Cambria Math" panose="02040503050406030204" pitchFamily="18" charset="0"/>
+                            </a:rPr>
+                            <m:t>=</m:t>
+                          </m:r>
+                          <m:sSup>
+                            <m:sSupPr>
+                              <m:ctrlPr>
+                                <a:rPr lang="en-US" altLang="ja-JP" b="0" i="1" smtClean="0">
+                                  <a:latin typeface="Cambria Math" panose="02040503050406030204" pitchFamily="18" charset="0"/>
+                                </a:rPr>
+                              </m:ctrlPr>
+                            </m:sSupPr>
+                            <m:e>
+                              <m:r>
+                                <a:rPr lang="en-US" altLang="ja-JP" b="1" i="0" smtClean="0">
+                                  <a:latin typeface="Cambria Math" panose="02040503050406030204" pitchFamily="18" charset="0"/>
+                                </a:rPr>
+                                <m:t>𝐳</m:t>
+                              </m:r>
+                            </m:e>
+                            <m:sup>
+                              <m:r>
+                                <a:rPr lang="en-US" altLang="ja-JP" b="0" i="1" smtClean="0">
+                                  <a:latin typeface="Cambria Math" panose="02040503050406030204" pitchFamily="18" charset="0"/>
+                                </a:rPr>
+                                <m:t>𝐿</m:t>
+                              </m:r>
+                            </m:sup>
+                          </m:sSup>
+                        </m:e>
+                        <m:sub>
+                          <m:r>
+                            <a:rPr lang="en-US" altLang="ja-JP" b="0" i="1" smtClean="0">
+                              <a:latin typeface="Cambria Math" panose="02040503050406030204" pitchFamily="18" charset="0"/>
+                            </a:rPr>
+                            <m:t> </m:t>
+                          </m:r>
+                        </m:sub>
+                        <m:sup>
+                          <m:r>
+                            <a:rPr lang="en-US" altLang="ja-JP" b="0" i="1" smtClean="0">
+                              <a:latin typeface="Cambria Math" panose="02040503050406030204" pitchFamily="18" charset="0"/>
+                            </a:rPr>
+                            <m:t> </m:t>
+                          </m:r>
+                        </m:sup>
+                      </m:sSubSup>
+                    </m:oMath>
+                  </m:oMathPara>
+                </a14:m>
+                <a:endParaRPr lang="en-US" dirty="0"/>
+              </a:p>
+            </p:txBody>
+          </p:sp>
+        </mc:Choice>
+        <mc:Fallback xmlns="">
+          <p:sp>
+            <p:nvSpPr>
+              <p:cNvPr id="17" name="TextBox 16"/>
+              <p:cNvSpPr txBox="1">
+                <a:spLocks noRot="1" noChangeAspect="1" noMove="1" noResize="1" noEditPoints="1" noAdjustHandles="1" noChangeArrowheads="1" noChangeShapeType="1" noTextEdit="1"/>
+              </p:cNvSpPr>
+              <p:nvPr/>
+            </p:nvSpPr>
+            <p:spPr>
+              <a:xfrm>
+                <a:off x="2761784" y="5221024"/>
+                <a:ext cx="2470676" cy="408894"/>
+              </a:xfrm>
+              <a:prstGeom prst="rect">
+                <a:avLst/>
+              </a:prstGeom>
+              <a:blipFill rotWithShape="0">
+                <a:blip r:embed="rId6"/>
+                <a:stretch>
+                  <a:fillRect/>
+                </a:stretch>
+              </a:blipFill>
+            </p:spPr>
+            <p:txBody>
+              <a:bodyPr/>
+              <a:lstStyle/>
+              <a:p>
+                <a:r>
+                  <a:rPr lang="en-US">
+                    <a:noFill/>
+                  </a:rPr>
+                  <a:t> </a:t>
+                </a:r>
+              </a:p>
+            </p:txBody>
+          </p:sp>
+        </mc:Fallback>
+      </mc:AlternateContent>
+      <p:sp>
+        <p:nvSpPr>
+          <p:cNvPr id="18" name="TextBox 17"/>
+          <p:cNvSpPr txBox="1"/>
+          <p:nvPr/>
+        </p:nvSpPr>
+        <p:spPr>
+          <a:xfrm>
+            <a:off x="765542" y="5736546"/>
+            <a:ext cx="1170513" cy="369332"/>
+          </a:xfrm>
+          <a:prstGeom prst="rect">
+            <a:avLst/>
+          </a:prstGeom>
+          <a:noFill/>
+        </p:spPr>
+        <p:txBody>
+          <a:bodyPr wrap="none" rtlCol="0">
+            <a:spAutoFit/>
+          </a:bodyPr>
+          <a:lstStyle/>
+          <a:p>
+            <a:r>
+              <a:rPr lang="ja-JP" altLang="en-US" dirty="0">
+                <a:latin typeface="Arial" panose="020B0604020202020204" pitchFamily="34" charset="0"/>
+                <a:cs typeface="Arial" panose="020B0604020202020204" pitchFamily="34" charset="0"/>
+              </a:rPr>
+              <a:t>誤</a:t>
+            </a:r>
+            <a:r>
+              <a:rPr lang="ja-JP" altLang="en-US" dirty="0" smtClean="0">
+                <a:latin typeface="Arial" panose="020B0604020202020204" pitchFamily="34" charset="0"/>
+                <a:cs typeface="Arial" panose="020B0604020202020204" pitchFamily="34" charset="0"/>
+              </a:rPr>
+              <a:t>差</a:t>
+            </a:r>
+            <a:r>
+              <a:rPr lang="ja-JP" altLang="en-US" dirty="0">
+                <a:latin typeface="Arial" panose="020B0604020202020204" pitchFamily="34" charset="0"/>
+                <a:cs typeface="Arial" panose="020B0604020202020204" pitchFamily="34" charset="0"/>
+              </a:rPr>
+              <a:t>関数</a:t>
+            </a:r>
+            <a:r>
+              <a:rPr lang="en-US" altLang="ja-JP" dirty="0" smtClean="0">
+                <a:latin typeface="Arial" panose="020B0604020202020204" pitchFamily="34" charset="0"/>
+                <a:cs typeface="Arial" panose="020B0604020202020204" pitchFamily="34" charset="0"/>
+              </a:rPr>
+              <a:t>:</a:t>
+            </a:r>
+            <a:endParaRPr lang="en-US" dirty="0">
+              <a:latin typeface="Arial" panose="020B0604020202020204" pitchFamily="34" charset="0"/>
+              <a:cs typeface="Arial" panose="020B0604020202020204" pitchFamily="34" charset="0"/>
+            </a:endParaRPr>
+          </a:p>
+        </p:txBody>
+      </p:sp>
+      <mc:AlternateContent xmlns:mc="http://schemas.openxmlformats.org/markup-compatibility/2006" xmlns:a14="http://schemas.microsoft.com/office/drawing/2010/main">
+        <mc:Choice Requires="a14">
+          <p:sp>
+            <p:nvSpPr>
+              <p:cNvPr id="19" name="TextBox 18"/>
+              <p:cNvSpPr txBox="1"/>
+              <p:nvPr/>
+            </p:nvSpPr>
+            <p:spPr>
+              <a:xfrm>
+                <a:off x="2761784" y="5714361"/>
+                <a:ext cx="957633" cy="369332"/>
+              </a:xfrm>
+              <a:prstGeom prst="rect">
+                <a:avLst/>
+              </a:prstGeom>
+              <a:noFill/>
+            </p:spPr>
+            <p:txBody>
+              <a:bodyPr wrap="none" rtlCol="0">
+                <a:spAutoFit/>
+              </a:bodyPr>
+              <a:lstStyle/>
+              <a:p>
+                <a:pPr/>
+                <a14:m>
+                  <m:oMathPara xmlns:m="http://schemas.openxmlformats.org/officeDocument/2006/math">
+                    <m:oMathParaPr>
+                      <m:jc m:val="centerGroup"/>
+                    </m:oMathParaPr>
+                    <m:oMath xmlns:m="http://schemas.openxmlformats.org/officeDocument/2006/math">
+                      <m:sSubSup>
+                        <m:sSubSupPr>
+                          <m:ctrlPr>
+                            <a:rPr lang="en-US" altLang="ja-JP" b="0" i="1" smtClean="0">
+                              <a:latin typeface="Cambria Math" panose="02040503050406030204" pitchFamily="18" charset="0"/>
+                            </a:rPr>
+                          </m:ctrlPr>
+                        </m:sSubSupPr>
+                        <m:e>
+                          <m:sSubSup>
+                            <m:sSubSupPr>
+                              <m:ctrlPr>
+                                <a:rPr lang="en-US" altLang="ja-JP" b="0" i="1" smtClean="0">
+                                  <a:latin typeface="Cambria Math" panose="02040503050406030204" pitchFamily="18" charset="0"/>
+                                </a:rPr>
+                              </m:ctrlPr>
+                            </m:sSubSupPr>
+                            <m:e>
+                              <m:r>
+                                <a:rPr lang="en-US" altLang="ja-JP" b="0" i="1" smtClean="0">
+                                  <a:latin typeface="Cambria Math" panose="02040503050406030204" pitchFamily="18" charset="0"/>
+                                </a:rPr>
+                                <m:t>𝐸</m:t>
+                              </m:r>
+                            </m:e>
+                            <m:sub>
+                              <m:r>
+                                <a:rPr lang="en-US" altLang="ja-JP" b="0" i="1" smtClean="0">
+                                  <a:latin typeface="Cambria Math" panose="02040503050406030204" pitchFamily="18" charset="0"/>
+                                </a:rPr>
+                                <m:t>𝑛</m:t>
+                              </m:r>
+                            </m:sub>
+                            <m:sup>
+                              <m:r>
+                                <a:rPr lang="en-US" altLang="ja-JP" b="0" i="1" smtClean="0">
+                                  <a:latin typeface="Cambria Math" panose="02040503050406030204" pitchFamily="18" charset="0"/>
+                                </a:rPr>
+                                <m:t> </m:t>
+                              </m:r>
+                            </m:sup>
+                          </m:sSubSup>
+                          <m:r>
+                            <a:rPr lang="en-US" altLang="ja-JP" b="0" i="1" smtClean="0">
+                              <a:latin typeface="Cambria Math" panose="02040503050406030204" pitchFamily="18" charset="0"/>
+                            </a:rPr>
+                            <m:t>(</m:t>
+                          </m:r>
+                          <m:r>
+                            <a:rPr lang="en-US" altLang="ja-JP" b="1" i="0" smtClean="0">
+                              <a:latin typeface="Cambria Math" panose="02040503050406030204" pitchFamily="18" charset="0"/>
+                            </a:rPr>
+                            <m:t>𝐰</m:t>
+                          </m:r>
+                          <m:r>
+                            <a:rPr lang="en-US" altLang="ja-JP" b="0" i="1" smtClean="0">
+                              <a:latin typeface="Cambria Math" panose="02040503050406030204" pitchFamily="18" charset="0"/>
+                            </a:rPr>
+                            <m:t>) </m:t>
+                          </m:r>
+                        </m:e>
+                        <m:sub>
+                          <m:r>
+                            <a:rPr lang="en-US" altLang="ja-JP" b="0" i="1" smtClean="0">
+                              <a:latin typeface="Cambria Math" panose="02040503050406030204" pitchFamily="18" charset="0"/>
+                            </a:rPr>
+                            <m:t> </m:t>
+                          </m:r>
+                        </m:sub>
+                        <m:sup>
+                          <m:r>
+                            <a:rPr lang="en-US" altLang="ja-JP" b="0" i="1" smtClean="0">
+                              <a:latin typeface="Cambria Math" panose="02040503050406030204" pitchFamily="18" charset="0"/>
+                            </a:rPr>
+                            <m:t> </m:t>
+                          </m:r>
+                        </m:sup>
+                      </m:sSubSup>
+                    </m:oMath>
+                  </m:oMathPara>
+                </a14:m>
+                <a:endParaRPr lang="en-US" dirty="0"/>
+              </a:p>
+            </p:txBody>
+          </p:sp>
+        </mc:Choice>
+        <mc:Fallback xmlns="">
+          <p:sp>
+            <p:nvSpPr>
+              <p:cNvPr id="19" name="TextBox 18"/>
+              <p:cNvSpPr txBox="1">
+                <a:spLocks noRot="1" noChangeAspect="1" noMove="1" noResize="1" noEditPoints="1" noAdjustHandles="1" noChangeArrowheads="1" noChangeShapeType="1" noTextEdit="1"/>
+              </p:cNvSpPr>
+              <p:nvPr/>
+            </p:nvSpPr>
+            <p:spPr>
+              <a:xfrm>
+                <a:off x="2761784" y="5714361"/>
+                <a:ext cx="957633" cy="369332"/>
+              </a:xfrm>
+              <a:prstGeom prst="rect">
+                <a:avLst/>
+              </a:prstGeom>
+              <a:blipFill rotWithShape="0">
+                <a:blip r:embed="rId7"/>
+                <a:stretch>
+                  <a:fillRect b="-13115"/>
+                </a:stretch>
+              </a:blipFill>
+            </p:spPr>
+            <p:txBody>
+              <a:bodyPr/>
+              <a:lstStyle/>
+              <a:p>
+                <a:r>
+                  <a:rPr lang="en-US">
+                    <a:noFill/>
+                  </a:rPr>
+                  <a:t> </a:t>
+                </a:r>
+              </a:p>
+            </p:txBody>
+          </p:sp>
+        </mc:Fallback>
+      </mc:AlternateContent>
+      <p:sp>
+        <p:nvSpPr>
+          <p:cNvPr id="20" name="TextBox 19"/>
+          <p:cNvSpPr txBox="1"/>
+          <p:nvPr/>
+        </p:nvSpPr>
+        <p:spPr>
+          <a:xfrm>
+            <a:off x="7184119" y="765228"/>
+            <a:ext cx="2598788" cy="338554"/>
+          </a:xfrm>
+          <a:prstGeom prst="rect">
+            <a:avLst/>
+          </a:prstGeom>
+          <a:noFill/>
+        </p:spPr>
+        <p:txBody>
+          <a:bodyPr wrap="none" rtlCol="0">
+            <a:spAutoFit/>
+          </a:bodyPr>
+          <a:lstStyle/>
+          <a:p>
+            <a:pPr algn="r"/>
+            <a:r>
+              <a:rPr lang="ja-JP" altLang="en-US" sz="1600" dirty="0">
+                <a:solidFill>
+                  <a:schemeClr val="tx1">
+                    <a:lumMod val="85000"/>
+                    <a:lumOff val="15000"/>
+                  </a:schemeClr>
+                </a:solidFill>
+                <a:latin typeface="Arial" panose="020B0604020202020204" pitchFamily="34" charset="0"/>
+                <a:cs typeface="Arial" panose="020B0604020202020204" pitchFamily="34" charset="0"/>
+              </a:rPr>
+              <a:t>入</a:t>
+            </a:r>
+            <a:r>
+              <a:rPr lang="ja-JP" altLang="en-US" sz="1600" dirty="0" smtClean="0">
+                <a:solidFill>
+                  <a:schemeClr val="tx1">
+                    <a:lumMod val="85000"/>
+                    <a:lumOff val="15000"/>
+                  </a:schemeClr>
+                </a:solidFill>
+                <a:latin typeface="Arial" panose="020B0604020202020204" pitchFamily="34" charset="0"/>
+                <a:cs typeface="Arial" panose="020B0604020202020204" pitchFamily="34" charset="0"/>
+              </a:rPr>
+              <a:t>力層ノードのインデックス</a:t>
+            </a:r>
+            <a:r>
+              <a:rPr lang="en-US" altLang="ja-JP" sz="1600" dirty="0" smtClean="0">
+                <a:solidFill>
+                  <a:schemeClr val="tx1">
+                    <a:lumMod val="85000"/>
+                    <a:lumOff val="15000"/>
+                  </a:schemeClr>
+                </a:solidFill>
+                <a:latin typeface="Arial" panose="020B0604020202020204" pitchFamily="34" charset="0"/>
+                <a:cs typeface="Arial" panose="020B0604020202020204" pitchFamily="34" charset="0"/>
+              </a:rPr>
+              <a:t>:</a:t>
+            </a:r>
+            <a:endParaRPr lang="en-US" sz="1600" dirty="0">
+              <a:solidFill>
+                <a:schemeClr val="tx1">
+                  <a:lumMod val="85000"/>
+                  <a:lumOff val="15000"/>
+                </a:schemeClr>
+              </a:solidFill>
+              <a:latin typeface="Arial" panose="020B0604020202020204" pitchFamily="34" charset="0"/>
+              <a:cs typeface="Arial" panose="020B0604020202020204" pitchFamily="34" charset="0"/>
+            </a:endParaRPr>
+          </a:p>
+        </p:txBody>
+      </p:sp>
+      <mc:AlternateContent xmlns:mc="http://schemas.openxmlformats.org/markup-compatibility/2006" xmlns:a14="http://schemas.microsoft.com/office/drawing/2010/main">
+        <mc:Choice Requires="a14">
+          <p:sp>
+            <p:nvSpPr>
+              <p:cNvPr id="21" name="TextBox 20"/>
+              <p:cNvSpPr txBox="1"/>
+              <p:nvPr/>
+            </p:nvSpPr>
+            <p:spPr>
+              <a:xfrm>
+                <a:off x="9751407" y="765228"/>
+                <a:ext cx="1105367" cy="338554"/>
+              </a:xfrm>
+              <a:prstGeom prst="rect">
+                <a:avLst/>
+              </a:prstGeom>
+              <a:noFill/>
+            </p:spPr>
+            <p:txBody>
+              <a:bodyPr wrap="none" rtlCol="0">
+                <a:spAutoFit/>
+              </a:bodyPr>
+              <a:lstStyle/>
+              <a:p>
+                <a:pPr/>
+                <a14:m>
+                  <m:oMathPara xmlns:m="http://schemas.openxmlformats.org/officeDocument/2006/math">
+                    <m:oMathParaPr>
+                      <m:jc m:val="centerGroup"/>
+                    </m:oMathParaPr>
+                    <m:oMath xmlns:m="http://schemas.openxmlformats.org/officeDocument/2006/math">
+                      <m:r>
+                        <a:rPr lang="en-US" altLang="ja-JP" sz="1600" b="0" i="1" smtClean="0">
+                          <a:solidFill>
+                            <a:schemeClr val="tx1">
+                              <a:lumMod val="85000"/>
+                              <a:lumOff val="15000"/>
+                            </a:schemeClr>
+                          </a:solidFill>
+                          <a:latin typeface="Cambria Math" panose="02040503050406030204" pitchFamily="18" charset="0"/>
+                        </a:rPr>
+                        <m:t>𝑖</m:t>
+                      </m:r>
+                      <m:r>
+                        <a:rPr lang="en-US" altLang="ja-JP" sz="1600" b="0" i="1" smtClean="0">
+                          <a:solidFill>
+                            <a:schemeClr val="tx1">
+                              <a:lumMod val="85000"/>
+                              <a:lumOff val="15000"/>
+                            </a:schemeClr>
+                          </a:solidFill>
+                          <a:latin typeface="Cambria Math" panose="02040503050406030204" pitchFamily="18" charset="0"/>
+                        </a:rPr>
+                        <m:t>(=1…</m:t>
+                      </m:r>
+                      <m:r>
+                        <a:rPr lang="en-US" altLang="ja-JP" sz="1600" b="0" i="1" smtClean="0">
+                          <a:solidFill>
+                            <a:schemeClr val="tx1">
+                              <a:lumMod val="85000"/>
+                              <a:lumOff val="15000"/>
+                            </a:schemeClr>
+                          </a:solidFill>
+                          <a:latin typeface="Cambria Math" panose="02040503050406030204" pitchFamily="18" charset="0"/>
+                        </a:rPr>
+                        <m:t>𝐼</m:t>
+                      </m:r>
+                      <m:r>
+                        <a:rPr lang="en-US" altLang="ja-JP" sz="1600" b="0" i="1" smtClean="0">
+                          <a:solidFill>
+                            <a:schemeClr val="tx1">
+                              <a:lumMod val="85000"/>
+                              <a:lumOff val="15000"/>
+                            </a:schemeClr>
+                          </a:solidFill>
+                          <a:latin typeface="Cambria Math" panose="02040503050406030204" pitchFamily="18" charset="0"/>
+                        </a:rPr>
+                        <m:t>)</m:t>
+                      </m:r>
+                    </m:oMath>
+                  </m:oMathPara>
+                </a14:m>
+                <a:endParaRPr lang="en-US" sz="1600" dirty="0">
+                  <a:solidFill>
+                    <a:schemeClr val="tx1">
+                      <a:lumMod val="85000"/>
+                      <a:lumOff val="15000"/>
+                    </a:schemeClr>
+                  </a:solidFill>
+                </a:endParaRPr>
+              </a:p>
+            </p:txBody>
+          </p:sp>
+        </mc:Choice>
+        <mc:Fallback xmlns="">
+          <p:sp>
+            <p:nvSpPr>
+              <p:cNvPr id="21" name="TextBox 20"/>
+              <p:cNvSpPr txBox="1">
+                <a:spLocks noRot="1" noChangeAspect="1" noMove="1" noResize="1" noEditPoints="1" noAdjustHandles="1" noChangeArrowheads="1" noChangeShapeType="1" noTextEdit="1"/>
+              </p:cNvSpPr>
+              <p:nvPr/>
+            </p:nvSpPr>
+            <p:spPr>
+              <a:xfrm>
+                <a:off x="9751407" y="765228"/>
+                <a:ext cx="1105367" cy="338554"/>
+              </a:xfrm>
+              <a:prstGeom prst="rect">
+                <a:avLst/>
+              </a:prstGeom>
+              <a:blipFill rotWithShape="0">
+                <a:blip r:embed="rId8"/>
+                <a:stretch>
+                  <a:fillRect b="-10909"/>
+                </a:stretch>
+              </a:blipFill>
+            </p:spPr>
+            <p:txBody>
+              <a:bodyPr/>
+              <a:lstStyle/>
+              <a:p>
+                <a:r>
+                  <a:rPr lang="en-US">
+                    <a:noFill/>
+                  </a:rPr>
+                  <a:t> </a:t>
+                </a:r>
+              </a:p>
+            </p:txBody>
+          </p:sp>
+        </mc:Fallback>
+      </mc:AlternateContent>
+      <p:sp>
+        <p:nvSpPr>
+          <p:cNvPr id="22" name="TextBox 21"/>
+          <p:cNvSpPr txBox="1"/>
+          <p:nvPr/>
+        </p:nvSpPr>
+        <p:spPr>
+          <a:xfrm>
+            <a:off x="7184119" y="1149100"/>
+            <a:ext cx="2598788" cy="338554"/>
+          </a:xfrm>
+          <a:prstGeom prst="rect">
+            <a:avLst/>
+          </a:prstGeom>
+          <a:noFill/>
+        </p:spPr>
+        <p:txBody>
+          <a:bodyPr wrap="none" rtlCol="0">
+            <a:spAutoFit/>
+          </a:bodyPr>
+          <a:lstStyle/>
+          <a:p>
+            <a:pPr algn="r"/>
+            <a:r>
+              <a:rPr lang="ja-JP" altLang="en-US" sz="1600" dirty="0">
+                <a:solidFill>
+                  <a:schemeClr val="tx1">
+                    <a:lumMod val="85000"/>
+                    <a:lumOff val="15000"/>
+                  </a:schemeClr>
+                </a:solidFill>
+                <a:latin typeface="Arial" panose="020B0604020202020204" pitchFamily="34" charset="0"/>
+                <a:cs typeface="Arial" panose="020B0604020202020204" pitchFamily="34" charset="0"/>
+              </a:rPr>
+              <a:t>中間</a:t>
+            </a:r>
+            <a:r>
+              <a:rPr lang="ja-JP" altLang="en-US" sz="1600" dirty="0" smtClean="0">
+                <a:solidFill>
+                  <a:schemeClr val="tx1">
+                    <a:lumMod val="85000"/>
+                    <a:lumOff val="15000"/>
+                  </a:schemeClr>
+                </a:solidFill>
+                <a:latin typeface="Arial" panose="020B0604020202020204" pitchFamily="34" charset="0"/>
+                <a:cs typeface="Arial" panose="020B0604020202020204" pitchFamily="34" charset="0"/>
+              </a:rPr>
+              <a:t>層ノードのインデックス</a:t>
+            </a:r>
+            <a:r>
+              <a:rPr lang="en-US" altLang="ja-JP" sz="1600" dirty="0" smtClean="0">
+                <a:solidFill>
+                  <a:schemeClr val="tx1">
+                    <a:lumMod val="85000"/>
+                    <a:lumOff val="15000"/>
+                  </a:schemeClr>
+                </a:solidFill>
+                <a:latin typeface="Arial" panose="020B0604020202020204" pitchFamily="34" charset="0"/>
+                <a:cs typeface="Arial" panose="020B0604020202020204" pitchFamily="34" charset="0"/>
+              </a:rPr>
+              <a:t>:</a:t>
+            </a:r>
+            <a:endParaRPr lang="en-US" sz="1600" dirty="0">
+              <a:solidFill>
+                <a:schemeClr val="tx1">
+                  <a:lumMod val="85000"/>
+                  <a:lumOff val="15000"/>
+                </a:schemeClr>
+              </a:solidFill>
+              <a:latin typeface="Arial" panose="020B0604020202020204" pitchFamily="34" charset="0"/>
+              <a:cs typeface="Arial" panose="020B0604020202020204" pitchFamily="34" charset="0"/>
+            </a:endParaRPr>
+          </a:p>
+        </p:txBody>
+      </p:sp>
+      <mc:AlternateContent xmlns:mc="http://schemas.openxmlformats.org/markup-compatibility/2006" xmlns:a14="http://schemas.microsoft.com/office/drawing/2010/main">
+        <mc:Choice Requires="a14">
+          <p:sp>
+            <p:nvSpPr>
+              <p:cNvPr id="23" name="TextBox 22"/>
+              <p:cNvSpPr txBox="1"/>
+              <p:nvPr/>
+            </p:nvSpPr>
+            <p:spPr>
+              <a:xfrm>
+                <a:off x="9751407" y="1149100"/>
+                <a:ext cx="1107867" cy="338554"/>
+              </a:xfrm>
+              <a:prstGeom prst="rect">
+                <a:avLst/>
+              </a:prstGeom>
+              <a:noFill/>
+            </p:spPr>
+            <p:txBody>
+              <a:bodyPr wrap="none" rtlCol="0">
+                <a:spAutoFit/>
+              </a:bodyPr>
+              <a:lstStyle/>
+              <a:p>
+                <a:pPr/>
+                <a14:m>
+                  <m:oMathPara xmlns:m="http://schemas.openxmlformats.org/officeDocument/2006/math">
+                    <m:oMathParaPr>
+                      <m:jc m:val="centerGroup"/>
+                    </m:oMathParaPr>
+                    <m:oMath xmlns:m="http://schemas.openxmlformats.org/officeDocument/2006/math">
+                      <m:r>
+                        <a:rPr lang="en-US" altLang="ja-JP" sz="1600" b="0" i="1" smtClean="0">
+                          <a:solidFill>
+                            <a:schemeClr val="tx1">
+                              <a:lumMod val="85000"/>
+                              <a:lumOff val="15000"/>
+                            </a:schemeClr>
+                          </a:solidFill>
+                          <a:latin typeface="Cambria Math" panose="02040503050406030204" pitchFamily="18" charset="0"/>
+                        </a:rPr>
+                        <m:t>𝑗</m:t>
+                      </m:r>
+                      <m:r>
+                        <a:rPr lang="en-US" altLang="ja-JP" sz="1600" b="0" i="1" smtClean="0">
+                          <a:solidFill>
+                            <a:schemeClr val="tx1">
+                              <a:lumMod val="85000"/>
+                              <a:lumOff val="15000"/>
+                            </a:schemeClr>
+                          </a:solidFill>
+                          <a:latin typeface="Cambria Math" panose="02040503050406030204" pitchFamily="18" charset="0"/>
+                        </a:rPr>
+                        <m:t>(=1…</m:t>
+                      </m:r>
+                      <m:r>
+                        <a:rPr lang="en-US" altLang="ja-JP" sz="1600" b="0" i="1" smtClean="0">
+                          <a:solidFill>
+                            <a:schemeClr val="tx1">
+                              <a:lumMod val="85000"/>
+                              <a:lumOff val="15000"/>
+                            </a:schemeClr>
+                          </a:solidFill>
+                          <a:latin typeface="Cambria Math" panose="02040503050406030204" pitchFamily="18" charset="0"/>
+                        </a:rPr>
+                        <m:t>𝐽</m:t>
+                      </m:r>
+                      <m:r>
+                        <a:rPr lang="en-US" altLang="ja-JP" sz="1600" b="0" i="1" smtClean="0">
+                          <a:solidFill>
+                            <a:schemeClr val="tx1">
+                              <a:lumMod val="85000"/>
+                              <a:lumOff val="15000"/>
+                            </a:schemeClr>
+                          </a:solidFill>
+                          <a:latin typeface="Cambria Math" panose="02040503050406030204" pitchFamily="18" charset="0"/>
+                        </a:rPr>
+                        <m:t>)</m:t>
+                      </m:r>
+                    </m:oMath>
+                  </m:oMathPara>
+                </a14:m>
+                <a:endParaRPr lang="en-US" sz="1600" dirty="0">
+                  <a:solidFill>
+                    <a:schemeClr val="tx1">
+                      <a:lumMod val="85000"/>
+                      <a:lumOff val="15000"/>
+                    </a:schemeClr>
+                  </a:solidFill>
+                </a:endParaRPr>
+              </a:p>
+            </p:txBody>
+          </p:sp>
+        </mc:Choice>
+        <mc:Fallback xmlns="">
+          <p:sp>
+            <p:nvSpPr>
+              <p:cNvPr id="23" name="TextBox 22"/>
+              <p:cNvSpPr txBox="1">
+                <a:spLocks noRot="1" noChangeAspect="1" noMove="1" noResize="1" noEditPoints="1" noAdjustHandles="1" noChangeArrowheads="1" noChangeShapeType="1" noTextEdit="1"/>
+              </p:cNvSpPr>
+              <p:nvPr/>
+            </p:nvSpPr>
+            <p:spPr>
+              <a:xfrm>
+                <a:off x="9751407" y="1149100"/>
+                <a:ext cx="1107867" cy="338554"/>
+              </a:xfrm>
+              <a:prstGeom prst="rect">
+                <a:avLst/>
+              </a:prstGeom>
+              <a:blipFill rotWithShape="0">
+                <a:blip r:embed="rId9"/>
+                <a:stretch>
+                  <a:fillRect b="-9091"/>
+                </a:stretch>
+              </a:blipFill>
+            </p:spPr>
+            <p:txBody>
+              <a:bodyPr/>
+              <a:lstStyle/>
+              <a:p>
+                <a:r>
+                  <a:rPr lang="en-US">
+                    <a:noFill/>
+                  </a:rPr>
+                  <a:t> </a:t>
+                </a:r>
+              </a:p>
+            </p:txBody>
+          </p:sp>
+        </mc:Fallback>
+      </mc:AlternateContent>
+      <p:sp>
+        <p:nvSpPr>
+          <p:cNvPr id="24" name="TextBox 23"/>
+          <p:cNvSpPr txBox="1"/>
+          <p:nvPr/>
+        </p:nvSpPr>
+        <p:spPr>
+          <a:xfrm>
+            <a:off x="7184119" y="1532972"/>
+            <a:ext cx="2598788" cy="338554"/>
+          </a:xfrm>
+          <a:prstGeom prst="rect">
+            <a:avLst/>
+          </a:prstGeom>
+          <a:noFill/>
+        </p:spPr>
+        <p:txBody>
+          <a:bodyPr wrap="none" rtlCol="0">
+            <a:spAutoFit/>
+          </a:bodyPr>
+          <a:lstStyle/>
+          <a:p>
+            <a:pPr algn="r"/>
+            <a:r>
+              <a:rPr lang="ja-JP" altLang="en-US" sz="1600" dirty="0">
+                <a:solidFill>
+                  <a:schemeClr val="tx1">
+                    <a:lumMod val="85000"/>
+                    <a:lumOff val="15000"/>
+                  </a:schemeClr>
+                </a:solidFill>
+                <a:latin typeface="Arial" panose="020B0604020202020204" pitchFamily="34" charset="0"/>
+                <a:cs typeface="Arial" panose="020B0604020202020204" pitchFamily="34" charset="0"/>
+              </a:rPr>
+              <a:t>出力</a:t>
+            </a:r>
+            <a:r>
+              <a:rPr lang="ja-JP" altLang="en-US" sz="1600" dirty="0" smtClean="0">
+                <a:solidFill>
+                  <a:schemeClr val="tx1">
+                    <a:lumMod val="85000"/>
+                    <a:lumOff val="15000"/>
+                  </a:schemeClr>
+                </a:solidFill>
+                <a:latin typeface="Arial" panose="020B0604020202020204" pitchFamily="34" charset="0"/>
+                <a:cs typeface="Arial" panose="020B0604020202020204" pitchFamily="34" charset="0"/>
+              </a:rPr>
+              <a:t>層ノードのインデックス</a:t>
+            </a:r>
+            <a:r>
+              <a:rPr lang="en-US" altLang="ja-JP" sz="1600" dirty="0" smtClean="0">
+                <a:solidFill>
+                  <a:schemeClr val="tx1">
+                    <a:lumMod val="85000"/>
+                    <a:lumOff val="15000"/>
+                  </a:schemeClr>
+                </a:solidFill>
+                <a:latin typeface="Arial" panose="020B0604020202020204" pitchFamily="34" charset="0"/>
+                <a:cs typeface="Arial" panose="020B0604020202020204" pitchFamily="34" charset="0"/>
+              </a:rPr>
+              <a:t>:</a:t>
+            </a:r>
+            <a:endParaRPr lang="en-US" sz="1600" dirty="0">
+              <a:solidFill>
+                <a:schemeClr val="tx1">
+                  <a:lumMod val="85000"/>
+                  <a:lumOff val="15000"/>
+                </a:schemeClr>
+              </a:solidFill>
+              <a:latin typeface="Arial" panose="020B0604020202020204" pitchFamily="34" charset="0"/>
+              <a:cs typeface="Arial" panose="020B0604020202020204" pitchFamily="34" charset="0"/>
+            </a:endParaRPr>
+          </a:p>
+        </p:txBody>
+      </p:sp>
+      <mc:AlternateContent xmlns:mc="http://schemas.openxmlformats.org/markup-compatibility/2006" xmlns:a14="http://schemas.microsoft.com/office/drawing/2010/main">
+        <mc:Choice Requires="a14">
+          <p:sp>
+            <p:nvSpPr>
+              <p:cNvPr id="25" name="TextBox 24"/>
+              <p:cNvSpPr txBox="1"/>
+              <p:nvPr/>
+            </p:nvSpPr>
+            <p:spPr>
+              <a:xfrm>
+                <a:off x="9751407" y="1532972"/>
+                <a:ext cx="1216743" cy="338554"/>
+              </a:xfrm>
+              <a:prstGeom prst="rect">
+                <a:avLst/>
+              </a:prstGeom>
+              <a:noFill/>
+            </p:spPr>
+            <p:txBody>
+              <a:bodyPr wrap="none" rtlCol="0">
+                <a:spAutoFit/>
+              </a:bodyPr>
+              <a:lstStyle/>
+              <a:p>
+                <a:pPr/>
+                <a14:m>
+                  <m:oMathPara xmlns:m="http://schemas.openxmlformats.org/officeDocument/2006/math">
+                    <m:oMathParaPr>
+                      <m:jc m:val="centerGroup"/>
+                    </m:oMathParaPr>
+                    <m:oMath xmlns:m="http://schemas.openxmlformats.org/officeDocument/2006/math">
+                      <m:r>
+                        <a:rPr lang="en-US" altLang="ja-JP" sz="1600" b="0" i="1" smtClean="0">
+                          <a:solidFill>
+                            <a:schemeClr val="tx1">
+                              <a:lumMod val="85000"/>
+                              <a:lumOff val="15000"/>
+                            </a:schemeClr>
+                          </a:solidFill>
+                          <a:latin typeface="Cambria Math" panose="02040503050406030204" pitchFamily="18" charset="0"/>
+                        </a:rPr>
+                        <m:t>𝑘</m:t>
+                      </m:r>
+                      <m:r>
+                        <a:rPr lang="en-US" altLang="ja-JP" sz="1600" b="0" i="1" smtClean="0">
+                          <a:solidFill>
+                            <a:schemeClr val="tx1">
+                              <a:lumMod val="85000"/>
+                              <a:lumOff val="15000"/>
+                            </a:schemeClr>
+                          </a:solidFill>
+                          <a:latin typeface="Cambria Math" panose="02040503050406030204" pitchFamily="18" charset="0"/>
+                        </a:rPr>
+                        <m:t>(=1…</m:t>
+                      </m:r>
+                      <m:r>
+                        <a:rPr lang="en-US" altLang="ja-JP" sz="1600" b="0" i="1" smtClean="0">
+                          <a:solidFill>
+                            <a:schemeClr val="tx1">
+                              <a:lumMod val="85000"/>
+                              <a:lumOff val="15000"/>
+                            </a:schemeClr>
+                          </a:solidFill>
+                          <a:latin typeface="Cambria Math" panose="02040503050406030204" pitchFamily="18" charset="0"/>
+                        </a:rPr>
+                        <m:t>𝐾</m:t>
+                      </m:r>
+                      <m:r>
+                        <a:rPr lang="en-US" altLang="ja-JP" sz="1600" b="0" i="1" smtClean="0">
+                          <a:solidFill>
+                            <a:schemeClr val="tx1">
+                              <a:lumMod val="85000"/>
+                              <a:lumOff val="15000"/>
+                            </a:schemeClr>
+                          </a:solidFill>
+                          <a:latin typeface="Cambria Math" panose="02040503050406030204" pitchFamily="18" charset="0"/>
+                        </a:rPr>
+                        <m:t>)</m:t>
+                      </m:r>
+                    </m:oMath>
+                  </m:oMathPara>
+                </a14:m>
+                <a:endParaRPr lang="en-US" sz="1600" dirty="0">
+                  <a:solidFill>
+                    <a:schemeClr val="tx1">
+                      <a:lumMod val="85000"/>
+                      <a:lumOff val="15000"/>
+                    </a:schemeClr>
+                  </a:solidFill>
+                </a:endParaRPr>
+              </a:p>
+            </p:txBody>
+          </p:sp>
+        </mc:Choice>
+        <mc:Fallback xmlns="">
+          <p:sp>
+            <p:nvSpPr>
+              <p:cNvPr id="25" name="TextBox 24"/>
+              <p:cNvSpPr txBox="1">
+                <a:spLocks noRot="1" noChangeAspect="1" noMove="1" noResize="1" noEditPoints="1" noAdjustHandles="1" noChangeArrowheads="1" noChangeShapeType="1" noTextEdit="1"/>
+              </p:cNvSpPr>
+              <p:nvPr/>
+            </p:nvSpPr>
+            <p:spPr>
+              <a:xfrm>
+                <a:off x="9751407" y="1532972"/>
+                <a:ext cx="1216743" cy="338554"/>
+              </a:xfrm>
+              <a:prstGeom prst="rect">
+                <a:avLst/>
+              </a:prstGeom>
+              <a:blipFill rotWithShape="0">
+                <a:blip r:embed="rId10"/>
+                <a:stretch>
+                  <a:fillRect b="-8929"/>
+                </a:stretch>
+              </a:blipFill>
+            </p:spPr>
+            <p:txBody>
+              <a:bodyPr/>
+              <a:lstStyle/>
+              <a:p>
+                <a:r>
+                  <a:rPr lang="en-US">
+                    <a:noFill/>
+                  </a:rPr>
+                  <a:t> </a:t>
+                </a:r>
+              </a:p>
+            </p:txBody>
+          </p:sp>
+        </mc:Fallback>
+      </mc:AlternateContent>
+      <p:sp>
+        <p:nvSpPr>
+          <p:cNvPr id="26" name="TextBox 25"/>
+          <p:cNvSpPr txBox="1"/>
+          <p:nvPr/>
+        </p:nvSpPr>
+        <p:spPr>
+          <a:xfrm>
+            <a:off x="8083403" y="1916844"/>
+            <a:ext cx="1699504" cy="338554"/>
+          </a:xfrm>
+          <a:prstGeom prst="rect">
+            <a:avLst/>
+          </a:prstGeom>
+          <a:noFill/>
+        </p:spPr>
+        <p:txBody>
+          <a:bodyPr wrap="none" rtlCol="0">
+            <a:spAutoFit/>
+          </a:bodyPr>
+          <a:lstStyle/>
+          <a:p>
+            <a:pPr algn="r"/>
+            <a:r>
+              <a:rPr lang="ja-JP" altLang="en-US" sz="1600" dirty="0" smtClean="0">
+                <a:solidFill>
+                  <a:schemeClr val="tx1">
+                    <a:lumMod val="85000"/>
+                    <a:lumOff val="15000"/>
+                  </a:schemeClr>
+                </a:solidFill>
+                <a:latin typeface="Arial" panose="020B0604020202020204" pitchFamily="34" charset="0"/>
+                <a:cs typeface="Arial" panose="020B0604020202020204" pitchFamily="34" charset="0"/>
+              </a:rPr>
+              <a:t>層のインデックス</a:t>
+            </a:r>
+            <a:r>
+              <a:rPr lang="en-US" altLang="ja-JP" sz="1600" dirty="0" smtClean="0">
+                <a:solidFill>
+                  <a:schemeClr val="tx1">
+                    <a:lumMod val="85000"/>
+                    <a:lumOff val="15000"/>
+                  </a:schemeClr>
+                </a:solidFill>
+                <a:latin typeface="Arial" panose="020B0604020202020204" pitchFamily="34" charset="0"/>
+                <a:cs typeface="Arial" panose="020B0604020202020204" pitchFamily="34" charset="0"/>
+              </a:rPr>
+              <a:t>:</a:t>
+            </a:r>
+            <a:endParaRPr lang="en-US" sz="1600" dirty="0">
+              <a:solidFill>
+                <a:schemeClr val="tx1">
+                  <a:lumMod val="85000"/>
+                  <a:lumOff val="15000"/>
+                </a:schemeClr>
+              </a:solidFill>
+              <a:latin typeface="Arial" panose="020B0604020202020204" pitchFamily="34" charset="0"/>
+              <a:cs typeface="Arial" panose="020B0604020202020204" pitchFamily="34" charset="0"/>
+            </a:endParaRPr>
+          </a:p>
+        </p:txBody>
+      </p:sp>
+      <mc:AlternateContent xmlns:mc="http://schemas.openxmlformats.org/markup-compatibility/2006" xmlns:a14="http://schemas.microsoft.com/office/drawing/2010/main">
+        <mc:Choice Requires="a14">
+          <p:sp>
+            <p:nvSpPr>
+              <p:cNvPr id="27" name="TextBox 26"/>
+              <p:cNvSpPr txBox="1"/>
+              <p:nvPr/>
+            </p:nvSpPr>
+            <p:spPr>
+              <a:xfrm>
+                <a:off x="9751407" y="1916844"/>
+                <a:ext cx="1131913" cy="338554"/>
+              </a:xfrm>
+              <a:prstGeom prst="rect">
+                <a:avLst/>
+              </a:prstGeom>
+              <a:noFill/>
+            </p:spPr>
+            <p:txBody>
+              <a:bodyPr wrap="none" rtlCol="0">
+                <a:spAutoFit/>
+              </a:bodyPr>
+              <a:lstStyle/>
+              <a:p>
+                <a:pPr/>
+                <a14:m>
+                  <m:oMathPara xmlns:m="http://schemas.openxmlformats.org/officeDocument/2006/math">
+                    <m:oMathParaPr>
+                      <m:jc m:val="centerGroup"/>
+                    </m:oMathParaPr>
+                    <m:oMath xmlns:m="http://schemas.openxmlformats.org/officeDocument/2006/math">
+                      <m:r>
+                        <a:rPr lang="en-US" altLang="ja-JP" sz="1600" b="0" i="1" smtClean="0">
+                          <a:solidFill>
+                            <a:schemeClr val="tx1">
+                              <a:lumMod val="85000"/>
+                              <a:lumOff val="15000"/>
+                            </a:schemeClr>
+                          </a:solidFill>
+                          <a:latin typeface="Cambria Math" panose="02040503050406030204" pitchFamily="18" charset="0"/>
+                        </a:rPr>
+                        <m:t>𝑙</m:t>
+                      </m:r>
+                      <m:r>
+                        <a:rPr lang="en-US" altLang="ja-JP" sz="1600" b="0" i="1" smtClean="0">
+                          <a:solidFill>
+                            <a:schemeClr val="tx1">
+                              <a:lumMod val="85000"/>
+                              <a:lumOff val="15000"/>
+                            </a:schemeClr>
+                          </a:solidFill>
+                          <a:latin typeface="Cambria Math" panose="02040503050406030204" pitchFamily="18" charset="0"/>
+                        </a:rPr>
+                        <m:t>(=1…</m:t>
+                      </m:r>
+                      <m:r>
+                        <a:rPr lang="en-US" altLang="ja-JP" sz="1600" b="0" i="1" smtClean="0">
+                          <a:solidFill>
+                            <a:schemeClr val="tx1">
+                              <a:lumMod val="85000"/>
+                              <a:lumOff val="15000"/>
+                            </a:schemeClr>
+                          </a:solidFill>
+                          <a:latin typeface="Cambria Math" panose="02040503050406030204" pitchFamily="18" charset="0"/>
+                        </a:rPr>
+                        <m:t>𝐿</m:t>
+                      </m:r>
+                      <m:r>
+                        <a:rPr lang="en-US" altLang="ja-JP" sz="1600" b="0" i="1" smtClean="0">
+                          <a:solidFill>
+                            <a:schemeClr val="tx1">
+                              <a:lumMod val="85000"/>
+                              <a:lumOff val="15000"/>
+                            </a:schemeClr>
+                          </a:solidFill>
+                          <a:latin typeface="Cambria Math" panose="02040503050406030204" pitchFamily="18" charset="0"/>
+                        </a:rPr>
+                        <m:t>)</m:t>
+                      </m:r>
+                    </m:oMath>
+                  </m:oMathPara>
+                </a14:m>
+                <a:endParaRPr lang="en-US" sz="1600" dirty="0">
+                  <a:solidFill>
+                    <a:schemeClr val="tx1">
+                      <a:lumMod val="85000"/>
+                      <a:lumOff val="15000"/>
+                    </a:schemeClr>
+                  </a:solidFill>
+                </a:endParaRPr>
+              </a:p>
+            </p:txBody>
+          </p:sp>
+        </mc:Choice>
+        <mc:Fallback xmlns="">
+          <p:sp>
+            <p:nvSpPr>
+              <p:cNvPr id="27" name="TextBox 26"/>
+              <p:cNvSpPr txBox="1">
+                <a:spLocks noRot="1" noChangeAspect="1" noMove="1" noResize="1" noEditPoints="1" noAdjustHandles="1" noChangeArrowheads="1" noChangeShapeType="1" noTextEdit="1"/>
+              </p:cNvSpPr>
+              <p:nvPr/>
+            </p:nvSpPr>
+            <p:spPr>
+              <a:xfrm>
+                <a:off x="9751407" y="1916844"/>
+                <a:ext cx="1131913" cy="338554"/>
+              </a:xfrm>
+              <a:prstGeom prst="rect">
+                <a:avLst/>
+              </a:prstGeom>
+              <a:blipFill rotWithShape="0">
+                <a:blip r:embed="rId11"/>
+                <a:stretch>
+                  <a:fillRect b="-8929"/>
+                </a:stretch>
+              </a:blipFill>
+            </p:spPr>
+            <p:txBody>
+              <a:bodyPr/>
+              <a:lstStyle/>
+              <a:p>
+                <a:r>
+                  <a:rPr lang="en-US">
+                    <a:noFill/>
+                  </a:rPr>
+                  <a:t> </a:t>
+                </a:r>
+              </a:p>
+            </p:txBody>
+          </p:sp>
+        </mc:Fallback>
+      </mc:AlternateContent>
+      <p:sp>
+        <p:nvSpPr>
+          <p:cNvPr id="28" name="TextBox 27"/>
+          <p:cNvSpPr txBox="1"/>
+          <p:nvPr/>
+        </p:nvSpPr>
+        <p:spPr>
+          <a:xfrm>
+            <a:off x="7326785" y="2300716"/>
+            <a:ext cx="2456122" cy="338554"/>
+          </a:xfrm>
+          <a:prstGeom prst="rect">
+            <a:avLst/>
+          </a:prstGeom>
+          <a:noFill/>
+        </p:spPr>
+        <p:txBody>
+          <a:bodyPr wrap="none" rtlCol="0">
+            <a:spAutoFit/>
+          </a:bodyPr>
+          <a:lstStyle/>
+          <a:p>
+            <a:pPr algn="r"/>
+            <a:r>
+              <a:rPr lang="ja-JP" altLang="en-US" sz="1600" dirty="0">
+                <a:solidFill>
+                  <a:schemeClr val="tx1">
+                    <a:lumMod val="85000"/>
+                    <a:lumOff val="15000"/>
+                  </a:schemeClr>
+                </a:solidFill>
+                <a:latin typeface="Arial" panose="020B0604020202020204" pitchFamily="34" charset="0"/>
+                <a:cs typeface="Arial" panose="020B0604020202020204" pitchFamily="34" charset="0"/>
+              </a:rPr>
+              <a:t>訓</a:t>
+            </a:r>
+            <a:r>
+              <a:rPr lang="ja-JP" altLang="en-US" sz="1600" dirty="0" smtClean="0">
+                <a:solidFill>
+                  <a:schemeClr val="tx1">
+                    <a:lumMod val="85000"/>
+                    <a:lumOff val="15000"/>
+                  </a:schemeClr>
+                </a:solidFill>
+                <a:latin typeface="Arial" panose="020B0604020202020204" pitchFamily="34" charset="0"/>
+                <a:cs typeface="Arial" panose="020B0604020202020204" pitchFamily="34" charset="0"/>
+              </a:rPr>
+              <a:t>練データのインデックス</a:t>
+            </a:r>
+            <a:r>
+              <a:rPr lang="en-US" altLang="ja-JP" sz="1600" dirty="0" smtClean="0">
+                <a:solidFill>
+                  <a:schemeClr val="tx1">
+                    <a:lumMod val="85000"/>
+                    <a:lumOff val="15000"/>
+                  </a:schemeClr>
+                </a:solidFill>
+                <a:latin typeface="Arial" panose="020B0604020202020204" pitchFamily="34" charset="0"/>
+                <a:cs typeface="Arial" panose="020B0604020202020204" pitchFamily="34" charset="0"/>
+              </a:rPr>
+              <a:t>:</a:t>
+            </a:r>
+            <a:endParaRPr lang="en-US" sz="1600" dirty="0">
+              <a:solidFill>
+                <a:schemeClr val="tx1">
+                  <a:lumMod val="85000"/>
+                  <a:lumOff val="15000"/>
+                </a:schemeClr>
+              </a:solidFill>
+              <a:latin typeface="Arial" panose="020B0604020202020204" pitchFamily="34" charset="0"/>
+              <a:cs typeface="Arial" panose="020B0604020202020204" pitchFamily="34" charset="0"/>
+            </a:endParaRPr>
+          </a:p>
+        </p:txBody>
+      </p:sp>
+      <mc:AlternateContent xmlns:mc="http://schemas.openxmlformats.org/markup-compatibility/2006" xmlns:a14="http://schemas.microsoft.com/office/drawing/2010/main">
+        <mc:Choice Requires="a14">
+          <p:sp>
+            <p:nvSpPr>
+              <p:cNvPr id="29" name="TextBox 28"/>
+              <p:cNvSpPr txBox="1"/>
+              <p:nvPr/>
+            </p:nvSpPr>
+            <p:spPr>
+              <a:xfrm>
+                <a:off x="9751407" y="2300716"/>
+                <a:ext cx="1224246" cy="338554"/>
+              </a:xfrm>
+              <a:prstGeom prst="rect">
+                <a:avLst/>
+              </a:prstGeom>
+              <a:noFill/>
+            </p:spPr>
+            <p:txBody>
+              <a:bodyPr wrap="none" rtlCol="0">
+                <a:spAutoFit/>
+              </a:bodyPr>
+              <a:lstStyle/>
+              <a:p>
+                <a:pPr/>
+                <a14:m>
+                  <m:oMathPara xmlns:m="http://schemas.openxmlformats.org/officeDocument/2006/math">
+                    <m:oMathParaPr>
+                      <m:jc m:val="centerGroup"/>
+                    </m:oMathParaPr>
+                    <m:oMath xmlns:m="http://schemas.openxmlformats.org/officeDocument/2006/math">
+                      <m:r>
+                        <a:rPr lang="en-US" altLang="ja-JP" sz="1600" b="0" i="1" smtClean="0">
+                          <a:solidFill>
+                            <a:schemeClr val="tx1">
+                              <a:lumMod val="85000"/>
+                              <a:lumOff val="15000"/>
+                            </a:schemeClr>
+                          </a:solidFill>
+                          <a:latin typeface="Cambria Math" panose="02040503050406030204" pitchFamily="18" charset="0"/>
+                        </a:rPr>
+                        <m:t>𝑛</m:t>
+                      </m:r>
+                      <m:r>
+                        <a:rPr lang="en-US" altLang="ja-JP" sz="1600" b="0" i="1" smtClean="0">
+                          <a:solidFill>
+                            <a:schemeClr val="tx1">
+                              <a:lumMod val="85000"/>
+                              <a:lumOff val="15000"/>
+                            </a:schemeClr>
+                          </a:solidFill>
+                          <a:latin typeface="Cambria Math" panose="02040503050406030204" pitchFamily="18" charset="0"/>
+                        </a:rPr>
+                        <m:t>(=1…</m:t>
+                      </m:r>
+                      <m:r>
+                        <a:rPr lang="en-US" altLang="ja-JP" sz="1600" b="0" i="1" smtClean="0">
+                          <a:solidFill>
+                            <a:schemeClr val="tx1">
+                              <a:lumMod val="85000"/>
+                              <a:lumOff val="15000"/>
+                            </a:schemeClr>
+                          </a:solidFill>
+                          <a:latin typeface="Cambria Math" panose="02040503050406030204" pitchFamily="18" charset="0"/>
+                        </a:rPr>
+                        <m:t>𝑁</m:t>
+                      </m:r>
+                      <m:r>
+                        <a:rPr lang="en-US" altLang="ja-JP" sz="1600" b="0" i="1" smtClean="0">
+                          <a:solidFill>
+                            <a:schemeClr val="tx1">
+                              <a:lumMod val="85000"/>
+                              <a:lumOff val="15000"/>
+                            </a:schemeClr>
+                          </a:solidFill>
+                          <a:latin typeface="Cambria Math" panose="02040503050406030204" pitchFamily="18" charset="0"/>
+                        </a:rPr>
+                        <m:t>)</m:t>
+                      </m:r>
+                    </m:oMath>
+                  </m:oMathPara>
+                </a14:m>
+                <a:endParaRPr lang="en-US" sz="1600" dirty="0">
+                  <a:solidFill>
+                    <a:schemeClr val="tx1">
+                      <a:lumMod val="85000"/>
+                      <a:lumOff val="15000"/>
+                    </a:schemeClr>
+                  </a:solidFill>
+                </a:endParaRPr>
+              </a:p>
+            </p:txBody>
+          </p:sp>
+        </mc:Choice>
+        <mc:Fallback xmlns="">
+          <p:sp>
+            <p:nvSpPr>
+              <p:cNvPr id="29" name="TextBox 28"/>
+              <p:cNvSpPr txBox="1">
+                <a:spLocks noRot="1" noChangeAspect="1" noMove="1" noResize="1" noEditPoints="1" noAdjustHandles="1" noChangeArrowheads="1" noChangeShapeType="1" noTextEdit="1"/>
+              </p:cNvSpPr>
+              <p:nvPr/>
+            </p:nvSpPr>
+            <p:spPr>
+              <a:xfrm>
+                <a:off x="9751407" y="2300716"/>
+                <a:ext cx="1224246" cy="338554"/>
+              </a:xfrm>
+              <a:prstGeom prst="rect">
+                <a:avLst/>
+              </a:prstGeom>
+              <a:blipFill rotWithShape="0">
+                <a:blip r:embed="rId12"/>
+                <a:stretch>
+                  <a:fillRect b="-8929"/>
+                </a:stretch>
+              </a:blipFill>
+            </p:spPr>
+            <p:txBody>
+              <a:bodyPr/>
+              <a:lstStyle/>
+              <a:p>
+                <a:r>
+                  <a:rPr lang="en-US">
+                    <a:noFill/>
+                  </a:rPr>
+                  <a:t> </a:t>
+                </a:r>
+              </a:p>
+            </p:txBody>
+          </p:sp>
+        </mc:Fallback>
+      </mc:AlternateContent>
+      <p:sp>
+        <p:nvSpPr>
+          <p:cNvPr id="30" name="TextBox 29"/>
+          <p:cNvSpPr txBox="1"/>
+          <p:nvPr/>
+        </p:nvSpPr>
+        <p:spPr>
+          <a:xfrm>
+            <a:off x="7467850" y="2687378"/>
+            <a:ext cx="2315057" cy="338554"/>
+          </a:xfrm>
+          <a:prstGeom prst="rect">
+            <a:avLst/>
+          </a:prstGeom>
+          <a:noFill/>
+        </p:spPr>
+        <p:txBody>
+          <a:bodyPr wrap="none" rtlCol="0">
+            <a:spAutoFit/>
+          </a:bodyPr>
+          <a:lstStyle/>
+          <a:p>
+            <a:pPr algn="r"/>
+            <a:r>
+              <a:rPr lang="ja-JP" altLang="en-US" sz="1600" dirty="0">
+                <a:solidFill>
+                  <a:schemeClr val="tx1">
+                    <a:lumMod val="85000"/>
+                    <a:lumOff val="15000"/>
+                  </a:schemeClr>
+                </a:solidFill>
+                <a:latin typeface="Arial" panose="020B0604020202020204" pitchFamily="34" charset="0"/>
+                <a:cs typeface="Arial" panose="020B0604020202020204" pitchFamily="34" charset="0"/>
+              </a:rPr>
+              <a:t>試</a:t>
+            </a:r>
+            <a:r>
+              <a:rPr lang="ja-JP" altLang="en-US" sz="1600" dirty="0" smtClean="0">
+                <a:solidFill>
+                  <a:schemeClr val="tx1">
+                    <a:lumMod val="85000"/>
+                    <a:lumOff val="15000"/>
+                  </a:schemeClr>
+                </a:solidFill>
+                <a:latin typeface="Arial" panose="020B0604020202020204" pitchFamily="34" charset="0"/>
+                <a:cs typeface="Arial" panose="020B0604020202020204" pitchFamily="34" charset="0"/>
+              </a:rPr>
+              <a:t>行</a:t>
+            </a:r>
+            <a:r>
+              <a:rPr lang="ja-JP" altLang="en-US" sz="1600" dirty="0">
+                <a:solidFill>
+                  <a:schemeClr val="tx1">
+                    <a:lumMod val="85000"/>
+                    <a:lumOff val="15000"/>
+                  </a:schemeClr>
+                </a:solidFill>
+                <a:latin typeface="Arial" panose="020B0604020202020204" pitchFamily="34" charset="0"/>
+                <a:cs typeface="Arial" panose="020B0604020202020204" pitchFamily="34" charset="0"/>
+              </a:rPr>
+              <a:t>回数</a:t>
+            </a:r>
+            <a:r>
+              <a:rPr lang="ja-JP" altLang="en-US" sz="1600" dirty="0" smtClean="0">
+                <a:solidFill>
+                  <a:schemeClr val="tx1">
+                    <a:lumMod val="85000"/>
+                    <a:lumOff val="15000"/>
+                  </a:schemeClr>
+                </a:solidFill>
+                <a:latin typeface="Arial" panose="020B0604020202020204" pitchFamily="34" charset="0"/>
+                <a:cs typeface="Arial" panose="020B0604020202020204" pitchFamily="34" charset="0"/>
+              </a:rPr>
+              <a:t>のインデックス</a:t>
+            </a:r>
+            <a:r>
+              <a:rPr lang="en-US" altLang="ja-JP" sz="1600" dirty="0" smtClean="0">
+                <a:solidFill>
+                  <a:schemeClr val="tx1">
+                    <a:lumMod val="85000"/>
+                    <a:lumOff val="15000"/>
+                  </a:schemeClr>
+                </a:solidFill>
+                <a:latin typeface="Arial" panose="020B0604020202020204" pitchFamily="34" charset="0"/>
+                <a:cs typeface="Arial" panose="020B0604020202020204" pitchFamily="34" charset="0"/>
+              </a:rPr>
+              <a:t>:</a:t>
+            </a:r>
+            <a:endParaRPr lang="en-US" sz="1600" dirty="0">
+              <a:solidFill>
+                <a:schemeClr val="tx1">
+                  <a:lumMod val="85000"/>
+                  <a:lumOff val="15000"/>
+                </a:schemeClr>
+              </a:solidFill>
+              <a:latin typeface="Arial" panose="020B0604020202020204" pitchFamily="34" charset="0"/>
+              <a:cs typeface="Arial" panose="020B0604020202020204" pitchFamily="34" charset="0"/>
+            </a:endParaRPr>
+          </a:p>
+        </p:txBody>
+      </p:sp>
+      <mc:AlternateContent xmlns:mc="http://schemas.openxmlformats.org/markup-compatibility/2006" xmlns:a14="http://schemas.microsoft.com/office/drawing/2010/main">
+        <mc:Choice Requires="a14">
+          <p:sp>
+            <p:nvSpPr>
+              <p:cNvPr id="31" name="TextBox 30"/>
+              <p:cNvSpPr txBox="1"/>
+              <p:nvPr/>
+            </p:nvSpPr>
+            <p:spPr>
+              <a:xfrm>
+                <a:off x="9751407" y="2687378"/>
+                <a:ext cx="1161087" cy="338554"/>
+              </a:xfrm>
+              <a:prstGeom prst="rect">
+                <a:avLst/>
+              </a:prstGeom>
+              <a:noFill/>
+            </p:spPr>
+            <p:txBody>
+              <a:bodyPr wrap="none" rtlCol="0">
+                <a:spAutoFit/>
+              </a:bodyPr>
+              <a:lstStyle/>
+              <a:p>
+                <a:pPr/>
+                <a14:m>
+                  <m:oMathPara xmlns:m="http://schemas.openxmlformats.org/officeDocument/2006/math">
+                    <m:oMathParaPr>
+                      <m:jc m:val="centerGroup"/>
+                    </m:oMathParaPr>
+                    <m:oMath xmlns:m="http://schemas.openxmlformats.org/officeDocument/2006/math">
+                      <m:r>
+                        <a:rPr lang="en-US" altLang="ja-JP" sz="1600" b="0" i="1" smtClean="0">
+                          <a:solidFill>
+                            <a:schemeClr val="tx1">
+                              <a:lumMod val="85000"/>
+                              <a:lumOff val="15000"/>
+                            </a:schemeClr>
+                          </a:solidFill>
+                          <a:latin typeface="Cambria Math" panose="02040503050406030204" pitchFamily="18" charset="0"/>
+                        </a:rPr>
+                        <m:t>𝑡</m:t>
+                      </m:r>
+                      <m:r>
+                        <a:rPr lang="en-US" altLang="ja-JP" sz="1600" b="0" i="1" smtClean="0">
+                          <a:solidFill>
+                            <a:schemeClr val="tx1">
+                              <a:lumMod val="85000"/>
+                              <a:lumOff val="15000"/>
+                            </a:schemeClr>
+                          </a:solidFill>
+                          <a:latin typeface="Cambria Math" panose="02040503050406030204" pitchFamily="18" charset="0"/>
+                        </a:rPr>
+                        <m:t>(=1…</m:t>
+                      </m:r>
+                      <m:r>
+                        <a:rPr lang="en-US" altLang="ja-JP" sz="1600" b="0" i="1" smtClean="0">
+                          <a:solidFill>
+                            <a:schemeClr val="tx1">
+                              <a:lumMod val="85000"/>
+                              <a:lumOff val="15000"/>
+                            </a:schemeClr>
+                          </a:solidFill>
+                          <a:latin typeface="Cambria Math" panose="02040503050406030204" pitchFamily="18" charset="0"/>
+                        </a:rPr>
+                        <m:t>𝑇</m:t>
+                      </m:r>
+                      <m:r>
+                        <a:rPr lang="en-US" altLang="ja-JP" sz="1600" b="0" i="1" smtClean="0">
+                          <a:solidFill>
+                            <a:schemeClr val="tx1">
+                              <a:lumMod val="85000"/>
+                              <a:lumOff val="15000"/>
+                            </a:schemeClr>
+                          </a:solidFill>
+                          <a:latin typeface="Cambria Math" panose="02040503050406030204" pitchFamily="18" charset="0"/>
+                        </a:rPr>
+                        <m:t>)</m:t>
+                      </m:r>
+                    </m:oMath>
+                  </m:oMathPara>
+                </a14:m>
+                <a:endParaRPr lang="en-US" sz="1600" dirty="0">
+                  <a:solidFill>
+                    <a:schemeClr val="tx1">
+                      <a:lumMod val="85000"/>
+                      <a:lumOff val="15000"/>
+                    </a:schemeClr>
+                  </a:solidFill>
+                </a:endParaRPr>
+              </a:p>
+            </p:txBody>
+          </p:sp>
+        </mc:Choice>
+        <mc:Fallback xmlns="">
+          <p:sp>
+            <p:nvSpPr>
+              <p:cNvPr id="31" name="TextBox 30"/>
+              <p:cNvSpPr txBox="1">
+                <a:spLocks noRot="1" noChangeAspect="1" noMove="1" noResize="1" noEditPoints="1" noAdjustHandles="1" noChangeArrowheads="1" noChangeShapeType="1" noTextEdit="1"/>
+              </p:cNvSpPr>
+              <p:nvPr/>
+            </p:nvSpPr>
+            <p:spPr>
+              <a:xfrm>
+                <a:off x="9751407" y="2687378"/>
+                <a:ext cx="1161087" cy="338554"/>
+              </a:xfrm>
+              <a:prstGeom prst="rect">
+                <a:avLst/>
+              </a:prstGeom>
+              <a:blipFill rotWithShape="0">
+                <a:blip r:embed="rId13"/>
+                <a:stretch>
+                  <a:fillRect b="-10909"/>
+                </a:stretch>
+              </a:blipFill>
+            </p:spPr>
+            <p:txBody>
+              <a:bodyPr/>
+              <a:lstStyle/>
+              <a:p>
+                <a:r>
+                  <a:rPr lang="en-US">
+                    <a:noFill/>
+                  </a:rPr>
+                  <a:t> </a:t>
+                </a:r>
+              </a:p>
+            </p:txBody>
+          </p:sp>
+        </mc:Fallback>
+      </mc:AlternateContent>
+      <mc:AlternateContent xmlns:mc="http://schemas.openxmlformats.org/markup-compatibility/2006" xmlns:a14="http://schemas.microsoft.com/office/drawing/2010/main">
+        <mc:Choice Requires="a14">
+          <p:sp>
+            <p:nvSpPr>
+              <p:cNvPr id="32" name="TextBox 31"/>
+              <p:cNvSpPr txBox="1"/>
+              <p:nvPr/>
+            </p:nvSpPr>
+            <p:spPr>
+              <a:xfrm>
+                <a:off x="2834251" y="763019"/>
+                <a:ext cx="1822550" cy="369332"/>
+              </a:xfrm>
+              <a:prstGeom prst="rect">
+                <a:avLst/>
+              </a:prstGeom>
+              <a:noFill/>
+            </p:spPr>
+            <p:txBody>
+              <a:bodyPr wrap="none" rtlCol="0">
+                <a:spAutoFit/>
+              </a:bodyPr>
+              <a:lstStyle/>
+              <a:p>
+                <a:pPr/>
+                <a14:m>
+                  <m:oMathPara xmlns:m="http://schemas.openxmlformats.org/officeDocument/2006/math">
+                    <m:oMathParaPr>
+                      <m:jc m:val="centerGroup"/>
+                    </m:oMathParaPr>
+                    <m:oMath xmlns:m="http://schemas.openxmlformats.org/officeDocument/2006/math">
+                      <m:sSub>
+                        <m:sSubPr>
+                          <m:ctrlPr>
+                            <a:rPr lang="en-US" altLang="ja-JP" b="0" i="1" smtClean="0">
+                              <a:latin typeface="Cambria Math" panose="02040503050406030204" pitchFamily="18" charset="0"/>
+                            </a:rPr>
+                          </m:ctrlPr>
+                        </m:sSubPr>
+                        <m:e>
+                          <m:r>
+                            <a:rPr lang="en-US" altLang="ja-JP" b="1" i="0" smtClean="0">
+                              <a:latin typeface="Cambria Math" panose="02040503050406030204" pitchFamily="18" charset="0"/>
+                            </a:rPr>
+                            <m:t>𝐱</m:t>
+                          </m:r>
+                        </m:e>
+                        <m:sub>
+                          <m:r>
+                            <a:rPr lang="en-US" altLang="ja-JP" b="0" i="1" smtClean="0">
+                              <a:latin typeface="Cambria Math" panose="02040503050406030204" pitchFamily="18" charset="0"/>
+                            </a:rPr>
+                            <m:t>𝑛</m:t>
+                          </m:r>
+                        </m:sub>
+                      </m:sSub>
+                      <m:r>
+                        <a:rPr lang="en-US" altLang="ja-JP" b="0" i="1" smtClean="0">
+                          <a:latin typeface="Cambria Math" panose="02040503050406030204" pitchFamily="18" charset="0"/>
+                        </a:rPr>
+                        <m:t>=[</m:t>
+                      </m:r>
+                      <m:sSub>
+                        <m:sSubPr>
+                          <m:ctrlPr>
+                            <a:rPr lang="en-US" altLang="ja-JP" b="0" i="1" smtClean="0">
+                              <a:latin typeface="Cambria Math" panose="02040503050406030204" pitchFamily="18" charset="0"/>
+                            </a:rPr>
+                          </m:ctrlPr>
+                        </m:sSubPr>
+                        <m:e>
+                          <m:r>
+                            <a:rPr lang="en-US" altLang="ja-JP" b="0" i="1" smtClean="0">
+                              <a:latin typeface="Cambria Math" panose="02040503050406030204" pitchFamily="18" charset="0"/>
+                            </a:rPr>
+                            <m:t>𝑥</m:t>
+                          </m:r>
+                        </m:e>
+                        <m:sub>
+                          <m:r>
+                            <a:rPr lang="en-US" altLang="ja-JP" b="0" i="1" smtClean="0">
+                              <a:latin typeface="Cambria Math" panose="02040503050406030204" pitchFamily="18" charset="0"/>
+                            </a:rPr>
+                            <m:t>𝑛</m:t>
+                          </m:r>
+                          <m:r>
+                            <a:rPr lang="en-US" altLang="ja-JP" b="0" i="1" smtClean="0">
+                              <a:latin typeface="Cambria Math" panose="02040503050406030204" pitchFamily="18" charset="0"/>
+                            </a:rPr>
+                            <m:t>1</m:t>
+                          </m:r>
+                        </m:sub>
+                      </m:sSub>
+                      <m:r>
+                        <a:rPr lang="en-US" altLang="ja-JP" b="0" i="1" smtClean="0">
+                          <a:latin typeface="Cambria Math" panose="02040503050406030204" pitchFamily="18" charset="0"/>
+                        </a:rPr>
+                        <m:t> .. </m:t>
+                      </m:r>
+                      <m:sSub>
+                        <m:sSubPr>
+                          <m:ctrlPr>
+                            <a:rPr lang="en-US" altLang="ja-JP" b="0" i="1" smtClean="0">
+                              <a:latin typeface="Cambria Math" panose="02040503050406030204" pitchFamily="18" charset="0"/>
+                            </a:rPr>
+                          </m:ctrlPr>
+                        </m:sSubPr>
+                        <m:e>
+                          <m:r>
+                            <a:rPr lang="en-US" altLang="ja-JP" b="0" i="1" smtClean="0">
+                              <a:latin typeface="Cambria Math" panose="02040503050406030204" pitchFamily="18" charset="0"/>
+                            </a:rPr>
+                            <m:t>𝑥</m:t>
+                          </m:r>
+                        </m:e>
+                        <m:sub>
+                          <m:r>
+                            <a:rPr lang="en-US" altLang="ja-JP" b="0" i="1" smtClean="0">
+                              <a:latin typeface="Cambria Math" panose="02040503050406030204" pitchFamily="18" charset="0"/>
+                            </a:rPr>
+                            <m:t>𝑛𝐼</m:t>
+                          </m:r>
+                        </m:sub>
+                      </m:sSub>
+                      <m:r>
+                        <a:rPr lang="en-US" altLang="ja-JP" b="0" i="1" smtClean="0">
+                          <a:latin typeface="Cambria Math" panose="02040503050406030204" pitchFamily="18" charset="0"/>
+                        </a:rPr>
+                        <m:t>]</m:t>
+                      </m:r>
+                    </m:oMath>
+                  </m:oMathPara>
+                </a14:m>
+                <a:endParaRPr lang="en-US" dirty="0"/>
+              </a:p>
+            </p:txBody>
+          </p:sp>
+        </mc:Choice>
+        <mc:Fallback xmlns="">
+          <p:sp>
+            <p:nvSpPr>
+              <p:cNvPr id="32" name="TextBox 31"/>
+              <p:cNvSpPr txBox="1">
+                <a:spLocks noRot="1" noChangeAspect="1" noMove="1" noResize="1" noEditPoints="1" noAdjustHandles="1" noChangeArrowheads="1" noChangeShapeType="1" noTextEdit="1"/>
+              </p:cNvSpPr>
+              <p:nvPr/>
+            </p:nvSpPr>
+            <p:spPr>
+              <a:xfrm>
+                <a:off x="2834251" y="763019"/>
+                <a:ext cx="1822550" cy="369332"/>
+              </a:xfrm>
+              <a:prstGeom prst="rect">
+                <a:avLst/>
+              </a:prstGeom>
+              <a:blipFill rotWithShape="0">
+                <a:blip r:embed="rId14"/>
+                <a:stretch>
+                  <a:fillRect b="-14754"/>
+                </a:stretch>
+              </a:blipFill>
+            </p:spPr>
+            <p:txBody>
+              <a:bodyPr/>
+              <a:lstStyle/>
+              <a:p>
+                <a:r>
+                  <a:rPr lang="en-US">
+                    <a:noFill/>
+                  </a:rPr>
+                  <a:t> </a:t>
+                </a:r>
+              </a:p>
+            </p:txBody>
+          </p:sp>
+        </mc:Fallback>
+      </mc:AlternateContent>
+      <mc:AlternateContent xmlns:mc="http://schemas.openxmlformats.org/markup-compatibility/2006" xmlns:a14="http://schemas.microsoft.com/office/drawing/2010/main">
+        <mc:Choice Requires="a14">
+          <p:sp>
+            <p:nvSpPr>
+              <p:cNvPr id="33" name="TextBox 32"/>
+              <p:cNvSpPr txBox="1"/>
+              <p:nvPr/>
+            </p:nvSpPr>
+            <p:spPr>
+              <a:xfrm>
+                <a:off x="2820435" y="1186907"/>
+                <a:ext cx="1894685" cy="369332"/>
+              </a:xfrm>
+              <a:prstGeom prst="rect">
+                <a:avLst/>
+              </a:prstGeom>
+              <a:noFill/>
+            </p:spPr>
+            <p:txBody>
+              <a:bodyPr wrap="none" rtlCol="0">
+                <a:spAutoFit/>
+              </a:bodyPr>
+              <a:lstStyle/>
+              <a:p>
+                <a:pPr/>
+                <a14:m>
+                  <m:oMathPara xmlns:m="http://schemas.openxmlformats.org/officeDocument/2006/math">
+                    <m:oMathParaPr>
+                      <m:jc m:val="centerGroup"/>
+                    </m:oMathParaPr>
+                    <m:oMath xmlns:m="http://schemas.openxmlformats.org/officeDocument/2006/math">
+                      <m:sSub>
+                        <m:sSubPr>
+                          <m:ctrlPr>
+                            <a:rPr lang="en-US" altLang="ja-JP" b="0" i="1" smtClean="0">
+                              <a:latin typeface="Cambria Math" panose="02040503050406030204" pitchFamily="18" charset="0"/>
+                            </a:rPr>
+                          </m:ctrlPr>
+                        </m:sSubPr>
+                        <m:e>
+                          <m:r>
+                            <a:rPr lang="en-US" altLang="ja-JP" b="1" i="0" smtClean="0">
+                              <a:latin typeface="Cambria Math" panose="02040503050406030204" pitchFamily="18" charset="0"/>
+                            </a:rPr>
+                            <m:t>𝐝</m:t>
+                          </m:r>
+                        </m:e>
+                        <m:sub>
+                          <m:r>
+                            <a:rPr lang="en-US" altLang="ja-JP" b="0" i="1" smtClean="0">
+                              <a:latin typeface="Cambria Math" panose="02040503050406030204" pitchFamily="18" charset="0"/>
+                            </a:rPr>
+                            <m:t>𝑛</m:t>
+                          </m:r>
+                        </m:sub>
+                      </m:sSub>
+                      <m:r>
+                        <a:rPr lang="en-US" altLang="ja-JP" b="0" i="1" smtClean="0">
+                          <a:latin typeface="Cambria Math" panose="02040503050406030204" pitchFamily="18" charset="0"/>
+                        </a:rPr>
+                        <m:t>=[</m:t>
+                      </m:r>
+                      <m:sSub>
+                        <m:sSubPr>
+                          <m:ctrlPr>
+                            <a:rPr lang="en-US" altLang="ja-JP" b="0" i="1" smtClean="0">
+                              <a:latin typeface="Cambria Math" panose="02040503050406030204" pitchFamily="18" charset="0"/>
+                            </a:rPr>
+                          </m:ctrlPr>
+                        </m:sSubPr>
+                        <m:e>
+                          <m:r>
+                            <a:rPr lang="en-US" altLang="ja-JP" b="0" i="1" smtClean="0">
+                              <a:latin typeface="Cambria Math" panose="02040503050406030204" pitchFamily="18" charset="0"/>
+                            </a:rPr>
+                            <m:t>𝑑</m:t>
+                          </m:r>
+                        </m:e>
+                        <m:sub>
+                          <m:r>
+                            <a:rPr lang="en-US" altLang="ja-JP" b="0" i="1" smtClean="0">
+                              <a:latin typeface="Cambria Math" panose="02040503050406030204" pitchFamily="18" charset="0"/>
+                            </a:rPr>
+                            <m:t>𝑛</m:t>
+                          </m:r>
+                          <m:r>
+                            <a:rPr lang="en-US" altLang="ja-JP" b="0" i="1" smtClean="0">
+                              <a:latin typeface="Cambria Math" panose="02040503050406030204" pitchFamily="18" charset="0"/>
+                            </a:rPr>
+                            <m:t>1</m:t>
+                          </m:r>
+                        </m:sub>
+                      </m:sSub>
+                      <m:r>
+                        <a:rPr lang="en-US" altLang="ja-JP" b="0" i="1" smtClean="0">
+                          <a:latin typeface="Cambria Math" panose="02040503050406030204" pitchFamily="18" charset="0"/>
+                        </a:rPr>
+                        <m:t> .. </m:t>
+                      </m:r>
+                      <m:sSub>
+                        <m:sSubPr>
+                          <m:ctrlPr>
+                            <a:rPr lang="en-US" altLang="ja-JP" b="0" i="1" smtClean="0">
+                              <a:latin typeface="Cambria Math" panose="02040503050406030204" pitchFamily="18" charset="0"/>
+                            </a:rPr>
+                          </m:ctrlPr>
+                        </m:sSubPr>
+                        <m:e>
+                          <m:r>
+                            <a:rPr lang="en-US" altLang="ja-JP" b="0" i="1" smtClean="0">
+                              <a:latin typeface="Cambria Math" panose="02040503050406030204" pitchFamily="18" charset="0"/>
+                            </a:rPr>
+                            <m:t>𝑑</m:t>
+                          </m:r>
+                        </m:e>
+                        <m:sub>
+                          <m:r>
+                            <a:rPr lang="en-US" altLang="ja-JP" b="0" i="1" smtClean="0">
+                              <a:latin typeface="Cambria Math" panose="02040503050406030204" pitchFamily="18" charset="0"/>
+                            </a:rPr>
+                            <m:t>𝑛𝑘</m:t>
+                          </m:r>
+                        </m:sub>
+                      </m:sSub>
+                      <m:r>
+                        <a:rPr lang="en-US" altLang="ja-JP" b="0" i="1" smtClean="0">
+                          <a:latin typeface="Cambria Math" panose="02040503050406030204" pitchFamily="18" charset="0"/>
+                        </a:rPr>
+                        <m:t>]</m:t>
+                      </m:r>
+                    </m:oMath>
+                  </m:oMathPara>
+                </a14:m>
+                <a:endParaRPr lang="en-US" dirty="0"/>
+              </a:p>
+            </p:txBody>
+          </p:sp>
+        </mc:Choice>
+        <mc:Fallback xmlns="">
+          <p:sp>
+            <p:nvSpPr>
+              <p:cNvPr id="33" name="TextBox 32"/>
+              <p:cNvSpPr txBox="1">
+                <a:spLocks noRot="1" noChangeAspect="1" noMove="1" noResize="1" noEditPoints="1" noAdjustHandles="1" noChangeArrowheads="1" noChangeShapeType="1" noTextEdit="1"/>
+              </p:cNvSpPr>
+              <p:nvPr/>
+            </p:nvSpPr>
+            <p:spPr>
+              <a:xfrm>
+                <a:off x="2820435" y="1186907"/>
+                <a:ext cx="1894685" cy="369332"/>
+              </a:xfrm>
+              <a:prstGeom prst="rect">
+                <a:avLst/>
+              </a:prstGeom>
+              <a:blipFill rotWithShape="0">
+                <a:blip r:embed="rId15"/>
+                <a:stretch>
+                  <a:fillRect b="-16667"/>
+                </a:stretch>
+              </a:blipFill>
+            </p:spPr>
+            <p:txBody>
+              <a:bodyPr/>
+              <a:lstStyle/>
+              <a:p>
+                <a:r>
+                  <a:rPr lang="en-US">
+                    <a:noFill/>
+                  </a:rPr>
+                  <a:t> </a:t>
+                </a:r>
+              </a:p>
+            </p:txBody>
+          </p:sp>
+        </mc:Fallback>
+      </mc:AlternateContent>
+      <mc:AlternateContent xmlns:mc="http://schemas.openxmlformats.org/markup-compatibility/2006" xmlns:a14="http://schemas.microsoft.com/office/drawing/2010/main">
+        <mc:Choice Requires="a14">
+          <p:sp>
+            <p:nvSpPr>
+              <p:cNvPr id="34" name="TextBox 33"/>
+              <p:cNvSpPr txBox="1"/>
+              <p:nvPr/>
+            </p:nvSpPr>
+            <p:spPr>
+              <a:xfrm>
+                <a:off x="2761784" y="2214412"/>
+                <a:ext cx="2383473" cy="972702"/>
+              </a:xfrm>
+              <a:prstGeom prst="rect">
+                <a:avLst/>
+              </a:prstGeom>
+              <a:noFill/>
+            </p:spPr>
+            <p:txBody>
+              <a:bodyPr wrap="none" rtlCol="0">
+                <a:spAutoFit/>
+              </a:bodyPr>
+              <a:lstStyle/>
+              <a:p>
+                <a:pPr/>
+                <a14:m>
+                  <m:oMathPara xmlns:m="http://schemas.openxmlformats.org/officeDocument/2006/math">
+                    <m:oMathParaPr>
+                      <m:jc m:val="centerGroup"/>
+                    </m:oMathParaPr>
+                    <m:oMath xmlns:m="http://schemas.openxmlformats.org/officeDocument/2006/math">
+                      <m:sSubSup>
+                        <m:sSubSupPr>
+                          <m:ctrlPr>
+                            <a:rPr lang="en-US" altLang="ja-JP" b="0" i="1" smtClean="0">
+                              <a:latin typeface="Cambria Math" panose="02040503050406030204" pitchFamily="18" charset="0"/>
+                            </a:rPr>
+                          </m:ctrlPr>
+                        </m:sSubSupPr>
+                        <m:e>
+                          <m:r>
+                            <a:rPr lang="en-US" altLang="ja-JP" b="1" i="0" smtClean="0">
+                              <a:latin typeface="Cambria Math" panose="02040503050406030204" pitchFamily="18" charset="0"/>
+                            </a:rPr>
+                            <m:t>𝐖</m:t>
+                          </m:r>
+                        </m:e>
+                        <m:sub>
+                          <m:r>
+                            <a:rPr lang="en-US" altLang="ja-JP" b="0" i="1" smtClean="0">
+                              <a:latin typeface="Cambria Math" panose="02040503050406030204" pitchFamily="18" charset="0"/>
+                            </a:rPr>
+                            <m:t> </m:t>
+                          </m:r>
+                        </m:sub>
+                        <m:sup>
+                          <m:r>
+                            <a:rPr lang="en-US" altLang="ja-JP" b="0" i="1" smtClean="0">
+                              <a:latin typeface="Cambria Math" panose="02040503050406030204" pitchFamily="18" charset="0"/>
+                            </a:rPr>
+                            <m:t>𝑙</m:t>
+                          </m:r>
+                        </m:sup>
+                      </m:sSubSup>
+                      <m:r>
+                        <a:rPr lang="en-US" altLang="ja-JP" b="0" i="1" smtClean="0">
+                          <a:latin typeface="Cambria Math" panose="02040503050406030204" pitchFamily="18" charset="0"/>
+                        </a:rPr>
+                        <m:t>=</m:t>
+                      </m:r>
+                      <m:d>
+                        <m:dPr>
+                          <m:begChr m:val="["/>
+                          <m:endChr m:val="]"/>
+                          <m:ctrlPr>
+                            <a:rPr lang="en-US" altLang="ja-JP" b="0" i="1" smtClean="0">
+                              <a:latin typeface="Cambria Math" panose="02040503050406030204" pitchFamily="18" charset="0"/>
+                            </a:rPr>
+                          </m:ctrlPr>
+                        </m:dPr>
+                        <m:e>
+                          <m:m>
+                            <m:mPr>
+                              <m:mcs>
+                                <m:mc>
+                                  <m:mcPr>
+                                    <m:count m:val="3"/>
+                                    <m:mcJc m:val="center"/>
+                                  </m:mcPr>
+                                </m:mc>
+                              </m:mcs>
+                              <m:ctrlPr>
+                                <a:rPr lang="en-US" altLang="ja-JP" b="0" i="1" smtClean="0">
+                                  <a:latin typeface="Cambria Math" panose="02040503050406030204" pitchFamily="18" charset="0"/>
+                                </a:rPr>
+                              </m:ctrlPr>
+                            </m:mPr>
+                            <m:mr>
+                              <m:e>
+                                <m:sSubSup>
+                                  <m:sSubSupPr>
+                                    <m:ctrlPr>
+                                      <a:rPr lang="en-US" altLang="ja-JP" b="0" i="1" smtClean="0">
+                                        <a:latin typeface="Cambria Math" panose="02040503050406030204" pitchFamily="18" charset="0"/>
+                                      </a:rPr>
+                                    </m:ctrlPr>
+                                  </m:sSubSupPr>
+                                  <m:e>
+                                    <m:r>
+                                      <m:rPr>
+                                        <m:brk m:alnAt="7"/>
+                                      </m:rPr>
+                                      <a:rPr lang="en-US" altLang="ja-JP" b="0" i="1" smtClean="0">
+                                        <a:latin typeface="Cambria Math" panose="02040503050406030204" pitchFamily="18" charset="0"/>
+                                      </a:rPr>
+                                      <m:t>𝑤</m:t>
+                                    </m:r>
+                                  </m:e>
+                                  <m:sub>
+                                    <m:r>
+                                      <m:rPr>
+                                        <m:brk m:alnAt="7"/>
+                                      </m:rPr>
+                                      <a:rPr lang="en-US" altLang="ja-JP" b="0" i="1" smtClean="0">
+                                        <a:latin typeface="Cambria Math" panose="02040503050406030204" pitchFamily="18" charset="0"/>
+                                      </a:rPr>
+                                      <m:t>1</m:t>
+                                    </m:r>
+                                    <m:r>
+                                      <a:rPr lang="en-US" altLang="ja-JP" b="0" i="1" smtClean="0">
+                                        <a:latin typeface="Cambria Math" panose="02040503050406030204" pitchFamily="18" charset="0"/>
+                                      </a:rPr>
+                                      <m:t>1</m:t>
+                                    </m:r>
+                                  </m:sub>
+                                  <m:sup>
+                                    <m:r>
+                                      <m:rPr>
+                                        <m:brk m:alnAt="7"/>
+                                      </m:rPr>
+                                      <a:rPr lang="en-US" altLang="ja-JP" b="0" i="1" smtClean="0">
+                                        <a:latin typeface="Cambria Math" panose="02040503050406030204" pitchFamily="18" charset="0"/>
+                                      </a:rPr>
+                                      <m:t>𝑙</m:t>
+                                    </m:r>
+                                  </m:sup>
+                                </m:sSubSup>
+                              </m:e>
+                              <m:e>
+                                <m:r>
+                                  <a:rPr lang="en-US" altLang="ja-JP" b="0" i="1" smtClean="0">
+                                    <a:latin typeface="Cambria Math" panose="02040503050406030204" pitchFamily="18" charset="0"/>
+                                  </a:rPr>
+                                  <m:t>⋯</m:t>
+                                </m:r>
+                              </m:e>
+                              <m:e>
+                                <m:sSubSup>
+                                  <m:sSubSupPr>
+                                    <m:ctrlPr>
+                                      <a:rPr lang="en-US" altLang="ja-JP" b="0" i="1" smtClean="0">
+                                        <a:latin typeface="Cambria Math" panose="02040503050406030204" pitchFamily="18" charset="0"/>
+                                      </a:rPr>
+                                    </m:ctrlPr>
+                                  </m:sSubSupPr>
+                                  <m:e>
+                                    <m:r>
+                                      <a:rPr lang="en-US" altLang="ja-JP" b="0" i="1" smtClean="0">
+                                        <a:latin typeface="Cambria Math" panose="02040503050406030204" pitchFamily="18" charset="0"/>
+                                      </a:rPr>
+                                      <m:t>𝑤</m:t>
+                                    </m:r>
+                                  </m:e>
+                                  <m:sub>
+                                    <m:r>
+                                      <a:rPr lang="en-US" altLang="ja-JP" b="0" i="1" smtClean="0">
+                                        <a:latin typeface="Cambria Math" panose="02040503050406030204" pitchFamily="18" charset="0"/>
+                                      </a:rPr>
+                                      <m:t>1</m:t>
+                                    </m:r>
+                                    <m:r>
+                                      <a:rPr lang="en-US" altLang="ja-JP" b="0" i="1" smtClean="0">
+                                        <a:latin typeface="Cambria Math" panose="02040503050406030204" pitchFamily="18" charset="0"/>
+                                      </a:rPr>
+                                      <m:t>𝐼</m:t>
+                                    </m:r>
+                                  </m:sub>
+                                  <m:sup>
+                                    <m:r>
+                                      <a:rPr lang="en-US" altLang="ja-JP" b="0" i="1" smtClean="0">
+                                        <a:latin typeface="Cambria Math" panose="02040503050406030204" pitchFamily="18" charset="0"/>
+                                      </a:rPr>
+                                      <m:t>𝑙</m:t>
+                                    </m:r>
+                                  </m:sup>
+                                </m:sSubSup>
+                              </m:e>
+                            </m:mr>
+                            <m:mr>
+                              <m:e>
+                                <m:r>
+                                  <a:rPr lang="en-US" altLang="ja-JP" b="0" i="1" smtClean="0">
+                                    <a:latin typeface="Cambria Math" panose="02040503050406030204" pitchFamily="18" charset="0"/>
+                                  </a:rPr>
+                                  <m:t>⋮</m:t>
+                                </m:r>
+                              </m:e>
+                              <m:e>
+                                <m:r>
+                                  <a:rPr lang="en-US" altLang="ja-JP" b="0" i="1" smtClean="0">
+                                    <a:latin typeface="Cambria Math" panose="02040503050406030204" pitchFamily="18" charset="0"/>
+                                  </a:rPr>
+                                  <m:t>⋱</m:t>
+                                </m:r>
+                              </m:e>
+                              <m:e>
+                                <m:r>
+                                  <a:rPr lang="en-US" altLang="ja-JP" b="0" i="1" smtClean="0">
+                                    <a:latin typeface="Cambria Math" panose="02040503050406030204" pitchFamily="18" charset="0"/>
+                                  </a:rPr>
+                                  <m:t>⋮</m:t>
+                                </m:r>
+                              </m:e>
+                            </m:mr>
+                            <m:mr>
+                              <m:e>
+                                <m:sSubSup>
+                                  <m:sSubSupPr>
+                                    <m:ctrlPr>
+                                      <a:rPr lang="en-US" altLang="ja-JP" b="0" i="1" smtClean="0">
+                                        <a:latin typeface="Cambria Math" panose="02040503050406030204" pitchFamily="18" charset="0"/>
+                                      </a:rPr>
+                                    </m:ctrlPr>
+                                  </m:sSubSupPr>
+                                  <m:e>
+                                    <m:r>
+                                      <a:rPr lang="en-US" altLang="ja-JP" b="0" i="1" smtClean="0">
+                                        <a:latin typeface="Cambria Math" panose="02040503050406030204" pitchFamily="18" charset="0"/>
+                                      </a:rPr>
+                                      <m:t>𝑤</m:t>
+                                    </m:r>
+                                  </m:e>
+                                  <m:sub>
+                                    <m:r>
+                                      <a:rPr lang="en-US" altLang="ja-JP" b="0" i="1" smtClean="0">
+                                        <a:latin typeface="Cambria Math" panose="02040503050406030204" pitchFamily="18" charset="0"/>
+                                      </a:rPr>
+                                      <m:t>𝐽</m:t>
+                                    </m:r>
+                                    <m:r>
+                                      <a:rPr lang="en-US" altLang="ja-JP" b="0" i="1" smtClean="0">
+                                        <a:latin typeface="Cambria Math" panose="02040503050406030204" pitchFamily="18" charset="0"/>
+                                      </a:rPr>
+                                      <m:t>1</m:t>
+                                    </m:r>
+                                  </m:sub>
+                                  <m:sup>
+                                    <m:r>
+                                      <a:rPr lang="en-US" altLang="ja-JP" b="0" i="1" smtClean="0">
+                                        <a:latin typeface="Cambria Math" panose="02040503050406030204" pitchFamily="18" charset="0"/>
+                                      </a:rPr>
+                                      <m:t>𝑙</m:t>
+                                    </m:r>
+                                  </m:sup>
+                                </m:sSubSup>
+                              </m:e>
+                              <m:e>
+                                <m:r>
+                                  <a:rPr lang="en-US" altLang="ja-JP" b="0" i="1" smtClean="0">
+                                    <a:latin typeface="Cambria Math" panose="02040503050406030204" pitchFamily="18" charset="0"/>
+                                  </a:rPr>
+                                  <m:t>⋯</m:t>
+                                </m:r>
+                              </m:e>
+                              <m:e>
+                                <m:sSubSup>
+                                  <m:sSubSupPr>
+                                    <m:ctrlPr>
+                                      <a:rPr lang="en-US" altLang="ja-JP" b="0" i="1" smtClean="0">
+                                        <a:latin typeface="Cambria Math" panose="02040503050406030204" pitchFamily="18" charset="0"/>
+                                      </a:rPr>
+                                    </m:ctrlPr>
+                                  </m:sSubSupPr>
+                                  <m:e>
+                                    <m:r>
+                                      <a:rPr lang="en-US" altLang="ja-JP" b="0" i="1" smtClean="0">
+                                        <a:latin typeface="Cambria Math" panose="02040503050406030204" pitchFamily="18" charset="0"/>
+                                      </a:rPr>
+                                      <m:t>𝑤</m:t>
+                                    </m:r>
+                                  </m:e>
+                                  <m:sub>
+                                    <m:r>
+                                      <a:rPr lang="en-US" altLang="ja-JP" b="0" i="1" smtClean="0">
+                                        <a:latin typeface="Cambria Math" panose="02040503050406030204" pitchFamily="18" charset="0"/>
+                                      </a:rPr>
+                                      <m:t>𝐽𝐼</m:t>
+                                    </m:r>
+                                  </m:sub>
+                                  <m:sup>
+                                    <m:r>
+                                      <a:rPr lang="en-US" altLang="ja-JP" b="0" i="1" smtClean="0">
+                                        <a:latin typeface="Cambria Math" panose="02040503050406030204" pitchFamily="18" charset="0"/>
+                                      </a:rPr>
+                                      <m:t>𝑙</m:t>
+                                    </m:r>
+                                  </m:sup>
+                                </m:sSubSup>
+                              </m:e>
+                            </m:mr>
+                          </m:m>
+                        </m:e>
+                      </m:d>
+                    </m:oMath>
+                  </m:oMathPara>
+                </a14:m>
+                <a:endParaRPr lang="en-US" dirty="0"/>
+              </a:p>
+            </p:txBody>
+          </p:sp>
+        </mc:Choice>
+        <mc:Fallback xmlns="">
+          <p:sp>
+            <p:nvSpPr>
+              <p:cNvPr id="34" name="TextBox 33"/>
+              <p:cNvSpPr txBox="1">
+                <a:spLocks noRot="1" noChangeAspect="1" noMove="1" noResize="1" noEditPoints="1" noAdjustHandles="1" noChangeArrowheads="1" noChangeShapeType="1" noTextEdit="1"/>
+              </p:cNvSpPr>
+              <p:nvPr/>
+            </p:nvSpPr>
+            <p:spPr>
+              <a:xfrm>
+                <a:off x="2761784" y="2214412"/>
+                <a:ext cx="2383473" cy="972702"/>
+              </a:xfrm>
+              <a:prstGeom prst="rect">
+                <a:avLst/>
+              </a:prstGeom>
+              <a:blipFill rotWithShape="0">
+                <a:blip r:embed="rId16"/>
+                <a:stretch>
+                  <a:fillRect/>
+                </a:stretch>
+              </a:blipFill>
+            </p:spPr>
+            <p:txBody>
+              <a:bodyPr/>
+              <a:lstStyle/>
+              <a:p>
+                <a:r>
+                  <a:rPr lang="en-US">
+                    <a:noFill/>
+                  </a:rPr>
+                  <a:t> </a:t>
+                </a:r>
+              </a:p>
+            </p:txBody>
+          </p:sp>
+        </mc:Fallback>
+      </mc:AlternateContent>
+      <mc:AlternateContent xmlns:mc="http://schemas.openxmlformats.org/markup-compatibility/2006" xmlns:a14="http://schemas.microsoft.com/office/drawing/2010/main">
+        <mc:Choice Requires="a14">
+          <p:sp>
+            <p:nvSpPr>
+              <p:cNvPr id="35" name="TextBox 34"/>
+              <p:cNvSpPr txBox="1"/>
+              <p:nvPr/>
+            </p:nvSpPr>
+            <p:spPr>
+              <a:xfrm>
+                <a:off x="2804185" y="3245135"/>
+                <a:ext cx="1641410" cy="410369"/>
+              </a:xfrm>
+              <a:prstGeom prst="rect">
+                <a:avLst/>
+              </a:prstGeom>
+              <a:noFill/>
+            </p:spPr>
+            <p:txBody>
+              <a:bodyPr wrap="none" rtlCol="0">
+                <a:spAutoFit/>
+              </a:bodyPr>
+              <a:lstStyle/>
+              <a:p>
+                <a:pPr/>
+                <a14:m>
+                  <m:oMathPara xmlns:m="http://schemas.openxmlformats.org/officeDocument/2006/math">
+                    <m:oMathParaPr>
+                      <m:jc m:val="centerGroup"/>
+                    </m:oMathParaPr>
+                    <m:oMath xmlns:m="http://schemas.openxmlformats.org/officeDocument/2006/math">
+                      <m:sSup>
+                        <m:sSupPr>
+                          <m:ctrlPr>
+                            <a:rPr lang="en-US" altLang="ja-JP" b="0" i="1" smtClean="0">
+                              <a:latin typeface="Cambria Math" panose="02040503050406030204" pitchFamily="18" charset="0"/>
+                            </a:rPr>
+                          </m:ctrlPr>
+                        </m:sSupPr>
+                        <m:e>
+                          <m:r>
+                            <a:rPr lang="en-US" altLang="ja-JP" b="1" i="0" smtClean="0">
+                              <a:latin typeface="Cambria Math" panose="02040503050406030204" pitchFamily="18" charset="0"/>
+                            </a:rPr>
+                            <m:t>𝐛</m:t>
+                          </m:r>
+                        </m:e>
+                        <m:sup>
+                          <m:r>
+                            <a:rPr lang="en-US" altLang="ja-JP" b="0" i="1" smtClean="0">
+                              <a:latin typeface="Cambria Math" panose="02040503050406030204" pitchFamily="18" charset="0"/>
+                            </a:rPr>
+                            <m:t>𝑙</m:t>
+                          </m:r>
+                        </m:sup>
+                      </m:sSup>
+                      <m:r>
+                        <a:rPr lang="en-US" altLang="ja-JP" b="0" i="1" smtClean="0">
+                          <a:latin typeface="Cambria Math" panose="02040503050406030204" pitchFamily="18" charset="0"/>
+                        </a:rPr>
+                        <m:t>=[</m:t>
+                      </m:r>
+                      <m:sSubSup>
+                        <m:sSubSupPr>
+                          <m:ctrlPr>
+                            <a:rPr lang="en-US" altLang="ja-JP" b="0" i="1" smtClean="0">
+                              <a:latin typeface="Cambria Math" panose="02040503050406030204" pitchFamily="18" charset="0"/>
+                            </a:rPr>
+                          </m:ctrlPr>
+                        </m:sSubSupPr>
+                        <m:e>
+                          <m:r>
+                            <a:rPr lang="en-US" altLang="ja-JP" b="0" i="1" smtClean="0">
+                              <a:latin typeface="Cambria Math" panose="02040503050406030204" pitchFamily="18" charset="0"/>
+                            </a:rPr>
+                            <m:t>𝑏</m:t>
+                          </m:r>
+                        </m:e>
+                        <m:sub>
+                          <m:r>
+                            <a:rPr lang="en-US" altLang="ja-JP" b="0" i="1" smtClean="0">
+                              <a:latin typeface="Cambria Math" panose="02040503050406030204" pitchFamily="18" charset="0"/>
+                            </a:rPr>
+                            <m:t>1</m:t>
+                          </m:r>
+                        </m:sub>
+                        <m:sup>
+                          <m:r>
+                            <a:rPr lang="en-US" altLang="ja-JP" b="0" i="1" smtClean="0">
+                              <a:latin typeface="Cambria Math" panose="02040503050406030204" pitchFamily="18" charset="0"/>
+                            </a:rPr>
+                            <m:t>𝑙</m:t>
+                          </m:r>
+                        </m:sup>
+                      </m:sSubSup>
+                      <m:r>
+                        <a:rPr lang="en-US" altLang="ja-JP" b="0" i="1" smtClean="0">
+                          <a:latin typeface="Cambria Math" panose="02040503050406030204" pitchFamily="18" charset="0"/>
+                        </a:rPr>
+                        <m:t> …</m:t>
+                      </m:r>
+                      <m:sSubSup>
+                        <m:sSubSupPr>
+                          <m:ctrlPr>
+                            <a:rPr lang="en-US" altLang="ja-JP" b="0" i="1" smtClean="0">
+                              <a:latin typeface="Cambria Math" panose="02040503050406030204" pitchFamily="18" charset="0"/>
+                            </a:rPr>
+                          </m:ctrlPr>
+                        </m:sSubSupPr>
+                        <m:e>
+                          <m:r>
+                            <a:rPr lang="en-US" altLang="ja-JP" b="0" i="1" smtClean="0">
+                              <a:latin typeface="Cambria Math" panose="02040503050406030204" pitchFamily="18" charset="0"/>
+                            </a:rPr>
+                            <m:t>𝑏</m:t>
+                          </m:r>
+                        </m:e>
+                        <m:sub>
+                          <m:r>
+                            <a:rPr lang="en-US" altLang="ja-JP" b="0" i="1" smtClean="0">
+                              <a:latin typeface="Cambria Math" panose="02040503050406030204" pitchFamily="18" charset="0"/>
+                            </a:rPr>
+                            <m:t>𝐽</m:t>
+                          </m:r>
+                        </m:sub>
+                        <m:sup>
+                          <m:r>
+                            <a:rPr lang="en-US" altLang="ja-JP" b="0" i="1" smtClean="0">
+                              <a:latin typeface="Cambria Math" panose="02040503050406030204" pitchFamily="18" charset="0"/>
+                            </a:rPr>
+                            <m:t>𝑙</m:t>
+                          </m:r>
+                        </m:sup>
+                      </m:sSubSup>
+                      <m:r>
+                        <a:rPr lang="en-US" altLang="ja-JP" b="0" i="1" smtClean="0">
+                          <a:latin typeface="Cambria Math" panose="02040503050406030204" pitchFamily="18" charset="0"/>
+                        </a:rPr>
+                        <m:t>]</m:t>
+                      </m:r>
+                    </m:oMath>
+                  </m:oMathPara>
+                </a14:m>
+                <a:endParaRPr lang="en-US" i="1" dirty="0"/>
+              </a:p>
+            </p:txBody>
+          </p:sp>
+        </mc:Choice>
+        <mc:Fallback xmlns="">
+          <p:sp>
+            <p:nvSpPr>
+              <p:cNvPr id="35" name="TextBox 34"/>
+              <p:cNvSpPr txBox="1">
+                <a:spLocks noRot="1" noChangeAspect="1" noMove="1" noResize="1" noEditPoints="1" noAdjustHandles="1" noChangeArrowheads="1" noChangeShapeType="1" noTextEdit="1"/>
+              </p:cNvSpPr>
+              <p:nvPr/>
+            </p:nvSpPr>
+            <p:spPr>
+              <a:xfrm>
+                <a:off x="2804185" y="3245135"/>
+                <a:ext cx="1641410" cy="410369"/>
+              </a:xfrm>
+              <a:prstGeom prst="rect">
+                <a:avLst/>
+              </a:prstGeom>
+              <a:blipFill rotWithShape="0">
+                <a:blip r:embed="rId17"/>
+                <a:stretch>
+                  <a:fillRect b="-7353"/>
+                </a:stretch>
+              </a:blipFill>
+            </p:spPr>
+            <p:txBody>
+              <a:bodyPr/>
+              <a:lstStyle/>
+              <a:p>
+                <a:r>
+                  <a:rPr lang="en-US">
+                    <a:noFill/>
+                  </a:rPr>
+                  <a:t> </a:t>
+                </a:r>
+              </a:p>
+            </p:txBody>
+          </p:sp>
+        </mc:Fallback>
+      </mc:AlternateContent>
+    </p:spTree>
+    <p:extLst>
+      <p:ext uri="{BB962C8B-B14F-4D97-AF65-F5344CB8AC3E}">
+        <p14:creationId xmlns:p14="http://schemas.microsoft.com/office/powerpoint/2010/main" val="1420858762"/>
+      </p:ext>
+    </p:extLst>
+  </p:cSld>
+  <p:clrMapOvr>
+    <a:masterClrMapping/>
+  </p:clrMapOvr>
+</p:sld>
+</file>
+
+<file path=ppt/slides/slide2.xml><?xml version="1.0" encoding="utf-8"?>
+<p:sld xmlns:a="http://schemas.openxmlformats.org/drawingml/2006/main" xmlns:r="http://schemas.openxmlformats.org/officeDocument/2006/relationships" xmlns:p="http://schemas.openxmlformats.org/presentationml/2006/main">
+  <p:cSld>
+    <p:spTree>
+      <p:nvGrpSpPr>
+        <p:cNvPr id="1" name=""/>
+        <p:cNvGrpSpPr/>
+        <p:nvPr/>
+      </p:nvGrpSpPr>
+      <p:grpSpPr>
+        <a:xfrm>
+          <a:off x="0" y="0"/>
+          <a:ext cx="0" cy="0"/>
+          <a:chOff x="0" y="0"/>
+          <a:chExt cx="0" cy="0"/>
+        </a:xfrm>
+      </p:grpSpPr>
       <p:grpSp>
         <p:nvGrpSpPr>
           <p:cNvPr id="25" name="Group 24"/>
@@ -2989,7 +7062,7 @@
         </p:nvGrpSpPr>
         <p:grpSpPr>
           <a:xfrm>
-            <a:off x="7967724" y="2375493"/>
+            <a:off x="7361677" y="1833232"/>
             <a:ext cx="651329" cy="651329"/>
             <a:chOff x="5976257" y="2460171"/>
             <a:chExt cx="2590800" cy="2590800"/>
@@ -3090,7 +7163,7 @@
         </p:nvGrpSpPr>
         <p:grpSpPr>
           <a:xfrm>
-            <a:off x="7953209" y="3217322"/>
+            <a:off x="7347162" y="2675061"/>
             <a:ext cx="651329" cy="651329"/>
             <a:chOff x="5976257" y="2460171"/>
             <a:chExt cx="2590800" cy="2590800"/>
@@ -3191,7 +7264,7 @@
         </p:nvGrpSpPr>
         <p:grpSpPr>
           <a:xfrm>
-            <a:off x="7953208" y="4059151"/>
+            <a:off x="7347161" y="3516890"/>
             <a:ext cx="651329" cy="651329"/>
             <a:chOff x="5976257" y="2460171"/>
             <a:chExt cx="2590800" cy="2590800"/>
@@ -3292,7 +7365,7 @@
         </p:nvGrpSpPr>
         <p:grpSpPr>
           <a:xfrm>
-            <a:off x="3221924" y="1968045"/>
+            <a:off x="2615877" y="1425784"/>
             <a:ext cx="651329" cy="651329"/>
             <a:chOff x="5976257" y="2460171"/>
             <a:chExt cx="2590800" cy="2590800"/>
@@ -3393,7 +7466,7 @@
         </p:nvGrpSpPr>
         <p:grpSpPr>
           <a:xfrm>
-            <a:off x="3221923" y="2809874"/>
+            <a:off x="2615876" y="2267613"/>
             <a:ext cx="651329" cy="651329"/>
             <a:chOff x="5976257" y="2460171"/>
             <a:chExt cx="2590800" cy="2590800"/>
@@ -3494,7 +7567,7 @@
         </p:nvGrpSpPr>
         <p:grpSpPr>
           <a:xfrm>
-            <a:off x="3207407" y="4650923"/>
+            <a:off x="2601360" y="4108662"/>
             <a:ext cx="651329" cy="651329"/>
             <a:chOff x="5976257" y="2460171"/>
             <a:chExt cx="2590800" cy="2590800"/>
@@ -3595,7 +7668,7 @@
         </p:nvGrpSpPr>
         <p:grpSpPr>
           <a:xfrm>
-            <a:off x="4769513" y="1573891"/>
+            <a:off x="4163466" y="1031630"/>
             <a:ext cx="651329" cy="651329"/>
             <a:chOff x="5976257" y="2460171"/>
             <a:chExt cx="2590800" cy="2590800"/>
@@ -3696,7 +7769,7 @@
         </p:nvGrpSpPr>
         <p:grpSpPr>
           <a:xfrm>
-            <a:off x="4769512" y="2415720"/>
+            <a:off x="4163465" y="1873459"/>
             <a:ext cx="651329" cy="651329"/>
             <a:chOff x="5976257" y="2460171"/>
             <a:chExt cx="2590800" cy="2590800"/>
@@ -3797,7 +7870,7 @@
         </p:nvGrpSpPr>
         <p:grpSpPr>
           <a:xfrm>
-            <a:off x="6288068" y="1573891"/>
+            <a:off x="5682021" y="1031630"/>
             <a:ext cx="651329" cy="651329"/>
             <a:chOff x="5976257" y="2460171"/>
             <a:chExt cx="2590800" cy="2590800"/>
@@ -3898,7 +7971,7 @@
         </p:nvGrpSpPr>
         <p:grpSpPr>
           <a:xfrm>
-            <a:off x="6288067" y="2415720"/>
+            <a:off x="5682020" y="1873459"/>
             <a:ext cx="651329" cy="651329"/>
             <a:chOff x="5976257" y="2460171"/>
             <a:chExt cx="2590800" cy="2590800"/>
@@ -4001,7 +8074,7 @@
             </p:nvSpPr>
             <p:spPr>
               <a:xfrm>
-                <a:off x="1765175" y="2434759"/>
+                <a:off x="1159128" y="1892498"/>
                 <a:ext cx="258468" cy="270652"/>
               </a:xfrm>
               <a:prstGeom prst="rect">
@@ -4066,7 +8139,7 @@
             </p:nvSpPr>
             <p:spPr>
               <a:xfrm>
-                <a:off x="1765175" y="2434759"/>
+                <a:off x="1159128" y="1892498"/>
                 <a:ext cx="258468" cy="270652"/>
               </a:xfrm>
               <a:prstGeom prst="rect">
@@ -4075,7 +8148,7 @@
               <a:blipFill rotWithShape="0">
                 <a:blip r:embed="rId2"/>
                 <a:stretch>
-                  <a:fillRect l="-16667" r="-11905" b="-20000"/>
+                  <a:fillRect l="-16279" r="-11628" b="-20000"/>
                 </a:stretch>
               </a:blipFill>
             </p:spPr>
@@ -4104,7 +8177,7 @@
             </p:nvSpPr>
             <p:spPr>
               <a:xfrm>
-                <a:off x="3275275" y="2220570"/>
+                <a:off x="2669228" y="1678309"/>
                 <a:ext cx="226152" cy="217432"/>
               </a:xfrm>
               <a:prstGeom prst="rect">
@@ -4177,7 +8250,7 @@
             </p:nvSpPr>
             <p:spPr>
               <a:xfrm>
-                <a:off x="3275275" y="2220570"/>
+                <a:off x="2669228" y="1678309"/>
                 <a:ext cx="226152" cy="217432"/>
               </a:xfrm>
               <a:prstGeom prst="rect">
@@ -4186,7 +8259,7 @@
               <a:blipFill rotWithShape="0">
                 <a:blip r:embed="rId3"/>
                 <a:stretch>
-                  <a:fillRect l="-10811" r="-5405" b="-16667"/>
+                  <a:fillRect l="-13514" r="-5405" b="-16667"/>
                 </a:stretch>
               </a:blipFill>
             </p:spPr>
@@ -4215,8 +8288,8 @@
             </p:nvSpPr>
             <p:spPr>
               <a:xfrm>
-                <a:off x="834171" y="3392552"/>
-                <a:ext cx="277897" cy="270652"/>
+                <a:off x="1159684" y="1256904"/>
+                <a:ext cx="285847" cy="270652"/>
               </a:xfrm>
               <a:prstGeom prst="rect">
                 <a:avLst/>
@@ -4246,10 +8319,10 @@
                         </m:sSubPr>
                         <m:e>
                           <m:r>
-                            <a:rPr lang="en-US" b="0" i="1" smtClean="0">
-                              <a:latin typeface="Cambria Math" panose="02040503050406030204" pitchFamily="18" charset="0"/>
-                            </a:rPr>
-                            <m:t>𝑥</m:t>
+                            <a:rPr lang="en-US" b="1" i="0" smtClean="0">
+                              <a:latin typeface="Cambria Math" panose="02040503050406030204" pitchFamily="18" charset="0"/>
+                            </a:rPr>
+                            <m:t>𝐱</m:t>
                           </m:r>
                         </m:e>
                         <m:sub>
@@ -4280,8 +8353,8 @@
             </p:nvSpPr>
             <p:spPr>
               <a:xfrm>
-                <a:off x="834171" y="3392552"/>
-                <a:ext cx="277897" cy="270652"/>
+                <a:off x="1159684" y="1256904"/>
+                <a:ext cx="285847" cy="270652"/>
               </a:xfrm>
               <a:prstGeom prst="rect">
                 <a:avLst/>
@@ -4289,7 +8362,7 @@
               <a:blipFill rotWithShape="0">
                 <a:blip r:embed="rId4"/>
                 <a:stretch>
-                  <a:fillRect l="-15556" r="-6667" b="-15909"/>
+                  <a:fillRect l="-14894" r="-6383" b="-15556"/>
                 </a:stretch>
               </a:blipFill>
             </p:spPr>
@@ -4318,7 +8391,7 @@
             </p:nvSpPr>
             <p:spPr>
               <a:xfrm>
-                <a:off x="3283489" y="3037386"/>
+                <a:off x="2677442" y="2495125"/>
                 <a:ext cx="226152" cy="217817"/>
               </a:xfrm>
               <a:prstGeom prst="rect">
@@ -4391,7 +8464,7 @@
             </p:nvSpPr>
             <p:spPr>
               <a:xfrm>
-                <a:off x="3283489" y="3037386"/>
+                <a:off x="2677442" y="2495125"/>
                 <a:ext cx="226152" cy="217817"/>
               </a:xfrm>
               <a:prstGeom prst="rect">
@@ -4400,7 +8473,7 @@
               <a:blipFill rotWithShape="0">
                 <a:blip r:embed="rId5"/>
                 <a:stretch>
-                  <a:fillRect l="-13514" r="-5405" b="-16667"/>
+                  <a:fillRect l="-10811" r="-5405" b="-16667"/>
                 </a:stretch>
               </a:blipFill>
             </p:spPr>
@@ -4429,7 +8502,7 @@
             </p:nvSpPr>
             <p:spPr>
               <a:xfrm>
-                <a:off x="3232284" y="4867005"/>
+                <a:off x="2626237" y="4324744"/>
                 <a:ext cx="300787" cy="219163"/>
               </a:xfrm>
               <a:prstGeom prst="rect">
@@ -4502,7 +8575,7 @@
             </p:nvSpPr>
             <p:spPr>
               <a:xfrm>
-                <a:off x="3232284" y="4867005"/>
+                <a:off x="2626237" y="4324744"/>
                 <a:ext cx="300787" cy="219163"/>
               </a:xfrm>
               <a:prstGeom prst="rect">
@@ -4511,7 +8584,7 @@
               <a:blipFill rotWithShape="0">
                 <a:blip r:embed="rId6"/>
                 <a:stretch>
-                  <a:fillRect l="-8000" r="-2000" b="-16667"/>
+                  <a:fillRect l="-10204" r="-4082" b="-16667"/>
                 </a:stretch>
               </a:blipFill>
             </p:spPr>
@@ -4538,7 +8611,7 @@
         </p:nvCxnSpPr>
         <p:spPr>
           <a:xfrm>
-            <a:off x="3545509" y="3663586"/>
+            <a:off x="2939462" y="3121325"/>
             <a:ext cx="0" cy="815514"/>
           </a:xfrm>
           <a:prstGeom prst="line">
@@ -4574,7 +8647,7 @@
         </p:nvCxnSpPr>
         <p:spPr>
           <a:xfrm>
-            <a:off x="5095176" y="3313316"/>
+            <a:off x="4489129" y="2771055"/>
             <a:ext cx="0" cy="1273599"/>
           </a:xfrm>
           <a:prstGeom prst="line">
@@ -4610,7 +8683,7 @@
         </p:nvCxnSpPr>
         <p:spPr>
           <a:xfrm>
-            <a:off x="6613731" y="3312987"/>
+            <a:off x="6007684" y="2770726"/>
             <a:ext cx="0" cy="1329902"/>
           </a:xfrm>
           <a:prstGeom prst="line">
@@ -4648,7 +8721,7 @@
             </p:nvSpPr>
             <p:spPr>
               <a:xfrm>
-                <a:off x="8337246" y="2562048"/>
+                <a:off x="7731199" y="2019787"/>
                 <a:ext cx="264175" cy="278218"/>
               </a:xfrm>
               <a:prstGeom prst="rect">
@@ -4721,7 +8794,7 @@
             </p:nvSpPr>
             <p:spPr>
               <a:xfrm>
-                <a:off x="8337246" y="2562048"/>
+                <a:off x="7731199" y="2019787"/>
                 <a:ext cx="264175" cy="278218"/>
               </a:xfrm>
               <a:prstGeom prst="rect">
@@ -4730,7 +8803,7 @@
               <a:blipFill rotWithShape="0">
                 <a:blip r:embed="rId7"/>
                 <a:stretch>
-                  <a:fillRect l="-13953" r="-4651" b="-19565"/>
+                  <a:fillRect l="-13636" r="-4545" b="-19565"/>
                 </a:stretch>
               </a:blipFill>
             </p:spPr>
@@ -4759,7 +8832,7 @@
             </p:nvSpPr>
             <p:spPr>
               <a:xfrm>
-                <a:off x="8318196" y="3385898"/>
+                <a:off x="7712149" y="2843637"/>
                 <a:ext cx="266803" cy="278794"/>
               </a:xfrm>
               <a:prstGeom prst="rect">
@@ -4832,7 +8905,7 @@
             </p:nvSpPr>
             <p:spPr>
               <a:xfrm>
-                <a:off x="8318196" y="3385898"/>
+                <a:off x="7712149" y="2843637"/>
                 <a:ext cx="266803" cy="278794"/>
               </a:xfrm>
               <a:prstGeom prst="rect">
@@ -4841,7 +8914,7 @@
               <a:blipFill rotWithShape="0">
                 <a:blip r:embed="rId8"/>
                 <a:stretch>
-                  <a:fillRect l="-11628" r="-9302" b="-19565"/>
+                  <a:fillRect l="-11364" r="-9091" b="-19565"/>
                 </a:stretch>
               </a:blipFill>
             </p:spPr>
@@ -4870,7 +8943,7 @@
             </p:nvSpPr>
             <p:spPr>
               <a:xfrm>
-                <a:off x="8318196" y="4245706"/>
+                <a:off x="7712149" y="3703445"/>
                 <a:ext cx="266803" cy="280205"/>
               </a:xfrm>
               <a:prstGeom prst="rect">
@@ -4943,7 +9016,7 @@
             </p:nvSpPr>
             <p:spPr>
               <a:xfrm>
-                <a:off x="8318196" y="4245706"/>
+                <a:off x="7712149" y="3703445"/>
                 <a:ext cx="266803" cy="280205"/>
               </a:xfrm>
               <a:prstGeom prst="rect">
@@ -4952,7 +9025,7 @@
               <a:blipFill rotWithShape="0">
                 <a:blip r:embed="rId9"/>
                 <a:stretch>
-                  <a:fillRect l="-11628" r="-9302" b="-19565"/>
+                  <a:fillRect l="-11364" r="-9091" b="-20000"/>
                 </a:stretch>
               </a:blipFill>
             </p:spPr>
@@ -4979,7 +9052,7 @@
         </p:nvSpPr>
         <p:spPr>
           <a:xfrm>
-            <a:off x="1428222" y="322653"/>
+            <a:off x="800910" y="226956"/>
             <a:ext cx="877163" cy="369332"/>
           </a:xfrm>
           <a:prstGeom prst="rect">
@@ -4994,18 +9067,30 @@
           <a:lstStyle/>
           <a:p>
             <a:r>
-              <a:rPr lang="ja-JP" altLang="en-US" dirty="0"/>
+              <a:rPr lang="ja-JP" altLang="en-US" dirty="0">
+                <a:latin typeface="+mn-ea"/>
+                <a:cs typeface="Arial" panose="020B0604020202020204" pitchFamily="34" charset="0"/>
+              </a:rPr>
               <a:t>入</a:t>
             </a:r>
             <a:r>
-              <a:rPr lang="ja-JP" altLang="en-US" dirty="0" smtClean="0"/>
+              <a:rPr lang="ja-JP" altLang="en-US" dirty="0" smtClean="0">
+                <a:latin typeface="+mn-ea"/>
+                <a:cs typeface="Arial" panose="020B0604020202020204" pitchFamily="34" charset="0"/>
+              </a:rPr>
               <a:t>力</a:t>
             </a:r>
             <a:r>
-              <a:rPr lang="ja-JP" altLang="en-US" dirty="0"/>
+              <a:rPr lang="ja-JP" altLang="en-US" dirty="0">
+                <a:latin typeface="+mn-ea"/>
+                <a:cs typeface="Arial" panose="020B0604020202020204" pitchFamily="34" charset="0"/>
+              </a:rPr>
               <a:t>層</a:t>
             </a:r>
-            <a:endParaRPr lang="en-US" dirty="0"/>
+            <a:endParaRPr lang="en-US" dirty="0">
+              <a:latin typeface="+mn-ea"/>
+              <a:cs typeface="Arial" panose="020B0604020202020204" pitchFamily="34" charset="0"/>
+            </a:endParaRPr>
           </a:p>
         </p:txBody>
       </p:sp>
@@ -5019,7 +9104,7 @@
             </p:nvSpPr>
             <p:spPr>
               <a:xfrm>
-                <a:off x="3610328" y="2220570"/>
+                <a:off x="3004281" y="1678309"/>
                 <a:ext cx="214354" cy="217432"/>
               </a:xfrm>
               <a:prstGeom prst="rect">
@@ -5092,7 +9177,7 @@
             </p:nvSpPr>
             <p:spPr>
               <a:xfrm>
-                <a:off x="3610328" y="2220570"/>
+                <a:off x="3004281" y="1678309"/>
                 <a:ext cx="214354" cy="217432"/>
               </a:xfrm>
               <a:prstGeom prst="rect">
@@ -5101,7 +9186,7 @@
               <a:blipFill rotWithShape="0">
                 <a:blip r:embed="rId10"/>
                 <a:stretch>
-                  <a:fillRect l="-11429" r="-5714" b="-16667"/>
+                  <a:fillRect l="-14286" r="-5714" b="-16667"/>
                 </a:stretch>
               </a:blipFill>
             </p:spPr>
@@ -5130,7 +9215,7 @@
             </p:nvSpPr>
             <p:spPr>
               <a:xfrm>
-                <a:off x="3620952" y="3026822"/>
+                <a:off x="3014905" y="2484561"/>
                 <a:ext cx="214353" cy="217817"/>
               </a:xfrm>
               <a:prstGeom prst="rect">
@@ -5203,7 +9288,7 @@
             </p:nvSpPr>
             <p:spPr>
               <a:xfrm>
-                <a:off x="3620952" y="3026822"/>
+                <a:off x="3014905" y="2484561"/>
                 <a:ext cx="214353" cy="217817"/>
               </a:xfrm>
               <a:prstGeom prst="rect">
@@ -5241,7 +9326,7 @@
             </p:nvSpPr>
             <p:spPr>
               <a:xfrm>
-                <a:off x="3545509" y="4875806"/>
+                <a:off x="2939462" y="4333545"/>
                 <a:ext cx="280398" cy="219163"/>
               </a:xfrm>
               <a:prstGeom prst="rect">
@@ -5314,7 +9399,7 @@
             </p:nvSpPr>
             <p:spPr>
               <a:xfrm>
-                <a:off x="3545509" y="4875806"/>
+                <a:off x="2939462" y="4333545"/>
                 <a:ext cx="280398" cy="219163"/>
               </a:xfrm>
               <a:prstGeom prst="rect">
@@ -5323,7 +9408,7 @@
               <a:blipFill rotWithShape="0">
                 <a:blip r:embed="rId12"/>
                 <a:stretch>
-                  <a:fillRect l="-10870" r="-2174" b="-16667"/>
+                  <a:fillRect l="-8696" r="-2174" b="-16667"/>
                 </a:stretch>
               </a:blipFill>
             </p:spPr>
@@ -5350,7 +9435,7 @@
         </p:nvGrpSpPr>
         <p:grpSpPr>
           <a:xfrm>
-            <a:off x="4759808" y="4828181"/>
+            <a:off x="4153761" y="4285920"/>
             <a:ext cx="651329" cy="651329"/>
             <a:chOff x="5976257" y="2460171"/>
             <a:chExt cx="2590800" cy="2590800"/>
@@ -5443,8 +9528,8 @@
           </p:style>
         </p:cxnSp>
       </p:grpSp>
-      <mc:AlternateContent xmlns:mc="http://schemas.openxmlformats.org/markup-compatibility/2006" xmlns:a14="http://schemas.microsoft.com/office/drawing/2010/main">
-        <mc:Choice Requires="a14">
+      <mc:AlternateContent xmlns:mc="http://schemas.openxmlformats.org/markup-compatibility/2006">
+        <mc:Choice xmlns:a14="http://schemas.microsoft.com/office/drawing/2010/main" Requires="a14">
           <p:sp>
             <p:nvSpPr>
               <p:cNvPr id="102" name="TextBox 101"/>
@@ -5453,8 +9538,8 @@
             </p:nvSpPr>
             <p:spPr>
               <a:xfrm>
-                <a:off x="4784685" y="5044263"/>
-                <a:ext cx="300787" cy="219612"/>
+                <a:off x="4136106" y="4502002"/>
+                <a:ext cx="371961" cy="219740"/>
               </a:xfrm>
               <a:prstGeom prst="rect">
                 <a:avLst/>
@@ -5495,7 +9580,7 @@
                             <a:rPr lang="en-US" sz="1400" b="0" i="1" smtClean="0">
                               <a:latin typeface="Cambria Math" panose="02040503050406030204" pitchFamily="18" charset="0"/>
                             </a:rPr>
-                            <m:t>64</m:t>
+                            <m:t>128</m:t>
                           </m:r>
                         </m:sub>
                         <m:sup>
@@ -5515,7 +9600,7 @@
             </p:txBody>
           </p:sp>
         </mc:Choice>
-        <mc:Fallback xmlns="">
+        <mc:Fallback>
           <p:sp>
             <p:nvSpPr>
               <p:cNvPr id="102" name="TextBox 101"/>
@@ -5526,8 +9611,8 @@
             </p:nvSpPr>
             <p:spPr>
               <a:xfrm>
-                <a:off x="4784685" y="5044263"/>
-                <a:ext cx="300787" cy="219612"/>
+                <a:off x="4136106" y="4502002"/>
+                <a:ext cx="371961" cy="219740"/>
               </a:xfrm>
               <a:prstGeom prst="rect">
                 <a:avLst/>
@@ -5535,7 +9620,7 @@
               <a:blipFill rotWithShape="0">
                 <a:blip r:embed="rId13"/>
                 <a:stretch>
-                  <a:fillRect l="-10204" r="-4082" b="-16667"/>
+                  <a:fillRect l="-4839" r="-1613" b="-16667"/>
                 </a:stretch>
               </a:blipFill>
             </p:spPr>
@@ -5564,7 +9649,7 @@
             </p:nvSpPr>
             <p:spPr>
               <a:xfrm>
-                <a:off x="5097910" y="5034014"/>
+                <a:off x="4491863" y="4491753"/>
                 <a:ext cx="351570" cy="219740"/>
               </a:xfrm>
               <a:prstGeom prst="rect">
@@ -5637,7 +9722,7 @@
             </p:nvSpPr>
             <p:spPr>
               <a:xfrm>
-                <a:off x="5097910" y="5034014"/>
+                <a:off x="4491863" y="4491753"/>
                 <a:ext cx="351570" cy="219740"/>
               </a:xfrm>
               <a:prstGeom prst="rect">
@@ -5646,7 +9731,7 @@
               <a:blipFill rotWithShape="0">
                 <a:blip r:embed="rId14"/>
                 <a:stretch>
-                  <a:fillRect l="-6897" r="-1724" b="-16667"/>
+                  <a:fillRect l="-8621" r="-1724" b="-16667"/>
                 </a:stretch>
               </a:blipFill>
             </p:spPr>
@@ -5673,7 +9758,7 @@
         </p:nvGrpSpPr>
         <p:grpSpPr>
           <a:xfrm>
-            <a:off x="6289183" y="4808313"/>
+            <a:off x="5683136" y="4266052"/>
             <a:ext cx="651329" cy="651329"/>
             <a:chOff x="5976257" y="2460171"/>
             <a:chExt cx="2590800" cy="2590800"/>
@@ -5766,8 +9851,8 @@
           </p:style>
         </p:cxnSp>
       </p:grpSp>
-      <mc:AlternateContent xmlns:mc="http://schemas.openxmlformats.org/markup-compatibility/2006" xmlns:a14="http://schemas.microsoft.com/office/drawing/2010/main">
-        <mc:Choice Requires="a14">
+      <mc:AlternateContent xmlns:mc="http://schemas.openxmlformats.org/markup-compatibility/2006">
+        <mc:Choice xmlns:a14="http://schemas.microsoft.com/office/drawing/2010/main" Requires="a14">
           <p:sp>
             <p:nvSpPr>
               <p:cNvPr id="107" name="TextBox 106"/>
@@ -5776,8 +9861,8 @@
             </p:nvSpPr>
             <p:spPr>
               <a:xfrm>
-                <a:off x="6314060" y="5024395"/>
-                <a:ext cx="300787" cy="220701"/>
+                <a:off x="5665481" y="4492767"/>
+                <a:ext cx="371961" cy="220830"/>
               </a:xfrm>
               <a:prstGeom prst="rect">
                 <a:avLst/>
@@ -5818,7 +9903,7 @@
                             <a:rPr lang="en-US" sz="1400" b="0" i="1" smtClean="0">
                               <a:latin typeface="Cambria Math" panose="02040503050406030204" pitchFamily="18" charset="0"/>
                             </a:rPr>
-                            <m:t>64</m:t>
+                            <m:t>128</m:t>
                           </m:r>
                         </m:sub>
                         <m:sup>
@@ -5838,7 +9923,7 @@
             </p:txBody>
           </p:sp>
         </mc:Choice>
-        <mc:Fallback xmlns="">
+        <mc:Fallback>
           <p:sp>
             <p:nvSpPr>
               <p:cNvPr id="107" name="TextBox 106"/>
@@ -5849,8 +9934,8 @@
             </p:nvSpPr>
             <p:spPr>
               <a:xfrm>
-                <a:off x="6314060" y="5024395"/>
-                <a:ext cx="300787" cy="220701"/>
+                <a:off x="5665481" y="4492767"/>
+                <a:ext cx="371961" cy="220830"/>
               </a:xfrm>
               <a:prstGeom prst="rect">
                 <a:avLst/>
@@ -5858,7 +9943,7 @@
               <a:blipFill rotWithShape="0">
                 <a:blip r:embed="rId15"/>
                 <a:stretch>
-                  <a:fillRect l="-10204" r="-4082" b="-16667"/>
+                  <a:fillRect l="-4918" r="-3279" b="-16667"/>
                 </a:stretch>
               </a:blipFill>
             </p:spPr>
@@ -5887,7 +9972,7 @@
             </p:nvSpPr>
             <p:spPr>
               <a:xfrm>
-                <a:off x="6637872" y="5021975"/>
+                <a:off x="6031825" y="4479714"/>
                 <a:ext cx="351570" cy="220830"/>
               </a:xfrm>
               <a:prstGeom prst="rect">
@@ -5960,7 +10045,7 @@
             </p:nvSpPr>
             <p:spPr>
               <a:xfrm>
-                <a:off x="6637872" y="5021975"/>
+                <a:off x="6031825" y="4479714"/>
                 <a:ext cx="351570" cy="220830"/>
               </a:xfrm>
               <a:prstGeom prst="rect">
@@ -5969,7 +10054,7 @@
               <a:blipFill rotWithShape="0">
                 <a:blip r:embed="rId16"/>
                 <a:stretch>
-                  <a:fillRect l="-8621" r="-1724" b="-16667"/>
+                  <a:fillRect l="-6897" r="-1724" b="-16667"/>
                 </a:stretch>
               </a:blipFill>
             </p:spPr>
@@ -5998,7 +10083,7 @@
             </p:nvSpPr>
             <p:spPr>
               <a:xfrm>
-                <a:off x="7998762" y="4293514"/>
+                <a:off x="7392715" y="3751253"/>
                 <a:ext cx="229999" cy="218458"/>
               </a:xfrm>
               <a:prstGeom prst="rect">
@@ -6071,7 +10156,7 @@
             </p:nvSpPr>
             <p:spPr>
               <a:xfrm>
-                <a:off x="7998762" y="4293514"/>
+                <a:off x="7392715" y="3751253"/>
                 <a:ext cx="229999" cy="218458"/>
               </a:xfrm>
               <a:prstGeom prst="rect">
@@ -6080,7 +10165,7 @@
               <a:blipFill rotWithShape="0">
                 <a:blip r:embed="rId17"/>
                 <a:stretch>
-                  <a:fillRect l="-10526" r="-5263" b="-16667"/>
+                  <a:fillRect l="-13514" r="-8108" b="-16667"/>
                 </a:stretch>
               </a:blipFill>
             </p:spPr>
@@ -6109,7 +10194,7 @@
             </p:nvSpPr>
             <p:spPr>
               <a:xfrm>
-                <a:off x="7998761" y="3452348"/>
+                <a:off x="7392714" y="2910087"/>
                 <a:ext cx="229999" cy="217367"/>
               </a:xfrm>
               <a:prstGeom prst="rect">
@@ -6182,7 +10267,7 @@
             </p:nvSpPr>
             <p:spPr>
               <a:xfrm>
-                <a:off x="7998761" y="3452348"/>
+                <a:off x="7392714" y="2910087"/>
                 <a:ext cx="229999" cy="217367"/>
               </a:xfrm>
               <a:prstGeom prst="rect">
@@ -6191,7 +10276,7 @@
               <a:blipFill rotWithShape="0">
                 <a:blip r:embed="rId18"/>
                 <a:stretch>
-                  <a:fillRect l="-10526" r="-5263" b="-16667"/>
+                  <a:fillRect l="-13514" r="-8108" b="-16667"/>
                 </a:stretch>
               </a:blipFill>
             </p:spPr>
@@ -6220,7 +10305,7 @@
             </p:nvSpPr>
             <p:spPr>
               <a:xfrm>
-                <a:off x="8009818" y="2600302"/>
+                <a:off x="7403771" y="2058041"/>
                 <a:ext cx="229999" cy="216982"/>
               </a:xfrm>
               <a:prstGeom prst="rect">
@@ -6293,7 +10378,7 @@
             </p:nvSpPr>
             <p:spPr>
               <a:xfrm>
-                <a:off x="8009818" y="2600302"/>
+                <a:off x="7403771" y="2058041"/>
                 <a:ext cx="229999" cy="216982"/>
               </a:xfrm>
               <a:prstGeom prst="rect">
@@ -6302,7 +10387,7 @@
               <a:blipFill rotWithShape="0">
                 <a:blip r:embed="rId19"/>
                 <a:stretch>
-                  <a:fillRect l="-13158" r="-5263" b="-20000"/>
+                  <a:fillRect l="-13514" r="-8108" b="-20000"/>
                 </a:stretch>
               </a:blipFill>
             </p:spPr>
@@ -6331,7 +10416,7 @@
             </p:nvSpPr>
             <p:spPr>
               <a:xfrm>
-                <a:off x="4834509" y="1804133"/>
+                <a:off x="4228462" y="1261872"/>
                 <a:ext cx="229998" cy="217880"/>
               </a:xfrm>
               <a:prstGeom prst="rect">
@@ -6404,7 +10489,7 @@
             </p:nvSpPr>
             <p:spPr>
               <a:xfrm>
-                <a:off x="4834509" y="1804133"/>
+                <a:off x="4228462" y="1261872"/>
                 <a:ext cx="229998" cy="217880"/>
               </a:xfrm>
               <a:prstGeom prst="rect">
@@ -6413,7 +10498,7 @@
               <a:blipFill rotWithShape="0">
                 <a:blip r:embed="rId20"/>
                 <a:stretch>
-                  <a:fillRect l="-10526" r="-5263" b="-16667"/>
+                  <a:fillRect l="-13514" r="-8108" b="-16667"/>
                 </a:stretch>
               </a:blipFill>
             </p:spPr>
@@ -6442,7 +10527,7 @@
             </p:nvSpPr>
             <p:spPr>
               <a:xfrm>
-                <a:off x="5169562" y="1804133"/>
+                <a:off x="4563515" y="1261872"/>
                 <a:ext cx="218200" cy="217880"/>
               </a:xfrm>
               <a:prstGeom prst="rect">
@@ -6515,7 +10600,7 @@
             </p:nvSpPr>
             <p:spPr>
               <a:xfrm>
-                <a:off x="5169562" y="1804133"/>
+                <a:off x="4563515" y="1261872"/>
                 <a:ext cx="218200" cy="217880"/>
               </a:xfrm>
               <a:prstGeom prst="rect">
@@ -6524,7 +10609,7 @@
               <a:blipFill rotWithShape="0">
                 <a:blip r:embed="rId21"/>
                 <a:stretch>
-                  <a:fillRect l="-11111" r="-2778" b="-16667"/>
+                  <a:fillRect l="-14286" r="-5714" b="-16667"/>
                 </a:stretch>
               </a:blipFill>
             </p:spPr>
@@ -6553,7 +10638,7 @@
             </p:nvSpPr>
             <p:spPr>
               <a:xfrm>
-                <a:off x="4830128" y="2647439"/>
+                <a:off x="4224081" y="2105178"/>
                 <a:ext cx="229999" cy="218265"/>
               </a:xfrm>
               <a:prstGeom prst="rect">
@@ -6626,7 +10711,7 @@
             </p:nvSpPr>
             <p:spPr>
               <a:xfrm>
-                <a:off x="4830128" y="2647439"/>
+                <a:off x="4224081" y="2105178"/>
                 <a:ext cx="229999" cy="218265"/>
               </a:xfrm>
               <a:prstGeom prst="rect">
@@ -6635,7 +10720,7 @@
               <a:blipFill rotWithShape="0">
                 <a:blip r:embed="rId22"/>
                 <a:stretch>
-                  <a:fillRect l="-10526" r="-5263" b="-16667"/>
+                  <a:fillRect l="-13158" r="-5263" b="-16667"/>
                 </a:stretch>
               </a:blipFill>
             </p:spPr>
@@ -6664,7 +10749,7 @@
             </p:nvSpPr>
             <p:spPr>
               <a:xfrm>
-                <a:off x="5165181" y="2647439"/>
+                <a:off x="4559134" y="2105178"/>
                 <a:ext cx="218200" cy="218265"/>
               </a:xfrm>
               <a:prstGeom prst="rect">
@@ -6737,7 +10822,7 @@
             </p:nvSpPr>
             <p:spPr>
               <a:xfrm>
-                <a:off x="5165181" y="2647439"/>
+                <a:off x="4559134" y="2105178"/>
                 <a:ext cx="218200" cy="218265"/>
               </a:xfrm>
               <a:prstGeom prst="rect">
@@ -6746,7 +10831,7 @@
               <a:blipFill rotWithShape="0">
                 <a:blip r:embed="rId23"/>
                 <a:stretch>
-                  <a:fillRect l="-11111" r="-2778" b="-16667"/>
+                  <a:fillRect l="-13889" r="-2778" b="-16667"/>
                 </a:stretch>
               </a:blipFill>
             </p:spPr>
@@ -6775,7 +10860,7 @@
             </p:nvSpPr>
             <p:spPr>
               <a:xfrm>
-                <a:off x="6345115" y="1810580"/>
+                <a:off x="5739068" y="1268319"/>
                 <a:ext cx="229998" cy="218906"/>
               </a:xfrm>
               <a:prstGeom prst="rect">
@@ -6848,7 +10933,7 @@
             </p:nvSpPr>
             <p:spPr>
               <a:xfrm>
-                <a:off x="6345115" y="1810580"/>
+                <a:off x="5739068" y="1268319"/>
                 <a:ext cx="229998" cy="218906"/>
               </a:xfrm>
               <a:prstGeom prst="rect">
@@ -6857,7 +10942,7 @@
               <a:blipFill rotWithShape="0">
                 <a:blip r:embed="rId24"/>
                 <a:stretch>
-                  <a:fillRect l="-13158" r="-5263" b="-16667"/>
+                  <a:fillRect l="-10526" r="-5263" b="-16667"/>
                 </a:stretch>
               </a:blipFill>
             </p:spPr>
@@ -6886,7 +10971,7 @@
             </p:nvSpPr>
             <p:spPr>
               <a:xfrm>
-                <a:off x="6680168" y="1810580"/>
+                <a:off x="6074121" y="1268319"/>
                 <a:ext cx="218200" cy="218906"/>
               </a:xfrm>
               <a:prstGeom prst="rect">
@@ -6959,7 +11044,7 @@
             </p:nvSpPr>
             <p:spPr>
               <a:xfrm>
-                <a:off x="6680168" y="1810580"/>
+                <a:off x="6074121" y="1268319"/>
                 <a:ext cx="218200" cy="218906"/>
               </a:xfrm>
               <a:prstGeom prst="rect">
@@ -6968,7 +11053,7 @@
               <a:blipFill rotWithShape="0">
                 <a:blip r:embed="rId25"/>
                 <a:stretch>
-                  <a:fillRect l="-13889" r="-2778" b="-16667"/>
+                  <a:fillRect l="-11111" r="-2778" b="-16667"/>
                 </a:stretch>
               </a:blipFill>
             </p:spPr>
@@ -6997,7 +11082,7 @@
             </p:nvSpPr>
             <p:spPr>
               <a:xfrm>
-                <a:off x="6346471" y="2628653"/>
+                <a:off x="5740424" y="2086392"/>
                 <a:ext cx="229999" cy="219355"/>
               </a:xfrm>
               <a:prstGeom prst="rect">
@@ -7070,7 +11155,7 @@
             </p:nvSpPr>
             <p:spPr>
               <a:xfrm>
-                <a:off x="6346471" y="2628653"/>
+                <a:off x="5740424" y="2086392"/>
                 <a:ext cx="229999" cy="219355"/>
               </a:xfrm>
               <a:prstGeom prst="rect">
@@ -7079,7 +11164,7 @@
               <a:blipFill rotWithShape="0">
                 <a:blip r:embed="rId26"/>
                 <a:stretch>
-                  <a:fillRect l="-10526" r="-5263" b="-16667"/>
+                  <a:fillRect l="-13514" r="-8108" b="-16667"/>
                 </a:stretch>
               </a:blipFill>
             </p:spPr>
@@ -7108,7 +11193,7 @@
             </p:nvSpPr>
             <p:spPr>
               <a:xfrm>
-                <a:off x="6681524" y="2628653"/>
+                <a:off x="6075477" y="2086392"/>
                 <a:ext cx="218200" cy="219355"/>
               </a:xfrm>
               <a:prstGeom prst="rect">
@@ -7181,7 +11266,7 @@
             </p:nvSpPr>
             <p:spPr>
               <a:xfrm>
-                <a:off x="6681524" y="2628653"/>
+                <a:off x="6075477" y="2086392"/>
                 <a:ext cx="218200" cy="219355"/>
               </a:xfrm>
               <a:prstGeom prst="rect">
@@ -7190,7 +11275,7 @@
               <a:blipFill rotWithShape="0">
                 <a:blip r:embed="rId27"/>
                 <a:stretch>
-                  <a:fillRect l="-11111" r="-2778" b="-16667"/>
+                  <a:fillRect l="-14286" r="-5714" b="-16667"/>
                 </a:stretch>
               </a:blipFill>
             </p:spPr>
@@ -7219,8 +11304,8 @@
             </p:nvSpPr>
             <p:spPr>
               <a:xfrm>
-                <a:off x="9208340" y="1909443"/>
-                <a:ext cx="266291" cy="272767"/>
+                <a:off x="8602293" y="1367182"/>
+                <a:ext cx="273729" cy="272767"/>
               </a:xfrm>
               <a:prstGeom prst="rect">
                 <a:avLst/>
@@ -7250,10 +11335,10 @@
                         </m:sSubSupPr>
                         <m:e>
                           <m:r>
-                            <a:rPr lang="en-US" b="0" i="1" smtClean="0">
-                              <a:latin typeface="Cambria Math" panose="02040503050406030204" pitchFamily="18" charset="0"/>
-                            </a:rPr>
-                            <m:t>𝑦</m:t>
+                            <a:rPr lang="en-US" b="1" i="0" smtClean="0">
+                              <a:latin typeface="Cambria Math" panose="02040503050406030204" pitchFamily="18" charset="0"/>
+                            </a:rPr>
+                            <m:t>𝐲</m:t>
                           </m:r>
                         </m:e>
                         <m:sub>
@@ -7292,8 +11377,8 @@
             </p:nvSpPr>
             <p:spPr>
               <a:xfrm>
-                <a:off x="9208340" y="1909443"/>
-                <a:ext cx="266291" cy="272767"/>
+                <a:off x="8602293" y="1367182"/>
+                <a:ext cx="273729" cy="272767"/>
               </a:xfrm>
               <a:prstGeom prst="rect">
                 <a:avLst/>
@@ -7301,7 +11386,7 @@
               <a:blipFill rotWithShape="0">
                 <a:blip r:embed="rId28"/>
                 <a:stretch>
-                  <a:fillRect l="-25581" r="-9302" b="-28889"/>
+                  <a:fillRect l="-24444" r="-6667" b="-28889"/>
                 </a:stretch>
               </a:blipFill>
             </p:spPr>
@@ -7330,7 +11415,7 @@
             </p:nvSpPr>
             <p:spPr>
               <a:xfrm>
-                <a:off x="10310866" y="2508330"/>
+                <a:off x="9704819" y="1966069"/>
                 <a:ext cx="287964" cy="278218"/>
               </a:xfrm>
               <a:prstGeom prst="rect">
@@ -7403,7 +11488,7 @@
             </p:nvSpPr>
             <p:spPr>
               <a:xfrm>
-                <a:off x="10310866" y="2508330"/>
+                <a:off x="9704819" y="1966069"/>
                 <a:ext cx="287964" cy="278218"/>
               </a:xfrm>
               <a:prstGeom prst="rect">
@@ -7412,7 +11497,7 @@
               <a:blipFill rotWithShape="0">
                 <a:blip r:embed="rId29"/>
                 <a:stretch>
-                  <a:fillRect l="-20833" r="-6250" b="-19565"/>
+                  <a:fillRect l="-21277" r="-6383" b="-20000"/>
                 </a:stretch>
               </a:blipFill>
             </p:spPr>
@@ -7441,7 +11526,7 @@
             </p:nvSpPr>
             <p:spPr>
               <a:xfrm>
-                <a:off x="10291816" y="3332180"/>
+                <a:off x="9685769" y="2789919"/>
                 <a:ext cx="293285" cy="278794"/>
               </a:xfrm>
               <a:prstGeom prst="rect">
@@ -7514,7 +11599,7 @@
             </p:nvSpPr>
             <p:spPr>
               <a:xfrm>
-                <a:off x="10291816" y="3332180"/>
+                <a:off x="9685769" y="2789919"/>
                 <a:ext cx="293285" cy="278794"/>
               </a:xfrm>
               <a:prstGeom prst="rect">
@@ -7523,7 +11608,7 @@
               <a:blipFill rotWithShape="0">
                 <a:blip r:embed="rId30"/>
                 <a:stretch>
-                  <a:fillRect l="-20833" r="-8333" b="-20000"/>
+                  <a:fillRect l="-20833" r="-6250" b="-20000"/>
                 </a:stretch>
               </a:blipFill>
             </p:spPr>
@@ -7552,7 +11637,7 @@
             </p:nvSpPr>
             <p:spPr>
               <a:xfrm>
-                <a:off x="10291816" y="4191988"/>
+                <a:off x="9685769" y="3649727"/>
                 <a:ext cx="293285" cy="280205"/>
               </a:xfrm>
               <a:prstGeom prst="rect">
@@ -7625,7 +11710,7 @@
             </p:nvSpPr>
             <p:spPr>
               <a:xfrm>
-                <a:off x="10291816" y="4191988"/>
+                <a:off x="9685769" y="3649727"/>
                 <a:ext cx="293285" cy="280205"/>
               </a:xfrm>
               <a:prstGeom prst="rect">
@@ -7634,7 +11719,7 @@
               <a:blipFill rotWithShape="0">
                 <a:blip r:embed="rId31"/>
                 <a:stretch>
-                  <a:fillRect l="-20833" r="-8333" b="-17391"/>
+                  <a:fillRect l="-20833" r="-6250" b="-17391"/>
                 </a:stretch>
               </a:blipFill>
             </p:spPr>
@@ -7661,7 +11746,7 @@
         </p:nvSpPr>
         <p:spPr>
           <a:xfrm>
-            <a:off x="7814028" y="322653"/>
+            <a:off x="7186716" y="226956"/>
             <a:ext cx="877163" cy="369332"/>
           </a:xfrm>
           <a:prstGeom prst="rect">
@@ -7676,14 +11761,20 @@
           <a:lstStyle/>
           <a:p>
             <a:r>
-              <a:rPr lang="ja-JP" altLang="en-US" dirty="0"/>
+              <a:rPr lang="ja-JP" altLang="en-US" dirty="0">
+                <a:latin typeface="+mn-ea"/>
+              </a:rPr>
               <a:t>出力</a:t>
             </a:r>
             <a:r>
-              <a:rPr lang="ja-JP" altLang="en-US" dirty="0" smtClean="0"/>
+              <a:rPr lang="ja-JP" altLang="en-US" dirty="0" smtClean="0">
+                <a:latin typeface="+mn-ea"/>
+              </a:rPr>
               <a:t>層</a:t>
             </a:r>
-            <a:endParaRPr lang="en-US" dirty="0"/>
+            <a:endParaRPr lang="en-US" dirty="0">
+              <a:latin typeface="+mn-ea"/>
+            </a:endParaRPr>
           </a:p>
         </p:txBody>
       </p:sp>
@@ -7695,12 +11786,17 @@
         </p:nvSpPr>
         <p:spPr>
           <a:xfrm rot="16200000">
-            <a:off x="2645686" y="4900920"/>
+            <a:off x="2039639" y="4358659"/>
             <a:ext cx="88446" cy="1623039"/>
           </a:xfrm>
           <a:prstGeom prst="leftBrace">
             <a:avLst/>
           </a:prstGeom>
+          <a:ln>
+            <a:solidFill>
+              <a:schemeClr val="tx1"/>
+            </a:solidFill>
+          </a:ln>
         </p:spPr>
         <p:style>
           <a:lnRef idx="1">
@@ -7733,12 +11829,17 @@
         </p:nvSpPr>
         <p:spPr>
           <a:xfrm rot="16200000">
-            <a:off x="4300147" y="4989024"/>
+            <a:off x="3694100" y="4446763"/>
             <a:ext cx="64610" cy="1422996"/>
           </a:xfrm>
           <a:prstGeom prst="leftBrace">
             <a:avLst/>
           </a:prstGeom>
+          <a:ln>
+            <a:solidFill>
+              <a:schemeClr val="tx1"/>
+            </a:solidFill>
+          </a:ln>
         </p:spPr>
         <p:style>
           <a:lnRef idx="1">
@@ -7771,12 +11872,17 @@
         </p:nvSpPr>
         <p:spPr>
           <a:xfrm rot="16200000">
-            <a:off x="5842668" y="4980396"/>
+            <a:off x="5236621" y="4438135"/>
             <a:ext cx="64610" cy="1422996"/>
           </a:xfrm>
           <a:prstGeom prst="leftBrace">
             <a:avLst/>
           </a:prstGeom>
+          <a:ln>
+            <a:solidFill>
+              <a:schemeClr val="tx1"/>
+            </a:solidFill>
+          </a:ln>
         </p:spPr>
         <p:style>
           <a:lnRef idx="1">
@@ -7809,12 +11915,17 @@
         </p:nvSpPr>
         <p:spPr>
           <a:xfrm rot="16200000">
-            <a:off x="7396120" y="4989024"/>
+            <a:off x="6790073" y="4446763"/>
             <a:ext cx="64610" cy="1422996"/>
           </a:xfrm>
           <a:prstGeom prst="leftBrace">
             <a:avLst/>
           </a:prstGeom>
+          <a:ln>
+            <a:solidFill>
+              <a:schemeClr val="tx1"/>
+            </a:solidFill>
+          </a:ln>
         </p:spPr>
         <p:style>
           <a:lnRef idx="1">
@@ -7849,109 +11960,8 @@
             </p:nvSpPr>
             <p:spPr>
               <a:xfrm>
-                <a:off x="2244689" y="5866490"/>
-                <a:ext cx="394147" cy="276999"/>
-              </a:xfrm>
-              <a:prstGeom prst="rect">
-                <a:avLst/>
-              </a:prstGeom>
-              <a:noFill/>
-            </p:spPr>
-            <p:txBody>
-              <a:bodyPr wrap="none" lIns="0" tIns="0" rIns="0" bIns="0" rtlCol="0">
-                <a:spAutoFit/>
-              </a:bodyPr>
-              <a:lstStyle/>
-              <a:p>
-                <a14:m>
-                  <m:oMath xmlns:m="http://schemas.openxmlformats.org/officeDocument/2006/math">
-                    <m:sSup>
-                      <m:sSupPr>
-                        <m:ctrlPr>
-                          <a:rPr lang="en-US" b="0" i="1" smtClean="0">
-                            <a:latin typeface="Cambria Math" panose="02040503050406030204" pitchFamily="18" charset="0"/>
-                          </a:rPr>
-                        </m:ctrlPr>
-                      </m:sSupPr>
-                      <m:e>
-                        <m:r>
-                          <a:rPr lang="en-US" b="0" i="1" smtClean="0">
-                            <a:latin typeface="Cambria Math" panose="02040503050406030204" pitchFamily="18" charset="0"/>
-                          </a:rPr>
-                          <m:t>𝑊</m:t>
-                        </m:r>
-                      </m:e>
-                      <m:sup>
-                        <m:r>
-                          <a:rPr lang="en-US" b="0" i="1" smtClean="0">
-                            <a:latin typeface="Cambria Math" panose="02040503050406030204" pitchFamily="18" charset="0"/>
-                          </a:rPr>
-                          <m:t>1</m:t>
-                        </m:r>
-                      </m:sup>
-                    </m:sSup>
-                  </m:oMath>
-                </a14:m>
-                <a:r>
-                  <a:rPr lang="en-US" dirty="0" smtClean="0"/>
-                  <a:t>,</a:t>
-                </a:r>
-                <a:endParaRPr lang="en-US" dirty="0"/>
-              </a:p>
-            </p:txBody>
-          </p:sp>
-        </mc:Choice>
-        <mc:Fallback xmlns="">
-          <p:sp>
-            <p:nvSpPr>
-              <p:cNvPr id="135" name="TextBox 134"/>
-              <p:cNvSpPr txBox="1">
-                <a:spLocks noRot="1" noChangeAspect="1" noMove="1" noResize="1" noEditPoints="1" noAdjustHandles="1" noChangeArrowheads="1" noChangeShapeType="1" noTextEdit="1"/>
-              </p:cNvSpPr>
-              <p:nvPr/>
-            </p:nvSpPr>
-            <p:spPr>
-              <a:xfrm>
-                <a:off x="2244689" y="5866490"/>
-                <a:ext cx="394147" cy="276999"/>
-              </a:xfrm>
-              <a:prstGeom prst="rect">
-                <a:avLst/>
-              </a:prstGeom>
-              <a:blipFill rotWithShape="0">
-                <a:blip r:embed="rId32"/>
-                <a:stretch>
-                  <a:fillRect l="-20000" t="-28261" r="-35385" b="-50000"/>
-                </a:stretch>
-              </a:blipFill>
-            </p:spPr>
-            <p:txBody>
-              <a:bodyPr/>
-              <a:lstStyle/>
-              <a:p>
-                <a:r>
-                  <a:rPr lang="en-US">
-                    <a:noFill/>
-                  </a:rPr>
-                  <a:t> </a:t>
-                </a:r>
-              </a:p>
-            </p:txBody>
-          </p:sp>
-        </mc:Fallback>
-      </mc:AlternateContent>
-      <mc:AlternateContent xmlns:mc="http://schemas.openxmlformats.org/markup-compatibility/2006" xmlns:a14="http://schemas.microsoft.com/office/drawing/2010/main">
-        <mc:Choice Requires="a14">
-          <p:sp>
-            <p:nvSpPr>
-              <p:cNvPr id="137" name="TextBox 136"/>
-              <p:cNvSpPr txBox="1"/>
-              <p:nvPr/>
-            </p:nvSpPr>
-            <p:spPr>
-              <a:xfrm>
-                <a:off x="2806508" y="5862134"/>
-                <a:ext cx="287643" cy="276999"/>
+                <a:off x="1722865" y="5324229"/>
+                <a:ext cx="721993" cy="276999"/>
               </a:xfrm>
               <a:prstGeom prst="rect">
                 <a:avLst/>
@@ -7981,10 +11991,41 @@
                         </m:sSupPr>
                         <m:e>
                           <m:r>
+                            <a:rPr lang="en-US" b="1" i="0" smtClean="0">
+                              <a:latin typeface="Cambria Math" panose="02040503050406030204" pitchFamily="18" charset="0"/>
+                            </a:rPr>
+                            <m:t>𝐖</m:t>
+                          </m:r>
+                        </m:e>
+                        <m:sup>
+                          <m:r>
                             <a:rPr lang="en-US" b="0" i="1" smtClean="0">
                               <a:latin typeface="Cambria Math" panose="02040503050406030204" pitchFamily="18" charset="0"/>
                             </a:rPr>
-                            <m:t>𝑏</m:t>
+                            <m:t>1</m:t>
+                          </m:r>
+                        </m:sup>
+                      </m:sSup>
+                      <m:r>
+                        <a:rPr lang="en-US" b="0" i="1" smtClean="0">
+                          <a:latin typeface="Cambria Math" panose="02040503050406030204" pitchFamily="18" charset="0"/>
+                        </a:rPr>
+                        <m:t>, </m:t>
+                      </m:r>
+                      <m:sSup>
+                        <m:sSupPr>
+                          <m:ctrlPr>
+                            <a:rPr lang="en-US" b="0" i="1" smtClean="0">
+                              <a:latin typeface="Cambria Math" panose="02040503050406030204" pitchFamily="18" charset="0"/>
+                            </a:rPr>
+                          </m:ctrlPr>
+                        </m:sSupPr>
+                        <m:e>
+                          <m:r>
+                            <a:rPr lang="en-US" b="1" i="0" smtClean="0">
+                              <a:latin typeface="Cambria Math" panose="02040503050406030204" pitchFamily="18" charset="0"/>
+                            </a:rPr>
+                            <m:t>𝐛</m:t>
                           </m:r>
                         </m:e>
                         <m:sup>
@@ -8007,7 +12048,7 @@
         <mc:Fallback xmlns="">
           <p:sp>
             <p:nvSpPr>
-              <p:cNvPr id="137" name="TextBox 136"/>
+              <p:cNvPr id="135" name="TextBox 134"/>
               <p:cNvSpPr txBox="1">
                 <a:spLocks noRot="1" noChangeAspect="1" noMove="1" noResize="1" noEditPoints="1" noAdjustHandles="1" noChangeArrowheads="1" noChangeShapeType="1" noTextEdit="1"/>
               </p:cNvSpPr>
@@ -8015,628 +12056,16 @@
             </p:nvSpPr>
             <p:spPr>
               <a:xfrm>
-                <a:off x="2806508" y="5862134"/>
-                <a:ext cx="287643" cy="276999"/>
+                <a:off x="1722865" y="5324229"/>
+                <a:ext cx="721993" cy="276999"/>
               </a:xfrm>
               <a:prstGeom prst="rect">
                 <a:avLst/>
               </a:prstGeom>
               <a:blipFill rotWithShape="0">
-                <a:blip r:embed="rId33"/>
+                <a:blip r:embed="rId32"/>
                 <a:stretch>
-                  <a:fillRect l="-18750" t="-4444" r="-6250" b="-8889"/>
-                </a:stretch>
-              </a:blipFill>
-            </p:spPr>
-            <p:txBody>
-              <a:bodyPr/>
-              <a:lstStyle/>
-              <a:p>
-                <a:r>
-                  <a:rPr lang="en-US">
-                    <a:noFill/>
-                  </a:rPr>
-                  <a:t> </a:t>
-                </a:r>
-              </a:p>
-            </p:txBody>
-          </p:sp>
-        </mc:Fallback>
-      </mc:AlternateContent>
-      <mc:AlternateContent xmlns:mc="http://schemas.openxmlformats.org/markup-compatibility/2006" xmlns:a14="http://schemas.microsoft.com/office/drawing/2010/main">
-        <mc:Choice Requires="a14">
-          <p:sp>
-            <p:nvSpPr>
-              <p:cNvPr id="138" name="TextBox 137"/>
-              <p:cNvSpPr txBox="1"/>
-              <p:nvPr/>
-            </p:nvSpPr>
-            <p:spPr>
-              <a:xfrm>
-                <a:off x="3920050" y="5866490"/>
-                <a:ext cx="399084" cy="276999"/>
-              </a:xfrm>
-              <a:prstGeom prst="rect">
-                <a:avLst/>
-              </a:prstGeom>
-              <a:noFill/>
-            </p:spPr>
-            <p:txBody>
-              <a:bodyPr wrap="none" lIns="0" tIns="0" rIns="0" bIns="0" rtlCol="0">
-                <a:spAutoFit/>
-              </a:bodyPr>
-              <a:lstStyle/>
-              <a:p>
-                <a14:m>
-                  <m:oMath xmlns:m="http://schemas.openxmlformats.org/officeDocument/2006/math">
-                    <m:sSup>
-                      <m:sSupPr>
-                        <m:ctrlPr>
-                          <a:rPr lang="en-US" b="0" i="1" smtClean="0">
-                            <a:latin typeface="Cambria Math" panose="02040503050406030204" pitchFamily="18" charset="0"/>
-                          </a:rPr>
-                        </m:ctrlPr>
-                      </m:sSupPr>
-                      <m:e>
-                        <m:r>
-                          <a:rPr lang="en-US" b="0" i="1" smtClean="0">
-                            <a:latin typeface="Cambria Math" panose="02040503050406030204" pitchFamily="18" charset="0"/>
-                          </a:rPr>
-                          <m:t>𝑊</m:t>
-                        </m:r>
-                      </m:e>
-                      <m:sup>
-                        <m:r>
-                          <a:rPr lang="en-US" b="0" i="1" smtClean="0">
-                            <a:latin typeface="Cambria Math" panose="02040503050406030204" pitchFamily="18" charset="0"/>
-                          </a:rPr>
-                          <m:t>2</m:t>
-                        </m:r>
-                      </m:sup>
-                    </m:sSup>
-                  </m:oMath>
-                </a14:m>
-                <a:r>
-                  <a:rPr lang="en-US" dirty="0" smtClean="0"/>
-                  <a:t>,</a:t>
-                </a:r>
-                <a:endParaRPr lang="en-US" dirty="0"/>
-              </a:p>
-            </p:txBody>
-          </p:sp>
-        </mc:Choice>
-        <mc:Fallback xmlns="">
-          <p:sp>
-            <p:nvSpPr>
-              <p:cNvPr id="138" name="TextBox 137"/>
-              <p:cNvSpPr txBox="1">
-                <a:spLocks noRot="1" noChangeAspect="1" noMove="1" noResize="1" noEditPoints="1" noAdjustHandles="1" noChangeArrowheads="1" noChangeShapeType="1" noTextEdit="1"/>
-              </p:cNvSpPr>
-              <p:nvPr/>
-            </p:nvSpPr>
-            <p:spPr>
-              <a:xfrm>
-                <a:off x="3920050" y="5866490"/>
-                <a:ext cx="399084" cy="276999"/>
-              </a:xfrm>
-              <a:prstGeom prst="rect">
-                <a:avLst/>
-              </a:prstGeom>
-              <a:blipFill rotWithShape="0">
-                <a:blip r:embed="rId34"/>
-                <a:stretch>
-                  <a:fillRect l="-19697" t="-28261" r="-33333" b="-50000"/>
-                </a:stretch>
-              </a:blipFill>
-            </p:spPr>
-            <p:txBody>
-              <a:bodyPr/>
-              <a:lstStyle/>
-              <a:p>
-                <a:r>
-                  <a:rPr lang="en-US">
-                    <a:noFill/>
-                  </a:rPr>
-                  <a:t> </a:t>
-                </a:r>
-              </a:p>
-            </p:txBody>
-          </p:sp>
-        </mc:Fallback>
-      </mc:AlternateContent>
-      <mc:AlternateContent xmlns:mc="http://schemas.openxmlformats.org/markup-compatibility/2006" xmlns:a14="http://schemas.microsoft.com/office/drawing/2010/main">
-        <mc:Choice Requires="a14">
-          <p:sp>
-            <p:nvSpPr>
-              <p:cNvPr id="139" name="TextBox 138"/>
-              <p:cNvSpPr txBox="1"/>
-              <p:nvPr/>
-            </p:nvSpPr>
-            <p:spPr>
-              <a:xfrm>
-                <a:off x="4481869" y="5862134"/>
-                <a:ext cx="292580" cy="276999"/>
-              </a:xfrm>
-              <a:prstGeom prst="rect">
-                <a:avLst/>
-              </a:prstGeom>
-              <a:noFill/>
-            </p:spPr>
-            <p:txBody>
-              <a:bodyPr wrap="none" lIns="0" tIns="0" rIns="0" bIns="0" rtlCol="0">
-                <a:spAutoFit/>
-              </a:bodyPr>
-              <a:lstStyle/>
-              <a:p>
-                <a:pPr/>
-                <a14:m>
-                  <m:oMathPara xmlns:m="http://schemas.openxmlformats.org/officeDocument/2006/math">
-                    <m:oMathParaPr>
-                      <m:jc m:val="centerGroup"/>
-                    </m:oMathParaPr>
-                    <m:oMath xmlns:m="http://schemas.openxmlformats.org/officeDocument/2006/math">
-                      <m:sSup>
-                        <m:sSupPr>
-                          <m:ctrlPr>
-                            <a:rPr lang="en-US" b="0" i="1" smtClean="0">
-                              <a:latin typeface="Cambria Math" panose="02040503050406030204" pitchFamily="18" charset="0"/>
-                            </a:rPr>
-                          </m:ctrlPr>
-                        </m:sSupPr>
-                        <m:e>
-                          <m:r>
-                            <a:rPr lang="en-US" b="0" i="1" smtClean="0">
-                              <a:latin typeface="Cambria Math" panose="02040503050406030204" pitchFamily="18" charset="0"/>
-                            </a:rPr>
-                            <m:t>𝑏</m:t>
-                          </m:r>
-                        </m:e>
-                        <m:sup>
-                          <m:r>
-                            <a:rPr lang="en-US" b="0" i="1" smtClean="0">
-                              <a:latin typeface="Cambria Math" panose="02040503050406030204" pitchFamily="18" charset="0"/>
-                            </a:rPr>
-                            <m:t>2</m:t>
-                          </m:r>
-                        </m:sup>
-                      </m:sSup>
-                    </m:oMath>
-                  </m:oMathPara>
-                </a14:m>
-                <a:endParaRPr lang="en-US" dirty="0"/>
-              </a:p>
-            </p:txBody>
-          </p:sp>
-        </mc:Choice>
-        <mc:Fallback xmlns="">
-          <p:sp>
-            <p:nvSpPr>
-              <p:cNvPr id="139" name="TextBox 138"/>
-              <p:cNvSpPr txBox="1">
-                <a:spLocks noRot="1" noChangeAspect="1" noMove="1" noResize="1" noEditPoints="1" noAdjustHandles="1" noChangeArrowheads="1" noChangeShapeType="1" noTextEdit="1"/>
-              </p:cNvSpPr>
-              <p:nvPr/>
-            </p:nvSpPr>
-            <p:spPr>
-              <a:xfrm>
-                <a:off x="4481869" y="5862134"/>
-                <a:ext cx="292580" cy="276999"/>
-              </a:xfrm>
-              <a:prstGeom prst="rect">
-                <a:avLst/>
-              </a:prstGeom>
-              <a:blipFill rotWithShape="0">
-                <a:blip r:embed="rId35"/>
-                <a:stretch>
-                  <a:fillRect l="-20833" t="-4444" r="-6250" b="-8889"/>
-                </a:stretch>
-              </a:blipFill>
-            </p:spPr>
-            <p:txBody>
-              <a:bodyPr/>
-              <a:lstStyle/>
-              <a:p>
-                <a:r>
-                  <a:rPr lang="en-US">
-                    <a:noFill/>
-                  </a:rPr>
-                  <a:t> </a:t>
-                </a:r>
-              </a:p>
-            </p:txBody>
-          </p:sp>
-        </mc:Fallback>
-      </mc:AlternateContent>
-      <mc:AlternateContent xmlns:mc="http://schemas.openxmlformats.org/markup-compatibility/2006" xmlns:a14="http://schemas.microsoft.com/office/drawing/2010/main">
-        <mc:Choice Requires="a14">
-          <p:sp>
-            <p:nvSpPr>
-              <p:cNvPr id="142" name="TextBox 141"/>
-              <p:cNvSpPr txBox="1"/>
-              <p:nvPr/>
-            </p:nvSpPr>
-            <p:spPr>
-              <a:xfrm>
-                <a:off x="5452460" y="5862134"/>
-                <a:ext cx="399084" cy="276999"/>
-              </a:xfrm>
-              <a:prstGeom prst="rect">
-                <a:avLst/>
-              </a:prstGeom>
-              <a:noFill/>
-            </p:spPr>
-            <p:txBody>
-              <a:bodyPr wrap="none" lIns="0" tIns="0" rIns="0" bIns="0" rtlCol="0">
-                <a:spAutoFit/>
-              </a:bodyPr>
-              <a:lstStyle/>
-              <a:p>
-                <a14:m>
-                  <m:oMath xmlns:m="http://schemas.openxmlformats.org/officeDocument/2006/math">
-                    <m:sSup>
-                      <m:sSupPr>
-                        <m:ctrlPr>
-                          <a:rPr lang="en-US" b="0" i="1" smtClean="0">
-                            <a:latin typeface="Cambria Math" panose="02040503050406030204" pitchFamily="18" charset="0"/>
-                          </a:rPr>
-                        </m:ctrlPr>
-                      </m:sSupPr>
-                      <m:e>
-                        <m:r>
-                          <a:rPr lang="en-US" b="0" i="1" smtClean="0">
-                            <a:latin typeface="Cambria Math" panose="02040503050406030204" pitchFamily="18" charset="0"/>
-                          </a:rPr>
-                          <m:t>𝑊</m:t>
-                        </m:r>
-                      </m:e>
-                      <m:sup>
-                        <m:r>
-                          <a:rPr lang="en-US" b="0" i="1" smtClean="0">
-                            <a:latin typeface="Cambria Math" panose="02040503050406030204" pitchFamily="18" charset="0"/>
-                          </a:rPr>
-                          <m:t>3</m:t>
-                        </m:r>
-                      </m:sup>
-                    </m:sSup>
-                  </m:oMath>
-                </a14:m>
-                <a:r>
-                  <a:rPr lang="en-US" dirty="0" smtClean="0"/>
-                  <a:t>,</a:t>
-                </a:r>
-                <a:endParaRPr lang="en-US" dirty="0"/>
-              </a:p>
-            </p:txBody>
-          </p:sp>
-        </mc:Choice>
-        <mc:Fallback xmlns="">
-          <p:sp>
-            <p:nvSpPr>
-              <p:cNvPr id="142" name="TextBox 141"/>
-              <p:cNvSpPr txBox="1">
-                <a:spLocks noRot="1" noChangeAspect="1" noMove="1" noResize="1" noEditPoints="1" noAdjustHandles="1" noChangeArrowheads="1" noChangeShapeType="1" noTextEdit="1"/>
-              </p:cNvSpPr>
-              <p:nvPr/>
-            </p:nvSpPr>
-            <p:spPr>
-              <a:xfrm>
-                <a:off x="5452460" y="5862134"/>
-                <a:ext cx="399084" cy="276999"/>
-              </a:xfrm>
-              <a:prstGeom prst="rect">
-                <a:avLst/>
-              </a:prstGeom>
-              <a:blipFill rotWithShape="0">
-                <a:blip r:embed="rId36"/>
-                <a:stretch>
-                  <a:fillRect l="-19697" t="-28889" r="-33333" b="-51111"/>
-                </a:stretch>
-              </a:blipFill>
-            </p:spPr>
-            <p:txBody>
-              <a:bodyPr/>
-              <a:lstStyle/>
-              <a:p>
-                <a:r>
-                  <a:rPr lang="en-US">
-                    <a:noFill/>
-                  </a:rPr>
-                  <a:t> </a:t>
-                </a:r>
-              </a:p>
-            </p:txBody>
-          </p:sp>
-        </mc:Fallback>
-      </mc:AlternateContent>
-      <mc:AlternateContent xmlns:mc="http://schemas.openxmlformats.org/markup-compatibility/2006" xmlns:a14="http://schemas.microsoft.com/office/drawing/2010/main">
-        <mc:Choice Requires="a14">
-          <p:sp>
-            <p:nvSpPr>
-              <p:cNvPr id="143" name="TextBox 142"/>
-              <p:cNvSpPr txBox="1"/>
-              <p:nvPr/>
-            </p:nvSpPr>
-            <p:spPr>
-              <a:xfrm>
-                <a:off x="6014279" y="5857778"/>
-                <a:ext cx="292580" cy="276999"/>
-              </a:xfrm>
-              <a:prstGeom prst="rect">
-                <a:avLst/>
-              </a:prstGeom>
-              <a:noFill/>
-            </p:spPr>
-            <p:txBody>
-              <a:bodyPr wrap="none" lIns="0" tIns="0" rIns="0" bIns="0" rtlCol="0">
-                <a:spAutoFit/>
-              </a:bodyPr>
-              <a:lstStyle/>
-              <a:p>
-                <a:pPr/>
-                <a14:m>
-                  <m:oMathPara xmlns:m="http://schemas.openxmlformats.org/officeDocument/2006/math">
-                    <m:oMathParaPr>
-                      <m:jc m:val="centerGroup"/>
-                    </m:oMathParaPr>
-                    <m:oMath xmlns:m="http://schemas.openxmlformats.org/officeDocument/2006/math">
-                      <m:sSup>
-                        <m:sSupPr>
-                          <m:ctrlPr>
-                            <a:rPr lang="en-US" b="0" i="1" smtClean="0">
-                              <a:latin typeface="Cambria Math" panose="02040503050406030204" pitchFamily="18" charset="0"/>
-                            </a:rPr>
-                          </m:ctrlPr>
-                        </m:sSupPr>
-                        <m:e>
-                          <m:r>
-                            <a:rPr lang="en-US" b="0" i="1" smtClean="0">
-                              <a:latin typeface="Cambria Math" panose="02040503050406030204" pitchFamily="18" charset="0"/>
-                            </a:rPr>
-                            <m:t>𝑏</m:t>
-                          </m:r>
-                        </m:e>
-                        <m:sup>
-                          <m:r>
-                            <a:rPr lang="en-US" b="0" i="1" smtClean="0">
-                              <a:latin typeface="Cambria Math" panose="02040503050406030204" pitchFamily="18" charset="0"/>
-                            </a:rPr>
-                            <m:t>3</m:t>
-                          </m:r>
-                        </m:sup>
-                      </m:sSup>
-                    </m:oMath>
-                  </m:oMathPara>
-                </a14:m>
-                <a:endParaRPr lang="en-US" dirty="0"/>
-              </a:p>
-            </p:txBody>
-          </p:sp>
-        </mc:Choice>
-        <mc:Fallback xmlns="">
-          <p:sp>
-            <p:nvSpPr>
-              <p:cNvPr id="143" name="TextBox 142"/>
-              <p:cNvSpPr txBox="1">
-                <a:spLocks noRot="1" noChangeAspect="1" noMove="1" noResize="1" noEditPoints="1" noAdjustHandles="1" noChangeArrowheads="1" noChangeShapeType="1" noTextEdit="1"/>
-              </p:cNvSpPr>
-              <p:nvPr/>
-            </p:nvSpPr>
-            <p:spPr>
-              <a:xfrm>
-                <a:off x="6014279" y="5857778"/>
-                <a:ext cx="292580" cy="276999"/>
-              </a:xfrm>
-              <a:prstGeom prst="rect">
-                <a:avLst/>
-              </a:prstGeom>
-              <a:blipFill rotWithShape="0">
-                <a:blip r:embed="rId37"/>
-                <a:stretch>
-                  <a:fillRect l="-20833" t="-4444" r="-4167" b="-8889"/>
-                </a:stretch>
-              </a:blipFill>
-            </p:spPr>
-            <p:txBody>
-              <a:bodyPr/>
-              <a:lstStyle/>
-              <a:p>
-                <a:r>
-                  <a:rPr lang="en-US">
-                    <a:noFill/>
-                  </a:rPr>
-                  <a:t> </a:t>
-                </a:r>
-              </a:p>
-            </p:txBody>
-          </p:sp>
-        </mc:Fallback>
-      </mc:AlternateContent>
-      <mc:AlternateContent xmlns:mc="http://schemas.openxmlformats.org/markup-compatibility/2006" xmlns:a14="http://schemas.microsoft.com/office/drawing/2010/main">
-        <mc:Choice Requires="a14">
-          <p:sp>
-            <p:nvSpPr>
-              <p:cNvPr id="144" name="TextBox 143"/>
-              <p:cNvSpPr txBox="1"/>
-              <p:nvPr/>
-            </p:nvSpPr>
-            <p:spPr>
-              <a:xfrm>
-                <a:off x="7073789" y="5862134"/>
-                <a:ext cx="399084" cy="276999"/>
-              </a:xfrm>
-              <a:prstGeom prst="rect">
-                <a:avLst/>
-              </a:prstGeom>
-              <a:noFill/>
-            </p:spPr>
-            <p:txBody>
-              <a:bodyPr wrap="none" lIns="0" tIns="0" rIns="0" bIns="0" rtlCol="0">
-                <a:spAutoFit/>
-              </a:bodyPr>
-              <a:lstStyle/>
-              <a:p>
-                <a14:m>
-                  <m:oMath xmlns:m="http://schemas.openxmlformats.org/officeDocument/2006/math">
-                    <m:sSup>
-                      <m:sSupPr>
-                        <m:ctrlPr>
-                          <a:rPr lang="en-US" b="0" i="1" smtClean="0">
-                            <a:latin typeface="Cambria Math" panose="02040503050406030204" pitchFamily="18" charset="0"/>
-                          </a:rPr>
-                        </m:ctrlPr>
-                      </m:sSupPr>
-                      <m:e>
-                        <m:r>
-                          <a:rPr lang="en-US" b="0" i="1" smtClean="0">
-                            <a:latin typeface="Cambria Math" panose="02040503050406030204" pitchFamily="18" charset="0"/>
-                          </a:rPr>
-                          <m:t>𝑊</m:t>
-                        </m:r>
-                      </m:e>
-                      <m:sup>
-                        <m:r>
-                          <a:rPr lang="en-US" b="0" i="1" smtClean="0">
-                            <a:latin typeface="Cambria Math" panose="02040503050406030204" pitchFamily="18" charset="0"/>
-                          </a:rPr>
-                          <m:t>4</m:t>
-                        </m:r>
-                      </m:sup>
-                    </m:sSup>
-                  </m:oMath>
-                </a14:m>
-                <a:r>
-                  <a:rPr lang="en-US" dirty="0" smtClean="0"/>
-                  <a:t>,</a:t>
-                </a:r>
-                <a:endParaRPr lang="en-US" dirty="0"/>
-              </a:p>
-            </p:txBody>
-          </p:sp>
-        </mc:Choice>
-        <mc:Fallback xmlns="">
-          <p:sp>
-            <p:nvSpPr>
-              <p:cNvPr id="144" name="TextBox 143"/>
-              <p:cNvSpPr txBox="1">
-                <a:spLocks noRot="1" noChangeAspect="1" noMove="1" noResize="1" noEditPoints="1" noAdjustHandles="1" noChangeArrowheads="1" noChangeShapeType="1" noTextEdit="1"/>
-              </p:cNvSpPr>
-              <p:nvPr/>
-            </p:nvSpPr>
-            <p:spPr>
-              <a:xfrm>
-                <a:off x="7073789" y="5862134"/>
-                <a:ext cx="399084" cy="276999"/>
-              </a:xfrm>
-              <a:prstGeom prst="rect">
-                <a:avLst/>
-              </a:prstGeom>
-              <a:blipFill rotWithShape="0">
-                <a:blip r:embed="rId38"/>
-                <a:stretch>
-                  <a:fillRect l="-19697" t="-28889" r="-33333" b="-51111"/>
-                </a:stretch>
-              </a:blipFill>
-            </p:spPr>
-            <p:txBody>
-              <a:bodyPr/>
-              <a:lstStyle/>
-              <a:p>
-                <a:r>
-                  <a:rPr lang="en-US">
-                    <a:noFill/>
-                  </a:rPr>
-                  <a:t> </a:t>
-                </a:r>
-              </a:p>
-            </p:txBody>
-          </p:sp>
-        </mc:Fallback>
-      </mc:AlternateContent>
-      <mc:AlternateContent xmlns:mc="http://schemas.openxmlformats.org/markup-compatibility/2006" xmlns:a14="http://schemas.microsoft.com/office/drawing/2010/main">
-        <mc:Choice Requires="a14">
-          <p:sp>
-            <p:nvSpPr>
-              <p:cNvPr id="145" name="TextBox 144"/>
-              <p:cNvSpPr txBox="1"/>
-              <p:nvPr/>
-            </p:nvSpPr>
-            <p:spPr>
-              <a:xfrm>
-                <a:off x="7635608" y="5857778"/>
-                <a:ext cx="292580" cy="276999"/>
-              </a:xfrm>
-              <a:prstGeom prst="rect">
-                <a:avLst/>
-              </a:prstGeom>
-              <a:noFill/>
-            </p:spPr>
-            <p:txBody>
-              <a:bodyPr wrap="none" lIns="0" tIns="0" rIns="0" bIns="0" rtlCol="0">
-                <a:spAutoFit/>
-              </a:bodyPr>
-              <a:lstStyle/>
-              <a:p>
-                <a:pPr/>
-                <a14:m>
-                  <m:oMathPara xmlns:m="http://schemas.openxmlformats.org/officeDocument/2006/math">
-                    <m:oMathParaPr>
-                      <m:jc m:val="centerGroup"/>
-                    </m:oMathParaPr>
-                    <m:oMath xmlns:m="http://schemas.openxmlformats.org/officeDocument/2006/math">
-                      <m:sSup>
-                        <m:sSupPr>
-                          <m:ctrlPr>
-                            <a:rPr lang="en-US" b="0" i="1" smtClean="0">
-                              <a:latin typeface="Cambria Math" panose="02040503050406030204" pitchFamily="18" charset="0"/>
-                            </a:rPr>
-                          </m:ctrlPr>
-                        </m:sSupPr>
-                        <m:e>
-                          <m:r>
-                            <a:rPr lang="en-US" b="0" i="1" smtClean="0">
-                              <a:latin typeface="Cambria Math" panose="02040503050406030204" pitchFamily="18" charset="0"/>
-                            </a:rPr>
-                            <m:t>𝑏</m:t>
-                          </m:r>
-                        </m:e>
-                        <m:sup>
-                          <m:r>
-                            <a:rPr lang="en-US" b="0" i="1" smtClean="0">
-                              <a:latin typeface="Cambria Math" panose="02040503050406030204" pitchFamily="18" charset="0"/>
-                            </a:rPr>
-                            <m:t>4</m:t>
-                          </m:r>
-                        </m:sup>
-                      </m:sSup>
-                    </m:oMath>
-                  </m:oMathPara>
-                </a14:m>
-                <a:endParaRPr lang="en-US" dirty="0"/>
-              </a:p>
-            </p:txBody>
-          </p:sp>
-        </mc:Choice>
-        <mc:Fallback xmlns="">
-          <p:sp>
-            <p:nvSpPr>
-              <p:cNvPr id="145" name="TextBox 144"/>
-              <p:cNvSpPr txBox="1">
-                <a:spLocks noRot="1" noChangeAspect="1" noMove="1" noResize="1" noEditPoints="1" noAdjustHandles="1" noChangeArrowheads="1" noChangeShapeType="1" noTextEdit="1"/>
-              </p:cNvSpPr>
-              <p:nvPr/>
-            </p:nvSpPr>
-            <p:spPr>
-              <a:xfrm>
-                <a:off x="7635608" y="5857778"/>
-                <a:ext cx="292580" cy="276999"/>
-              </a:xfrm>
-              <a:prstGeom prst="rect">
-                <a:avLst/>
-              </a:prstGeom>
-              <a:blipFill rotWithShape="0">
-                <a:blip r:embed="rId39"/>
-                <a:stretch>
-                  <a:fillRect l="-20833" t="-4444" r="-4167" b="-8889"/>
+                  <a:fillRect l="-7627" t="-4348" r="-2542" b="-8696"/>
                 </a:stretch>
               </a:blipFill>
             </p:spPr>
@@ -8665,7 +12094,7 @@
             </p:nvSpPr>
             <p:spPr>
               <a:xfrm>
-                <a:off x="4649992" y="868934"/>
+                <a:off x="4022680" y="613742"/>
                 <a:ext cx="1039387" cy="276999"/>
               </a:xfrm>
               <a:prstGeom prst="rect">
@@ -8708,10 +12137,10 @@
                         </m:sSupPr>
                         <m:e>
                           <m:r>
-                            <a:rPr lang="en-US" b="0" i="1" smtClean="0">
-                              <a:latin typeface="Cambria Math" panose="02040503050406030204" pitchFamily="18" charset="0"/>
-                            </a:rPr>
-                            <m:t>𝑢</m:t>
+                            <a:rPr lang="en-US" b="1" i="0" smtClean="0">
+                              <a:latin typeface="Cambria Math" panose="02040503050406030204" pitchFamily="18" charset="0"/>
+                            </a:rPr>
+                            <m:t>𝐮</m:t>
                           </m:r>
                         </m:e>
                         <m:sup>
@@ -8748,14 +12177,14 @@
             </p:nvSpPr>
             <p:spPr>
               <a:xfrm>
-                <a:off x="4649992" y="868934"/>
+                <a:off x="4022680" y="613742"/>
                 <a:ext cx="1039387" cy="276999"/>
               </a:xfrm>
               <a:prstGeom prst="rect">
                 <a:avLst/>
               </a:prstGeom>
               <a:blipFill rotWithShape="0">
-                <a:blip r:embed="rId40"/>
+                <a:blip r:embed="rId33"/>
                 <a:stretch>
                   <a:fillRect l="-5294" t="-4444" r="-8235" b="-35556"/>
                 </a:stretch>
@@ -8786,7 +12215,7 @@
             </p:nvSpPr>
             <p:spPr>
               <a:xfrm>
-                <a:off x="3015846" y="867681"/>
+                <a:off x="2388534" y="612489"/>
                 <a:ext cx="1033681" cy="276999"/>
               </a:xfrm>
               <a:prstGeom prst="rect">
@@ -8832,10 +12261,10 @@
                             </m:sSupPr>
                             <m:e>
                               <m:r>
-                                <a:rPr lang="en-US" b="0" i="1" smtClean="0">
+                                <a:rPr lang="en-US" b="1" i="0" smtClean="0">
                                   <a:latin typeface="Cambria Math" panose="02040503050406030204" pitchFamily="18" charset="0"/>
                                 </a:rPr>
-                                <m:t>𝑢</m:t>
+                                <m:t>𝐮</m:t>
                               </m:r>
                             </m:e>
                             <m:sup>
@@ -8868,14 +12297,14 @@
             </p:nvSpPr>
             <p:spPr>
               <a:xfrm>
-                <a:off x="3015846" y="867681"/>
+                <a:off x="2388534" y="612489"/>
                 <a:ext cx="1033681" cy="276999"/>
               </a:xfrm>
               <a:prstGeom prst="rect">
                 <a:avLst/>
               </a:prstGeom>
               <a:blipFill rotWithShape="0">
-                <a:blip r:embed="rId41"/>
+                <a:blip r:embed="rId34"/>
                 <a:stretch>
                   <a:fillRect l="-5325" t="-4348" b="-6522"/>
                 </a:stretch>
@@ -8906,7 +12335,7 @@
             </p:nvSpPr>
             <p:spPr>
               <a:xfrm>
-                <a:off x="6156240" y="867681"/>
+                <a:off x="5528928" y="612489"/>
                 <a:ext cx="1039387" cy="276999"/>
               </a:xfrm>
               <a:prstGeom prst="rect">
@@ -8949,10 +12378,10 @@
                         </m:sSupPr>
                         <m:e>
                           <m:r>
-                            <a:rPr lang="en-US" b="0" i="1" smtClean="0">
-                              <a:latin typeface="Cambria Math" panose="02040503050406030204" pitchFamily="18" charset="0"/>
-                            </a:rPr>
-                            <m:t>𝑢</m:t>
+                            <a:rPr lang="en-US" b="1" i="0" smtClean="0">
+                              <a:latin typeface="Cambria Math" panose="02040503050406030204" pitchFamily="18" charset="0"/>
+                            </a:rPr>
+                            <m:t>𝐮</m:t>
                           </m:r>
                         </m:e>
                         <m:sup>
@@ -8989,14 +12418,14 @@
             </p:nvSpPr>
             <p:spPr>
               <a:xfrm>
-                <a:off x="6156240" y="867681"/>
+                <a:off x="5528928" y="612489"/>
                 <a:ext cx="1039387" cy="276999"/>
               </a:xfrm>
               <a:prstGeom prst="rect">
                 <a:avLst/>
               </a:prstGeom>
               <a:blipFill rotWithShape="0">
-                <a:blip r:embed="rId42"/>
+                <a:blip r:embed="rId35"/>
                 <a:stretch>
                   <a:fillRect l="-5294" t="-4348" r="-8235" b="-32609"/>
                 </a:stretch>
@@ -9027,7 +12456,7 @@
             </p:nvSpPr>
             <p:spPr>
               <a:xfrm>
-                <a:off x="7633560" y="871151"/>
+                <a:off x="7006248" y="615959"/>
                 <a:ext cx="1407372" cy="276999"/>
               </a:xfrm>
               <a:prstGeom prst="rect">
@@ -9070,10 +12499,10 @@
                         </m:sSupPr>
                         <m:e>
                           <m:r>
-                            <a:rPr lang="en-US" b="0" i="1" smtClean="0">
-                              <a:latin typeface="Cambria Math" panose="02040503050406030204" pitchFamily="18" charset="0"/>
-                            </a:rPr>
-                            <m:t>𝑢</m:t>
+                            <a:rPr lang="en-US" b="1" i="0" smtClean="0">
+                              <a:latin typeface="Cambria Math" panose="02040503050406030204" pitchFamily="18" charset="0"/>
+                            </a:rPr>
+                            <m:t>𝐮</m:t>
                           </m:r>
                         </m:e>
                         <m:sup>
@@ -9110,16 +12539,16 @@
             </p:nvSpPr>
             <p:spPr>
               <a:xfrm>
-                <a:off x="7633560" y="871151"/>
+                <a:off x="7006248" y="615959"/>
                 <a:ext cx="1407372" cy="276999"/>
               </a:xfrm>
               <a:prstGeom prst="rect">
                 <a:avLst/>
               </a:prstGeom>
               <a:blipFill rotWithShape="0">
-                <a:blip r:embed="rId43"/>
+                <a:blip r:embed="rId36"/>
                 <a:stretch>
-                  <a:fillRect l="-5628" t="-4444" r="-5628" b="-35556"/>
+                  <a:fillRect l="-5628" t="-4444" r="-6061" b="-35556"/>
                 </a:stretch>
               </a:blipFill>
             </p:spPr>
@@ -9146,7 +12575,7 @@
         </p:nvSpPr>
         <p:spPr>
           <a:xfrm>
-            <a:off x="3028380" y="322653"/>
+            <a:off x="2401068" y="226956"/>
             <a:ext cx="1034257" cy="369332"/>
           </a:xfrm>
           <a:prstGeom prst="rect">
@@ -9161,14 +12590,20 @@
           <a:lstStyle/>
           <a:p>
             <a:r>
-              <a:rPr lang="ja-JP" altLang="en-US" dirty="0"/>
+              <a:rPr lang="ja-JP" altLang="en-US" dirty="0">
+                <a:latin typeface="+mn-ea"/>
+              </a:rPr>
               <a:t>隠</a:t>
             </a:r>
             <a:r>
-              <a:rPr lang="ja-JP" altLang="en-US" dirty="0" smtClean="0"/>
+              <a:rPr lang="ja-JP" altLang="en-US" dirty="0" smtClean="0">
+                <a:latin typeface="+mn-ea"/>
+              </a:rPr>
               <a:t>れ層１</a:t>
             </a:r>
-            <a:endParaRPr lang="en-US" dirty="0"/>
+            <a:endParaRPr lang="en-US" dirty="0">
+              <a:latin typeface="+mn-ea"/>
+            </a:endParaRPr>
           </a:p>
         </p:txBody>
       </p:sp>
@@ -9180,7 +12615,7 @@
         </p:nvSpPr>
         <p:spPr>
           <a:xfrm>
-            <a:off x="4617745" y="322653"/>
+            <a:off x="3990433" y="226956"/>
             <a:ext cx="1034257" cy="369332"/>
           </a:xfrm>
           <a:prstGeom prst="rect">
@@ -9195,14 +12630,20 @@
           <a:lstStyle/>
           <a:p>
             <a:r>
-              <a:rPr lang="ja-JP" altLang="en-US" dirty="0"/>
+              <a:rPr lang="ja-JP" altLang="en-US" dirty="0">
+                <a:latin typeface="+mn-ea"/>
+              </a:rPr>
               <a:t>隠</a:t>
             </a:r>
             <a:r>
-              <a:rPr lang="ja-JP" altLang="en-US" dirty="0" smtClean="0"/>
+              <a:rPr lang="ja-JP" altLang="en-US" dirty="0" smtClean="0">
+                <a:latin typeface="+mn-ea"/>
+              </a:rPr>
               <a:t>れ層２</a:t>
             </a:r>
-            <a:endParaRPr lang="en-US" dirty="0"/>
+            <a:endParaRPr lang="en-US" dirty="0">
+              <a:latin typeface="+mn-ea"/>
+            </a:endParaRPr>
           </a:p>
         </p:txBody>
       </p:sp>
@@ -9214,7 +12655,7 @@
         </p:nvSpPr>
         <p:spPr>
           <a:xfrm>
-            <a:off x="6014279" y="322653"/>
+            <a:off x="5386967" y="226956"/>
             <a:ext cx="1034257" cy="369332"/>
           </a:xfrm>
           <a:prstGeom prst="rect">
@@ -9229,14 +12670,20 @@
           <a:lstStyle/>
           <a:p>
             <a:r>
-              <a:rPr lang="ja-JP" altLang="en-US" dirty="0"/>
+              <a:rPr lang="ja-JP" altLang="en-US" dirty="0">
+                <a:latin typeface="+mn-ea"/>
+              </a:rPr>
               <a:t>隠</a:t>
             </a:r>
             <a:r>
-              <a:rPr lang="ja-JP" altLang="en-US" dirty="0" smtClean="0"/>
+              <a:rPr lang="ja-JP" altLang="en-US" dirty="0" smtClean="0">
+                <a:latin typeface="+mn-ea"/>
+              </a:rPr>
               <a:t>れ層３</a:t>
             </a:r>
-            <a:endParaRPr lang="en-US" dirty="0"/>
+            <a:endParaRPr lang="en-US" dirty="0">
+              <a:latin typeface="+mn-ea"/>
+            </a:endParaRPr>
           </a:p>
         </p:txBody>
       </p:sp>
@@ -9250,7 +12697,7 @@
             </p:nvSpPr>
             <p:spPr>
               <a:xfrm>
-                <a:off x="3043062" y="1165041"/>
+                <a:off x="2427648" y="3173605"/>
                 <a:ext cx="927369" cy="276999"/>
               </a:xfrm>
               <a:prstGeom prst="rect">
@@ -9296,16 +12743,16 @@
             </p:nvSpPr>
             <p:spPr>
               <a:xfrm>
-                <a:off x="3043062" y="1165041"/>
+                <a:off x="2427648" y="3173605"/>
                 <a:ext cx="927369" cy="276999"/>
               </a:xfrm>
               <a:prstGeom prst="rect">
                 <a:avLst/>
               </a:prstGeom>
               <a:blipFill rotWithShape="0">
-                <a:blip r:embed="rId44"/>
+                <a:blip r:embed="rId37"/>
                 <a:stretch>
-                  <a:fillRect l="-7895" r="-8553" b="-32609"/>
+                  <a:fillRect l="-7895" r="-8553" b="-33333"/>
                 </a:stretch>
               </a:blipFill>
             </p:spPr>
@@ -9334,7 +12781,7 @@
             </p:nvSpPr>
             <p:spPr>
               <a:xfrm>
-                <a:off x="4671188" y="1174554"/>
+                <a:off x="4002745" y="3173605"/>
                 <a:ext cx="927369" cy="276999"/>
               </a:xfrm>
               <a:prstGeom prst="rect">
@@ -9380,16 +12827,16 @@
             </p:nvSpPr>
             <p:spPr>
               <a:xfrm>
-                <a:off x="4671188" y="1174554"/>
+                <a:off x="4002745" y="3173605"/>
                 <a:ext cx="927369" cy="276999"/>
               </a:xfrm>
               <a:prstGeom prst="rect">
                 <a:avLst/>
               </a:prstGeom>
               <a:blipFill rotWithShape="0">
-                <a:blip r:embed="rId45"/>
+                <a:blip r:embed="rId38"/>
                 <a:stretch>
-                  <a:fillRect l="-7895" r="-8553" b="-33333"/>
+                  <a:fillRect l="-8553" r="-7895" b="-33333"/>
                 </a:stretch>
               </a:blipFill>
             </p:spPr>
@@ -9418,7 +12865,7 @@
             </p:nvSpPr>
             <p:spPr>
               <a:xfrm>
-                <a:off x="6163600" y="1165172"/>
+                <a:off x="5526158" y="3173605"/>
                 <a:ext cx="927369" cy="276999"/>
               </a:xfrm>
               <a:prstGeom prst="rect">
@@ -9464,16 +12911,16 @@
             </p:nvSpPr>
             <p:spPr>
               <a:xfrm>
-                <a:off x="6163600" y="1165172"/>
+                <a:off x="5526158" y="3173605"/>
                 <a:ext cx="927369" cy="276999"/>
               </a:xfrm>
               <a:prstGeom prst="rect">
                 <a:avLst/>
               </a:prstGeom>
               <a:blipFill rotWithShape="0">
-                <a:blip r:embed="rId46"/>
+                <a:blip r:embed="rId39"/>
                 <a:stretch>
-                  <a:fillRect l="-7895" r="-8553" b="-32609"/>
+                  <a:fillRect l="-8553" r="-7895" b="-33333"/>
                 </a:stretch>
               </a:blipFill>
             </p:spPr>
@@ -9502,7 +12949,7 @@
             </p:nvSpPr>
             <p:spPr>
               <a:xfrm>
-                <a:off x="9218991" y="2558116"/>
+                <a:off x="8612944" y="2015855"/>
                 <a:ext cx="281807" cy="278218"/>
               </a:xfrm>
               <a:prstGeom prst="rect">
@@ -9575,16 +13022,16 @@
             </p:nvSpPr>
             <p:spPr>
               <a:xfrm>
-                <a:off x="9218991" y="2558116"/>
+                <a:off x="8612944" y="2015855"/>
                 <a:ext cx="281807" cy="278218"/>
               </a:xfrm>
               <a:prstGeom prst="rect">
                 <a:avLst/>
               </a:prstGeom>
               <a:blipFill rotWithShape="0">
-                <a:blip r:embed="rId47"/>
+                <a:blip r:embed="rId40"/>
                 <a:stretch>
-                  <a:fillRect l="-21277" r="-4255" b="-28889"/>
+                  <a:fillRect l="-21739" r="-4348" b="-28889"/>
                 </a:stretch>
               </a:blipFill>
             </p:spPr>
@@ -9613,7 +13060,7 @@
             </p:nvSpPr>
             <p:spPr>
               <a:xfrm>
-                <a:off x="9194141" y="3407424"/>
+                <a:off x="8588094" y="2865163"/>
                 <a:ext cx="283090" cy="278794"/>
               </a:xfrm>
               <a:prstGeom prst="rect">
@@ -9686,16 +13133,16 @@
             </p:nvSpPr>
             <p:spPr>
               <a:xfrm>
-                <a:off x="9194141" y="3407424"/>
+                <a:off x="8588094" y="2865163"/>
                 <a:ext cx="283090" cy="278794"/>
               </a:xfrm>
               <a:prstGeom prst="rect">
                 <a:avLst/>
               </a:prstGeom>
               <a:blipFill rotWithShape="0">
-                <a:blip r:embed="rId48"/>
+                <a:blip r:embed="rId41"/>
                 <a:stretch>
-                  <a:fillRect l="-21277" r="-4255" b="-26087"/>
+                  <a:fillRect l="-21739" r="-4348" b="-26087"/>
                 </a:stretch>
               </a:blipFill>
             </p:spPr>
@@ -9724,7 +13171,7 @@
             </p:nvSpPr>
             <p:spPr>
               <a:xfrm>
-                <a:off x="9199941" y="4241774"/>
+                <a:off x="8593894" y="3699513"/>
                 <a:ext cx="283090" cy="280205"/>
               </a:xfrm>
               <a:prstGeom prst="rect">
@@ -9797,16 +13244,16 @@
             </p:nvSpPr>
             <p:spPr>
               <a:xfrm>
-                <a:off x="9199941" y="4241774"/>
+                <a:off x="8593894" y="3699513"/>
                 <a:ext cx="283090" cy="280205"/>
               </a:xfrm>
               <a:prstGeom prst="rect">
                 <a:avLst/>
               </a:prstGeom>
               <a:blipFill rotWithShape="0">
-                <a:blip r:embed="rId49"/>
+                <a:blip r:embed="rId42"/>
                 <a:stretch>
-                  <a:fillRect l="-21277" r="-4255" b="-26087"/>
+                  <a:fillRect l="-21739" r="-4348" b="-26087"/>
                 </a:stretch>
               </a:blipFill>
             </p:spPr>
@@ -9835,8 +13282,8 @@
             </p:nvSpPr>
             <p:spPr>
               <a:xfrm>
-                <a:off x="10291816" y="1909443"/>
-                <a:ext cx="289758" cy="272767"/>
+                <a:off x="9685769" y="1367182"/>
+                <a:ext cx="297774" cy="272767"/>
               </a:xfrm>
               <a:prstGeom prst="rect">
                 <a:avLst/>
@@ -9866,10 +13313,10 @@
                         </m:sSubSupPr>
                         <m:e>
                           <m:r>
-                            <a:rPr lang="en-US" b="0" i="1" smtClean="0">
-                              <a:latin typeface="Cambria Math" panose="02040503050406030204" pitchFamily="18" charset="0"/>
-                            </a:rPr>
-                            <m:t>𝑑</m:t>
+                            <a:rPr lang="en-US" b="1" i="0" smtClean="0">
+                              <a:latin typeface="Cambria Math" panose="02040503050406030204" pitchFamily="18" charset="0"/>
+                            </a:rPr>
+                            <m:t>𝐝</m:t>
                           </m:r>
                         </m:e>
                         <m:sub>
@@ -9908,16 +13355,16 @@
             </p:nvSpPr>
             <p:spPr>
               <a:xfrm>
-                <a:off x="10291816" y="1909443"/>
-                <a:ext cx="289758" cy="272767"/>
+                <a:off x="9685769" y="1367182"/>
+                <a:ext cx="297774" cy="272767"/>
               </a:xfrm>
               <a:prstGeom prst="rect">
                 <a:avLst/>
               </a:prstGeom>
               <a:blipFill rotWithShape="0">
-                <a:blip r:embed="rId50"/>
+                <a:blip r:embed="rId43"/>
                 <a:stretch>
-                  <a:fillRect l="-22917" r="-6250" b="-15556"/>
+                  <a:fillRect l="-24490" r="-4082" b="-15556"/>
                 </a:stretch>
               </a:blipFill>
             </p:spPr>
@@ -9944,7 +13391,7 @@
         </p:nvSpPr>
         <p:spPr>
           <a:xfrm>
-            <a:off x="1552626" y="2246932"/>
+            <a:off x="946579" y="1704671"/>
             <a:ext cx="651329" cy="651329"/>
           </a:xfrm>
           <a:prstGeom prst="ellipse">
@@ -9992,7 +13439,7 @@
             </p:nvSpPr>
             <p:spPr>
               <a:xfrm>
-                <a:off x="1765175" y="3150023"/>
+                <a:off x="1159128" y="2607762"/>
                 <a:ext cx="263790" cy="270652"/>
               </a:xfrm>
               <a:prstGeom prst="rect">
@@ -10057,16 +13504,16 @@
             </p:nvSpPr>
             <p:spPr>
               <a:xfrm>
-                <a:off x="1765175" y="3150023"/>
+                <a:off x="1159128" y="2607762"/>
                 <a:ext cx="263790" cy="270652"/>
               </a:xfrm>
               <a:prstGeom prst="rect">
                 <a:avLst/>
               </a:prstGeom>
               <a:blipFill rotWithShape="0">
-                <a:blip r:embed="rId51"/>
+                <a:blip r:embed="rId44"/>
                 <a:stretch>
-                  <a:fillRect l="-16279" r="-11628" b="-20455"/>
+                  <a:fillRect l="-16279" r="-13953" b="-20455"/>
                 </a:stretch>
               </a:blipFill>
             </p:spPr>
@@ -10093,7 +13540,7 @@
         </p:nvSpPr>
         <p:spPr>
           <a:xfrm>
-            <a:off x="1552626" y="2962196"/>
+            <a:off x="946579" y="2419935"/>
             <a:ext cx="651329" cy="651329"/>
           </a:xfrm>
           <a:prstGeom prst="ellipse">
@@ -10141,7 +13588,7 @@
             </p:nvSpPr>
             <p:spPr>
               <a:xfrm>
-                <a:off x="1765304" y="3870465"/>
+                <a:off x="1159257" y="3328204"/>
                 <a:ext cx="263790" cy="270652"/>
               </a:xfrm>
               <a:prstGeom prst="rect">
@@ -10206,16 +13653,16 @@
             </p:nvSpPr>
             <p:spPr>
               <a:xfrm>
-                <a:off x="1765304" y="3870465"/>
+                <a:off x="1159257" y="3328204"/>
                 <a:ext cx="263790" cy="270652"/>
               </a:xfrm>
               <a:prstGeom prst="rect">
                 <a:avLst/>
               </a:prstGeom>
               <a:blipFill rotWithShape="0">
-                <a:blip r:embed="rId52"/>
+                <a:blip r:embed="rId45"/>
                 <a:stretch>
-                  <a:fillRect l="-16279" r="-11628" b="-20455"/>
+                  <a:fillRect l="-16279" r="-13953" b="-20455"/>
                 </a:stretch>
               </a:blipFill>
             </p:spPr>
@@ -10242,7 +13689,7 @@
         </p:nvSpPr>
         <p:spPr>
           <a:xfrm>
-            <a:off x="1552755" y="3682638"/>
+            <a:off x="946708" y="3140377"/>
             <a:ext cx="651329" cy="651329"/>
           </a:xfrm>
           <a:prstGeom prst="ellipse">
@@ -10290,7 +13737,7 @@
             </p:nvSpPr>
             <p:spPr>
               <a:xfrm>
-                <a:off x="1765175" y="4592627"/>
+                <a:off x="1159128" y="4050366"/>
                 <a:ext cx="263790" cy="270652"/>
               </a:xfrm>
               <a:prstGeom prst="rect">
@@ -10355,16 +13802,16 @@
             </p:nvSpPr>
             <p:spPr>
               <a:xfrm>
-                <a:off x="1765175" y="4592627"/>
+                <a:off x="1159128" y="4050366"/>
                 <a:ext cx="263790" cy="270652"/>
               </a:xfrm>
               <a:prstGeom prst="rect">
                 <a:avLst/>
               </a:prstGeom>
               <a:blipFill rotWithShape="0">
-                <a:blip r:embed="rId53"/>
+                <a:blip r:embed="rId46"/>
                 <a:stretch>
-                  <a:fillRect l="-16279" r="-11628" b="-20000"/>
+                  <a:fillRect l="-16279" r="-13953" b="-20000"/>
                 </a:stretch>
               </a:blipFill>
             </p:spPr>
@@ -10391,7 +13838,7 @@
         </p:nvSpPr>
         <p:spPr>
           <a:xfrm>
-            <a:off x="1552626" y="4404800"/>
+            <a:off x="946579" y="3862539"/>
             <a:ext cx="651329" cy="651329"/>
           </a:xfrm>
           <a:prstGeom prst="ellipse">
@@ -10440,7 +13887,7 @@
         </p:nvCxnSpPr>
         <p:spPr>
           <a:xfrm flipV="1">
-            <a:off x="2203955" y="2293710"/>
+            <a:off x="1597908" y="1751449"/>
             <a:ext cx="1017969" cy="278887"/>
           </a:xfrm>
           <a:prstGeom prst="straightConnector1">
@@ -10479,7 +13926,7 @@
         </p:nvCxnSpPr>
         <p:spPr>
           <a:xfrm>
-            <a:off x="2203955" y="2572597"/>
+            <a:off x="1597908" y="2030336"/>
             <a:ext cx="1017968" cy="562942"/>
           </a:xfrm>
           <a:prstGeom prst="straightConnector1">
@@ -10518,7 +13965,7 @@
         </p:nvCxnSpPr>
         <p:spPr>
           <a:xfrm>
-            <a:off x="2203955" y="2572597"/>
+            <a:off x="1597908" y="2030336"/>
             <a:ext cx="1003452" cy="2403991"/>
           </a:xfrm>
           <a:prstGeom prst="straightConnector1">
@@ -10557,7 +14004,7 @@
         </p:nvCxnSpPr>
         <p:spPr>
           <a:xfrm flipV="1">
-            <a:off x="2203955" y="2293710"/>
+            <a:off x="1597908" y="1751449"/>
             <a:ext cx="1017969" cy="994151"/>
           </a:xfrm>
           <a:prstGeom prst="straightConnector1">
@@ -10596,7 +14043,7 @@
         </p:nvCxnSpPr>
         <p:spPr>
           <a:xfrm flipV="1">
-            <a:off x="2203955" y="3135539"/>
+            <a:off x="1597908" y="2593278"/>
             <a:ext cx="1017968" cy="152322"/>
           </a:xfrm>
           <a:prstGeom prst="straightConnector1">
@@ -10635,7 +14082,7 @@
         </p:nvCxnSpPr>
         <p:spPr>
           <a:xfrm>
-            <a:off x="2203955" y="3287861"/>
+            <a:off x="1597908" y="2745600"/>
             <a:ext cx="1003452" cy="1688727"/>
           </a:xfrm>
           <a:prstGeom prst="straightConnector1">
@@ -10674,7 +14121,7 @@
         </p:nvCxnSpPr>
         <p:spPr>
           <a:xfrm flipV="1">
-            <a:off x="2204084" y="2293710"/>
+            <a:off x="1598037" y="1751449"/>
             <a:ext cx="1017840" cy="1714593"/>
           </a:xfrm>
           <a:prstGeom prst="straightConnector1">
@@ -10713,7 +14160,7 @@
         </p:nvCxnSpPr>
         <p:spPr>
           <a:xfrm flipV="1">
-            <a:off x="2204084" y="3135539"/>
+            <a:off x="1598037" y="2593278"/>
             <a:ext cx="1017839" cy="872764"/>
           </a:xfrm>
           <a:prstGeom prst="straightConnector1">
@@ -10752,7 +14199,7 @@
         </p:nvCxnSpPr>
         <p:spPr>
           <a:xfrm>
-            <a:off x="2204084" y="4008303"/>
+            <a:off x="1598037" y="3466042"/>
             <a:ext cx="1028200" cy="968284"/>
           </a:xfrm>
           <a:prstGeom prst="straightConnector1">
@@ -10791,7 +14238,7 @@
         </p:nvCxnSpPr>
         <p:spPr>
           <a:xfrm flipV="1">
-            <a:off x="2203955" y="2293710"/>
+            <a:off x="1597908" y="1751449"/>
             <a:ext cx="1017969" cy="2436755"/>
           </a:xfrm>
           <a:prstGeom prst="straightConnector1">
@@ -10830,7 +14277,7 @@
         </p:nvCxnSpPr>
         <p:spPr>
           <a:xfrm flipV="1">
-            <a:off x="2203955" y="3135539"/>
+            <a:off x="1597908" y="2593278"/>
             <a:ext cx="1017968" cy="1594926"/>
           </a:xfrm>
           <a:prstGeom prst="straightConnector1">
@@ -10869,7 +14316,7 @@
         </p:nvCxnSpPr>
         <p:spPr>
           <a:xfrm>
-            <a:off x="2203955" y="4730465"/>
+            <a:off x="1597908" y="4188204"/>
             <a:ext cx="1003452" cy="246123"/>
           </a:xfrm>
           <a:prstGeom prst="straightConnector1">
@@ -10908,7 +14355,7 @@
         </p:nvCxnSpPr>
         <p:spPr>
           <a:xfrm flipV="1">
-            <a:off x="3873253" y="1899556"/>
+            <a:off x="3267206" y="1357295"/>
             <a:ext cx="896260" cy="394154"/>
           </a:xfrm>
           <a:prstGeom prst="straightConnector1">
@@ -10947,7 +14394,7 @@
         </p:nvCxnSpPr>
         <p:spPr>
           <a:xfrm>
-            <a:off x="3873253" y="2293710"/>
+            <a:off x="3267206" y="1751449"/>
             <a:ext cx="896259" cy="447675"/>
           </a:xfrm>
           <a:prstGeom prst="straightConnector1">
@@ -10986,7 +14433,7 @@
         </p:nvCxnSpPr>
         <p:spPr>
           <a:xfrm>
-            <a:off x="3873253" y="2293710"/>
+            <a:off x="3267206" y="1751449"/>
             <a:ext cx="886555" cy="2860136"/>
           </a:xfrm>
           <a:prstGeom prst="straightConnector1">
@@ -11025,7 +14472,7 @@
         </p:nvCxnSpPr>
         <p:spPr>
           <a:xfrm flipV="1">
-            <a:off x="3873252" y="1899556"/>
+            <a:off x="3267205" y="1357295"/>
             <a:ext cx="896261" cy="1235983"/>
           </a:xfrm>
           <a:prstGeom prst="straightConnector1">
@@ -11064,7 +14511,7 @@
         </p:nvCxnSpPr>
         <p:spPr>
           <a:xfrm flipV="1">
-            <a:off x="3873252" y="2741385"/>
+            <a:off x="3267205" y="2199124"/>
             <a:ext cx="896260" cy="394154"/>
           </a:xfrm>
           <a:prstGeom prst="straightConnector1">
@@ -11103,7 +14550,7 @@
         </p:nvCxnSpPr>
         <p:spPr>
           <a:xfrm flipV="1">
-            <a:off x="3858736" y="2741385"/>
+            <a:off x="3252689" y="2199124"/>
             <a:ext cx="910776" cy="2235203"/>
           </a:xfrm>
           <a:prstGeom prst="straightConnector1">
@@ -11142,7 +14589,7 @@
         </p:nvCxnSpPr>
         <p:spPr>
           <a:xfrm flipV="1">
-            <a:off x="3858736" y="1899556"/>
+            <a:off x="3252689" y="1357295"/>
             <a:ext cx="910777" cy="3077032"/>
           </a:xfrm>
           <a:prstGeom prst="straightConnector1">
@@ -11181,8 +14628,8 @@
         </p:nvCxnSpPr>
         <p:spPr>
           <a:xfrm>
-            <a:off x="3858736" y="4976588"/>
-            <a:ext cx="925949" cy="177481"/>
+            <a:off x="3252689" y="4434327"/>
+            <a:ext cx="883417" cy="177545"/>
           </a:xfrm>
           <a:prstGeom prst="straightConnector1">
             <a:avLst/>
@@ -11220,7 +14667,7 @@
         </p:nvCxnSpPr>
         <p:spPr>
           <a:xfrm>
-            <a:off x="3873252" y="3135539"/>
+            <a:off x="3267205" y="2593278"/>
             <a:ext cx="886556" cy="2018307"/>
           </a:xfrm>
           <a:prstGeom prst="straightConnector1">
@@ -11259,7 +14706,7 @@
         </p:nvCxnSpPr>
         <p:spPr>
           <a:xfrm>
-            <a:off x="5420842" y="1899556"/>
+            <a:off x="4814795" y="1357295"/>
             <a:ext cx="867226" cy="0"/>
           </a:xfrm>
           <a:prstGeom prst="straightConnector1">
@@ -11298,7 +14745,7 @@
         </p:nvCxnSpPr>
         <p:spPr>
           <a:xfrm>
-            <a:off x="5420842" y="1899556"/>
+            <a:off x="4814795" y="1357295"/>
             <a:ext cx="867225" cy="841829"/>
           </a:xfrm>
           <a:prstGeom prst="straightConnector1">
@@ -11337,8 +14784,8 @@
         </p:nvCxnSpPr>
         <p:spPr>
           <a:xfrm>
-            <a:off x="5420842" y="1899556"/>
-            <a:ext cx="893218" cy="3235190"/>
+            <a:off x="4814795" y="1357295"/>
+            <a:ext cx="850686" cy="3245887"/>
           </a:xfrm>
           <a:prstGeom prst="straightConnector1">
             <a:avLst/>
@@ -11376,7 +14823,7 @@
         </p:nvCxnSpPr>
         <p:spPr>
           <a:xfrm>
-            <a:off x="5420841" y="2741385"/>
+            <a:off x="4814794" y="2199124"/>
             <a:ext cx="868342" cy="2392593"/>
           </a:xfrm>
           <a:prstGeom prst="straightConnector1">
@@ -11415,7 +14862,7 @@
         </p:nvCxnSpPr>
         <p:spPr>
           <a:xfrm>
-            <a:off x="5420841" y="2741385"/>
+            <a:off x="4814794" y="2199124"/>
             <a:ext cx="867226" cy="0"/>
           </a:xfrm>
           <a:prstGeom prst="straightConnector1">
@@ -11454,7 +14901,7 @@
         </p:nvCxnSpPr>
         <p:spPr>
           <a:xfrm flipV="1">
-            <a:off x="5420841" y="1899556"/>
+            <a:off x="4814794" y="1357295"/>
             <a:ext cx="867227" cy="841829"/>
           </a:xfrm>
           <a:prstGeom prst="straightConnector1">
@@ -11493,7 +14940,7 @@
         </p:nvCxnSpPr>
         <p:spPr>
           <a:xfrm flipV="1">
-            <a:off x="5411137" y="1899556"/>
+            <a:off x="4805090" y="1357295"/>
             <a:ext cx="876931" cy="3254290"/>
           </a:xfrm>
           <a:prstGeom prst="straightConnector1">
@@ -11532,7 +14979,7 @@
         </p:nvCxnSpPr>
         <p:spPr>
           <a:xfrm flipV="1">
-            <a:off x="5411137" y="2741385"/>
+            <a:off x="4805090" y="2199124"/>
             <a:ext cx="876930" cy="2412461"/>
           </a:xfrm>
           <a:prstGeom prst="straightConnector1">
@@ -11571,7 +15018,7 @@
         </p:nvCxnSpPr>
         <p:spPr>
           <a:xfrm flipV="1">
-            <a:off x="5411137" y="5133978"/>
+            <a:off x="4805090" y="4591717"/>
             <a:ext cx="878046" cy="19868"/>
           </a:xfrm>
           <a:prstGeom prst="straightConnector1">
@@ -11610,7 +15057,7 @@
         </p:nvCxnSpPr>
         <p:spPr>
           <a:xfrm flipV="1">
-            <a:off x="6940512" y="4384816"/>
+            <a:off x="6334465" y="3842555"/>
             <a:ext cx="1012696" cy="749162"/>
           </a:xfrm>
           <a:prstGeom prst="straightConnector1">
@@ -11649,7 +15096,7 @@
         </p:nvCxnSpPr>
         <p:spPr>
           <a:xfrm flipV="1">
-            <a:off x="6940512" y="3542987"/>
+            <a:off x="6334465" y="3000726"/>
             <a:ext cx="1012697" cy="1590991"/>
           </a:xfrm>
           <a:prstGeom prst="straightConnector1">
@@ -11688,7 +15135,7 @@
         </p:nvCxnSpPr>
         <p:spPr>
           <a:xfrm flipV="1">
-            <a:off x="6940512" y="2701158"/>
+            <a:off x="6334465" y="2158897"/>
             <a:ext cx="1027212" cy="2432820"/>
           </a:xfrm>
           <a:prstGeom prst="straightConnector1">
@@ -11727,7 +15174,7 @@
         </p:nvCxnSpPr>
         <p:spPr>
           <a:xfrm flipV="1">
-            <a:off x="6939396" y="2701158"/>
+            <a:off x="6333349" y="2158897"/>
             <a:ext cx="1028328" cy="40227"/>
           </a:xfrm>
           <a:prstGeom prst="straightConnector1">
@@ -11766,7 +15213,7 @@
         </p:nvCxnSpPr>
         <p:spPr>
           <a:xfrm>
-            <a:off x="6939396" y="2741385"/>
+            <a:off x="6333349" y="2199124"/>
             <a:ext cx="1013813" cy="801602"/>
           </a:xfrm>
           <a:prstGeom prst="straightConnector1">
@@ -11805,7 +15252,7 @@
         </p:nvCxnSpPr>
         <p:spPr>
           <a:xfrm>
-            <a:off x="6939396" y="2741385"/>
+            <a:off x="6333349" y="2199124"/>
             <a:ext cx="1013812" cy="1643431"/>
           </a:xfrm>
           <a:prstGeom prst="straightConnector1">
@@ -11844,7 +15291,7 @@
         </p:nvCxnSpPr>
         <p:spPr>
           <a:xfrm>
-            <a:off x="6939397" y="1899556"/>
+            <a:off x="6333350" y="1357295"/>
             <a:ext cx="1028327" cy="801602"/>
           </a:xfrm>
           <a:prstGeom prst="straightConnector1">
@@ -11883,7 +15330,7 @@
         </p:nvCxnSpPr>
         <p:spPr>
           <a:xfrm>
-            <a:off x="6939397" y="1899556"/>
+            <a:off x="6333350" y="1357295"/>
             <a:ext cx="1013812" cy="1643431"/>
           </a:xfrm>
           <a:prstGeom prst="straightConnector1">
@@ -11922,7 +15369,7 @@
         </p:nvCxnSpPr>
         <p:spPr>
           <a:xfrm>
-            <a:off x="6939397" y="1899556"/>
+            <a:off x="6333350" y="1357295"/>
             <a:ext cx="1013811" cy="2485260"/>
           </a:xfrm>
           <a:prstGeom prst="straightConnector1">
@@ -11961,7 +15408,7 @@
         </p:nvCxnSpPr>
         <p:spPr>
           <a:xfrm flipV="1">
-            <a:off x="8604537" y="4381877"/>
+            <a:off x="7998490" y="3839616"/>
             <a:ext cx="595404" cy="2939"/>
           </a:xfrm>
           <a:prstGeom prst="straightConnector1">
@@ -12000,7 +15447,7 @@
         </p:nvCxnSpPr>
         <p:spPr>
           <a:xfrm>
-            <a:off x="8604538" y="3542987"/>
+            <a:off x="7998491" y="3000726"/>
             <a:ext cx="589603" cy="3834"/>
           </a:xfrm>
           <a:prstGeom prst="straightConnector1">
@@ -12039,7 +15486,7 @@
         </p:nvCxnSpPr>
         <p:spPr>
           <a:xfrm flipV="1">
-            <a:off x="8619053" y="2697225"/>
+            <a:off x="8013006" y="2154964"/>
             <a:ext cx="599938" cy="3933"/>
           </a:xfrm>
           <a:prstGeom prst="straightConnector1">
@@ -12075,7 +15522,7 @@
         </p:nvSpPr>
         <p:spPr>
           <a:xfrm>
-            <a:off x="9146515" y="2433153"/>
+            <a:off x="8540468" y="1890892"/>
             <a:ext cx="384943" cy="2326244"/>
           </a:xfrm>
           <a:prstGeom prst="rect">
@@ -12121,7 +15568,7 @@
         </p:nvSpPr>
         <p:spPr>
           <a:xfrm>
-            <a:off x="10194266" y="2433153"/>
+            <a:off x="9588219" y="1890892"/>
             <a:ext cx="492992" cy="2326244"/>
           </a:xfrm>
           <a:prstGeom prst="rect">
@@ -12170,7 +15617,7 @@
         </p:nvCxnSpPr>
         <p:spPr>
           <a:xfrm>
-            <a:off x="9531458" y="3596275"/>
+            <a:off x="8925411" y="3054014"/>
             <a:ext cx="662808" cy="0"/>
           </a:xfrm>
           <a:prstGeom prst="straightConnector1">
@@ -12207,7 +15654,7 @@
         </p:nvSpPr>
         <p:spPr>
           <a:xfrm>
-            <a:off x="8645696" y="5737853"/>
+            <a:off x="8034566" y="4653479"/>
             <a:ext cx="1107996" cy="369332"/>
           </a:xfrm>
           <a:prstGeom prst="rect">
@@ -12222,18 +15669,26 @@
           <a:lstStyle/>
           <a:p>
             <a:r>
-              <a:rPr lang="ja-JP" altLang="en-US" dirty="0"/>
+              <a:rPr lang="ja-JP" altLang="en-US" dirty="0">
+                <a:latin typeface="+mn-ea"/>
+              </a:rPr>
               <a:t>誤</a:t>
             </a:r>
             <a:r>
-              <a:rPr lang="ja-JP" altLang="en-US" dirty="0" smtClean="0"/>
+              <a:rPr lang="ja-JP" altLang="en-US" dirty="0" smtClean="0">
+                <a:latin typeface="+mn-ea"/>
+              </a:rPr>
               <a:t>差</a:t>
             </a:r>
             <a:r>
-              <a:rPr lang="ja-JP" altLang="en-US" dirty="0"/>
+              <a:rPr lang="ja-JP" altLang="en-US" dirty="0">
+                <a:latin typeface="+mn-ea"/>
+              </a:rPr>
               <a:t>関数</a:t>
             </a:r>
-            <a:endParaRPr lang="en-US" dirty="0"/>
+            <a:endParaRPr lang="en-US" dirty="0">
+              <a:latin typeface="+mn-ea"/>
+            </a:endParaRPr>
           </a:p>
         </p:txBody>
       </p:sp>
@@ -12247,7 +15702,7 @@
             </p:nvSpPr>
             <p:spPr>
               <a:xfrm>
-                <a:off x="9607921" y="6207232"/>
+                <a:off x="8963179" y="5116135"/>
                 <a:ext cx="680058" cy="276999"/>
               </a:xfrm>
               <a:prstGeom prst="rect">
@@ -12300,10 +15755,10 @@
                         <m:t>(</m:t>
                       </m:r>
                       <m:r>
-                        <a:rPr lang="en-US" b="0" i="1" smtClean="0">
+                        <a:rPr lang="en-US" b="1" i="0" smtClean="0">
                           <a:latin typeface="Cambria Math" panose="02040503050406030204" pitchFamily="18" charset="0"/>
                         </a:rPr>
-                        <m:t>𝑤</m:t>
+                        <m:t>𝐰</m:t>
                       </m:r>
                       <m:r>
                         <a:rPr lang="en-US" b="0" i="1" smtClean="0">
@@ -12330,16 +15785,16 @@
             </p:nvSpPr>
             <p:spPr>
               <a:xfrm>
-                <a:off x="9607921" y="6207232"/>
+                <a:off x="8963179" y="5116135"/>
                 <a:ext cx="680058" cy="276999"/>
               </a:xfrm>
               <a:prstGeom prst="rect">
                 <a:avLst/>
               </a:prstGeom>
               <a:blipFill rotWithShape="0">
-                <a:blip r:embed="rId54"/>
+                <a:blip r:embed="rId47"/>
                 <a:stretch>
-                  <a:fillRect l="-7143" t="-2174" r="-11607" b="-32609"/>
+                  <a:fillRect l="-8036" t="-2174" r="-12500" b="-32609"/>
                 </a:stretch>
               </a:blipFill>
             </p:spPr>
@@ -12366,12 +15821,17 @@
         </p:nvSpPr>
         <p:spPr>
           <a:xfrm rot="16200000">
-            <a:off x="5009262" y="3492011"/>
-            <a:ext cx="45719" cy="5563816"/>
+            <a:off x="4377957" y="2924492"/>
+            <a:ext cx="96236" cy="5563816"/>
           </a:xfrm>
           <a:prstGeom prst="leftBrace">
             <a:avLst/>
           </a:prstGeom>
+          <a:ln>
+            <a:solidFill>
+              <a:schemeClr val="tx1"/>
+            </a:solidFill>
+          </a:ln>
         </p:spPr>
         <p:style>
           <a:lnRef idx="1">
@@ -12406,8 +15866,8 @@
             </p:nvSpPr>
             <p:spPr>
               <a:xfrm>
-                <a:off x="4943830" y="6381993"/>
-                <a:ext cx="283283" cy="276999"/>
+                <a:off x="4337783" y="5839732"/>
+                <a:ext cx="295402" cy="276999"/>
               </a:xfrm>
               <a:prstGeom prst="rect">
                 <a:avLst/>
@@ -12430,22 +15890,22 @@
                       <m:sSup>
                         <m:sSupPr>
                           <m:ctrlPr>
-                            <a:rPr lang="en-US" b="0" i="1" smtClean="0">
+                            <a:rPr lang="en-US" b="1" i="1" smtClean="0">
                               <a:latin typeface="Cambria Math" panose="02040503050406030204" pitchFamily="18" charset="0"/>
                             </a:rPr>
                           </m:ctrlPr>
                         </m:sSupPr>
                         <m:e>
                           <m:r>
-                            <a:rPr lang="en-US" b="0" i="1" smtClean="0">
-                              <a:latin typeface="Cambria Math" panose="02040503050406030204" pitchFamily="18" charset="0"/>
-                            </a:rPr>
-                            <m:t>𝑤</m:t>
+                            <a:rPr lang="en-US" b="1" i="0" smtClean="0">
+                              <a:latin typeface="Cambria Math" panose="02040503050406030204" pitchFamily="18" charset="0"/>
+                            </a:rPr>
+                            <m:t>𝐰</m:t>
                           </m:r>
                         </m:e>
                         <m:sup>
                           <m:r>
-                            <a:rPr lang="en-US" b="0" i="1" smtClean="0">
+                            <a:rPr lang="en-US" b="1" i="0" smtClean="0">
                               <a:latin typeface="Cambria Math" panose="02040503050406030204" pitchFamily="18" charset="0"/>
                             </a:rPr>
                             <m:t> </m:t>
@@ -12455,7 +15915,7 @@
                     </m:oMath>
                   </m:oMathPara>
                 </a14:m>
-                <a:endParaRPr lang="en-US" dirty="0"/>
+                <a:endParaRPr lang="en-US" b="1" dirty="0"/>
               </a:p>
             </p:txBody>
           </p:sp>
@@ -12471,16 +15931,16 @@
             </p:nvSpPr>
             <p:spPr>
               <a:xfrm>
-                <a:off x="4943830" y="6381993"/>
-                <a:ext cx="283283" cy="276999"/>
+                <a:off x="4337783" y="5839732"/>
+                <a:ext cx="295402" cy="276999"/>
               </a:xfrm>
               <a:prstGeom prst="rect">
                 <a:avLst/>
               </a:prstGeom>
               <a:blipFill rotWithShape="0">
-                <a:blip r:embed="rId55"/>
+                <a:blip r:embed="rId48"/>
                 <a:stretch>
-                  <a:fillRect l="-13043"/>
+                  <a:fillRect l="-10417"/>
                 </a:stretch>
               </a:blipFill>
             </p:spPr>
@@ -12507,7 +15967,7 @@
         </p:nvSpPr>
         <p:spPr>
           <a:xfrm rot="5400000">
-            <a:off x="9376473" y="4961224"/>
+            <a:off x="8773496" y="4008442"/>
             <a:ext cx="972778" cy="232722"/>
           </a:xfrm>
           <a:prstGeom prst="rightArrow">
@@ -12555,7 +16015,7 @@
             </p:nvSpPr>
             <p:spPr>
               <a:xfrm>
-                <a:off x="9800480" y="5793121"/>
+                <a:off x="9189350" y="4708747"/>
                 <a:ext cx="1579407" cy="276999"/>
               </a:xfrm>
               <a:prstGeom prst="rect">
@@ -12632,16 +16092,899 @@
             </p:nvSpPr>
             <p:spPr>
               <a:xfrm>
-                <a:off x="9800480" y="5793121"/>
+                <a:off x="9189350" y="4708747"/>
                 <a:ext cx="1579407" cy="276999"/>
               </a:xfrm>
               <a:prstGeom prst="rect">
                 <a:avLst/>
               </a:prstGeom>
               <a:blipFill rotWithShape="0">
-                <a:blip r:embed="rId56"/>
+                <a:blip r:embed="rId49"/>
                 <a:stretch>
-                  <a:fillRect l="-3475" r="-3089" b="-32609"/>
+                  <a:fillRect l="-3077" r="-3077" b="-32609"/>
+                </a:stretch>
+              </a:blipFill>
+            </p:spPr>
+            <p:txBody>
+              <a:bodyPr/>
+              <a:lstStyle/>
+              <a:p>
+                <a:r>
+                  <a:rPr lang="en-US">
+                    <a:noFill/>
+                  </a:rPr>
+                  <a:t> </a:t>
+                </a:r>
+              </a:p>
+            </p:txBody>
+          </p:sp>
+        </mc:Fallback>
+      </mc:AlternateContent>
+      <mc:AlternateContent xmlns:mc="http://schemas.openxmlformats.org/markup-compatibility/2006" xmlns:a14="http://schemas.microsoft.com/office/drawing/2010/main">
+        <mc:Choice Requires="a14">
+          <p:sp>
+            <p:nvSpPr>
+              <p:cNvPr id="165" name="TextBox 164"/>
+              <p:cNvSpPr txBox="1"/>
+              <p:nvPr/>
+            </p:nvSpPr>
+            <p:spPr>
+              <a:xfrm>
+                <a:off x="3431768" y="5324229"/>
+                <a:ext cx="727059" cy="276999"/>
+              </a:xfrm>
+              <a:prstGeom prst="rect">
+                <a:avLst/>
+              </a:prstGeom>
+              <a:noFill/>
+            </p:spPr>
+            <p:txBody>
+              <a:bodyPr wrap="none" lIns="0" tIns="0" rIns="0" bIns="0" rtlCol="0">
+                <a:spAutoFit/>
+              </a:bodyPr>
+              <a:lstStyle/>
+              <a:p>
+                <a:pPr/>
+                <a14:m>
+                  <m:oMathPara xmlns:m="http://schemas.openxmlformats.org/officeDocument/2006/math">
+                    <m:oMathParaPr>
+                      <m:jc m:val="centerGroup"/>
+                    </m:oMathParaPr>
+                    <m:oMath xmlns:m="http://schemas.openxmlformats.org/officeDocument/2006/math">
+                      <m:sSup>
+                        <m:sSupPr>
+                          <m:ctrlPr>
+                            <a:rPr lang="en-US" b="0" i="1" smtClean="0">
+                              <a:latin typeface="Cambria Math" panose="02040503050406030204" pitchFamily="18" charset="0"/>
+                            </a:rPr>
+                          </m:ctrlPr>
+                        </m:sSupPr>
+                        <m:e>
+                          <m:r>
+                            <a:rPr lang="en-US" b="1" i="0" smtClean="0">
+                              <a:latin typeface="Cambria Math" panose="02040503050406030204" pitchFamily="18" charset="0"/>
+                            </a:rPr>
+                            <m:t>𝐖</m:t>
+                          </m:r>
+                        </m:e>
+                        <m:sup>
+                          <m:r>
+                            <a:rPr lang="en-US" b="0" i="1" smtClean="0">
+                              <a:latin typeface="Cambria Math" panose="02040503050406030204" pitchFamily="18" charset="0"/>
+                            </a:rPr>
+                            <m:t>2</m:t>
+                          </m:r>
+                        </m:sup>
+                      </m:sSup>
+                      <m:r>
+                        <a:rPr lang="en-US" b="0" i="1" smtClean="0">
+                          <a:latin typeface="Cambria Math" panose="02040503050406030204" pitchFamily="18" charset="0"/>
+                        </a:rPr>
+                        <m:t>, </m:t>
+                      </m:r>
+                      <m:sSup>
+                        <m:sSupPr>
+                          <m:ctrlPr>
+                            <a:rPr lang="en-US" b="0" i="1" smtClean="0">
+                              <a:latin typeface="Cambria Math" panose="02040503050406030204" pitchFamily="18" charset="0"/>
+                            </a:rPr>
+                          </m:ctrlPr>
+                        </m:sSupPr>
+                        <m:e>
+                          <m:r>
+                            <a:rPr lang="en-US" b="1" i="0" smtClean="0">
+                              <a:latin typeface="Cambria Math" panose="02040503050406030204" pitchFamily="18" charset="0"/>
+                            </a:rPr>
+                            <m:t>𝐛</m:t>
+                          </m:r>
+                        </m:e>
+                        <m:sup>
+                          <m:r>
+                            <a:rPr lang="en-US" b="0" i="1" smtClean="0">
+                              <a:latin typeface="Cambria Math" panose="02040503050406030204" pitchFamily="18" charset="0"/>
+                            </a:rPr>
+                            <m:t>2</m:t>
+                          </m:r>
+                        </m:sup>
+                      </m:sSup>
+                    </m:oMath>
+                  </m:oMathPara>
+                </a14:m>
+                <a:endParaRPr lang="en-US" dirty="0"/>
+              </a:p>
+            </p:txBody>
+          </p:sp>
+        </mc:Choice>
+        <mc:Fallback xmlns="">
+          <p:sp>
+            <p:nvSpPr>
+              <p:cNvPr id="165" name="TextBox 164"/>
+              <p:cNvSpPr txBox="1">
+                <a:spLocks noRot="1" noChangeAspect="1" noMove="1" noResize="1" noEditPoints="1" noAdjustHandles="1" noChangeArrowheads="1" noChangeShapeType="1" noTextEdit="1"/>
+              </p:cNvSpPr>
+              <p:nvPr/>
+            </p:nvSpPr>
+            <p:spPr>
+              <a:xfrm>
+                <a:off x="3431768" y="5324229"/>
+                <a:ext cx="727059" cy="276999"/>
+              </a:xfrm>
+              <a:prstGeom prst="rect">
+                <a:avLst/>
+              </a:prstGeom>
+              <a:blipFill rotWithShape="0">
+                <a:blip r:embed="rId50"/>
+                <a:stretch>
+                  <a:fillRect l="-7563" t="-4348" r="-2521" b="-8696"/>
+                </a:stretch>
+              </a:blipFill>
+            </p:spPr>
+            <p:txBody>
+              <a:bodyPr/>
+              <a:lstStyle/>
+              <a:p>
+                <a:r>
+                  <a:rPr lang="en-US">
+                    <a:noFill/>
+                  </a:rPr>
+                  <a:t> </a:t>
+                </a:r>
+              </a:p>
+            </p:txBody>
+          </p:sp>
+        </mc:Fallback>
+      </mc:AlternateContent>
+      <mc:AlternateContent xmlns:mc="http://schemas.openxmlformats.org/markup-compatibility/2006" xmlns:a14="http://schemas.microsoft.com/office/drawing/2010/main">
+        <mc:Choice Requires="a14">
+          <p:sp>
+            <p:nvSpPr>
+              <p:cNvPr id="166" name="TextBox 165"/>
+              <p:cNvSpPr txBox="1"/>
+              <p:nvPr/>
+            </p:nvSpPr>
+            <p:spPr>
+              <a:xfrm>
+                <a:off x="4929773" y="5329296"/>
+                <a:ext cx="727059" cy="276999"/>
+              </a:xfrm>
+              <a:prstGeom prst="rect">
+                <a:avLst/>
+              </a:prstGeom>
+              <a:noFill/>
+            </p:spPr>
+            <p:txBody>
+              <a:bodyPr wrap="none" lIns="0" tIns="0" rIns="0" bIns="0" rtlCol="0">
+                <a:spAutoFit/>
+              </a:bodyPr>
+              <a:lstStyle/>
+              <a:p>
+                <a:pPr/>
+                <a14:m>
+                  <m:oMathPara xmlns:m="http://schemas.openxmlformats.org/officeDocument/2006/math">
+                    <m:oMathParaPr>
+                      <m:jc m:val="centerGroup"/>
+                    </m:oMathParaPr>
+                    <m:oMath xmlns:m="http://schemas.openxmlformats.org/officeDocument/2006/math">
+                      <m:sSup>
+                        <m:sSupPr>
+                          <m:ctrlPr>
+                            <a:rPr lang="en-US" b="0" i="1" smtClean="0">
+                              <a:latin typeface="Cambria Math" panose="02040503050406030204" pitchFamily="18" charset="0"/>
+                            </a:rPr>
+                          </m:ctrlPr>
+                        </m:sSupPr>
+                        <m:e>
+                          <m:r>
+                            <a:rPr lang="en-US" b="1" i="0" smtClean="0">
+                              <a:latin typeface="Cambria Math" panose="02040503050406030204" pitchFamily="18" charset="0"/>
+                            </a:rPr>
+                            <m:t>𝐖</m:t>
+                          </m:r>
+                        </m:e>
+                        <m:sup>
+                          <m:r>
+                            <a:rPr lang="en-US" b="0" i="1" smtClean="0">
+                              <a:latin typeface="Cambria Math" panose="02040503050406030204" pitchFamily="18" charset="0"/>
+                            </a:rPr>
+                            <m:t>3</m:t>
+                          </m:r>
+                        </m:sup>
+                      </m:sSup>
+                      <m:r>
+                        <a:rPr lang="en-US" b="0" i="1" smtClean="0">
+                          <a:latin typeface="Cambria Math" panose="02040503050406030204" pitchFamily="18" charset="0"/>
+                        </a:rPr>
+                        <m:t>, </m:t>
+                      </m:r>
+                      <m:sSup>
+                        <m:sSupPr>
+                          <m:ctrlPr>
+                            <a:rPr lang="en-US" b="0" i="1" smtClean="0">
+                              <a:latin typeface="Cambria Math" panose="02040503050406030204" pitchFamily="18" charset="0"/>
+                            </a:rPr>
+                          </m:ctrlPr>
+                        </m:sSupPr>
+                        <m:e>
+                          <m:r>
+                            <a:rPr lang="en-US" b="1" i="0" smtClean="0">
+                              <a:latin typeface="Cambria Math" panose="02040503050406030204" pitchFamily="18" charset="0"/>
+                            </a:rPr>
+                            <m:t>𝐛</m:t>
+                          </m:r>
+                        </m:e>
+                        <m:sup>
+                          <m:r>
+                            <a:rPr lang="en-US" b="0" i="1" smtClean="0">
+                              <a:latin typeface="Cambria Math" panose="02040503050406030204" pitchFamily="18" charset="0"/>
+                            </a:rPr>
+                            <m:t>3</m:t>
+                          </m:r>
+                        </m:sup>
+                      </m:sSup>
+                    </m:oMath>
+                  </m:oMathPara>
+                </a14:m>
+                <a:endParaRPr lang="en-US" dirty="0"/>
+              </a:p>
+            </p:txBody>
+          </p:sp>
+        </mc:Choice>
+        <mc:Fallback xmlns="">
+          <p:sp>
+            <p:nvSpPr>
+              <p:cNvPr id="166" name="TextBox 165"/>
+              <p:cNvSpPr txBox="1">
+                <a:spLocks noRot="1" noChangeAspect="1" noMove="1" noResize="1" noEditPoints="1" noAdjustHandles="1" noChangeArrowheads="1" noChangeShapeType="1" noTextEdit="1"/>
+              </p:cNvSpPr>
+              <p:nvPr/>
+            </p:nvSpPr>
+            <p:spPr>
+              <a:xfrm>
+                <a:off x="4929773" y="5329296"/>
+                <a:ext cx="727059" cy="276999"/>
+              </a:xfrm>
+              <a:prstGeom prst="rect">
+                <a:avLst/>
+              </a:prstGeom>
+              <a:blipFill rotWithShape="0">
+                <a:blip r:embed="rId51"/>
+                <a:stretch>
+                  <a:fillRect l="-7563" t="-4348" r="-2521" b="-8696"/>
+                </a:stretch>
+              </a:blipFill>
+            </p:spPr>
+            <p:txBody>
+              <a:bodyPr/>
+              <a:lstStyle/>
+              <a:p>
+                <a:r>
+                  <a:rPr lang="en-US">
+                    <a:noFill/>
+                  </a:rPr>
+                  <a:t> </a:t>
+                </a:r>
+              </a:p>
+            </p:txBody>
+          </p:sp>
+        </mc:Fallback>
+      </mc:AlternateContent>
+      <mc:AlternateContent xmlns:mc="http://schemas.openxmlformats.org/markup-compatibility/2006" xmlns:a14="http://schemas.microsoft.com/office/drawing/2010/main">
+        <mc:Choice Requires="a14">
+          <p:sp>
+            <p:nvSpPr>
+              <p:cNvPr id="173" name="TextBox 172"/>
+              <p:cNvSpPr txBox="1"/>
+              <p:nvPr/>
+            </p:nvSpPr>
+            <p:spPr>
+              <a:xfrm>
+                <a:off x="6484711" y="5323101"/>
+                <a:ext cx="727059" cy="276999"/>
+              </a:xfrm>
+              <a:prstGeom prst="rect">
+                <a:avLst/>
+              </a:prstGeom>
+              <a:noFill/>
+            </p:spPr>
+            <p:txBody>
+              <a:bodyPr wrap="none" lIns="0" tIns="0" rIns="0" bIns="0" rtlCol="0">
+                <a:spAutoFit/>
+              </a:bodyPr>
+              <a:lstStyle/>
+              <a:p>
+                <a:pPr/>
+                <a14:m>
+                  <m:oMathPara xmlns:m="http://schemas.openxmlformats.org/officeDocument/2006/math">
+                    <m:oMathParaPr>
+                      <m:jc m:val="centerGroup"/>
+                    </m:oMathParaPr>
+                    <m:oMath xmlns:m="http://schemas.openxmlformats.org/officeDocument/2006/math">
+                      <m:sSup>
+                        <m:sSupPr>
+                          <m:ctrlPr>
+                            <a:rPr lang="en-US" b="0" i="1" smtClean="0">
+                              <a:latin typeface="Cambria Math" panose="02040503050406030204" pitchFamily="18" charset="0"/>
+                            </a:rPr>
+                          </m:ctrlPr>
+                        </m:sSupPr>
+                        <m:e>
+                          <m:r>
+                            <a:rPr lang="en-US" b="1" i="0" smtClean="0">
+                              <a:latin typeface="Cambria Math" panose="02040503050406030204" pitchFamily="18" charset="0"/>
+                            </a:rPr>
+                            <m:t>𝐖</m:t>
+                          </m:r>
+                        </m:e>
+                        <m:sup>
+                          <m:r>
+                            <a:rPr lang="en-US" b="0" i="1" smtClean="0">
+                              <a:latin typeface="Cambria Math" panose="02040503050406030204" pitchFamily="18" charset="0"/>
+                            </a:rPr>
+                            <m:t>4</m:t>
+                          </m:r>
+                        </m:sup>
+                      </m:sSup>
+                      <m:r>
+                        <a:rPr lang="en-US" b="0" i="1" smtClean="0">
+                          <a:latin typeface="Cambria Math" panose="02040503050406030204" pitchFamily="18" charset="0"/>
+                        </a:rPr>
+                        <m:t>, </m:t>
+                      </m:r>
+                      <m:sSup>
+                        <m:sSupPr>
+                          <m:ctrlPr>
+                            <a:rPr lang="en-US" b="0" i="1" smtClean="0">
+                              <a:latin typeface="Cambria Math" panose="02040503050406030204" pitchFamily="18" charset="0"/>
+                            </a:rPr>
+                          </m:ctrlPr>
+                        </m:sSupPr>
+                        <m:e>
+                          <m:r>
+                            <a:rPr lang="en-US" b="1" i="0" smtClean="0">
+                              <a:latin typeface="Cambria Math" panose="02040503050406030204" pitchFamily="18" charset="0"/>
+                            </a:rPr>
+                            <m:t>𝐛</m:t>
+                          </m:r>
+                        </m:e>
+                        <m:sup>
+                          <m:r>
+                            <a:rPr lang="en-US" b="0" i="1" smtClean="0">
+                              <a:latin typeface="Cambria Math" panose="02040503050406030204" pitchFamily="18" charset="0"/>
+                            </a:rPr>
+                            <m:t>4</m:t>
+                          </m:r>
+                        </m:sup>
+                      </m:sSup>
+                    </m:oMath>
+                  </m:oMathPara>
+                </a14:m>
+                <a:endParaRPr lang="en-US" dirty="0"/>
+              </a:p>
+            </p:txBody>
+          </p:sp>
+        </mc:Choice>
+        <mc:Fallback xmlns="">
+          <p:sp>
+            <p:nvSpPr>
+              <p:cNvPr id="173" name="TextBox 172"/>
+              <p:cNvSpPr txBox="1">
+                <a:spLocks noRot="1" noChangeAspect="1" noMove="1" noResize="1" noEditPoints="1" noAdjustHandles="1" noChangeArrowheads="1" noChangeShapeType="1" noTextEdit="1"/>
+              </p:cNvSpPr>
+              <p:nvPr/>
+            </p:nvSpPr>
+            <p:spPr>
+              <a:xfrm>
+                <a:off x="6484711" y="5323101"/>
+                <a:ext cx="727059" cy="276999"/>
+              </a:xfrm>
+              <a:prstGeom prst="rect">
+                <a:avLst/>
+              </a:prstGeom>
+              <a:blipFill rotWithShape="0">
+                <a:blip r:embed="rId52"/>
+                <a:stretch>
+                  <a:fillRect l="-7563" t="-4348" r="-2521" b="-8696"/>
+                </a:stretch>
+              </a:blipFill>
+            </p:spPr>
+            <p:txBody>
+              <a:bodyPr/>
+              <a:lstStyle/>
+              <a:p>
+                <a:r>
+                  <a:rPr lang="en-US">
+                    <a:noFill/>
+                  </a:rPr>
+                  <a:t> </a:t>
+                </a:r>
+              </a:p>
+            </p:txBody>
+          </p:sp>
+        </mc:Fallback>
+      </mc:AlternateContent>
+      <mc:AlternateContent xmlns:mc="http://schemas.openxmlformats.org/markup-compatibility/2006" xmlns:a14="http://schemas.microsoft.com/office/drawing/2010/main">
+        <mc:Choice Requires="a14">
+          <p:sp>
+            <p:nvSpPr>
+              <p:cNvPr id="177" name="TextBox 176"/>
+              <p:cNvSpPr txBox="1"/>
+              <p:nvPr/>
+            </p:nvSpPr>
+            <p:spPr>
+              <a:xfrm>
+                <a:off x="3346597" y="6237906"/>
+                <a:ext cx="2361416" cy="276999"/>
+              </a:xfrm>
+              <a:prstGeom prst="rect">
+                <a:avLst/>
+              </a:prstGeom>
+              <a:noFill/>
+            </p:spPr>
+            <p:txBody>
+              <a:bodyPr wrap="none" lIns="0" tIns="0" rIns="0" bIns="0" rtlCol="0">
+                <a:spAutoFit/>
+              </a:bodyPr>
+              <a:lstStyle/>
+              <a:p>
+                <a:pPr/>
+                <a14:m>
+                  <m:oMathPara xmlns:m="http://schemas.openxmlformats.org/officeDocument/2006/math">
+                    <m:oMathParaPr>
+                      <m:jc m:val="centerGroup"/>
+                    </m:oMathParaPr>
+                    <m:oMath xmlns:m="http://schemas.openxmlformats.org/officeDocument/2006/math">
+                      <m:sSup>
+                        <m:sSupPr>
+                          <m:ctrlPr>
+                            <a:rPr lang="en-US" b="1" i="1" smtClean="0">
+                              <a:latin typeface="Cambria Math" panose="02040503050406030204" pitchFamily="18" charset="0"/>
+                            </a:rPr>
+                          </m:ctrlPr>
+                        </m:sSupPr>
+                        <m:e>
+                          <m:r>
+                            <a:rPr lang="en-US" b="1" i="0" smtClean="0">
+                              <a:latin typeface="Cambria Math" panose="02040503050406030204" pitchFamily="18" charset="0"/>
+                            </a:rPr>
+                            <m:t>𝐰</m:t>
+                          </m:r>
+                        </m:e>
+                        <m:sup>
+                          <m:r>
+                            <a:rPr lang="en-US" b="0" i="1" smtClean="0">
+                              <a:latin typeface="Cambria Math" panose="02040503050406030204" pitchFamily="18" charset="0"/>
+                            </a:rPr>
+                            <m:t>𝑡</m:t>
+                          </m:r>
+                          <m:r>
+                            <a:rPr lang="en-US" b="0" i="1" smtClean="0">
+                              <a:latin typeface="Cambria Math" panose="02040503050406030204" pitchFamily="18" charset="0"/>
+                            </a:rPr>
+                            <m:t>+1</m:t>
+                          </m:r>
+                          <m:r>
+                            <a:rPr lang="en-US" b="1" i="0" smtClean="0">
+                              <a:latin typeface="Cambria Math" panose="02040503050406030204" pitchFamily="18" charset="0"/>
+                            </a:rPr>
+                            <m:t> </m:t>
+                          </m:r>
+                        </m:sup>
+                      </m:sSup>
+                      <m:r>
+                        <a:rPr lang="en-US" b="1" i="0" smtClean="0">
+                          <a:latin typeface="Cambria Math" panose="02040503050406030204" pitchFamily="18" charset="0"/>
+                        </a:rPr>
+                        <m:t>=</m:t>
+                      </m:r>
+                      <m:sSup>
+                        <m:sSupPr>
+                          <m:ctrlPr>
+                            <a:rPr lang="en-US" b="1" i="1" smtClean="0">
+                              <a:latin typeface="Cambria Math" panose="02040503050406030204" pitchFamily="18" charset="0"/>
+                            </a:rPr>
+                          </m:ctrlPr>
+                        </m:sSupPr>
+                        <m:e>
+                          <m:r>
+                            <a:rPr lang="en-US" b="1" i="0" smtClean="0">
+                              <a:latin typeface="Cambria Math" panose="02040503050406030204" pitchFamily="18" charset="0"/>
+                            </a:rPr>
+                            <m:t>𝐰</m:t>
+                          </m:r>
+                        </m:e>
+                        <m:sup>
+                          <m:r>
+                            <a:rPr lang="en-US" b="0" i="1" smtClean="0">
+                              <a:latin typeface="Cambria Math" panose="02040503050406030204" pitchFamily="18" charset="0"/>
+                            </a:rPr>
+                            <m:t>𝑡</m:t>
+                          </m:r>
+                        </m:sup>
+                      </m:sSup>
+                      <m:r>
+                        <a:rPr lang="en-US" b="1" i="0" smtClean="0">
+                          <a:latin typeface="Cambria Math" panose="02040503050406030204" pitchFamily="18" charset="0"/>
+                        </a:rPr>
+                        <m:t>−</m:t>
+                      </m:r>
+                      <m:r>
+                        <a:rPr lang="en-US" b="1" i="1" smtClean="0">
+                          <a:latin typeface="Cambria Math" panose="02040503050406030204" pitchFamily="18" charset="0"/>
+                          <a:ea typeface="Cambria Math" panose="02040503050406030204" pitchFamily="18" charset="0"/>
+                        </a:rPr>
+                        <m:t>𝛆𝛁</m:t>
+                      </m:r>
+                      <m:sSub>
+                        <m:sSubPr>
+                          <m:ctrlPr>
+                            <a:rPr lang="en-US" b="1" i="1" smtClean="0">
+                              <a:latin typeface="Cambria Math" panose="02040503050406030204" pitchFamily="18" charset="0"/>
+                              <a:ea typeface="Cambria Math" panose="02040503050406030204" pitchFamily="18" charset="0"/>
+                            </a:rPr>
+                          </m:ctrlPr>
+                        </m:sSubPr>
+                        <m:e>
+                          <m:r>
+                            <a:rPr lang="en-US" b="0" i="1" smtClean="0">
+                              <a:latin typeface="Cambria Math" panose="02040503050406030204" pitchFamily="18" charset="0"/>
+                              <a:ea typeface="Cambria Math" panose="02040503050406030204" pitchFamily="18" charset="0"/>
+                            </a:rPr>
+                            <m:t>𝐸</m:t>
+                          </m:r>
+                        </m:e>
+                        <m:sub>
+                          <m:r>
+                            <a:rPr lang="en-US" b="0" i="1" smtClean="0">
+                              <a:latin typeface="Cambria Math" panose="02040503050406030204" pitchFamily="18" charset="0"/>
+                              <a:ea typeface="Cambria Math" panose="02040503050406030204" pitchFamily="18" charset="0"/>
+                            </a:rPr>
+                            <m:t>𝑛</m:t>
+                          </m:r>
+                        </m:sub>
+                      </m:sSub>
+                      <m:r>
+                        <a:rPr lang="en-US" b="1" i="1" smtClean="0">
+                          <a:latin typeface="Cambria Math" panose="02040503050406030204" pitchFamily="18" charset="0"/>
+                          <a:ea typeface="Cambria Math" panose="02040503050406030204" pitchFamily="18" charset="0"/>
+                        </a:rPr>
+                        <m:t>(</m:t>
+                      </m:r>
+                      <m:r>
+                        <a:rPr lang="en-US" b="1" i="0" smtClean="0">
+                          <a:latin typeface="Cambria Math" panose="02040503050406030204" pitchFamily="18" charset="0"/>
+                          <a:ea typeface="Cambria Math" panose="02040503050406030204" pitchFamily="18" charset="0"/>
+                        </a:rPr>
+                        <m:t>𝐰</m:t>
+                      </m:r>
+                      <m:r>
+                        <a:rPr lang="en-US" b="1" i="1" smtClean="0">
+                          <a:latin typeface="Cambria Math" panose="02040503050406030204" pitchFamily="18" charset="0"/>
+                          <a:ea typeface="Cambria Math" panose="02040503050406030204" pitchFamily="18" charset="0"/>
+                        </a:rPr>
+                        <m:t>)</m:t>
+                      </m:r>
+                    </m:oMath>
+                  </m:oMathPara>
+                </a14:m>
+                <a:endParaRPr lang="en-US" b="1" dirty="0"/>
+              </a:p>
+            </p:txBody>
+          </p:sp>
+        </mc:Choice>
+        <mc:Fallback xmlns="">
+          <p:sp>
+            <p:nvSpPr>
+              <p:cNvPr id="177" name="TextBox 176"/>
+              <p:cNvSpPr txBox="1">
+                <a:spLocks noRot="1" noChangeAspect="1" noMove="1" noResize="1" noEditPoints="1" noAdjustHandles="1" noChangeArrowheads="1" noChangeShapeType="1" noTextEdit="1"/>
+              </p:cNvSpPr>
+              <p:nvPr/>
+            </p:nvSpPr>
+            <p:spPr>
+              <a:xfrm>
+                <a:off x="3346597" y="6237906"/>
+                <a:ext cx="2361416" cy="276999"/>
+              </a:xfrm>
+              <a:prstGeom prst="rect">
+                <a:avLst/>
+              </a:prstGeom>
+              <a:blipFill rotWithShape="0">
+                <a:blip r:embed="rId53"/>
+                <a:stretch>
+                  <a:fillRect l="-775" t="-4348" r="-3101" b="-32609"/>
+                </a:stretch>
+              </a:blipFill>
+            </p:spPr>
+            <p:txBody>
+              <a:bodyPr/>
+              <a:lstStyle/>
+              <a:p>
+                <a:r>
+                  <a:rPr lang="en-US">
+                    <a:noFill/>
+                  </a:rPr>
+                  <a:t> </a:t>
+                </a:r>
+              </a:p>
+            </p:txBody>
+          </p:sp>
+        </mc:Fallback>
+      </mc:AlternateContent>
+      <p:sp>
+        <p:nvSpPr>
+          <p:cNvPr id="3" name="Left Arrow 2"/>
+          <p:cNvSpPr/>
+          <p:nvPr/>
+        </p:nvSpPr>
+        <p:spPr>
+          <a:xfrm>
+            <a:off x="6743659" y="6286570"/>
+            <a:ext cx="1018597" cy="228335"/>
+          </a:xfrm>
+          <a:prstGeom prst="leftArrow">
+            <a:avLst/>
+          </a:prstGeom>
+          <a:noFill/>
+          <a:ln>
+            <a:solidFill>
+              <a:schemeClr val="tx1"/>
+            </a:solidFill>
+          </a:ln>
+        </p:spPr>
+        <p:style>
+          <a:lnRef idx="2">
+            <a:schemeClr val="accent1">
+              <a:shade val="50000"/>
+            </a:schemeClr>
+          </a:lnRef>
+          <a:fillRef idx="1">
+            <a:schemeClr val="accent1"/>
+          </a:fillRef>
+          <a:effectRef idx="0">
+            <a:schemeClr val="accent1"/>
+          </a:effectRef>
+          <a:fontRef idx="minor">
+            <a:schemeClr val="lt1"/>
+          </a:fontRef>
+        </p:style>
+        <p:txBody>
+          <a:bodyPr rtlCol="0" anchor="ctr"/>
+          <a:lstStyle/>
+          <a:p>
+            <a:pPr algn="ctr"/>
+            <a:endParaRPr lang="en-US"/>
+          </a:p>
+        </p:txBody>
+      </p:sp>
+      <p:sp>
+        <p:nvSpPr>
+          <p:cNvPr id="179" name="Right Arrow 178"/>
+          <p:cNvSpPr/>
+          <p:nvPr/>
+        </p:nvSpPr>
+        <p:spPr>
+          <a:xfrm rot="5400000">
+            <a:off x="9074845" y="5701188"/>
+            <a:ext cx="370081" cy="223984"/>
+          </a:xfrm>
+          <a:prstGeom prst="rightArrow">
+            <a:avLst/>
+          </a:prstGeom>
+          <a:noFill/>
+          <a:ln>
+            <a:solidFill>
+              <a:schemeClr val="tx1"/>
+            </a:solidFill>
+          </a:ln>
+        </p:spPr>
+        <p:style>
+          <a:lnRef idx="2">
+            <a:schemeClr val="accent1">
+              <a:shade val="50000"/>
+            </a:schemeClr>
+          </a:lnRef>
+          <a:fillRef idx="1">
+            <a:schemeClr val="accent1"/>
+          </a:fillRef>
+          <a:effectRef idx="0">
+            <a:schemeClr val="accent1"/>
+          </a:effectRef>
+          <a:fontRef idx="minor">
+            <a:schemeClr val="lt1"/>
+          </a:fontRef>
+        </p:style>
+        <p:txBody>
+          <a:bodyPr rtlCol="0" anchor="ctr"/>
+          <a:lstStyle/>
+          <a:p>
+            <a:pPr algn="ctr"/>
+            <a:endParaRPr lang="en-US"/>
+          </a:p>
+        </p:txBody>
+      </p:sp>
+      <mc:AlternateContent xmlns:mc="http://schemas.openxmlformats.org/markup-compatibility/2006" xmlns:a14="http://schemas.microsoft.com/office/drawing/2010/main">
+        <mc:Choice Requires="a14">
+          <p:sp>
+            <p:nvSpPr>
+              <p:cNvPr id="180" name="TextBox 179"/>
+              <p:cNvSpPr txBox="1"/>
+              <p:nvPr/>
+            </p:nvSpPr>
+            <p:spPr>
+              <a:xfrm>
+                <a:off x="8564035" y="6081686"/>
+                <a:ext cx="1456424" cy="526683"/>
+              </a:xfrm>
+              <a:prstGeom prst="rect">
+                <a:avLst/>
+              </a:prstGeom>
+              <a:noFill/>
+            </p:spPr>
+            <p:txBody>
+              <a:bodyPr wrap="none" lIns="0" tIns="0" rIns="0" bIns="0" rtlCol="0">
+                <a:spAutoFit/>
+              </a:bodyPr>
+              <a:lstStyle/>
+              <a:p>
+                <a:pPr/>
+                <a14:m>
+                  <m:oMathPara xmlns:m="http://schemas.openxmlformats.org/officeDocument/2006/math">
+                    <m:oMathParaPr>
+                      <m:jc m:val="centerGroup"/>
+                    </m:oMathParaPr>
+                    <m:oMath xmlns:m="http://schemas.openxmlformats.org/officeDocument/2006/math">
+                      <m:r>
+                        <a:rPr lang="en-US" b="1" i="1" smtClean="0">
+                          <a:latin typeface="Cambria Math" panose="02040503050406030204" pitchFamily="18" charset="0"/>
+                          <a:ea typeface="Cambria Math" panose="02040503050406030204" pitchFamily="18" charset="0"/>
+                        </a:rPr>
+                        <m:t>𝛁</m:t>
+                      </m:r>
+                      <m:sSub>
+                        <m:sSubPr>
+                          <m:ctrlPr>
+                            <a:rPr lang="en-US" b="1" i="1" smtClean="0">
+                              <a:latin typeface="Cambria Math" panose="02040503050406030204" pitchFamily="18" charset="0"/>
+                              <a:ea typeface="Cambria Math" panose="02040503050406030204" pitchFamily="18" charset="0"/>
+                            </a:rPr>
+                          </m:ctrlPr>
+                        </m:sSubPr>
+                        <m:e>
+                          <m:r>
+                            <a:rPr lang="en-US" b="0" i="1" smtClean="0">
+                              <a:latin typeface="Cambria Math" panose="02040503050406030204" pitchFamily="18" charset="0"/>
+                              <a:ea typeface="Cambria Math" panose="02040503050406030204" pitchFamily="18" charset="0"/>
+                            </a:rPr>
+                            <m:t>𝐸</m:t>
+                          </m:r>
+                        </m:e>
+                        <m:sub>
+                          <m:r>
+                            <a:rPr lang="en-US" b="0" i="1" smtClean="0">
+                              <a:latin typeface="Cambria Math" panose="02040503050406030204" pitchFamily="18" charset="0"/>
+                              <a:ea typeface="Cambria Math" panose="02040503050406030204" pitchFamily="18" charset="0"/>
+                            </a:rPr>
+                            <m:t>𝑛</m:t>
+                          </m:r>
+                        </m:sub>
+                      </m:sSub>
+                      <m:d>
+                        <m:dPr>
+                          <m:ctrlPr>
+                            <a:rPr lang="en-US" b="1" i="1" smtClean="0">
+                              <a:latin typeface="Cambria Math" panose="02040503050406030204" pitchFamily="18" charset="0"/>
+                              <a:ea typeface="Cambria Math" panose="02040503050406030204" pitchFamily="18" charset="0"/>
+                            </a:rPr>
+                          </m:ctrlPr>
+                        </m:dPr>
+                        <m:e>
+                          <m:r>
+                            <a:rPr lang="en-US" b="1" i="0" smtClean="0">
+                              <a:latin typeface="Cambria Math" panose="02040503050406030204" pitchFamily="18" charset="0"/>
+                              <a:ea typeface="Cambria Math" panose="02040503050406030204" pitchFamily="18" charset="0"/>
+                            </a:rPr>
+                            <m:t>𝐰</m:t>
+                          </m:r>
+                        </m:e>
+                      </m:d>
+                      <m:r>
+                        <a:rPr lang="en-US" b="1" i="1" smtClean="0">
+                          <a:latin typeface="Cambria Math" panose="02040503050406030204" pitchFamily="18" charset="0"/>
+                          <a:ea typeface="Cambria Math" panose="02040503050406030204" pitchFamily="18" charset="0"/>
+                        </a:rPr>
+                        <m:t>=</m:t>
+                      </m:r>
+                      <m:f>
+                        <m:fPr>
+                          <m:ctrlPr>
+                            <a:rPr lang="en-US" b="1" i="1" smtClean="0">
+                              <a:latin typeface="Cambria Math" panose="02040503050406030204" pitchFamily="18" charset="0"/>
+                              <a:ea typeface="Cambria Math" panose="02040503050406030204" pitchFamily="18" charset="0"/>
+                            </a:rPr>
+                          </m:ctrlPr>
+                        </m:fPr>
+                        <m:num>
+                          <m:r>
+                            <a:rPr lang="en-US" b="1" i="1" smtClean="0">
+                              <a:latin typeface="Cambria Math" panose="02040503050406030204" pitchFamily="18" charset="0"/>
+                              <a:ea typeface="Cambria Math" panose="02040503050406030204" pitchFamily="18" charset="0"/>
+                            </a:rPr>
+                            <m:t>𝝏</m:t>
+                          </m:r>
+                          <m:r>
+                            <a:rPr lang="en-US" b="0" i="1" smtClean="0">
+                              <a:latin typeface="Cambria Math" panose="02040503050406030204" pitchFamily="18" charset="0"/>
+                              <a:ea typeface="Cambria Math" panose="02040503050406030204" pitchFamily="18" charset="0"/>
+                            </a:rPr>
+                            <m:t>𝐸</m:t>
+                          </m:r>
+                        </m:num>
+                        <m:den>
+                          <m:r>
+                            <a:rPr lang="en-US" b="1" i="1" smtClean="0">
+                              <a:latin typeface="Cambria Math" panose="02040503050406030204" pitchFamily="18" charset="0"/>
+                              <a:ea typeface="Cambria Math" panose="02040503050406030204" pitchFamily="18" charset="0"/>
+                            </a:rPr>
+                            <m:t>𝝏</m:t>
+                          </m:r>
+                          <m:r>
+                            <a:rPr lang="en-US" b="1" i="0" smtClean="0">
+                              <a:latin typeface="Cambria Math" panose="02040503050406030204" pitchFamily="18" charset="0"/>
+                              <a:ea typeface="Cambria Math" panose="02040503050406030204" pitchFamily="18" charset="0"/>
+                            </a:rPr>
+                            <m:t>𝐰</m:t>
+                          </m:r>
+                        </m:den>
+                      </m:f>
+                    </m:oMath>
+                  </m:oMathPara>
+                </a14:m>
+                <a:endParaRPr lang="en-US" b="1" dirty="0"/>
+              </a:p>
+            </p:txBody>
+          </p:sp>
+        </mc:Choice>
+        <mc:Fallback xmlns="">
+          <p:sp>
+            <p:nvSpPr>
+              <p:cNvPr id="180" name="TextBox 179"/>
+              <p:cNvSpPr txBox="1">
+                <a:spLocks noRot="1" noChangeAspect="1" noMove="1" noResize="1" noEditPoints="1" noAdjustHandles="1" noChangeArrowheads="1" noChangeShapeType="1" noTextEdit="1"/>
+              </p:cNvSpPr>
+              <p:nvPr/>
+            </p:nvSpPr>
+            <p:spPr>
+              <a:xfrm>
+                <a:off x="8564035" y="6081686"/>
+                <a:ext cx="1456424" cy="526683"/>
+              </a:xfrm>
+              <a:prstGeom prst="rect">
+                <a:avLst/>
+              </a:prstGeom>
+              <a:blipFill rotWithShape="0">
+                <a:blip r:embed="rId54"/>
+                <a:stretch>
+                  <a:fillRect/>
                 </a:stretch>
               </a:blipFill>
             </p:spPr>
